--- a/文件资料/Android培训-2.pptx
+++ b/文件资料/Android培训-2.pptx
@@ -206,7 +206,7 @@
           <a:p>
             <a:fld id="{52026B6E-E729-B54B-921E-F5D1C56799BF}" type="datetimeFigureOut">
               <a:rPr kumimoji="1" lang="zh-CN" altLang="en-US" smtClean="0"/>
-              <a:t>15/3/15</a:t>
+              <a:t>15/3/16</a:t>
             </a:fld>
             <a:endParaRPr kumimoji="1" lang="zh-CN" altLang="en-US"/>
           </a:p>
@@ -3507,13 +3507,8 @@
             </a:r>
             <a:r>
               <a:rPr kumimoji="1" lang="zh-CN" altLang="en-US" dirty="0" smtClean="0"/>
-              <a:t>开始</a:t>
-            </a:r>
-            <a:r>
-              <a:rPr kumimoji="1" lang="zh-CN" altLang="en-US" dirty="0" smtClean="0"/>
-              <a:t>，只能升级，不能降级</a:t>
-            </a:r>
-            <a:endParaRPr kumimoji="1" lang="zh-CN" altLang="en-US" dirty="0" smtClean="0"/>
+              <a:t>开始，只能升级，不能降级</a:t>
+            </a:r>
           </a:p>
           <a:p>
             <a:endParaRPr kumimoji="1" lang="zh-CN" altLang="en-US" dirty="0" smtClean="0"/>
@@ -4736,11 +4731,7 @@
             </a:r>
             <a:r>
               <a:rPr lang="en-US" altLang="zh-CN" sz="1600" b="0" dirty="0" smtClean="0"/>
-              <a:t>.</a:t>
-            </a:r>
-            <a:r>
-              <a:rPr lang="en-US" altLang="zh-CN" sz="1600" b="0" dirty="0" smtClean="0"/>
-              <a:t> </a:t>
+              <a:t>. </a:t>
             </a:r>
             <a:r>
               <a:rPr lang="zh-CN" altLang="en-US" sz="1600" b="0" dirty="0" smtClean="0"/>
@@ -5485,18 +5476,7 @@
                 <a:ea typeface="+mn-ea"/>
                 <a:cs typeface="+mn-cs"/>
               </a:rPr>
-              <a:t>e</a:t>
-            </a:r>
-            <a:r>
-              <a:rPr lang="en-US" altLang="zh-CN" sz="1200" kern="1200" dirty="0" smtClean="0">
-                <a:solidFill>
-                  <a:schemeClr val="tx1"/>
-                </a:solidFill>
-                <a:latin typeface="+mn-lt"/>
-                <a:ea typeface="+mn-ea"/>
-                <a:cs typeface="+mn-cs"/>
-              </a:rPr>
-              <a:t>xported</a:t>
+              <a:t>exported</a:t>
             </a:r>
             <a:r>
               <a:rPr lang="zh-CN" altLang="en-US" sz="1200" kern="1200" dirty="0" smtClean="0">
@@ -5944,18 +5924,7 @@
                 <a:ea typeface="+mn-ea"/>
                 <a:cs typeface="+mn-cs"/>
               </a:rPr>
-              <a:t>animation.st</a:t>
-            </a:r>
-            <a:r>
-              <a:rPr lang="en-US" altLang="zh-CN" sz="1200" kern="1200" dirty="0" err="1" smtClean="0">
-                <a:solidFill>
-                  <a:schemeClr val="tx1"/>
-                </a:solidFill>
-                <a:latin typeface="+mn-lt"/>
-                <a:ea typeface="+mn-ea"/>
-                <a:cs typeface="+mn-cs"/>
-              </a:rPr>
-              <a:t>art</a:t>
+              <a:t>animation.start</a:t>
             </a:r>
             <a:r>
               <a:rPr lang="en-US" altLang="zh-CN" sz="1200" kern="1200" dirty="0" smtClean="0">
@@ -8108,18 +8077,7 @@
                 <a:ea typeface="+mn-ea"/>
                 <a:cs typeface="+mn-cs"/>
               </a:rPr>
-              <a:t>表示表示左上角</a:t>
-            </a:r>
-            <a:r>
-              <a:rPr kumimoji="1" lang="zh-CN" altLang="en-US" sz="1200" kern="1200" dirty="0" smtClean="0">
-                <a:solidFill>
-                  <a:schemeClr val="tx1"/>
-                </a:solidFill>
-                <a:latin typeface="+mn-lt"/>
-                <a:ea typeface="+mn-ea"/>
-                <a:cs typeface="+mn-cs"/>
-              </a:rPr>
-              <a:t>，</a:t>
+              <a:t>表示表示左上角，</a:t>
             </a:r>
             <a:r>
               <a:rPr kumimoji="1" lang="en-US" altLang="zh-CN" sz="1200" kern="1200" dirty="0" smtClean="0">
@@ -8859,6 +8817,485 @@
     <p:extLst>
       <p:ext uri="{BB962C8B-B14F-4D97-AF65-F5344CB8AC3E}">
         <p14:creationId xmlns:p14="http://schemas.microsoft.com/office/powerpoint/2010/main" val="481369723"/>
+      </p:ext>
+    </p:extLst>
+  </p:cSld>
+  <p:clrMapOvr>
+    <a:masterClrMapping/>
+  </p:clrMapOvr>
+</p:notes>
+</file>
+
+<file path=ppt/notesSlides/notesSlide8.xml><?xml version="1.0" encoding="utf-8"?>
+<p:notes xmlns:a="http://schemas.openxmlformats.org/drawingml/2006/main" xmlns:r="http://schemas.openxmlformats.org/officeDocument/2006/relationships" xmlns:p="http://schemas.openxmlformats.org/presentationml/2006/main">
+  <p:cSld>
+    <p:spTree>
+      <p:nvGrpSpPr>
+        <p:cNvPr id="1" name=""/>
+        <p:cNvGrpSpPr/>
+        <p:nvPr/>
+      </p:nvGrpSpPr>
+      <p:grpSpPr>
+        <a:xfrm>
+          <a:off x="0" y="0"/>
+          <a:ext cx="0" cy="0"/>
+          <a:chOff x="0" y="0"/>
+          <a:chExt cx="0" cy="0"/>
+        </a:xfrm>
+      </p:grpSpPr>
+      <p:sp>
+        <p:nvSpPr>
+          <p:cNvPr id="2" name="幻灯片图像占位符 1"/>
+          <p:cNvSpPr>
+            <a:spLocks noGrp="1" noRot="1" noChangeAspect="1"/>
+          </p:cNvSpPr>
+          <p:nvPr>
+            <p:ph type="sldImg"/>
+          </p:nvPr>
+        </p:nvSpPr>
+        <p:spPr/>
+      </p:sp>
+      <p:sp>
+        <p:nvSpPr>
+          <p:cNvPr id="3" name="备注占位符 2"/>
+          <p:cNvSpPr>
+            <a:spLocks noGrp="1"/>
+          </p:cNvSpPr>
+          <p:nvPr>
+            <p:ph type="body" idx="1"/>
+          </p:nvPr>
+        </p:nvSpPr>
+        <p:spPr/>
+        <p:txBody>
+          <a:bodyPr/>
+          <a:lstStyle/>
+          <a:p>
+            <a:r>
+              <a:rPr lang="en-US" altLang="zh-CN" sz="1200" kern="1200" dirty="0" smtClean="0">
+                <a:solidFill>
+                  <a:schemeClr val="tx1"/>
+                </a:solidFill>
+                <a:latin typeface="+mn-lt"/>
+                <a:ea typeface="+mn-ea"/>
+                <a:cs typeface="+mn-cs"/>
+              </a:rPr>
+              <a:t> </a:t>
+            </a:r>
+            <a:r>
+              <a:rPr lang="en-US" altLang="zh-CN" sz="1200" kern="1200" dirty="0" err="1" smtClean="0">
+                <a:solidFill>
+                  <a:schemeClr val="tx1"/>
+                </a:solidFill>
+                <a:latin typeface="+mn-lt"/>
+                <a:ea typeface="+mn-ea"/>
+                <a:cs typeface="+mn-cs"/>
+              </a:rPr>
+              <a:t>HttpParams</a:t>
+            </a:r>
+            <a:r>
+              <a:rPr lang="en-US" altLang="zh-CN" sz="1200" kern="1200" dirty="0" smtClean="0">
+                <a:solidFill>
+                  <a:schemeClr val="tx1"/>
+                </a:solidFill>
+                <a:latin typeface="+mn-lt"/>
+                <a:ea typeface="+mn-ea"/>
+                <a:cs typeface="+mn-cs"/>
+              </a:rPr>
+              <a:t> </a:t>
+            </a:r>
+            <a:r>
+              <a:rPr lang="en-US" altLang="zh-CN" sz="1200" kern="1200" dirty="0" err="1" smtClean="0">
+                <a:solidFill>
+                  <a:schemeClr val="tx1"/>
+                </a:solidFill>
+                <a:latin typeface="+mn-lt"/>
+                <a:ea typeface="+mn-ea"/>
+                <a:cs typeface="+mn-cs"/>
+              </a:rPr>
+              <a:t>params</a:t>
+            </a:r>
+            <a:r>
+              <a:rPr lang="en-US" altLang="zh-CN" sz="1200" kern="1200" dirty="0" smtClean="0">
+                <a:solidFill>
+                  <a:schemeClr val="tx1"/>
+                </a:solidFill>
+                <a:latin typeface="+mn-lt"/>
+                <a:ea typeface="+mn-ea"/>
+                <a:cs typeface="+mn-cs"/>
+              </a:rPr>
+              <a:t> = </a:t>
+            </a:r>
+            <a:r>
+              <a:rPr lang="en-US" altLang="zh-CN" sz="1200" b="1" kern="1200" dirty="0" smtClean="0">
+                <a:solidFill>
+                  <a:schemeClr val="tx1"/>
+                </a:solidFill>
+                <a:latin typeface="+mn-lt"/>
+                <a:ea typeface="+mn-ea"/>
+                <a:cs typeface="+mn-cs"/>
+              </a:rPr>
+              <a:t>new </a:t>
+            </a:r>
+            <a:r>
+              <a:rPr lang="en-US" altLang="zh-CN" sz="1200" b="1" kern="1200" dirty="0" err="1" smtClean="0">
+                <a:solidFill>
+                  <a:schemeClr val="tx1"/>
+                </a:solidFill>
+                <a:latin typeface="+mn-lt"/>
+                <a:ea typeface="+mn-ea"/>
+                <a:cs typeface="+mn-cs"/>
+              </a:rPr>
+              <a:t>BasicHttpParams</a:t>
+            </a:r>
+            <a:r>
+              <a:rPr lang="en-US" altLang="zh-CN" sz="1200" b="1" kern="1200" dirty="0" smtClean="0">
+                <a:solidFill>
+                  <a:schemeClr val="tx1"/>
+                </a:solidFill>
+                <a:latin typeface="+mn-lt"/>
+                <a:ea typeface="+mn-ea"/>
+                <a:cs typeface="+mn-cs"/>
+              </a:rPr>
+              <a:t>();</a:t>
+            </a:r>
+          </a:p>
+          <a:p>
+            <a:r>
+              <a:rPr lang="en-US" altLang="zh-CN" sz="1200" kern="1200" dirty="0" smtClean="0">
+                <a:solidFill>
+                  <a:schemeClr val="tx1"/>
+                </a:solidFill>
+                <a:latin typeface="+mn-lt"/>
+                <a:ea typeface="+mn-ea"/>
+                <a:cs typeface="+mn-cs"/>
+              </a:rPr>
+              <a:t>        </a:t>
+            </a:r>
+            <a:r>
+              <a:rPr lang="en-US" altLang="zh-CN" sz="1200" kern="1200" dirty="0" err="1" smtClean="0">
+                <a:solidFill>
+                  <a:schemeClr val="tx1"/>
+                </a:solidFill>
+                <a:latin typeface="+mn-lt"/>
+                <a:ea typeface="+mn-ea"/>
+                <a:cs typeface="+mn-cs"/>
+              </a:rPr>
+              <a:t>HttpProtocolParams.</a:t>
+            </a:r>
+            <a:r>
+              <a:rPr lang="en-US" altLang="zh-CN" sz="1200" i="1" kern="1200" dirty="0" err="1" smtClean="0">
+                <a:solidFill>
+                  <a:schemeClr val="tx1"/>
+                </a:solidFill>
+                <a:latin typeface="+mn-lt"/>
+                <a:ea typeface="+mn-ea"/>
+                <a:cs typeface="+mn-cs"/>
+              </a:rPr>
+              <a:t>setContentCharset</a:t>
+            </a:r>
+            <a:r>
+              <a:rPr lang="en-US" altLang="zh-CN" sz="1200" i="1" kern="1200" dirty="0" smtClean="0">
+                <a:solidFill>
+                  <a:schemeClr val="tx1"/>
+                </a:solidFill>
+                <a:latin typeface="+mn-lt"/>
+                <a:ea typeface="+mn-ea"/>
+                <a:cs typeface="+mn-cs"/>
+              </a:rPr>
+              <a:t>(</a:t>
+            </a:r>
+            <a:r>
+              <a:rPr lang="en-US" altLang="zh-CN" sz="1200" i="1" kern="1200" dirty="0" err="1" smtClean="0">
+                <a:solidFill>
+                  <a:schemeClr val="tx1"/>
+                </a:solidFill>
+                <a:latin typeface="+mn-lt"/>
+                <a:ea typeface="+mn-ea"/>
+                <a:cs typeface="+mn-cs"/>
+              </a:rPr>
+              <a:t>params</a:t>
+            </a:r>
+            <a:r>
+              <a:rPr lang="en-US" altLang="zh-CN" sz="1200" i="1" kern="1200" dirty="0" smtClean="0">
+                <a:solidFill>
+                  <a:schemeClr val="tx1"/>
+                </a:solidFill>
+                <a:latin typeface="+mn-lt"/>
+                <a:ea typeface="+mn-ea"/>
+                <a:cs typeface="+mn-cs"/>
+              </a:rPr>
+              <a:t>, HTTP.UTF_8); // </a:t>
+            </a:r>
+            <a:r>
+              <a:rPr lang="zh-CN" altLang="en-US" sz="1200" i="1" kern="1200" dirty="0" smtClean="0">
+                <a:solidFill>
+                  <a:schemeClr val="tx1"/>
+                </a:solidFill>
+                <a:latin typeface="+mn-lt"/>
+                <a:ea typeface="+mn-ea"/>
+                <a:cs typeface="+mn-cs"/>
+              </a:rPr>
+              <a:t>设置编码格式</a:t>
+            </a:r>
+          </a:p>
+          <a:p>
+            <a:r>
+              <a:rPr lang="zh-TW" altLang="en-US" sz="1200" kern="1200" dirty="0" smtClean="0">
+                <a:solidFill>
+                  <a:schemeClr val="tx1"/>
+                </a:solidFill>
+                <a:latin typeface="+mn-lt"/>
+                <a:ea typeface="+mn-ea"/>
+                <a:cs typeface="+mn-cs"/>
+              </a:rPr>
+              <a:t>        </a:t>
+            </a:r>
+            <a:r>
+              <a:rPr lang="en-US" altLang="zh-TW" sz="1200" kern="1200" dirty="0" smtClean="0">
+                <a:solidFill>
+                  <a:schemeClr val="tx1"/>
+                </a:solidFill>
+                <a:latin typeface="+mn-lt"/>
+                <a:ea typeface="+mn-ea"/>
+                <a:cs typeface="+mn-cs"/>
+              </a:rPr>
+              <a:t>/* </a:t>
+            </a:r>
+            <a:r>
+              <a:rPr lang="zh-TW" altLang="en-US" sz="1200" kern="1200" dirty="0" smtClean="0">
+                <a:solidFill>
+                  <a:schemeClr val="tx1"/>
+                </a:solidFill>
+                <a:latin typeface="+mn-lt"/>
+                <a:ea typeface="+mn-ea"/>
+                <a:cs typeface="+mn-cs"/>
+              </a:rPr>
+              <a:t>连接超时 *</a:t>
+            </a:r>
+            <a:r>
+              <a:rPr lang="en-US" altLang="zh-TW" sz="1200" kern="1200" dirty="0" smtClean="0">
+                <a:solidFill>
+                  <a:schemeClr val="tx1"/>
+                </a:solidFill>
+                <a:latin typeface="+mn-lt"/>
+                <a:ea typeface="+mn-ea"/>
+                <a:cs typeface="+mn-cs"/>
+              </a:rPr>
+              <a:t>/</a:t>
+            </a:r>
+          </a:p>
+          <a:p>
+            <a:r>
+              <a:rPr lang="en-US" altLang="zh-CN" sz="1200" kern="1200" dirty="0" smtClean="0">
+                <a:solidFill>
+                  <a:schemeClr val="tx1"/>
+                </a:solidFill>
+                <a:latin typeface="+mn-lt"/>
+                <a:ea typeface="+mn-ea"/>
+                <a:cs typeface="+mn-cs"/>
+              </a:rPr>
+              <a:t>        </a:t>
+            </a:r>
+            <a:r>
+              <a:rPr lang="en-US" altLang="zh-CN" sz="1200" kern="1200" dirty="0" err="1" smtClean="0">
+                <a:solidFill>
+                  <a:schemeClr val="tx1"/>
+                </a:solidFill>
+                <a:latin typeface="+mn-lt"/>
+                <a:ea typeface="+mn-ea"/>
+                <a:cs typeface="+mn-cs"/>
+              </a:rPr>
+              <a:t>HttpConnectionParams.</a:t>
+            </a:r>
+            <a:r>
+              <a:rPr lang="en-US" altLang="zh-CN" sz="1200" i="1" kern="1200" dirty="0" err="1" smtClean="0">
+                <a:solidFill>
+                  <a:schemeClr val="tx1"/>
+                </a:solidFill>
+                <a:latin typeface="+mn-lt"/>
+                <a:ea typeface="+mn-ea"/>
+                <a:cs typeface="+mn-cs"/>
+              </a:rPr>
+              <a:t>setConnectionTimeout</a:t>
+            </a:r>
+            <a:r>
+              <a:rPr lang="en-US" altLang="zh-CN" sz="1200" i="1" kern="1200" dirty="0" smtClean="0">
+                <a:solidFill>
+                  <a:schemeClr val="tx1"/>
+                </a:solidFill>
+                <a:latin typeface="+mn-lt"/>
+                <a:ea typeface="+mn-ea"/>
+                <a:cs typeface="+mn-cs"/>
+              </a:rPr>
+              <a:t>(</a:t>
+            </a:r>
+            <a:r>
+              <a:rPr lang="en-US" altLang="zh-CN" sz="1200" i="1" kern="1200" dirty="0" err="1" smtClean="0">
+                <a:solidFill>
+                  <a:schemeClr val="tx1"/>
+                </a:solidFill>
+                <a:latin typeface="+mn-lt"/>
+                <a:ea typeface="+mn-ea"/>
+                <a:cs typeface="+mn-cs"/>
+              </a:rPr>
+              <a:t>params</a:t>
+            </a:r>
+            <a:r>
+              <a:rPr lang="en-US" altLang="zh-CN" sz="1200" i="1" kern="1200" dirty="0" smtClean="0">
+                <a:solidFill>
+                  <a:schemeClr val="tx1"/>
+                </a:solidFill>
+                <a:latin typeface="+mn-lt"/>
+                <a:ea typeface="+mn-ea"/>
+                <a:cs typeface="+mn-cs"/>
+              </a:rPr>
+              <a:t>, 10000);</a:t>
+            </a:r>
+          </a:p>
+          <a:p>
+            <a:r>
+              <a:rPr lang="zh-TW" altLang="en-US" sz="1200" kern="1200" dirty="0" smtClean="0">
+                <a:solidFill>
+                  <a:schemeClr val="tx1"/>
+                </a:solidFill>
+                <a:latin typeface="+mn-lt"/>
+                <a:ea typeface="+mn-ea"/>
+                <a:cs typeface="+mn-cs"/>
+              </a:rPr>
+              <a:t>        </a:t>
+            </a:r>
+            <a:r>
+              <a:rPr lang="en-US" altLang="zh-TW" sz="1200" kern="1200" dirty="0" smtClean="0">
+                <a:solidFill>
+                  <a:schemeClr val="tx1"/>
+                </a:solidFill>
+                <a:latin typeface="+mn-lt"/>
+                <a:ea typeface="+mn-ea"/>
+                <a:cs typeface="+mn-cs"/>
+              </a:rPr>
+              <a:t>/* </a:t>
+            </a:r>
+            <a:r>
+              <a:rPr lang="zh-TW" altLang="en-US" sz="1200" kern="1200" dirty="0" smtClean="0">
+                <a:solidFill>
+                  <a:schemeClr val="tx1"/>
+                </a:solidFill>
+                <a:latin typeface="+mn-lt"/>
+                <a:ea typeface="+mn-ea"/>
+                <a:cs typeface="+mn-cs"/>
+              </a:rPr>
+              <a:t>请求超时 *</a:t>
+            </a:r>
+            <a:r>
+              <a:rPr lang="en-US" altLang="zh-TW" sz="1200" kern="1200" dirty="0" smtClean="0">
+                <a:solidFill>
+                  <a:schemeClr val="tx1"/>
+                </a:solidFill>
+                <a:latin typeface="+mn-lt"/>
+                <a:ea typeface="+mn-ea"/>
+                <a:cs typeface="+mn-cs"/>
+              </a:rPr>
+              <a:t>/</a:t>
+            </a:r>
+          </a:p>
+          <a:p>
+            <a:r>
+              <a:rPr lang="en-US" altLang="zh-CN" sz="1200" kern="1200" dirty="0" smtClean="0">
+                <a:solidFill>
+                  <a:schemeClr val="tx1"/>
+                </a:solidFill>
+                <a:latin typeface="+mn-lt"/>
+                <a:ea typeface="+mn-ea"/>
+                <a:cs typeface="+mn-cs"/>
+              </a:rPr>
+              <a:t>        </a:t>
+            </a:r>
+            <a:r>
+              <a:rPr lang="en-US" altLang="zh-CN" sz="1200" kern="1200" dirty="0" err="1" smtClean="0">
+                <a:solidFill>
+                  <a:schemeClr val="tx1"/>
+                </a:solidFill>
+                <a:latin typeface="+mn-lt"/>
+                <a:ea typeface="+mn-ea"/>
+                <a:cs typeface="+mn-cs"/>
+              </a:rPr>
+              <a:t>HttpConnectionParams.</a:t>
+            </a:r>
+            <a:r>
+              <a:rPr lang="en-US" altLang="zh-CN" sz="1200" i="1" kern="1200" dirty="0" err="1" smtClean="0">
+                <a:solidFill>
+                  <a:schemeClr val="tx1"/>
+                </a:solidFill>
+                <a:latin typeface="+mn-lt"/>
+                <a:ea typeface="+mn-ea"/>
+                <a:cs typeface="+mn-cs"/>
+              </a:rPr>
+              <a:t>setSoTimeout</a:t>
+            </a:r>
+            <a:r>
+              <a:rPr lang="en-US" altLang="zh-CN" sz="1200" i="1" kern="1200" dirty="0" smtClean="0">
+                <a:solidFill>
+                  <a:schemeClr val="tx1"/>
+                </a:solidFill>
+                <a:latin typeface="+mn-lt"/>
+                <a:ea typeface="+mn-ea"/>
+                <a:cs typeface="+mn-cs"/>
+              </a:rPr>
+              <a:t>(</a:t>
+            </a:r>
+            <a:r>
+              <a:rPr lang="en-US" altLang="zh-CN" sz="1200" i="1" kern="1200" dirty="0" err="1" smtClean="0">
+                <a:solidFill>
+                  <a:schemeClr val="tx1"/>
+                </a:solidFill>
+                <a:latin typeface="+mn-lt"/>
+                <a:ea typeface="+mn-ea"/>
+                <a:cs typeface="+mn-cs"/>
+              </a:rPr>
+              <a:t>params</a:t>
+            </a:r>
+            <a:r>
+              <a:rPr lang="en-US" altLang="zh-CN" sz="1200" i="1" kern="1200" dirty="0" smtClean="0">
+                <a:solidFill>
+                  <a:schemeClr val="tx1"/>
+                </a:solidFill>
+                <a:latin typeface="+mn-lt"/>
+                <a:ea typeface="+mn-ea"/>
+                <a:cs typeface="+mn-cs"/>
+              </a:rPr>
+              <a:t>, 10000);</a:t>
+            </a:r>
+            <a:endParaRPr kumimoji="1" lang="zh-CN" altLang="en-US" dirty="0"/>
+          </a:p>
+        </p:txBody>
+      </p:sp>
+      <p:sp>
+        <p:nvSpPr>
+          <p:cNvPr id="4" name="幻灯片编号占位符 3"/>
+          <p:cNvSpPr>
+            <a:spLocks noGrp="1"/>
+          </p:cNvSpPr>
+          <p:nvPr>
+            <p:ph type="sldNum" sz="quarter" idx="10"/>
+          </p:nvPr>
+        </p:nvSpPr>
+        <p:spPr/>
+        <p:txBody>
+          <a:bodyPr/>
+          <a:lstStyle/>
+          <a:p>
+            <a:fld id="{F0FB8CF0-B273-F446-8063-8470DCBC23B4}" type="slidenum">
+              <a:rPr kumimoji="1" lang="zh-CN" altLang="en-US" smtClean="0"/>
+              <a:t>15</a:t>
+            </a:fld>
+            <a:endParaRPr kumimoji="1" lang="zh-CN" altLang="en-US"/>
+          </a:p>
+        </p:txBody>
+      </p:sp>
+    </p:spTree>
+    <p:extLst>
+      <p:ext uri="{BB962C8B-B14F-4D97-AF65-F5344CB8AC3E}">
+        <p14:creationId xmlns:p14="http://schemas.microsoft.com/office/powerpoint/2010/main" val="2689636753"/>
       </p:ext>
     </p:extLst>
   </p:cSld>
@@ -9049,7 +9486,7 @@
           <a:p>
             <a:fld id="{78D5617F-8706-C243-AA34-EA73F1578B19}" type="datetimeFigureOut">
               <a:rPr kumimoji="1" lang="zh-CN" altLang="en-US" smtClean="0"/>
-              <a:t>15/3/15</a:t>
+              <a:t>15/3/16</a:t>
             </a:fld>
             <a:endParaRPr kumimoji="1" lang="zh-CN" altLang="en-US"/>
           </a:p>
@@ -9219,7 +9656,7 @@
           <a:p>
             <a:fld id="{78D5617F-8706-C243-AA34-EA73F1578B19}" type="datetimeFigureOut">
               <a:rPr kumimoji="1" lang="zh-CN" altLang="en-US" smtClean="0"/>
-              <a:t>15/3/15</a:t>
+              <a:t>15/3/16</a:t>
             </a:fld>
             <a:endParaRPr kumimoji="1" lang="zh-CN" altLang="en-US"/>
           </a:p>
@@ -9399,7 +9836,7 @@
           <a:p>
             <a:fld id="{78D5617F-8706-C243-AA34-EA73F1578B19}" type="datetimeFigureOut">
               <a:rPr kumimoji="1" lang="zh-CN" altLang="en-US" smtClean="0"/>
-              <a:t>15/3/15</a:t>
+              <a:t>15/3/16</a:t>
             </a:fld>
             <a:endParaRPr kumimoji="1" lang="zh-CN" altLang="en-US"/>
           </a:p>
@@ -9569,7 +10006,7 @@
           <a:p>
             <a:fld id="{78D5617F-8706-C243-AA34-EA73F1578B19}" type="datetimeFigureOut">
               <a:rPr kumimoji="1" lang="zh-CN" altLang="en-US" smtClean="0"/>
-              <a:t>15/3/15</a:t>
+              <a:t>15/3/16</a:t>
             </a:fld>
             <a:endParaRPr kumimoji="1" lang="zh-CN" altLang="en-US"/>
           </a:p>
@@ -9815,7 +10252,7 @@
           <a:p>
             <a:fld id="{78D5617F-8706-C243-AA34-EA73F1578B19}" type="datetimeFigureOut">
               <a:rPr kumimoji="1" lang="zh-CN" altLang="en-US" smtClean="0"/>
-              <a:t>15/3/15</a:t>
+              <a:t>15/3/16</a:t>
             </a:fld>
             <a:endParaRPr kumimoji="1" lang="zh-CN" altLang="en-US"/>
           </a:p>
@@ -10103,7 +10540,7 @@
           <a:p>
             <a:fld id="{78D5617F-8706-C243-AA34-EA73F1578B19}" type="datetimeFigureOut">
               <a:rPr kumimoji="1" lang="zh-CN" altLang="en-US" smtClean="0"/>
-              <a:t>15/3/15</a:t>
+              <a:t>15/3/16</a:t>
             </a:fld>
             <a:endParaRPr kumimoji="1" lang="zh-CN" altLang="en-US"/>
           </a:p>
@@ -10525,7 +10962,7 @@
           <a:p>
             <a:fld id="{78D5617F-8706-C243-AA34-EA73F1578B19}" type="datetimeFigureOut">
               <a:rPr kumimoji="1" lang="zh-CN" altLang="en-US" smtClean="0"/>
-              <a:t>15/3/15</a:t>
+              <a:t>15/3/16</a:t>
             </a:fld>
             <a:endParaRPr kumimoji="1" lang="zh-CN" altLang="en-US"/>
           </a:p>
@@ -10643,7 +11080,7 @@
           <a:p>
             <a:fld id="{78D5617F-8706-C243-AA34-EA73F1578B19}" type="datetimeFigureOut">
               <a:rPr kumimoji="1" lang="zh-CN" altLang="en-US" smtClean="0"/>
-              <a:t>15/3/15</a:t>
+              <a:t>15/3/16</a:t>
             </a:fld>
             <a:endParaRPr kumimoji="1" lang="zh-CN" altLang="en-US"/>
           </a:p>
@@ -10738,7 +11175,7 @@
           <a:p>
             <a:fld id="{78D5617F-8706-C243-AA34-EA73F1578B19}" type="datetimeFigureOut">
               <a:rPr kumimoji="1" lang="zh-CN" altLang="en-US" smtClean="0"/>
-              <a:t>15/3/15</a:t>
+              <a:t>15/3/16</a:t>
             </a:fld>
             <a:endParaRPr kumimoji="1" lang="zh-CN" altLang="en-US"/>
           </a:p>
@@ -11015,7 +11452,7 @@
           <a:p>
             <a:fld id="{78D5617F-8706-C243-AA34-EA73F1578B19}" type="datetimeFigureOut">
               <a:rPr kumimoji="1" lang="zh-CN" altLang="en-US" smtClean="0"/>
-              <a:t>15/3/15</a:t>
+              <a:t>15/3/16</a:t>
             </a:fld>
             <a:endParaRPr kumimoji="1" lang="zh-CN" altLang="en-US"/>
           </a:p>
@@ -11268,7 +11705,7 @@
           <a:p>
             <a:fld id="{78D5617F-8706-C243-AA34-EA73F1578B19}" type="datetimeFigureOut">
               <a:rPr kumimoji="1" lang="zh-CN" altLang="en-US" smtClean="0"/>
-              <a:t>15/3/15</a:t>
+              <a:t>15/3/16</a:t>
             </a:fld>
             <a:endParaRPr kumimoji="1" lang="zh-CN" altLang="en-US"/>
           </a:p>
@@ -11481,7 +11918,7 @@
           <a:p>
             <a:fld id="{78D5617F-8706-C243-AA34-EA73F1578B19}" type="datetimeFigureOut">
               <a:rPr kumimoji="1" lang="zh-CN" altLang="en-US" smtClean="0"/>
-              <a:t>15/3/15</a:t>
+              <a:t>15/3/16</a:t>
             </a:fld>
             <a:endParaRPr kumimoji="1" lang="zh-CN" altLang="en-US"/>
           </a:p>
@@ -12031,11 +12468,7 @@
             </a:r>
             <a:r>
               <a:rPr lang="en-US" altLang="zh-CN" sz="2000" dirty="0" smtClean="0"/>
-              <a:t>SQLite</a:t>
-            </a:r>
-            <a:r>
-              <a:rPr lang="en-US" altLang="zh-CN" sz="2000" dirty="0" smtClean="0"/>
-              <a:t>,</a:t>
+              <a:t>SQLite,</a:t>
             </a:r>
             <a:r>
               <a:rPr lang="zh-CN" altLang="en-US" sz="2000" dirty="0" smtClean="0"/>
@@ -12117,7 +12550,6 @@
               <a:rPr lang="en-US" altLang="zh-CN" sz="2000" dirty="0" smtClean="0"/>
               <a:t>.</a:t>
             </a:r>
-            <a:endParaRPr lang="en-US" altLang="zh-CN" sz="2000" dirty="0" smtClean="0"/>
           </a:p>
           <a:p>
             <a:pPr lvl="0"/>
@@ -12850,11 +13282,7 @@
           <a:p>
             <a:r>
               <a:rPr kumimoji="1" lang="en-US" altLang="zh-CN" dirty="0" smtClean="0"/>
-              <a:t>Android</a:t>
-            </a:r>
-            <a:r>
-              <a:rPr kumimoji="1" lang="en-US" altLang="zh-CN" dirty="0" smtClean="0"/>
-              <a:t> </a:t>
+              <a:t>Android </a:t>
             </a:r>
             <a:r>
               <a:rPr kumimoji="1" lang="zh-CN" altLang="en-US" dirty="0" smtClean="0"/>
@@ -12926,7 +13354,42 @@
               <a:rPr lang="zh-CN" altLang="en-US" sz="2000" i="1" dirty="0" smtClean="0"/>
               <a:t>权限</a:t>
             </a:r>
-            <a:endParaRPr kumimoji="1" lang="zh-CN" altLang="en-US" sz="2000" dirty="0"/>
+            <a:endParaRPr lang="en-US" altLang="zh-CN" sz="2000" i="1" dirty="0" smtClean="0"/>
+          </a:p>
+          <a:p>
+            <a:r>
+              <a:rPr kumimoji="1" lang="en-US" altLang="zh-CN" sz="2000" dirty="0" smtClean="0"/>
+              <a:t>Android</a:t>
+            </a:r>
+            <a:r>
+              <a:rPr kumimoji="1" lang="zh-CN" altLang="en-US" sz="2000" dirty="0" smtClean="0"/>
+              <a:t> 封装了类</a:t>
+            </a:r>
+            <a:r>
+              <a:rPr kumimoji="1" lang="en-US" altLang="zh-CN" sz="2000" dirty="0" err="1" smtClean="0"/>
+              <a:t>HttpClient</a:t>
+            </a:r>
+            <a:r>
+              <a:rPr kumimoji="1" lang="zh-CN" altLang="en-US" sz="2000" dirty="0" smtClean="0"/>
+              <a:t>、</a:t>
+            </a:r>
+            <a:r>
+              <a:rPr kumimoji="1" lang="en-US" altLang="zh-CN" sz="2000" dirty="0" err="1" smtClean="0"/>
+              <a:t>HttpGet</a:t>
+            </a:r>
+            <a:r>
+              <a:rPr kumimoji="1" lang="zh-CN" altLang="zh-CN" sz="2000" dirty="0" smtClean="0"/>
+              <a:t>、</a:t>
+            </a:r>
+            <a:r>
+              <a:rPr kumimoji="1" lang="en-US" altLang="zh-CN" sz="2000" dirty="0" err="1" smtClean="0"/>
+              <a:t>HttpPost</a:t>
+            </a:r>
+            <a:r>
+              <a:rPr kumimoji="1" lang="zh-CN" altLang="en-US" sz="2000" dirty="0" smtClean="0"/>
+              <a:t>使我们网络更加的方便。</a:t>
+            </a:r>
+            <a:endParaRPr kumimoji="1" lang="en-US" altLang="zh-CN" sz="2000" dirty="0" smtClean="0"/>
           </a:p>
         </p:txBody>
       </p:sp>
@@ -14765,11 +15228,7 @@
             </a:r>
             <a:r>
               <a:rPr lang="en-US" altLang="zh-CN" sz="2000" i="1" dirty="0"/>
-              <a:t>)</a:t>
-            </a:r>
-            <a:r>
-              <a:rPr lang="en-US" altLang="zh-CN" sz="2000" i="1" dirty="0"/>
-              <a:t>; </a:t>
+              <a:t>); </a:t>
             </a:r>
             <a:endParaRPr lang="en-US" altLang="zh-CN" sz="2000" i="1" dirty="0" smtClean="0"/>
           </a:p>

--- a/文件资料/Android培训-2.pptx
+++ b/文件资料/Android培训-2.pptx
@@ -518,14 +518,6 @@
           <a:bodyPr/>
           <a:lstStyle/>
           <a:p>
-            <a:r>
-              <a:rPr kumimoji="1" lang="en-US" altLang="zh-CN" dirty="0" smtClean="0"/>
-              <a:t>activity</a:t>
-            </a:r>
-            <a:r>
-              <a:rPr kumimoji="1" lang="zh-CN" altLang="en-US" dirty="0" smtClean="0"/>
-              <a:t> 是</a:t>
-            </a:r>
             <a:endParaRPr kumimoji="1" lang="zh-CN" altLang="en-US" dirty="0"/>
           </a:p>
         </p:txBody>
@@ -610,841 +602,6 @@
           <a:bodyPr/>
           <a:lstStyle/>
           <a:p>
-            <a:pPr algn="l"/>
-            <a:r>
-              <a:rPr lang="zh-CN" altLang="en-US" sz="1200" dirty="0" smtClean="0">
-                <a:solidFill>
-                  <a:srgbClr val="000000"/>
-                </a:solidFill>
-                <a:latin typeface="Monaco"/>
-              </a:rPr>
-              <a:t>写入数据到内部存储</a:t>
-            </a:r>
-            <a:endParaRPr lang="en-US" altLang="zh-CN" sz="1200" dirty="0" smtClean="0">
-              <a:solidFill>
-                <a:srgbClr val="000000"/>
-              </a:solidFill>
-              <a:latin typeface="Monaco"/>
-            </a:endParaRPr>
-          </a:p>
-          <a:p>
-            <a:r>
-              <a:rPr lang="en-US" altLang="zh-CN" sz="1200" kern="1200" dirty="0" err="1" smtClean="0">
-                <a:solidFill>
-                  <a:schemeClr val="tx1"/>
-                </a:solidFill>
-                <a:latin typeface="+mn-lt"/>
-                <a:ea typeface="+mn-ea"/>
-                <a:cs typeface="+mn-cs"/>
-              </a:rPr>
-              <a:t>FileOutputStream</a:t>
-            </a:r>
-            <a:r>
-              <a:rPr lang="en-US" altLang="zh-CN" sz="1200" kern="1200" dirty="0" smtClean="0">
-                <a:solidFill>
-                  <a:schemeClr val="tx1"/>
-                </a:solidFill>
-                <a:latin typeface="+mn-lt"/>
-                <a:ea typeface="+mn-ea"/>
-                <a:cs typeface="+mn-cs"/>
-              </a:rPr>
-              <a:t> </a:t>
-            </a:r>
-            <a:r>
-              <a:rPr lang="en-US" altLang="zh-CN" sz="1200" kern="1200" dirty="0" err="1" smtClean="0">
-                <a:solidFill>
-                  <a:schemeClr val="tx1"/>
-                </a:solidFill>
-                <a:latin typeface="+mn-lt"/>
-                <a:ea typeface="+mn-ea"/>
-                <a:cs typeface="+mn-cs"/>
-              </a:rPr>
-              <a:t>fos</a:t>
-            </a:r>
-            <a:r>
-              <a:rPr lang="en-US" altLang="zh-CN" sz="1200" kern="1200" dirty="0" smtClean="0">
-                <a:solidFill>
-                  <a:schemeClr val="tx1"/>
-                </a:solidFill>
-                <a:latin typeface="+mn-lt"/>
-                <a:ea typeface="+mn-ea"/>
-                <a:cs typeface="+mn-cs"/>
-              </a:rPr>
-              <a:t> = </a:t>
-            </a:r>
-            <a:r>
-              <a:rPr lang="en-US" altLang="zh-CN" sz="1200" kern="1200" dirty="0" err="1" smtClean="0">
-                <a:solidFill>
-                  <a:schemeClr val="tx1"/>
-                </a:solidFill>
-                <a:latin typeface="+mn-lt"/>
-                <a:ea typeface="+mn-ea"/>
-                <a:cs typeface="+mn-cs"/>
-              </a:rPr>
-              <a:t>openFileOutput</a:t>
-            </a:r>
-            <a:r>
-              <a:rPr lang="en-US" altLang="zh-CN" sz="1200" kern="1200" dirty="0" smtClean="0">
-                <a:solidFill>
-                  <a:schemeClr val="tx1"/>
-                </a:solidFill>
-                <a:latin typeface="+mn-lt"/>
-                <a:ea typeface="+mn-ea"/>
-                <a:cs typeface="+mn-cs"/>
-              </a:rPr>
-              <a:t>(</a:t>
-            </a:r>
-            <a:r>
-              <a:rPr lang="en-US" altLang="zh-CN" sz="1200" i="1" kern="1200" dirty="0" err="1" smtClean="0">
-                <a:solidFill>
-                  <a:schemeClr val="tx1"/>
-                </a:solidFill>
-                <a:latin typeface="+mn-lt"/>
-                <a:ea typeface="+mn-ea"/>
-                <a:cs typeface="+mn-cs"/>
-              </a:rPr>
-              <a:t>fileName</a:t>
-            </a:r>
-            <a:r>
-              <a:rPr lang="en-US" altLang="zh-CN" sz="1200" i="1" kern="1200" dirty="0" smtClean="0">
-                <a:solidFill>
-                  <a:schemeClr val="tx1"/>
-                </a:solidFill>
-                <a:latin typeface="+mn-lt"/>
-                <a:ea typeface="+mn-ea"/>
-                <a:cs typeface="+mn-cs"/>
-              </a:rPr>
-              <a:t>, </a:t>
-            </a:r>
-            <a:r>
-              <a:rPr lang="en-US" altLang="zh-CN" sz="1200" i="1" kern="1200" dirty="0" err="1" smtClean="0">
-                <a:solidFill>
-                  <a:schemeClr val="tx1"/>
-                </a:solidFill>
-                <a:latin typeface="+mn-lt"/>
-                <a:ea typeface="+mn-ea"/>
-                <a:cs typeface="+mn-cs"/>
-              </a:rPr>
-              <a:t>Context.MODE_PRIVATE</a:t>
-            </a:r>
-            <a:r>
-              <a:rPr lang="en-US" altLang="zh-CN" sz="1200" i="1" kern="1200" dirty="0" smtClean="0">
-                <a:solidFill>
-                  <a:schemeClr val="tx1"/>
-                </a:solidFill>
-                <a:latin typeface="+mn-lt"/>
-                <a:ea typeface="+mn-ea"/>
-                <a:cs typeface="+mn-cs"/>
-              </a:rPr>
-              <a:t>);</a:t>
-            </a:r>
-          </a:p>
-          <a:p>
-            <a:r>
-              <a:rPr lang="en-US" altLang="zh-CN" sz="1200" kern="1200" dirty="0" smtClean="0">
-                <a:solidFill>
-                  <a:schemeClr val="tx1"/>
-                </a:solidFill>
-                <a:latin typeface="+mn-lt"/>
-                <a:ea typeface="+mn-ea"/>
-                <a:cs typeface="+mn-cs"/>
-              </a:rPr>
-              <a:t>					</a:t>
-            </a:r>
-          </a:p>
-          <a:p>
-            <a:r>
-              <a:rPr lang="en-US" altLang="zh-CN" sz="1200" kern="1200" dirty="0" smtClean="0">
-                <a:solidFill>
-                  <a:schemeClr val="tx1"/>
-                </a:solidFill>
-                <a:latin typeface="+mn-lt"/>
-                <a:ea typeface="+mn-ea"/>
-                <a:cs typeface="+mn-cs"/>
-              </a:rPr>
-              <a:t>					</a:t>
-            </a:r>
-            <a:r>
-              <a:rPr lang="en-US" altLang="zh-CN" sz="1200" kern="1200" dirty="0" err="1" smtClean="0">
-                <a:solidFill>
-                  <a:schemeClr val="tx1"/>
-                </a:solidFill>
-                <a:latin typeface="+mn-lt"/>
-                <a:ea typeface="+mn-ea"/>
-                <a:cs typeface="+mn-cs"/>
-              </a:rPr>
-              <a:t>fos.write</a:t>
-            </a:r>
-            <a:r>
-              <a:rPr lang="en-US" altLang="zh-CN" sz="1200" kern="1200" dirty="0" smtClean="0">
-                <a:solidFill>
-                  <a:schemeClr val="tx1"/>
-                </a:solidFill>
-                <a:latin typeface="+mn-lt"/>
-                <a:ea typeface="+mn-ea"/>
-                <a:cs typeface="+mn-cs"/>
-              </a:rPr>
-              <a:t>(</a:t>
-            </a:r>
-            <a:r>
-              <a:rPr lang="en-US" altLang="zh-CN" sz="1200" kern="1200" dirty="0" err="1" smtClean="0">
-                <a:solidFill>
-                  <a:schemeClr val="tx1"/>
-                </a:solidFill>
-                <a:latin typeface="+mn-lt"/>
-                <a:ea typeface="+mn-ea"/>
-                <a:cs typeface="+mn-cs"/>
-              </a:rPr>
-              <a:t>editText.getText</a:t>
-            </a:r>
-            <a:r>
-              <a:rPr lang="en-US" altLang="zh-CN" sz="1200" kern="1200" dirty="0" smtClean="0">
-                <a:solidFill>
-                  <a:schemeClr val="tx1"/>
-                </a:solidFill>
-                <a:latin typeface="+mn-lt"/>
-                <a:ea typeface="+mn-ea"/>
-                <a:cs typeface="+mn-cs"/>
-              </a:rPr>
-              <a:t>().</a:t>
-            </a:r>
-            <a:r>
-              <a:rPr lang="en-US" altLang="zh-CN" sz="1200" kern="1200" dirty="0" err="1" smtClean="0">
-                <a:solidFill>
-                  <a:schemeClr val="tx1"/>
-                </a:solidFill>
-                <a:latin typeface="+mn-lt"/>
-                <a:ea typeface="+mn-ea"/>
-                <a:cs typeface="+mn-cs"/>
-              </a:rPr>
-              <a:t>toString</a:t>
-            </a:r>
-            <a:r>
-              <a:rPr lang="en-US" altLang="zh-CN" sz="1200" kern="1200" dirty="0" smtClean="0">
-                <a:solidFill>
-                  <a:schemeClr val="tx1"/>
-                </a:solidFill>
-                <a:latin typeface="+mn-lt"/>
-                <a:ea typeface="+mn-ea"/>
-                <a:cs typeface="+mn-cs"/>
-              </a:rPr>
-              <a:t>().</a:t>
-            </a:r>
-            <a:r>
-              <a:rPr lang="en-US" altLang="zh-CN" sz="1200" kern="1200" dirty="0" err="1" smtClean="0">
-                <a:solidFill>
-                  <a:schemeClr val="tx1"/>
-                </a:solidFill>
-                <a:latin typeface="+mn-lt"/>
-                <a:ea typeface="+mn-ea"/>
-                <a:cs typeface="+mn-cs"/>
-              </a:rPr>
-              <a:t>getBytes</a:t>
-            </a:r>
-            <a:r>
-              <a:rPr lang="en-US" altLang="zh-CN" sz="1200" kern="1200" dirty="0" smtClean="0">
-                <a:solidFill>
-                  <a:schemeClr val="tx1"/>
-                </a:solidFill>
-                <a:latin typeface="+mn-lt"/>
-                <a:ea typeface="+mn-ea"/>
-                <a:cs typeface="+mn-cs"/>
-              </a:rPr>
-              <a:t>());</a:t>
-            </a:r>
-          </a:p>
-          <a:p>
-            <a:r>
-              <a:rPr lang="en-US" altLang="zh-CN" sz="1200" kern="1200" dirty="0" smtClean="0">
-                <a:solidFill>
-                  <a:schemeClr val="tx1"/>
-                </a:solidFill>
-                <a:latin typeface="+mn-lt"/>
-                <a:ea typeface="+mn-ea"/>
-                <a:cs typeface="+mn-cs"/>
-              </a:rPr>
-              <a:t>					</a:t>
-            </a:r>
-          </a:p>
-          <a:p>
-            <a:r>
-              <a:rPr lang="en-US" altLang="zh-CN" sz="1200" kern="1200" dirty="0" smtClean="0">
-                <a:solidFill>
-                  <a:schemeClr val="tx1"/>
-                </a:solidFill>
-                <a:latin typeface="+mn-lt"/>
-                <a:ea typeface="+mn-ea"/>
-                <a:cs typeface="+mn-cs"/>
-              </a:rPr>
-              <a:t>					</a:t>
-            </a:r>
-            <a:r>
-              <a:rPr lang="en-US" altLang="zh-CN" sz="1200" kern="1200" dirty="0" err="1" smtClean="0">
-                <a:solidFill>
-                  <a:schemeClr val="tx1"/>
-                </a:solidFill>
-                <a:latin typeface="+mn-lt"/>
-                <a:ea typeface="+mn-ea"/>
-                <a:cs typeface="+mn-cs"/>
-              </a:rPr>
-              <a:t>fos.close</a:t>
-            </a:r>
-            <a:r>
-              <a:rPr lang="en-US" altLang="zh-CN" sz="1200" kern="1200" dirty="0" smtClean="0">
-                <a:solidFill>
-                  <a:schemeClr val="tx1"/>
-                </a:solidFill>
-                <a:latin typeface="+mn-lt"/>
-                <a:ea typeface="+mn-ea"/>
-                <a:cs typeface="+mn-cs"/>
-              </a:rPr>
-              <a:t>();</a:t>
-            </a:r>
-          </a:p>
-          <a:p>
-            <a:r>
-              <a:rPr lang="en-US" altLang="zh-CN" sz="1200" kern="1200" dirty="0" smtClean="0">
-                <a:solidFill>
-                  <a:schemeClr val="tx1"/>
-                </a:solidFill>
-                <a:latin typeface="+mn-lt"/>
-                <a:ea typeface="+mn-ea"/>
-                <a:cs typeface="+mn-cs"/>
-              </a:rPr>
-              <a:t>				</a:t>
-            </a:r>
-          </a:p>
-          <a:p>
-            <a:r>
-              <a:rPr lang="en-US" altLang="zh-CN" sz="1200" kern="1200" dirty="0" smtClean="0">
-                <a:solidFill>
-                  <a:schemeClr val="tx1"/>
-                </a:solidFill>
-                <a:latin typeface="+mn-lt"/>
-                <a:ea typeface="+mn-ea"/>
-                <a:cs typeface="+mn-cs"/>
-              </a:rPr>
-              <a:t>					</a:t>
-            </a:r>
-            <a:r>
-              <a:rPr lang="en-US" altLang="zh-CN" sz="1200" kern="1200" dirty="0" err="1" smtClean="0">
-                <a:solidFill>
-                  <a:schemeClr val="tx1"/>
-                </a:solidFill>
-                <a:latin typeface="+mn-lt"/>
-                <a:ea typeface="+mn-ea"/>
-                <a:cs typeface="+mn-cs"/>
-              </a:rPr>
-              <a:t>Toast.</a:t>
-            </a:r>
-            <a:r>
-              <a:rPr lang="en-US" altLang="zh-CN" sz="1200" i="1" kern="1200" dirty="0" err="1" smtClean="0">
-                <a:solidFill>
-                  <a:schemeClr val="tx1"/>
-                </a:solidFill>
-                <a:latin typeface="+mn-lt"/>
-                <a:ea typeface="+mn-ea"/>
-                <a:cs typeface="+mn-cs"/>
-              </a:rPr>
-              <a:t>makeText</a:t>
-            </a:r>
-            <a:r>
-              <a:rPr lang="en-US" altLang="zh-CN" sz="1200" i="1" kern="1200" dirty="0" smtClean="0">
-                <a:solidFill>
-                  <a:schemeClr val="tx1"/>
-                </a:solidFill>
-                <a:latin typeface="+mn-lt"/>
-                <a:ea typeface="+mn-ea"/>
-                <a:cs typeface="+mn-cs"/>
-              </a:rPr>
-              <a:t>(</a:t>
-            </a:r>
-            <a:r>
-              <a:rPr lang="en-US" altLang="zh-CN" sz="1200" i="1" kern="1200" dirty="0" err="1" smtClean="0">
-                <a:solidFill>
-                  <a:schemeClr val="tx1"/>
-                </a:solidFill>
-                <a:latin typeface="+mn-lt"/>
-                <a:ea typeface="+mn-ea"/>
-                <a:cs typeface="+mn-cs"/>
-              </a:rPr>
-              <a:t>getApplicationContext</a:t>
-            </a:r>
-            <a:r>
-              <a:rPr lang="en-US" altLang="zh-CN" sz="1200" i="1" kern="1200" dirty="0" smtClean="0">
-                <a:solidFill>
-                  <a:schemeClr val="tx1"/>
-                </a:solidFill>
-                <a:latin typeface="+mn-lt"/>
-                <a:ea typeface="+mn-ea"/>
-                <a:cs typeface="+mn-cs"/>
-              </a:rPr>
-              <a:t>(), "</a:t>
-            </a:r>
-            <a:r>
-              <a:rPr lang="zh-CN" altLang="en-US" sz="1200" i="1" kern="1200" dirty="0" smtClean="0">
-                <a:solidFill>
-                  <a:schemeClr val="tx1"/>
-                </a:solidFill>
-                <a:latin typeface="+mn-lt"/>
-                <a:ea typeface="+mn-ea"/>
-                <a:cs typeface="+mn-cs"/>
-              </a:rPr>
-              <a:t>写入完成</a:t>
-            </a:r>
-            <a:r>
-              <a:rPr lang="en-US" altLang="zh-CN" sz="1200" i="1" kern="1200" dirty="0" smtClean="0">
-                <a:solidFill>
-                  <a:schemeClr val="tx1"/>
-                </a:solidFill>
-                <a:latin typeface="+mn-lt"/>
-                <a:ea typeface="+mn-ea"/>
-                <a:cs typeface="+mn-cs"/>
-              </a:rPr>
-              <a:t>", </a:t>
-            </a:r>
-            <a:r>
-              <a:rPr lang="en-US" altLang="zh-CN" sz="1200" i="1" u="sng" kern="1200" dirty="0" smtClean="0">
-                <a:solidFill>
-                  <a:schemeClr val="tx1"/>
-                </a:solidFill>
-                <a:latin typeface="+mn-lt"/>
-                <a:ea typeface="+mn-ea"/>
-                <a:cs typeface="+mn-cs"/>
-              </a:rPr>
-              <a:t>0).show();</a:t>
-            </a:r>
-            <a:r>
-              <a:rPr lang="en-US" altLang="zh-CN" sz="1200" dirty="0" smtClean="0">
-                <a:solidFill>
-                  <a:srgbClr val="000000"/>
-                </a:solidFill>
-                <a:latin typeface="Monaco"/>
-              </a:rPr>
-              <a:t>	</a:t>
-            </a:r>
-          </a:p>
-          <a:p>
-            <a:pPr algn="l"/>
-            <a:r>
-              <a:rPr lang="zh-CN" altLang="en-US" sz="1200" dirty="0" smtClean="0">
-                <a:solidFill>
-                  <a:srgbClr val="000000"/>
-                </a:solidFill>
-                <a:latin typeface="Monaco"/>
-              </a:rPr>
-              <a:t>读取内部存储的数据</a:t>
-            </a:r>
-            <a:endParaRPr lang="en-US" altLang="zh-CN" sz="1200" dirty="0" smtClean="0">
-              <a:solidFill>
-                <a:srgbClr val="000000"/>
-              </a:solidFill>
-              <a:latin typeface="Monaco"/>
-            </a:endParaRPr>
-          </a:p>
-          <a:p>
-            <a:r>
-              <a:rPr lang="en-US" altLang="zh-CN" sz="1200" kern="1200" dirty="0" err="1" smtClean="0">
-                <a:solidFill>
-                  <a:schemeClr val="tx1"/>
-                </a:solidFill>
-                <a:latin typeface="+mn-lt"/>
-                <a:ea typeface="+mn-ea"/>
-                <a:cs typeface="+mn-cs"/>
-              </a:rPr>
-              <a:t>FileInputStream</a:t>
-            </a:r>
-            <a:r>
-              <a:rPr lang="en-US" altLang="zh-CN" sz="1200" kern="1200" dirty="0" smtClean="0">
-                <a:solidFill>
-                  <a:schemeClr val="tx1"/>
-                </a:solidFill>
-                <a:latin typeface="+mn-lt"/>
-                <a:ea typeface="+mn-ea"/>
-                <a:cs typeface="+mn-cs"/>
-              </a:rPr>
-              <a:t> </a:t>
-            </a:r>
-            <a:r>
-              <a:rPr lang="en-US" altLang="zh-CN" sz="1200" kern="1200" dirty="0" err="1" smtClean="0">
-                <a:solidFill>
-                  <a:schemeClr val="tx1"/>
-                </a:solidFill>
-                <a:latin typeface="+mn-lt"/>
-                <a:ea typeface="+mn-ea"/>
-                <a:cs typeface="+mn-cs"/>
-              </a:rPr>
-              <a:t>fis</a:t>
-            </a:r>
-            <a:r>
-              <a:rPr lang="en-US" altLang="zh-CN" sz="1200" kern="1200" dirty="0" smtClean="0">
-                <a:solidFill>
-                  <a:schemeClr val="tx1"/>
-                </a:solidFill>
-                <a:latin typeface="+mn-lt"/>
-                <a:ea typeface="+mn-ea"/>
-                <a:cs typeface="+mn-cs"/>
-              </a:rPr>
-              <a:t> = </a:t>
-            </a:r>
-            <a:r>
-              <a:rPr lang="en-US" altLang="zh-CN" sz="1200" kern="1200" dirty="0" err="1" smtClean="0">
-                <a:solidFill>
-                  <a:schemeClr val="tx1"/>
-                </a:solidFill>
-                <a:latin typeface="+mn-lt"/>
-                <a:ea typeface="+mn-ea"/>
-                <a:cs typeface="+mn-cs"/>
-              </a:rPr>
-              <a:t>openFileInput</a:t>
-            </a:r>
-            <a:r>
-              <a:rPr lang="en-US" altLang="zh-CN" sz="1200" kern="1200" dirty="0" smtClean="0">
-                <a:solidFill>
-                  <a:schemeClr val="tx1"/>
-                </a:solidFill>
-                <a:latin typeface="+mn-lt"/>
-                <a:ea typeface="+mn-ea"/>
-                <a:cs typeface="+mn-cs"/>
-              </a:rPr>
-              <a:t>(</a:t>
-            </a:r>
-            <a:r>
-              <a:rPr lang="en-US" altLang="zh-CN" sz="1200" i="1" kern="1200" dirty="0" err="1" smtClean="0">
-                <a:solidFill>
-                  <a:schemeClr val="tx1"/>
-                </a:solidFill>
-                <a:latin typeface="+mn-lt"/>
-                <a:ea typeface="+mn-ea"/>
-                <a:cs typeface="+mn-cs"/>
-              </a:rPr>
-              <a:t>fileName</a:t>
-            </a:r>
-            <a:r>
-              <a:rPr lang="en-US" altLang="zh-CN" sz="1200" i="1" kern="1200" dirty="0" smtClean="0">
-                <a:solidFill>
-                  <a:schemeClr val="tx1"/>
-                </a:solidFill>
-                <a:latin typeface="+mn-lt"/>
-                <a:ea typeface="+mn-ea"/>
-                <a:cs typeface="+mn-cs"/>
-              </a:rPr>
-              <a:t>);</a:t>
-            </a:r>
-          </a:p>
-          <a:p>
-            <a:r>
-              <a:rPr lang="en-US" altLang="zh-CN" sz="1200" kern="1200" dirty="0" err="1" smtClean="0">
-                <a:solidFill>
-                  <a:schemeClr val="tx1"/>
-                </a:solidFill>
-                <a:latin typeface="+mn-lt"/>
-                <a:ea typeface="+mn-ea"/>
-                <a:cs typeface="+mn-cs"/>
-              </a:rPr>
-              <a:t>InputStreamReader</a:t>
-            </a:r>
-            <a:r>
-              <a:rPr lang="en-US" altLang="zh-CN" sz="1200" kern="1200" dirty="0" smtClean="0">
-                <a:solidFill>
-                  <a:schemeClr val="tx1"/>
-                </a:solidFill>
-                <a:latin typeface="+mn-lt"/>
-                <a:ea typeface="+mn-ea"/>
-                <a:cs typeface="+mn-cs"/>
-              </a:rPr>
-              <a:t> is = </a:t>
-            </a:r>
-            <a:r>
-              <a:rPr lang="en-US" altLang="zh-CN" sz="1200" b="1" kern="1200" dirty="0" smtClean="0">
-                <a:solidFill>
-                  <a:schemeClr val="tx1"/>
-                </a:solidFill>
-                <a:latin typeface="+mn-lt"/>
-                <a:ea typeface="+mn-ea"/>
-                <a:cs typeface="+mn-cs"/>
-              </a:rPr>
-              <a:t>new </a:t>
-            </a:r>
-            <a:r>
-              <a:rPr lang="en-US" altLang="zh-CN" sz="1200" b="1" kern="1200" dirty="0" err="1" smtClean="0">
-                <a:solidFill>
-                  <a:schemeClr val="tx1"/>
-                </a:solidFill>
-                <a:latin typeface="+mn-lt"/>
-                <a:ea typeface="+mn-ea"/>
-                <a:cs typeface="+mn-cs"/>
-              </a:rPr>
-              <a:t>InputStreamReader</a:t>
-            </a:r>
-            <a:r>
-              <a:rPr lang="en-US" altLang="zh-CN" sz="1200" b="1" kern="1200" dirty="0" smtClean="0">
-                <a:solidFill>
-                  <a:schemeClr val="tx1"/>
-                </a:solidFill>
-                <a:latin typeface="+mn-lt"/>
-                <a:ea typeface="+mn-ea"/>
-                <a:cs typeface="+mn-cs"/>
-              </a:rPr>
-              <a:t>(</a:t>
-            </a:r>
-            <a:r>
-              <a:rPr lang="en-US" altLang="zh-CN" sz="1200" b="1" kern="1200" dirty="0" err="1" smtClean="0">
-                <a:solidFill>
-                  <a:schemeClr val="tx1"/>
-                </a:solidFill>
-                <a:latin typeface="+mn-lt"/>
-                <a:ea typeface="+mn-ea"/>
-                <a:cs typeface="+mn-cs"/>
-              </a:rPr>
-              <a:t>fis</a:t>
-            </a:r>
-            <a:r>
-              <a:rPr lang="en-US" altLang="zh-CN" sz="1200" b="1" kern="1200" dirty="0" smtClean="0">
-                <a:solidFill>
-                  <a:schemeClr val="tx1"/>
-                </a:solidFill>
-                <a:latin typeface="+mn-lt"/>
-                <a:ea typeface="+mn-ea"/>
-                <a:cs typeface="+mn-cs"/>
-              </a:rPr>
-              <a:t>, "UTF-8");</a:t>
-            </a:r>
-          </a:p>
-          <a:p>
-            <a:r>
-              <a:rPr lang="en-US" altLang="zh-CN" sz="1200" kern="1200" dirty="0" smtClean="0">
-                <a:solidFill>
-                  <a:schemeClr val="tx1"/>
-                </a:solidFill>
-                <a:latin typeface="+mn-lt"/>
-                <a:ea typeface="+mn-ea"/>
-                <a:cs typeface="+mn-cs"/>
-              </a:rPr>
-              <a:t>					</a:t>
-            </a:r>
-          </a:p>
-          <a:p>
-            <a:r>
-              <a:rPr lang="en-US" altLang="zh-CN" sz="1200" b="1" kern="1200" dirty="0" smtClean="0">
-                <a:solidFill>
-                  <a:schemeClr val="tx1"/>
-                </a:solidFill>
-                <a:latin typeface="+mn-lt"/>
-                <a:ea typeface="+mn-ea"/>
-                <a:cs typeface="+mn-cs"/>
-              </a:rPr>
-              <a:t>char input[] = new char[</a:t>
-            </a:r>
-            <a:r>
-              <a:rPr lang="en-US" altLang="zh-CN" sz="1200" b="1" kern="1200" dirty="0" err="1" smtClean="0">
-                <a:solidFill>
-                  <a:schemeClr val="tx1"/>
-                </a:solidFill>
-                <a:latin typeface="+mn-lt"/>
-                <a:ea typeface="+mn-ea"/>
-                <a:cs typeface="+mn-cs"/>
-              </a:rPr>
-              <a:t>fis.available</a:t>
-            </a:r>
-            <a:r>
-              <a:rPr lang="en-US" altLang="zh-CN" sz="1200" b="1" kern="1200" dirty="0" smtClean="0">
-                <a:solidFill>
-                  <a:schemeClr val="tx1"/>
-                </a:solidFill>
-                <a:latin typeface="+mn-lt"/>
-                <a:ea typeface="+mn-ea"/>
-                <a:cs typeface="+mn-cs"/>
-              </a:rPr>
-              <a:t>()];</a:t>
-            </a:r>
-          </a:p>
-          <a:p>
-            <a:r>
-              <a:rPr lang="en-US" altLang="zh-CN" sz="1200" kern="1200" dirty="0" err="1" smtClean="0">
-                <a:solidFill>
-                  <a:schemeClr val="tx1"/>
-                </a:solidFill>
-                <a:latin typeface="+mn-lt"/>
-                <a:ea typeface="+mn-ea"/>
-                <a:cs typeface="+mn-cs"/>
-              </a:rPr>
-              <a:t>is.read</a:t>
-            </a:r>
-            <a:r>
-              <a:rPr lang="en-US" altLang="zh-CN" sz="1200" kern="1200" dirty="0" smtClean="0">
-                <a:solidFill>
-                  <a:schemeClr val="tx1"/>
-                </a:solidFill>
-                <a:latin typeface="+mn-lt"/>
-                <a:ea typeface="+mn-ea"/>
-                <a:cs typeface="+mn-cs"/>
-              </a:rPr>
-              <a:t>(input);</a:t>
-            </a:r>
-          </a:p>
-          <a:p>
-            <a:r>
-              <a:rPr lang="en-US" altLang="zh-CN" sz="1200" kern="1200" dirty="0" err="1" smtClean="0">
-                <a:solidFill>
-                  <a:schemeClr val="tx1"/>
-                </a:solidFill>
-                <a:latin typeface="+mn-lt"/>
-                <a:ea typeface="+mn-ea"/>
-                <a:cs typeface="+mn-cs"/>
-              </a:rPr>
-              <a:t>is.close</a:t>
-            </a:r>
-            <a:r>
-              <a:rPr lang="en-US" altLang="zh-CN" sz="1200" kern="1200" dirty="0" smtClean="0">
-                <a:solidFill>
-                  <a:schemeClr val="tx1"/>
-                </a:solidFill>
-                <a:latin typeface="+mn-lt"/>
-                <a:ea typeface="+mn-ea"/>
-                <a:cs typeface="+mn-cs"/>
-              </a:rPr>
-              <a:t>();</a:t>
-            </a:r>
-          </a:p>
-          <a:p>
-            <a:r>
-              <a:rPr lang="en-US" altLang="zh-CN" sz="1200" kern="1200" dirty="0" err="1" smtClean="0">
-                <a:solidFill>
-                  <a:schemeClr val="tx1"/>
-                </a:solidFill>
-                <a:latin typeface="+mn-lt"/>
-                <a:ea typeface="+mn-ea"/>
-                <a:cs typeface="+mn-cs"/>
-              </a:rPr>
-              <a:t>fis.close</a:t>
-            </a:r>
-            <a:r>
-              <a:rPr lang="en-US" altLang="zh-CN" sz="1200" kern="1200" dirty="0" smtClean="0">
-                <a:solidFill>
-                  <a:schemeClr val="tx1"/>
-                </a:solidFill>
-                <a:latin typeface="+mn-lt"/>
-                <a:ea typeface="+mn-ea"/>
-                <a:cs typeface="+mn-cs"/>
-              </a:rPr>
-              <a:t>();</a:t>
-            </a:r>
-          </a:p>
-          <a:p>
-            <a:r>
-              <a:rPr lang="en-US" altLang="zh-CN" sz="1200" kern="1200" dirty="0" smtClean="0">
-                <a:solidFill>
-                  <a:schemeClr val="tx1"/>
-                </a:solidFill>
-                <a:latin typeface="+mn-lt"/>
-                <a:ea typeface="+mn-ea"/>
-                <a:cs typeface="+mn-cs"/>
-              </a:rPr>
-              <a:t>					</a:t>
-            </a:r>
-          </a:p>
-          <a:p>
-            <a:r>
-              <a:rPr lang="en-US" altLang="zh-CN" sz="1200" kern="1200" dirty="0" err="1" smtClean="0">
-                <a:solidFill>
-                  <a:schemeClr val="tx1"/>
-                </a:solidFill>
-                <a:latin typeface="+mn-lt"/>
-                <a:ea typeface="+mn-ea"/>
-                <a:cs typeface="+mn-cs"/>
-              </a:rPr>
-              <a:t>Toast.</a:t>
-            </a:r>
-            <a:r>
-              <a:rPr lang="en-US" altLang="zh-CN" sz="1200" i="1" kern="1200" dirty="0" err="1" smtClean="0">
-                <a:solidFill>
-                  <a:schemeClr val="tx1"/>
-                </a:solidFill>
-                <a:latin typeface="+mn-lt"/>
-                <a:ea typeface="+mn-ea"/>
-                <a:cs typeface="+mn-cs"/>
-              </a:rPr>
-              <a:t>makeText</a:t>
-            </a:r>
-            <a:r>
-              <a:rPr lang="en-US" altLang="zh-CN" sz="1200" i="1" kern="1200" dirty="0" smtClean="0">
-                <a:solidFill>
-                  <a:schemeClr val="tx1"/>
-                </a:solidFill>
-                <a:latin typeface="+mn-lt"/>
-                <a:ea typeface="+mn-ea"/>
-                <a:cs typeface="+mn-cs"/>
-              </a:rPr>
-              <a:t>(</a:t>
-            </a:r>
-            <a:r>
-              <a:rPr lang="en-US" altLang="zh-CN" sz="1200" i="1" kern="1200" dirty="0" err="1" smtClean="0">
-                <a:solidFill>
-                  <a:schemeClr val="tx1"/>
-                </a:solidFill>
-                <a:latin typeface="+mn-lt"/>
-                <a:ea typeface="+mn-ea"/>
-                <a:cs typeface="+mn-cs"/>
-              </a:rPr>
-              <a:t>getApplicationContext</a:t>
-            </a:r>
-            <a:r>
-              <a:rPr lang="en-US" altLang="zh-CN" sz="1200" i="1" kern="1200" dirty="0" smtClean="0">
-                <a:solidFill>
-                  <a:schemeClr val="tx1"/>
-                </a:solidFill>
-                <a:latin typeface="+mn-lt"/>
-                <a:ea typeface="+mn-ea"/>
-                <a:cs typeface="+mn-cs"/>
-              </a:rPr>
-              <a:t>(), ""+</a:t>
-            </a:r>
-            <a:r>
-              <a:rPr lang="en-US" altLang="zh-CN" sz="1200" i="1" kern="1200" dirty="0" err="1" smtClean="0">
-                <a:solidFill>
-                  <a:schemeClr val="tx1"/>
-                </a:solidFill>
-                <a:latin typeface="+mn-lt"/>
-                <a:ea typeface="+mn-ea"/>
-                <a:cs typeface="+mn-cs"/>
-              </a:rPr>
-              <a:t>String.valueOf</a:t>
-            </a:r>
-            <a:r>
-              <a:rPr lang="en-US" altLang="zh-CN" sz="1200" i="1" kern="1200" dirty="0" smtClean="0">
-                <a:solidFill>
-                  <a:schemeClr val="tx1"/>
-                </a:solidFill>
-                <a:latin typeface="+mn-lt"/>
-                <a:ea typeface="+mn-ea"/>
-                <a:cs typeface="+mn-cs"/>
-              </a:rPr>
-              <a:t>(input), </a:t>
-            </a:r>
-            <a:r>
-              <a:rPr lang="en-US" altLang="zh-CN" sz="1200" i="1" u="sng" kern="1200" dirty="0" smtClean="0">
-                <a:solidFill>
-                  <a:schemeClr val="tx1"/>
-                </a:solidFill>
-                <a:latin typeface="+mn-lt"/>
-                <a:ea typeface="+mn-ea"/>
-                <a:cs typeface="+mn-cs"/>
-              </a:rPr>
-              <a:t>0).show();</a:t>
-            </a:r>
-          </a:p>
-          <a:p>
-            <a:pPr algn="l"/>
-            <a:r>
-              <a:rPr lang="en-US" altLang="zh-CN" sz="1200" dirty="0" smtClean="0">
-                <a:solidFill>
-                  <a:srgbClr val="000000"/>
-                </a:solidFill>
-                <a:latin typeface="Monaco"/>
-              </a:rPr>
-              <a:t>			</a:t>
-            </a:r>
             <a:endParaRPr kumimoji="1" lang="zh-CN" altLang="en-US" dirty="0"/>
           </a:p>
         </p:txBody>
@@ -1466,7 +623,7 @@
           <a:p>
             <a:fld id="{F0FB8CF0-B273-F446-8063-8470DCBC23B4}" type="slidenum">
               <a:rPr kumimoji="1" lang="zh-CN" altLang="en-US" smtClean="0"/>
-              <a:t>7</a:t>
+              <a:t>4</a:t>
             </a:fld>
             <a:endParaRPr kumimoji="1" lang="zh-CN" altLang="en-US"/>
           </a:p>
@@ -1475,7 +632,7 @@
     </p:spTree>
     <p:extLst>
       <p:ext uri="{BB962C8B-B14F-4D97-AF65-F5344CB8AC3E}">
-        <p14:creationId xmlns:p14="http://schemas.microsoft.com/office/powerpoint/2010/main" val="4057115032"/>
+        <p14:creationId xmlns:p14="http://schemas.microsoft.com/office/powerpoint/2010/main" val="1162769542"/>
       </p:ext>
     </p:extLst>
   </p:cSld>
@@ -1529,13 +686,551 @@
           <a:bodyPr/>
           <a:lstStyle/>
           <a:p>
-            <a:r>
-              <a:rPr kumimoji="1" lang="zh-CN" altLang="en-US" dirty="0" smtClean="0"/>
-              <a:t>写入数据：</a:t>
-            </a:r>
-            <a:endParaRPr kumimoji="1" lang="en-US" altLang="zh-CN" dirty="0" smtClean="0"/>
-          </a:p>
-          <a:p>
+            <a:pPr algn="l"/>
+            <a:r>
+              <a:rPr lang="zh-CN" altLang="en-US" sz="1200" dirty="0" smtClean="0">
+                <a:solidFill>
+                  <a:srgbClr val="000000"/>
+                </a:solidFill>
+                <a:latin typeface="Monaco"/>
+              </a:rPr>
+              <a:t>写入数据到内部存储</a:t>
+            </a:r>
+            <a:endParaRPr lang="en-US" altLang="zh-CN" sz="1200" dirty="0" smtClean="0">
+              <a:solidFill>
+                <a:srgbClr val="000000"/>
+              </a:solidFill>
+              <a:latin typeface="Monaco"/>
+            </a:endParaRPr>
+          </a:p>
+          <a:p>
+            <a:r>
+              <a:rPr lang="en-US" altLang="zh-CN" sz="1200" kern="1200" dirty="0" err="1" smtClean="0">
+                <a:solidFill>
+                  <a:schemeClr val="tx1"/>
+                </a:solidFill>
+                <a:latin typeface="+mn-lt"/>
+                <a:ea typeface="+mn-ea"/>
+                <a:cs typeface="+mn-cs"/>
+              </a:rPr>
+              <a:t>FileOutputStream</a:t>
+            </a:r>
+            <a:r>
+              <a:rPr lang="en-US" altLang="zh-CN" sz="1200" kern="1200" dirty="0" smtClean="0">
+                <a:solidFill>
+                  <a:schemeClr val="tx1"/>
+                </a:solidFill>
+                <a:latin typeface="+mn-lt"/>
+                <a:ea typeface="+mn-ea"/>
+                <a:cs typeface="+mn-cs"/>
+              </a:rPr>
+              <a:t> </a:t>
+            </a:r>
+            <a:r>
+              <a:rPr lang="en-US" altLang="zh-CN" sz="1200" kern="1200" dirty="0" err="1" smtClean="0">
+                <a:solidFill>
+                  <a:schemeClr val="tx1"/>
+                </a:solidFill>
+                <a:latin typeface="+mn-lt"/>
+                <a:ea typeface="+mn-ea"/>
+                <a:cs typeface="+mn-cs"/>
+              </a:rPr>
+              <a:t>fos</a:t>
+            </a:r>
+            <a:r>
+              <a:rPr lang="en-US" altLang="zh-CN" sz="1200" kern="1200" dirty="0" smtClean="0">
+                <a:solidFill>
+                  <a:schemeClr val="tx1"/>
+                </a:solidFill>
+                <a:latin typeface="+mn-lt"/>
+                <a:ea typeface="+mn-ea"/>
+                <a:cs typeface="+mn-cs"/>
+              </a:rPr>
+              <a:t> = </a:t>
+            </a:r>
+            <a:r>
+              <a:rPr lang="en-US" altLang="zh-CN" sz="1200" kern="1200" dirty="0" err="1" smtClean="0">
+                <a:solidFill>
+                  <a:schemeClr val="tx1"/>
+                </a:solidFill>
+                <a:latin typeface="+mn-lt"/>
+                <a:ea typeface="+mn-ea"/>
+                <a:cs typeface="+mn-cs"/>
+              </a:rPr>
+              <a:t>openFileOutput</a:t>
+            </a:r>
+            <a:r>
+              <a:rPr lang="en-US" altLang="zh-CN" sz="1200" kern="1200" dirty="0" smtClean="0">
+                <a:solidFill>
+                  <a:schemeClr val="tx1"/>
+                </a:solidFill>
+                <a:latin typeface="+mn-lt"/>
+                <a:ea typeface="+mn-ea"/>
+                <a:cs typeface="+mn-cs"/>
+              </a:rPr>
+              <a:t>(</a:t>
+            </a:r>
+            <a:r>
+              <a:rPr lang="en-US" altLang="zh-CN" sz="1200" i="1" kern="1200" dirty="0" err="1" smtClean="0">
+                <a:solidFill>
+                  <a:schemeClr val="tx1"/>
+                </a:solidFill>
+                <a:latin typeface="+mn-lt"/>
+                <a:ea typeface="+mn-ea"/>
+                <a:cs typeface="+mn-cs"/>
+              </a:rPr>
+              <a:t>fileName</a:t>
+            </a:r>
+            <a:r>
+              <a:rPr lang="en-US" altLang="zh-CN" sz="1200" i="1" kern="1200" dirty="0" smtClean="0">
+                <a:solidFill>
+                  <a:schemeClr val="tx1"/>
+                </a:solidFill>
+                <a:latin typeface="+mn-lt"/>
+                <a:ea typeface="+mn-ea"/>
+                <a:cs typeface="+mn-cs"/>
+              </a:rPr>
+              <a:t>, </a:t>
+            </a:r>
+            <a:r>
+              <a:rPr lang="en-US" altLang="zh-CN" sz="1200" i="1" kern="1200" dirty="0" err="1" smtClean="0">
+                <a:solidFill>
+                  <a:schemeClr val="tx1"/>
+                </a:solidFill>
+                <a:latin typeface="+mn-lt"/>
+                <a:ea typeface="+mn-ea"/>
+                <a:cs typeface="+mn-cs"/>
+              </a:rPr>
+              <a:t>Context.MODE_PRIVATE</a:t>
+            </a:r>
+            <a:r>
+              <a:rPr lang="en-US" altLang="zh-CN" sz="1200" i="1" kern="1200" dirty="0" smtClean="0">
+                <a:solidFill>
+                  <a:schemeClr val="tx1"/>
+                </a:solidFill>
+                <a:latin typeface="+mn-lt"/>
+                <a:ea typeface="+mn-ea"/>
+                <a:cs typeface="+mn-cs"/>
+              </a:rPr>
+              <a:t>);</a:t>
+            </a:r>
+          </a:p>
+          <a:p>
+            <a:r>
+              <a:rPr lang="en-US" altLang="zh-CN" sz="1200" kern="1200" dirty="0" smtClean="0">
+                <a:solidFill>
+                  <a:schemeClr val="tx1"/>
+                </a:solidFill>
+                <a:latin typeface="+mn-lt"/>
+                <a:ea typeface="+mn-ea"/>
+                <a:cs typeface="+mn-cs"/>
+              </a:rPr>
+              <a:t>					</a:t>
+            </a:r>
+          </a:p>
+          <a:p>
+            <a:r>
+              <a:rPr lang="en-US" altLang="zh-CN" sz="1200" kern="1200" dirty="0" smtClean="0">
+                <a:solidFill>
+                  <a:schemeClr val="tx1"/>
+                </a:solidFill>
+                <a:latin typeface="+mn-lt"/>
+                <a:ea typeface="+mn-ea"/>
+                <a:cs typeface="+mn-cs"/>
+              </a:rPr>
+              <a:t>					</a:t>
+            </a:r>
+            <a:r>
+              <a:rPr lang="en-US" altLang="zh-CN" sz="1200" kern="1200" dirty="0" err="1" smtClean="0">
+                <a:solidFill>
+                  <a:schemeClr val="tx1"/>
+                </a:solidFill>
+                <a:latin typeface="+mn-lt"/>
+                <a:ea typeface="+mn-ea"/>
+                <a:cs typeface="+mn-cs"/>
+              </a:rPr>
+              <a:t>fos.write</a:t>
+            </a:r>
+            <a:r>
+              <a:rPr lang="en-US" altLang="zh-CN" sz="1200" kern="1200" dirty="0" smtClean="0">
+                <a:solidFill>
+                  <a:schemeClr val="tx1"/>
+                </a:solidFill>
+                <a:latin typeface="+mn-lt"/>
+                <a:ea typeface="+mn-ea"/>
+                <a:cs typeface="+mn-cs"/>
+              </a:rPr>
+              <a:t>(</a:t>
+            </a:r>
+            <a:r>
+              <a:rPr lang="en-US" altLang="zh-CN" sz="1200" kern="1200" dirty="0" err="1" smtClean="0">
+                <a:solidFill>
+                  <a:schemeClr val="tx1"/>
+                </a:solidFill>
+                <a:latin typeface="+mn-lt"/>
+                <a:ea typeface="+mn-ea"/>
+                <a:cs typeface="+mn-cs"/>
+              </a:rPr>
+              <a:t>editText.getText</a:t>
+            </a:r>
+            <a:r>
+              <a:rPr lang="en-US" altLang="zh-CN" sz="1200" kern="1200" dirty="0" smtClean="0">
+                <a:solidFill>
+                  <a:schemeClr val="tx1"/>
+                </a:solidFill>
+                <a:latin typeface="+mn-lt"/>
+                <a:ea typeface="+mn-ea"/>
+                <a:cs typeface="+mn-cs"/>
+              </a:rPr>
+              <a:t>().</a:t>
+            </a:r>
+            <a:r>
+              <a:rPr lang="en-US" altLang="zh-CN" sz="1200" kern="1200" dirty="0" err="1" smtClean="0">
+                <a:solidFill>
+                  <a:schemeClr val="tx1"/>
+                </a:solidFill>
+                <a:latin typeface="+mn-lt"/>
+                <a:ea typeface="+mn-ea"/>
+                <a:cs typeface="+mn-cs"/>
+              </a:rPr>
+              <a:t>toString</a:t>
+            </a:r>
+            <a:r>
+              <a:rPr lang="en-US" altLang="zh-CN" sz="1200" kern="1200" dirty="0" smtClean="0">
+                <a:solidFill>
+                  <a:schemeClr val="tx1"/>
+                </a:solidFill>
+                <a:latin typeface="+mn-lt"/>
+                <a:ea typeface="+mn-ea"/>
+                <a:cs typeface="+mn-cs"/>
+              </a:rPr>
+              <a:t>().</a:t>
+            </a:r>
+            <a:r>
+              <a:rPr lang="en-US" altLang="zh-CN" sz="1200" kern="1200" dirty="0" err="1" smtClean="0">
+                <a:solidFill>
+                  <a:schemeClr val="tx1"/>
+                </a:solidFill>
+                <a:latin typeface="+mn-lt"/>
+                <a:ea typeface="+mn-ea"/>
+                <a:cs typeface="+mn-cs"/>
+              </a:rPr>
+              <a:t>getBytes</a:t>
+            </a:r>
+            <a:r>
+              <a:rPr lang="en-US" altLang="zh-CN" sz="1200" kern="1200" dirty="0" smtClean="0">
+                <a:solidFill>
+                  <a:schemeClr val="tx1"/>
+                </a:solidFill>
+                <a:latin typeface="+mn-lt"/>
+                <a:ea typeface="+mn-ea"/>
+                <a:cs typeface="+mn-cs"/>
+              </a:rPr>
+              <a:t>());</a:t>
+            </a:r>
+          </a:p>
+          <a:p>
+            <a:r>
+              <a:rPr lang="en-US" altLang="zh-CN" sz="1200" kern="1200" dirty="0" smtClean="0">
+                <a:solidFill>
+                  <a:schemeClr val="tx1"/>
+                </a:solidFill>
+                <a:latin typeface="+mn-lt"/>
+                <a:ea typeface="+mn-ea"/>
+                <a:cs typeface="+mn-cs"/>
+              </a:rPr>
+              <a:t>					</a:t>
+            </a:r>
+          </a:p>
+          <a:p>
+            <a:r>
+              <a:rPr lang="en-US" altLang="zh-CN" sz="1200" kern="1200" dirty="0" smtClean="0">
+                <a:solidFill>
+                  <a:schemeClr val="tx1"/>
+                </a:solidFill>
+                <a:latin typeface="+mn-lt"/>
+                <a:ea typeface="+mn-ea"/>
+                <a:cs typeface="+mn-cs"/>
+              </a:rPr>
+              <a:t>					</a:t>
+            </a:r>
+            <a:r>
+              <a:rPr lang="en-US" altLang="zh-CN" sz="1200" kern="1200" dirty="0" err="1" smtClean="0">
+                <a:solidFill>
+                  <a:schemeClr val="tx1"/>
+                </a:solidFill>
+                <a:latin typeface="+mn-lt"/>
+                <a:ea typeface="+mn-ea"/>
+                <a:cs typeface="+mn-cs"/>
+              </a:rPr>
+              <a:t>fos.close</a:t>
+            </a:r>
+            <a:r>
+              <a:rPr lang="en-US" altLang="zh-CN" sz="1200" kern="1200" dirty="0" smtClean="0">
+                <a:solidFill>
+                  <a:schemeClr val="tx1"/>
+                </a:solidFill>
+                <a:latin typeface="+mn-lt"/>
+                <a:ea typeface="+mn-ea"/>
+                <a:cs typeface="+mn-cs"/>
+              </a:rPr>
+              <a:t>();</a:t>
+            </a:r>
+          </a:p>
+          <a:p>
+            <a:r>
+              <a:rPr lang="en-US" altLang="zh-CN" sz="1200" kern="1200" dirty="0" smtClean="0">
+                <a:solidFill>
+                  <a:schemeClr val="tx1"/>
+                </a:solidFill>
+                <a:latin typeface="+mn-lt"/>
+                <a:ea typeface="+mn-ea"/>
+                <a:cs typeface="+mn-cs"/>
+              </a:rPr>
+              <a:t>				</a:t>
+            </a:r>
+          </a:p>
+          <a:p>
+            <a:r>
+              <a:rPr lang="en-US" altLang="zh-CN" sz="1200" kern="1200" dirty="0" smtClean="0">
+                <a:solidFill>
+                  <a:schemeClr val="tx1"/>
+                </a:solidFill>
+                <a:latin typeface="+mn-lt"/>
+                <a:ea typeface="+mn-ea"/>
+                <a:cs typeface="+mn-cs"/>
+              </a:rPr>
+              <a:t>					</a:t>
+            </a:r>
+            <a:r>
+              <a:rPr lang="en-US" altLang="zh-CN" sz="1200" kern="1200" dirty="0" err="1" smtClean="0">
+                <a:solidFill>
+                  <a:schemeClr val="tx1"/>
+                </a:solidFill>
+                <a:latin typeface="+mn-lt"/>
+                <a:ea typeface="+mn-ea"/>
+                <a:cs typeface="+mn-cs"/>
+              </a:rPr>
+              <a:t>Toast.</a:t>
+            </a:r>
+            <a:r>
+              <a:rPr lang="en-US" altLang="zh-CN" sz="1200" i="1" kern="1200" dirty="0" err="1" smtClean="0">
+                <a:solidFill>
+                  <a:schemeClr val="tx1"/>
+                </a:solidFill>
+                <a:latin typeface="+mn-lt"/>
+                <a:ea typeface="+mn-ea"/>
+                <a:cs typeface="+mn-cs"/>
+              </a:rPr>
+              <a:t>makeText</a:t>
+            </a:r>
+            <a:r>
+              <a:rPr lang="en-US" altLang="zh-CN" sz="1200" i="1" kern="1200" dirty="0" smtClean="0">
+                <a:solidFill>
+                  <a:schemeClr val="tx1"/>
+                </a:solidFill>
+                <a:latin typeface="+mn-lt"/>
+                <a:ea typeface="+mn-ea"/>
+                <a:cs typeface="+mn-cs"/>
+              </a:rPr>
+              <a:t>(</a:t>
+            </a:r>
+            <a:r>
+              <a:rPr lang="en-US" altLang="zh-CN" sz="1200" i="1" kern="1200" dirty="0" err="1" smtClean="0">
+                <a:solidFill>
+                  <a:schemeClr val="tx1"/>
+                </a:solidFill>
+                <a:latin typeface="+mn-lt"/>
+                <a:ea typeface="+mn-ea"/>
+                <a:cs typeface="+mn-cs"/>
+              </a:rPr>
+              <a:t>getApplicationContext</a:t>
+            </a:r>
+            <a:r>
+              <a:rPr lang="en-US" altLang="zh-CN" sz="1200" i="1" kern="1200" dirty="0" smtClean="0">
+                <a:solidFill>
+                  <a:schemeClr val="tx1"/>
+                </a:solidFill>
+                <a:latin typeface="+mn-lt"/>
+                <a:ea typeface="+mn-ea"/>
+                <a:cs typeface="+mn-cs"/>
+              </a:rPr>
+              <a:t>(), "</a:t>
+            </a:r>
+            <a:r>
+              <a:rPr lang="zh-CN" altLang="en-US" sz="1200" i="1" kern="1200" dirty="0" smtClean="0">
+                <a:solidFill>
+                  <a:schemeClr val="tx1"/>
+                </a:solidFill>
+                <a:latin typeface="+mn-lt"/>
+                <a:ea typeface="+mn-ea"/>
+                <a:cs typeface="+mn-cs"/>
+              </a:rPr>
+              <a:t>写入完成</a:t>
+            </a:r>
+            <a:r>
+              <a:rPr lang="en-US" altLang="zh-CN" sz="1200" i="1" kern="1200" dirty="0" smtClean="0">
+                <a:solidFill>
+                  <a:schemeClr val="tx1"/>
+                </a:solidFill>
+                <a:latin typeface="+mn-lt"/>
+                <a:ea typeface="+mn-ea"/>
+                <a:cs typeface="+mn-cs"/>
+              </a:rPr>
+              <a:t>", </a:t>
+            </a:r>
+            <a:r>
+              <a:rPr lang="en-US" altLang="zh-CN" sz="1200" i="1" u="sng" kern="1200" dirty="0" smtClean="0">
+                <a:solidFill>
+                  <a:schemeClr val="tx1"/>
+                </a:solidFill>
+                <a:latin typeface="+mn-lt"/>
+                <a:ea typeface="+mn-ea"/>
+                <a:cs typeface="+mn-cs"/>
+              </a:rPr>
+              <a:t>0).show();</a:t>
+            </a:r>
+            <a:r>
+              <a:rPr lang="en-US" altLang="zh-CN" sz="1200" dirty="0" smtClean="0">
+                <a:solidFill>
+                  <a:srgbClr val="000000"/>
+                </a:solidFill>
+                <a:latin typeface="Monaco"/>
+              </a:rPr>
+              <a:t>	</a:t>
+            </a:r>
+          </a:p>
+          <a:p>
+            <a:pPr algn="l"/>
+            <a:r>
+              <a:rPr lang="zh-CN" altLang="en-US" sz="1200" dirty="0" smtClean="0">
+                <a:solidFill>
+                  <a:srgbClr val="000000"/>
+                </a:solidFill>
+                <a:latin typeface="Monaco"/>
+              </a:rPr>
+              <a:t>读取内部存储的数据</a:t>
+            </a:r>
+            <a:endParaRPr lang="en-US" altLang="zh-CN" sz="1200" dirty="0" smtClean="0">
+              <a:solidFill>
+                <a:srgbClr val="000000"/>
+              </a:solidFill>
+              <a:latin typeface="Monaco"/>
+            </a:endParaRPr>
+          </a:p>
+          <a:p>
+            <a:r>
+              <a:rPr lang="en-US" altLang="zh-CN" sz="1200" kern="1200" dirty="0" err="1" smtClean="0">
+                <a:solidFill>
+                  <a:schemeClr val="tx1"/>
+                </a:solidFill>
+                <a:latin typeface="+mn-lt"/>
+                <a:ea typeface="+mn-ea"/>
+                <a:cs typeface="+mn-cs"/>
+              </a:rPr>
+              <a:t>FileInputStream</a:t>
+            </a:r>
+            <a:r>
+              <a:rPr lang="en-US" altLang="zh-CN" sz="1200" kern="1200" dirty="0" smtClean="0">
+                <a:solidFill>
+                  <a:schemeClr val="tx1"/>
+                </a:solidFill>
+                <a:latin typeface="+mn-lt"/>
+                <a:ea typeface="+mn-ea"/>
+                <a:cs typeface="+mn-cs"/>
+              </a:rPr>
+              <a:t> </a:t>
+            </a:r>
+            <a:r>
+              <a:rPr lang="en-US" altLang="zh-CN" sz="1200" kern="1200" dirty="0" err="1" smtClean="0">
+                <a:solidFill>
+                  <a:schemeClr val="tx1"/>
+                </a:solidFill>
+                <a:latin typeface="+mn-lt"/>
+                <a:ea typeface="+mn-ea"/>
+                <a:cs typeface="+mn-cs"/>
+              </a:rPr>
+              <a:t>fis</a:t>
+            </a:r>
+            <a:r>
+              <a:rPr lang="en-US" altLang="zh-CN" sz="1200" kern="1200" dirty="0" smtClean="0">
+                <a:solidFill>
+                  <a:schemeClr val="tx1"/>
+                </a:solidFill>
+                <a:latin typeface="+mn-lt"/>
+                <a:ea typeface="+mn-ea"/>
+                <a:cs typeface="+mn-cs"/>
+              </a:rPr>
+              <a:t> = </a:t>
+            </a:r>
+            <a:r>
+              <a:rPr lang="en-US" altLang="zh-CN" sz="1200" kern="1200" dirty="0" err="1" smtClean="0">
+                <a:solidFill>
+                  <a:schemeClr val="tx1"/>
+                </a:solidFill>
+                <a:latin typeface="+mn-lt"/>
+                <a:ea typeface="+mn-ea"/>
+                <a:cs typeface="+mn-cs"/>
+              </a:rPr>
+              <a:t>openFileInput</a:t>
+            </a:r>
+            <a:r>
+              <a:rPr lang="en-US" altLang="zh-CN" sz="1200" kern="1200" dirty="0" smtClean="0">
+                <a:solidFill>
+                  <a:schemeClr val="tx1"/>
+                </a:solidFill>
+                <a:latin typeface="+mn-lt"/>
+                <a:ea typeface="+mn-ea"/>
+                <a:cs typeface="+mn-cs"/>
+              </a:rPr>
+              <a:t>(</a:t>
+            </a:r>
+            <a:r>
+              <a:rPr lang="en-US" altLang="zh-CN" sz="1200" i="1" kern="1200" dirty="0" err="1" smtClean="0">
+                <a:solidFill>
+                  <a:schemeClr val="tx1"/>
+                </a:solidFill>
+                <a:latin typeface="+mn-lt"/>
+                <a:ea typeface="+mn-ea"/>
+                <a:cs typeface="+mn-cs"/>
+              </a:rPr>
+              <a:t>fileName</a:t>
+            </a:r>
+            <a:r>
+              <a:rPr lang="en-US" altLang="zh-CN" sz="1200" i="1" kern="1200" dirty="0" smtClean="0">
+                <a:solidFill>
+                  <a:schemeClr val="tx1"/>
+                </a:solidFill>
+                <a:latin typeface="+mn-lt"/>
+                <a:ea typeface="+mn-ea"/>
+                <a:cs typeface="+mn-cs"/>
+              </a:rPr>
+              <a:t>);</a:t>
+            </a:r>
+          </a:p>
+          <a:p>
+            <a:r>
+              <a:rPr lang="en-US" altLang="zh-CN" sz="1200" kern="1200" dirty="0" err="1" smtClean="0">
+                <a:solidFill>
+                  <a:schemeClr val="tx1"/>
+                </a:solidFill>
+                <a:latin typeface="+mn-lt"/>
+                <a:ea typeface="+mn-ea"/>
+                <a:cs typeface="+mn-cs"/>
+              </a:rPr>
+              <a:t>InputStreamReader</a:t>
+            </a:r>
+            <a:r>
+              <a:rPr lang="en-US" altLang="zh-CN" sz="1200" kern="1200" dirty="0" smtClean="0">
+                <a:solidFill>
+                  <a:schemeClr val="tx1"/>
+                </a:solidFill>
+                <a:latin typeface="+mn-lt"/>
+                <a:ea typeface="+mn-ea"/>
+                <a:cs typeface="+mn-cs"/>
+              </a:rPr>
+              <a:t> is = </a:t>
+            </a:r>
             <a:r>
               <a:rPr lang="en-US" altLang="zh-CN" sz="1200" b="1" kern="1200" dirty="0" smtClean="0">
                 <a:solidFill>
@@ -1545,7 +1240,7 @@
                 <a:ea typeface="+mn-ea"/>
                 <a:cs typeface="+mn-cs"/>
               </a:rPr>
-              <a:t>if(!</a:t>
+              <a:t>new </a:t>
             </a:r>
             <a:r>
               <a:rPr lang="en-US" altLang="zh-CN" sz="1200" b="1" kern="1200" dirty="0" err="1" smtClean="0">
@@ -1556,21 +1251,10 @@
                 <a:ea typeface="+mn-ea"/>
                 <a:cs typeface="+mn-cs"/>
               </a:rPr>
-              <a:t>Environment.</a:t>
-            </a:r>
-            <a:r>
-              <a:rPr lang="en-US" altLang="zh-CN" sz="1200" b="1" i="1" kern="1200" dirty="0" err="1" smtClean="0">
-                <a:solidFill>
-                  <a:schemeClr val="tx1"/>
-                </a:solidFill>
-                <a:latin typeface="+mn-lt"/>
-                <a:ea typeface="+mn-ea"/>
-                <a:cs typeface="+mn-cs"/>
-              </a:rPr>
-              <a:t>MEDIA_MOUNTED.equals</a:t>
-            </a:r>
-            <a:r>
-              <a:rPr lang="en-US" altLang="zh-CN" sz="1200" b="1" i="1" kern="1200" dirty="0" smtClean="0">
+              <a:t>InputStreamReader</a:t>
+            </a:r>
+            <a:r>
+              <a:rPr lang="en-US" altLang="zh-CN" sz="1200" b="1" kern="1200" dirty="0" smtClean="0">
                 <a:solidFill>
                   <a:schemeClr val="tx1"/>
                 </a:solidFill>
@@ -1581,26 +1265,26 @@
               <a:t>(</a:t>
             </a:r>
             <a:r>
-              <a:rPr lang="en-US" altLang="zh-CN" sz="1200" b="1" i="1" kern="1200" dirty="0" err="1" smtClean="0">
-                <a:solidFill>
-                  <a:schemeClr val="tx1"/>
-                </a:solidFill>
-                <a:latin typeface="+mn-lt"/>
-                <a:ea typeface="+mn-ea"/>
-                <a:cs typeface="+mn-cs"/>
-              </a:rPr>
-              <a:t>Environment.getExternalStorageState</a:t>
-            </a:r>
-            <a:r>
-              <a:rPr lang="en-US" altLang="zh-CN" sz="1200" b="1" i="1" kern="1200" dirty="0" smtClean="0">
-                <a:solidFill>
-                  <a:schemeClr val="tx1"/>
-                </a:solidFill>
-                <a:latin typeface="+mn-lt"/>
-                <a:ea typeface="+mn-ea"/>
-                <a:cs typeface="+mn-cs"/>
-              </a:rPr>
-              <a:t>())){</a:t>
+              <a:rPr lang="en-US" altLang="zh-CN" sz="1200" b="1" kern="1200" dirty="0" err="1" smtClean="0">
+                <a:solidFill>
+                  <a:schemeClr val="tx1"/>
+                </a:solidFill>
+                <a:latin typeface="+mn-lt"/>
+                <a:ea typeface="+mn-ea"/>
+                <a:cs typeface="+mn-cs"/>
+              </a:rPr>
+              <a:t>fis</a:t>
+            </a:r>
+            <a:r>
+              <a:rPr lang="en-US" altLang="zh-CN" sz="1200" b="1" kern="1200" dirty="0" smtClean="0">
+                <a:solidFill>
+                  <a:schemeClr val="tx1"/>
+                </a:solidFill>
+                <a:latin typeface="+mn-lt"/>
+                <a:ea typeface="+mn-ea"/>
+                <a:cs typeface="+mn-cs"/>
+              </a:rPr>
+              <a:t>, "UTF-8");</a:t>
             </a:r>
           </a:p>
           <a:p>
@@ -1615,6 +1299,43 @@
               </a:rPr>
               <a:t>					</a:t>
             </a:r>
+          </a:p>
+          <a:p>
+            <a:r>
+              <a:rPr lang="en-US" altLang="zh-CN" sz="1200" b="1" kern="1200" dirty="0" smtClean="0">
+                <a:solidFill>
+                  <a:schemeClr val="tx1"/>
+                </a:solidFill>
+                <a:latin typeface="+mn-lt"/>
+                <a:ea typeface="+mn-ea"/>
+                <a:cs typeface="+mn-cs"/>
+              </a:rPr>
+              <a:t>char input[] = new char[</a:t>
+            </a:r>
+            <a:r>
+              <a:rPr lang="en-US" altLang="zh-CN" sz="1200" b="1" kern="1200" dirty="0" err="1" smtClean="0">
+                <a:solidFill>
+                  <a:schemeClr val="tx1"/>
+                </a:solidFill>
+                <a:latin typeface="+mn-lt"/>
+                <a:ea typeface="+mn-ea"/>
+                <a:cs typeface="+mn-cs"/>
+              </a:rPr>
+              <a:t>fis.available</a:t>
+            </a:r>
+            <a:r>
+              <a:rPr lang="en-US" altLang="zh-CN" sz="1200" b="1" kern="1200" dirty="0" smtClean="0">
+                <a:solidFill>
+                  <a:schemeClr val="tx1"/>
+                </a:solidFill>
+                <a:latin typeface="+mn-lt"/>
+                <a:ea typeface="+mn-ea"/>
+                <a:cs typeface="+mn-cs"/>
+              </a:rPr>
+              <a:t>()];</a:t>
+            </a:r>
+          </a:p>
+          <a:p>
             <a:r>
               <a:rPr lang="en-US" altLang="zh-CN" sz="1200" kern="1200" dirty="0" err="1" smtClean="0">
                 <a:solidFill>
@@ -1624,6 +1345,91 @@
                 <a:ea typeface="+mn-ea"/>
                 <a:cs typeface="+mn-cs"/>
               </a:rPr>
+              <a:t>is.read</a:t>
+            </a:r>
+            <a:r>
+              <a:rPr lang="en-US" altLang="zh-CN" sz="1200" kern="1200" dirty="0" smtClean="0">
+                <a:solidFill>
+                  <a:schemeClr val="tx1"/>
+                </a:solidFill>
+                <a:latin typeface="+mn-lt"/>
+                <a:ea typeface="+mn-ea"/>
+                <a:cs typeface="+mn-cs"/>
+              </a:rPr>
+              <a:t>(input);</a:t>
+            </a:r>
+          </a:p>
+          <a:p>
+            <a:r>
+              <a:rPr lang="en-US" altLang="zh-CN" sz="1200" kern="1200" dirty="0" err="1" smtClean="0">
+                <a:solidFill>
+                  <a:schemeClr val="tx1"/>
+                </a:solidFill>
+                <a:latin typeface="+mn-lt"/>
+                <a:ea typeface="+mn-ea"/>
+                <a:cs typeface="+mn-cs"/>
+              </a:rPr>
+              <a:t>is.close</a:t>
+            </a:r>
+            <a:r>
+              <a:rPr lang="en-US" altLang="zh-CN" sz="1200" kern="1200" dirty="0" smtClean="0">
+                <a:solidFill>
+                  <a:schemeClr val="tx1"/>
+                </a:solidFill>
+                <a:latin typeface="+mn-lt"/>
+                <a:ea typeface="+mn-ea"/>
+                <a:cs typeface="+mn-cs"/>
+              </a:rPr>
+              <a:t>();</a:t>
+            </a:r>
+          </a:p>
+          <a:p>
+            <a:r>
+              <a:rPr lang="en-US" altLang="zh-CN" sz="1200" kern="1200" dirty="0" err="1" smtClean="0">
+                <a:solidFill>
+                  <a:schemeClr val="tx1"/>
+                </a:solidFill>
+                <a:latin typeface="+mn-lt"/>
+                <a:ea typeface="+mn-ea"/>
+                <a:cs typeface="+mn-cs"/>
+              </a:rPr>
+              <a:t>fis.close</a:t>
+            </a:r>
+            <a:r>
+              <a:rPr lang="en-US" altLang="zh-CN" sz="1200" kern="1200" dirty="0" smtClean="0">
+                <a:solidFill>
+                  <a:schemeClr val="tx1"/>
+                </a:solidFill>
+                <a:latin typeface="+mn-lt"/>
+                <a:ea typeface="+mn-ea"/>
+                <a:cs typeface="+mn-cs"/>
+              </a:rPr>
+              <a:t>();</a:t>
+            </a:r>
+          </a:p>
+          <a:p>
+            <a:r>
+              <a:rPr lang="en-US" altLang="zh-CN" sz="1200" kern="1200" dirty="0" smtClean="0">
+                <a:solidFill>
+                  <a:schemeClr val="tx1"/>
+                </a:solidFill>
+                <a:latin typeface="+mn-lt"/>
+                <a:ea typeface="+mn-ea"/>
+                <a:cs typeface="+mn-cs"/>
+              </a:rPr>
+              <a:t>					</a:t>
+            </a:r>
+          </a:p>
+          <a:p>
+            <a:r>
+              <a:rPr lang="en-US" altLang="zh-CN" sz="1200" kern="1200" dirty="0" err="1" smtClean="0">
+                <a:solidFill>
+                  <a:schemeClr val="tx1"/>
+                </a:solidFill>
+                <a:latin typeface="+mn-lt"/>
+                <a:ea typeface="+mn-ea"/>
+                <a:cs typeface="+mn-cs"/>
+              </a:rPr>
               <a:t>Toast.</a:t>
             </a:r>
             <a:r>
@@ -1668,18 +1474,7 @@
                 <a:ea typeface="+mn-ea"/>
                 <a:cs typeface="+mn-cs"/>
               </a:rPr>
-              <a:t>(), "</a:t>
-            </a:r>
-            <a:r>
-              <a:rPr lang="zh-CN" altLang="en-US" sz="1200" i="1" kern="1200" dirty="0" smtClean="0">
-                <a:solidFill>
-                  <a:schemeClr val="tx1"/>
-                </a:solidFill>
-                <a:latin typeface="+mn-lt"/>
-                <a:ea typeface="+mn-ea"/>
-                <a:cs typeface="+mn-cs"/>
-              </a:rPr>
-              <a:t>当前系统不具备</a:t>
+              <a:t>(), ""+</a:t>
             </a:r>
             <a:r>
               <a:rPr lang="en-US" altLang="zh-CN" sz="1200" i="1" kern="1200" dirty="0" err="1" smtClean="0">
@@ -1690,18 +1485,7 @@
                 <a:ea typeface="+mn-ea"/>
                 <a:cs typeface="+mn-cs"/>
               </a:rPr>
-              <a:t>sdcard</a:t>
-            </a:r>
-            <a:r>
-              <a:rPr lang="zh-CN" altLang="en-US" sz="1200" i="1" kern="1200" dirty="0" smtClean="0">
-                <a:solidFill>
-                  <a:schemeClr val="tx1"/>
-                </a:solidFill>
-                <a:latin typeface="+mn-lt"/>
-                <a:ea typeface="+mn-ea"/>
-                <a:cs typeface="+mn-cs"/>
-              </a:rPr>
-              <a:t>目录</a:t>
+              <a:t>String.valueOf</a:t>
             </a:r>
             <a:r>
               <a:rPr lang="en-US" altLang="zh-CN" sz="1200" i="1" kern="1200" dirty="0" smtClean="0">
@@ -1712,7 +1496,7 @@
                 <a:ea typeface="+mn-ea"/>
                 <a:cs typeface="+mn-cs"/>
               </a:rPr>
-              <a:t>", </a:t>
+              <a:t>(input), </a:t>
             </a:r>
             <a:r>
               <a:rPr lang="en-US" altLang="zh-CN" sz="1200" i="1" u="sng" kern="1200" dirty="0" smtClean="0">
@@ -1727,1409 +1511,16 @@
             </a:r>
           </a:p>
           <a:p>
-            <a:r>
-              <a:rPr lang="is-IS" altLang="zh-CN" sz="1200" kern="1200" dirty="0" smtClean="0">
-                <a:solidFill>
-                  <a:schemeClr val="tx1"/>
-                </a:solidFill>
-                <a:latin typeface="+mn-lt"/>
-                <a:ea typeface="+mn-ea"/>
-                <a:cs typeface="+mn-cs"/>
-              </a:rPr>
-              <a:t>					</a:t>
-            </a:r>
-            <a:r>
-              <a:rPr lang="is-IS" altLang="zh-CN" sz="1200" b="1" kern="1200" dirty="0" smtClean="0">
-                <a:solidFill>
-                  <a:schemeClr val="tx1"/>
-                </a:solidFill>
-                <a:latin typeface="+mn-lt"/>
-                <a:ea typeface="+mn-ea"/>
-                <a:cs typeface="+mn-cs"/>
-              </a:rPr>
-              <a:t>return;</a:t>
-            </a:r>
-          </a:p>
-          <a:p>
-            <a:r>
-              <a:rPr lang="is-IS" altLang="zh-CN" sz="1200" kern="1200" dirty="0" smtClean="0">
-                <a:solidFill>
-                  <a:schemeClr val="tx1"/>
-                </a:solidFill>
-                <a:latin typeface="+mn-lt"/>
-                <a:ea typeface="+mn-ea"/>
-                <a:cs typeface="+mn-cs"/>
-              </a:rPr>
-              <a:t>				}</a:t>
-            </a:r>
-          </a:p>
-          <a:p>
-            <a:r>
-              <a:rPr lang="is-IS" altLang="zh-CN" sz="1200" kern="1200" dirty="0" smtClean="0">
-                <a:solidFill>
-                  <a:schemeClr val="tx1"/>
-                </a:solidFill>
-                <a:latin typeface="+mn-lt"/>
-                <a:ea typeface="+mn-ea"/>
-                <a:cs typeface="+mn-cs"/>
-              </a:rPr>
-              <a:t>				</a:t>
-            </a:r>
-          </a:p>
-          <a:p>
-            <a:r>
-              <a:rPr lang="en-US" altLang="zh-CN" sz="1200" kern="1200" dirty="0" smtClean="0">
-                <a:solidFill>
-                  <a:schemeClr val="tx1"/>
-                </a:solidFill>
-                <a:latin typeface="+mn-lt"/>
-                <a:ea typeface="+mn-ea"/>
-                <a:cs typeface="+mn-cs"/>
-              </a:rPr>
-              <a:t>				File </a:t>
-            </a:r>
-            <a:r>
-              <a:rPr lang="en-US" altLang="zh-CN" sz="1200" kern="1200" dirty="0" err="1" smtClean="0">
-                <a:solidFill>
-                  <a:schemeClr val="tx1"/>
-                </a:solidFill>
-                <a:latin typeface="+mn-lt"/>
-                <a:ea typeface="+mn-ea"/>
-                <a:cs typeface="+mn-cs"/>
-              </a:rPr>
-              <a:t>sdCard</a:t>
-            </a:r>
-            <a:r>
-              <a:rPr lang="en-US" altLang="zh-CN" sz="1200" kern="1200" dirty="0" smtClean="0">
-                <a:solidFill>
-                  <a:schemeClr val="tx1"/>
-                </a:solidFill>
-                <a:latin typeface="+mn-lt"/>
-                <a:ea typeface="+mn-ea"/>
-                <a:cs typeface="+mn-cs"/>
-              </a:rPr>
-              <a:t> = </a:t>
-            </a:r>
-            <a:r>
-              <a:rPr lang="en-US" altLang="zh-CN" sz="1200" kern="1200" dirty="0" err="1" smtClean="0">
-                <a:solidFill>
-                  <a:schemeClr val="tx1"/>
-                </a:solidFill>
-                <a:latin typeface="+mn-lt"/>
-                <a:ea typeface="+mn-ea"/>
-                <a:cs typeface="+mn-cs"/>
-              </a:rPr>
-              <a:t>Environment.</a:t>
-            </a:r>
-            <a:r>
-              <a:rPr lang="en-US" altLang="zh-CN" sz="1200" i="1" kern="1200" dirty="0" err="1" smtClean="0">
-                <a:solidFill>
-                  <a:schemeClr val="tx1"/>
-                </a:solidFill>
-                <a:latin typeface="+mn-lt"/>
-                <a:ea typeface="+mn-ea"/>
-                <a:cs typeface="+mn-cs"/>
-              </a:rPr>
-              <a:t>getExternalStorageDirectory</a:t>
-            </a:r>
-            <a:r>
-              <a:rPr lang="en-US" altLang="zh-CN" sz="1200" i="1" kern="1200" dirty="0" smtClean="0">
-                <a:solidFill>
-                  <a:schemeClr val="tx1"/>
-                </a:solidFill>
-                <a:latin typeface="+mn-lt"/>
-                <a:ea typeface="+mn-ea"/>
-                <a:cs typeface="+mn-cs"/>
-              </a:rPr>
-              <a:t>();</a:t>
-            </a:r>
-          </a:p>
-          <a:p>
-            <a:r>
-              <a:rPr lang="en-US" altLang="zh-CN" sz="1200" kern="1200" dirty="0" smtClean="0">
-                <a:solidFill>
-                  <a:schemeClr val="tx1"/>
-                </a:solidFill>
-                <a:latin typeface="+mn-lt"/>
-                <a:ea typeface="+mn-ea"/>
-                <a:cs typeface="+mn-cs"/>
-              </a:rPr>
-              <a:t>				</a:t>
-            </a:r>
-          </a:p>
-          <a:p>
-            <a:r>
-              <a:rPr lang="en-US" altLang="zh-CN" sz="1200" kern="1200" dirty="0" smtClean="0">
-                <a:solidFill>
-                  <a:schemeClr val="tx1"/>
-                </a:solidFill>
-                <a:latin typeface="+mn-lt"/>
-                <a:ea typeface="+mn-ea"/>
-                <a:cs typeface="+mn-cs"/>
-              </a:rPr>
-              <a:t>				File </a:t>
-            </a:r>
-            <a:r>
-              <a:rPr lang="en-US" altLang="zh-CN" sz="1200" kern="1200" dirty="0" err="1" smtClean="0">
-                <a:solidFill>
-                  <a:schemeClr val="tx1"/>
-                </a:solidFill>
-                <a:latin typeface="+mn-lt"/>
-                <a:ea typeface="+mn-ea"/>
-                <a:cs typeface="+mn-cs"/>
-              </a:rPr>
-              <a:t>myFile</a:t>
-            </a:r>
-            <a:r>
-              <a:rPr lang="en-US" altLang="zh-CN" sz="1200" kern="1200" dirty="0" smtClean="0">
-                <a:solidFill>
-                  <a:schemeClr val="tx1"/>
-                </a:solidFill>
-                <a:latin typeface="+mn-lt"/>
-                <a:ea typeface="+mn-ea"/>
-                <a:cs typeface="+mn-cs"/>
-              </a:rPr>
-              <a:t> = </a:t>
-            </a:r>
-            <a:r>
-              <a:rPr lang="en-US" altLang="zh-CN" sz="1200" b="1" kern="1200" dirty="0" smtClean="0">
-                <a:solidFill>
-                  <a:schemeClr val="tx1"/>
-                </a:solidFill>
-                <a:latin typeface="+mn-lt"/>
-                <a:ea typeface="+mn-ea"/>
-                <a:cs typeface="+mn-cs"/>
-              </a:rPr>
-              <a:t>new File(</a:t>
-            </a:r>
-            <a:r>
-              <a:rPr lang="en-US" altLang="zh-CN" sz="1200" b="1" kern="1200" dirty="0" err="1" smtClean="0">
-                <a:solidFill>
-                  <a:schemeClr val="tx1"/>
-                </a:solidFill>
-                <a:latin typeface="+mn-lt"/>
-                <a:ea typeface="+mn-ea"/>
-                <a:cs typeface="+mn-cs"/>
-              </a:rPr>
-              <a:t>sdCard</a:t>
-            </a:r>
-            <a:r>
-              <a:rPr lang="en-US" altLang="zh-CN" sz="1200" b="1" kern="1200" dirty="0" smtClean="0">
-                <a:solidFill>
-                  <a:schemeClr val="tx1"/>
-                </a:solidFill>
-                <a:latin typeface="+mn-lt"/>
-                <a:ea typeface="+mn-ea"/>
-                <a:cs typeface="+mn-cs"/>
-              </a:rPr>
-              <a:t>, </a:t>
-            </a:r>
-            <a:r>
-              <a:rPr lang="en-US" altLang="zh-CN" sz="1200" b="1" i="1" kern="1200" dirty="0" err="1" smtClean="0">
-                <a:solidFill>
-                  <a:schemeClr val="tx1"/>
-                </a:solidFill>
-                <a:latin typeface="+mn-lt"/>
-                <a:ea typeface="+mn-ea"/>
-                <a:cs typeface="+mn-cs"/>
-              </a:rPr>
-              <a:t>fileName</a:t>
-            </a:r>
-            <a:r>
-              <a:rPr lang="en-US" altLang="zh-CN" sz="1200" b="1" i="1" kern="1200" dirty="0" smtClean="0">
-                <a:solidFill>
-                  <a:schemeClr val="tx1"/>
-                </a:solidFill>
-                <a:latin typeface="+mn-lt"/>
-                <a:ea typeface="+mn-ea"/>
-                <a:cs typeface="+mn-cs"/>
-              </a:rPr>
-              <a:t>);</a:t>
-            </a:r>
-          </a:p>
-          <a:p>
-            <a:r>
-              <a:rPr lang="en-US" altLang="zh-CN" sz="1200" kern="1200" dirty="0" smtClean="0">
-                <a:solidFill>
-                  <a:schemeClr val="tx1"/>
-                </a:solidFill>
-                <a:latin typeface="+mn-lt"/>
-                <a:ea typeface="+mn-ea"/>
-                <a:cs typeface="+mn-cs"/>
+            <a:pPr algn="l"/>
+            <a:r>
+              <a:rPr lang="en-US" altLang="zh-CN" sz="1200" dirty="0" smtClean="0">
+                <a:solidFill>
+                  <a:srgbClr val="000000"/>
+                </a:solidFill>
+                <a:latin typeface="Monaco"/>
               </a:rPr>
               <a:t>			</a:t>
             </a:r>
-          </a:p>
-          <a:p>
-            <a:r>
-              <a:rPr lang="en-US" altLang="zh-CN" sz="1200" kern="1200" dirty="0" smtClean="0">
-                <a:solidFill>
-                  <a:schemeClr val="tx1"/>
-                </a:solidFill>
-                <a:latin typeface="+mn-lt"/>
-                <a:ea typeface="+mn-ea"/>
-                <a:cs typeface="+mn-cs"/>
-              </a:rPr>
-              <a:t>				</a:t>
-            </a:r>
-            <a:r>
-              <a:rPr lang="en-US" altLang="zh-CN" sz="1200" b="1" kern="1200" dirty="0" smtClean="0">
-                <a:solidFill>
-                  <a:schemeClr val="tx1"/>
-                </a:solidFill>
-                <a:latin typeface="+mn-lt"/>
-                <a:ea typeface="+mn-ea"/>
-                <a:cs typeface="+mn-cs"/>
-              </a:rPr>
-              <a:t>try {</a:t>
-            </a:r>
-          </a:p>
-          <a:p>
-            <a:r>
-              <a:rPr lang="en-US" altLang="zh-CN" sz="1200" kern="1200" dirty="0" smtClean="0">
-                <a:solidFill>
-                  <a:schemeClr val="tx1"/>
-                </a:solidFill>
-                <a:latin typeface="+mn-lt"/>
-                <a:ea typeface="+mn-ea"/>
-                <a:cs typeface="+mn-cs"/>
-              </a:rPr>
-              <a:t>					</a:t>
-            </a:r>
-            <a:r>
-              <a:rPr lang="en-US" altLang="zh-CN" sz="1200" kern="1200" dirty="0" err="1" smtClean="0">
-                <a:solidFill>
-                  <a:schemeClr val="tx1"/>
-                </a:solidFill>
-                <a:latin typeface="+mn-lt"/>
-                <a:ea typeface="+mn-ea"/>
-                <a:cs typeface="+mn-cs"/>
-              </a:rPr>
-              <a:t>FileOutputStream</a:t>
-            </a:r>
-            <a:r>
-              <a:rPr lang="en-US" altLang="zh-CN" sz="1200" kern="1200" dirty="0" smtClean="0">
-                <a:solidFill>
-                  <a:schemeClr val="tx1"/>
-                </a:solidFill>
-                <a:latin typeface="+mn-lt"/>
-                <a:ea typeface="+mn-ea"/>
-                <a:cs typeface="+mn-cs"/>
-              </a:rPr>
-              <a:t> </a:t>
-            </a:r>
-            <a:r>
-              <a:rPr lang="en-US" altLang="zh-CN" sz="1200" kern="1200" dirty="0" err="1" smtClean="0">
-                <a:solidFill>
-                  <a:schemeClr val="tx1"/>
-                </a:solidFill>
-                <a:latin typeface="+mn-lt"/>
-                <a:ea typeface="+mn-ea"/>
-                <a:cs typeface="+mn-cs"/>
-              </a:rPr>
-              <a:t>fos</a:t>
-            </a:r>
-            <a:r>
-              <a:rPr lang="en-US" altLang="zh-CN" sz="1200" kern="1200" dirty="0" smtClean="0">
-                <a:solidFill>
-                  <a:schemeClr val="tx1"/>
-                </a:solidFill>
-                <a:latin typeface="+mn-lt"/>
-                <a:ea typeface="+mn-ea"/>
-                <a:cs typeface="+mn-cs"/>
-              </a:rPr>
-              <a:t> = </a:t>
-            </a:r>
-            <a:r>
-              <a:rPr lang="en-US" altLang="zh-CN" sz="1200" b="1" kern="1200" dirty="0" smtClean="0">
-                <a:solidFill>
-                  <a:schemeClr val="tx1"/>
-                </a:solidFill>
-                <a:latin typeface="+mn-lt"/>
-                <a:ea typeface="+mn-ea"/>
-                <a:cs typeface="+mn-cs"/>
-              </a:rPr>
-              <a:t>new </a:t>
-            </a:r>
-            <a:r>
-              <a:rPr lang="en-US" altLang="zh-CN" sz="1200" b="1" kern="1200" dirty="0" err="1" smtClean="0">
-                <a:solidFill>
-                  <a:schemeClr val="tx1"/>
-                </a:solidFill>
-                <a:latin typeface="+mn-lt"/>
-                <a:ea typeface="+mn-ea"/>
-                <a:cs typeface="+mn-cs"/>
-              </a:rPr>
-              <a:t>FileOutputStream</a:t>
-            </a:r>
-            <a:r>
-              <a:rPr lang="en-US" altLang="zh-CN" sz="1200" b="1" kern="1200" dirty="0" smtClean="0">
-                <a:solidFill>
-                  <a:schemeClr val="tx1"/>
-                </a:solidFill>
-                <a:latin typeface="+mn-lt"/>
-                <a:ea typeface="+mn-ea"/>
-                <a:cs typeface="+mn-cs"/>
-              </a:rPr>
-              <a:t>(</a:t>
-            </a:r>
-            <a:r>
-              <a:rPr lang="en-US" altLang="zh-CN" sz="1200" b="1" kern="1200" dirty="0" err="1" smtClean="0">
-                <a:solidFill>
-                  <a:schemeClr val="tx1"/>
-                </a:solidFill>
-                <a:latin typeface="+mn-lt"/>
-                <a:ea typeface="+mn-ea"/>
-                <a:cs typeface="+mn-cs"/>
-              </a:rPr>
-              <a:t>myFile</a:t>
-            </a:r>
-            <a:r>
-              <a:rPr lang="en-US" altLang="zh-CN" sz="1200" b="1" kern="1200" dirty="0" smtClean="0">
-                <a:solidFill>
-                  <a:schemeClr val="tx1"/>
-                </a:solidFill>
-                <a:latin typeface="+mn-lt"/>
-                <a:ea typeface="+mn-ea"/>
-                <a:cs typeface="+mn-cs"/>
-              </a:rPr>
-              <a:t>);</a:t>
-            </a:r>
-          </a:p>
-          <a:p>
-            <a:r>
-              <a:rPr lang="en-US" altLang="zh-CN" sz="1200" kern="1200" dirty="0" smtClean="0">
-                <a:solidFill>
-                  <a:schemeClr val="tx1"/>
-                </a:solidFill>
-                <a:latin typeface="+mn-lt"/>
-                <a:ea typeface="+mn-ea"/>
-                <a:cs typeface="+mn-cs"/>
-              </a:rPr>
-              <a:t>					</a:t>
-            </a:r>
-          </a:p>
-          <a:p>
-            <a:r>
-              <a:rPr lang="en-US" altLang="zh-CN" sz="1200" kern="1200" dirty="0" smtClean="0">
-                <a:solidFill>
-                  <a:schemeClr val="tx1"/>
-                </a:solidFill>
-                <a:latin typeface="+mn-lt"/>
-                <a:ea typeface="+mn-ea"/>
-                <a:cs typeface="+mn-cs"/>
-              </a:rPr>
-              <a:t>					</a:t>
-            </a:r>
-            <a:r>
-              <a:rPr lang="en-US" altLang="zh-CN" sz="1200" kern="1200" dirty="0" err="1" smtClean="0">
-                <a:solidFill>
-                  <a:schemeClr val="tx1"/>
-                </a:solidFill>
-                <a:latin typeface="+mn-lt"/>
-                <a:ea typeface="+mn-ea"/>
-                <a:cs typeface="+mn-cs"/>
-              </a:rPr>
-              <a:t>fos.write</a:t>
-            </a:r>
-            <a:r>
-              <a:rPr lang="en-US" altLang="zh-CN" sz="1200" kern="1200" dirty="0" smtClean="0">
-                <a:solidFill>
-                  <a:schemeClr val="tx1"/>
-                </a:solidFill>
-                <a:latin typeface="+mn-lt"/>
-                <a:ea typeface="+mn-ea"/>
-                <a:cs typeface="+mn-cs"/>
-              </a:rPr>
-              <a:t>(</a:t>
-            </a:r>
-            <a:r>
-              <a:rPr lang="en-US" altLang="zh-CN" sz="1200" kern="1200" dirty="0" err="1" smtClean="0">
-                <a:solidFill>
-                  <a:schemeClr val="tx1"/>
-                </a:solidFill>
-                <a:latin typeface="+mn-lt"/>
-                <a:ea typeface="+mn-ea"/>
-                <a:cs typeface="+mn-cs"/>
-              </a:rPr>
-              <a:t>editText.getText</a:t>
-            </a:r>
-            <a:r>
-              <a:rPr lang="en-US" altLang="zh-CN" sz="1200" kern="1200" dirty="0" smtClean="0">
-                <a:solidFill>
-                  <a:schemeClr val="tx1"/>
-                </a:solidFill>
-                <a:latin typeface="+mn-lt"/>
-                <a:ea typeface="+mn-ea"/>
-                <a:cs typeface="+mn-cs"/>
-              </a:rPr>
-              <a:t>().</a:t>
-            </a:r>
-            <a:r>
-              <a:rPr lang="en-US" altLang="zh-CN" sz="1200" kern="1200" dirty="0" err="1" smtClean="0">
-                <a:solidFill>
-                  <a:schemeClr val="tx1"/>
-                </a:solidFill>
-                <a:latin typeface="+mn-lt"/>
-                <a:ea typeface="+mn-ea"/>
-                <a:cs typeface="+mn-cs"/>
-              </a:rPr>
-              <a:t>toString</a:t>
-            </a:r>
-            <a:r>
-              <a:rPr lang="en-US" altLang="zh-CN" sz="1200" kern="1200" dirty="0" smtClean="0">
-                <a:solidFill>
-                  <a:schemeClr val="tx1"/>
-                </a:solidFill>
-                <a:latin typeface="+mn-lt"/>
-                <a:ea typeface="+mn-ea"/>
-                <a:cs typeface="+mn-cs"/>
-              </a:rPr>
-              <a:t>().</a:t>
-            </a:r>
-            <a:r>
-              <a:rPr lang="en-US" altLang="zh-CN" sz="1200" kern="1200" dirty="0" err="1" smtClean="0">
-                <a:solidFill>
-                  <a:schemeClr val="tx1"/>
-                </a:solidFill>
-                <a:latin typeface="+mn-lt"/>
-                <a:ea typeface="+mn-ea"/>
-                <a:cs typeface="+mn-cs"/>
-              </a:rPr>
-              <a:t>getBytes</a:t>
-            </a:r>
-            <a:r>
-              <a:rPr lang="en-US" altLang="zh-CN" sz="1200" kern="1200" dirty="0" smtClean="0">
-                <a:solidFill>
-                  <a:schemeClr val="tx1"/>
-                </a:solidFill>
-                <a:latin typeface="+mn-lt"/>
-                <a:ea typeface="+mn-ea"/>
-                <a:cs typeface="+mn-cs"/>
-              </a:rPr>
-              <a:t>());</a:t>
-            </a:r>
-          </a:p>
-          <a:p>
-            <a:r>
-              <a:rPr lang="en-US" altLang="zh-CN" sz="1200" kern="1200" dirty="0" smtClean="0">
-                <a:solidFill>
-                  <a:schemeClr val="tx1"/>
-                </a:solidFill>
-                <a:latin typeface="+mn-lt"/>
-                <a:ea typeface="+mn-ea"/>
-                <a:cs typeface="+mn-cs"/>
-              </a:rPr>
-              <a:t>					</a:t>
-            </a:r>
-            <a:r>
-              <a:rPr lang="en-US" altLang="zh-CN" sz="1200" kern="1200" dirty="0" err="1" smtClean="0">
-                <a:solidFill>
-                  <a:schemeClr val="tx1"/>
-                </a:solidFill>
-                <a:latin typeface="+mn-lt"/>
-                <a:ea typeface="+mn-ea"/>
-                <a:cs typeface="+mn-cs"/>
-              </a:rPr>
-              <a:t>fos.close</a:t>
-            </a:r>
-            <a:r>
-              <a:rPr lang="en-US" altLang="zh-CN" sz="1200" kern="1200" dirty="0" smtClean="0">
-                <a:solidFill>
-                  <a:schemeClr val="tx1"/>
-                </a:solidFill>
-                <a:latin typeface="+mn-lt"/>
-                <a:ea typeface="+mn-ea"/>
-                <a:cs typeface="+mn-cs"/>
-              </a:rPr>
-              <a:t>();</a:t>
-            </a:r>
-          </a:p>
-          <a:p>
-            <a:r>
-              <a:rPr lang="en-US" altLang="zh-CN" sz="1200" kern="1200" dirty="0" smtClean="0">
-                <a:solidFill>
-                  <a:schemeClr val="tx1"/>
-                </a:solidFill>
-                <a:latin typeface="+mn-lt"/>
-                <a:ea typeface="+mn-ea"/>
-                <a:cs typeface="+mn-cs"/>
-              </a:rPr>
-              <a:t>					</a:t>
-            </a:r>
-            <a:r>
-              <a:rPr lang="en-US" altLang="zh-CN" sz="1200" kern="1200" dirty="0" err="1" smtClean="0">
-                <a:solidFill>
-                  <a:schemeClr val="tx1"/>
-                </a:solidFill>
-                <a:latin typeface="+mn-lt"/>
-                <a:ea typeface="+mn-ea"/>
-                <a:cs typeface="+mn-cs"/>
-              </a:rPr>
-              <a:t>Toast.</a:t>
-            </a:r>
-            <a:r>
-              <a:rPr lang="en-US" altLang="zh-CN" sz="1200" i="1" kern="1200" dirty="0" err="1" smtClean="0">
-                <a:solidFill>
-                  <a:schemeClr val="tx1"/>
-                </a:solidFill>
-                <a:latin typeface="+mn-lt"/>
-                <a:ea typeface="+mn-ea"/>
-                <a:cs typeface="+mn-cs"/>
-              </a:rPr>
-              <a:t>makeText</a:t>
-            </a:r>
-            <a:r>
-              <a:rPr lang="en-US" altLang="zh-CN" sz="1200" i="1" kern="1200" dirty="0" smtClean="0">
-                <a:solidFill>
-                  <a:schemeClr val="tx1"/>
-                </a:solidFill>
-                <a:latin typeface="+mn-lt"/>
-                <a:ea typeface="+mn-ea"/>
-                <a:cs typeface="+mn-cs"/>
-              </a:rPr>
-              <a:t>(</a:t>
-            </a:r>
-            <a:r>
-              <a:rPr lang="en-US" altLang="zh-CN" sz="1200" i="1" kern="1200" dirty="0" err="1" smtClean="0">
-                <a:solidFill>
-                  <a:schemeClr val="tx1"/>
-                </a:solidFill>
-                <a:latin typeface="+mn-lt"/>
-                <a:ea typeface="+mn-ea"/>
-                <a:cs typeface="+mn-cs"/>
-              </a:rPr>
-              <a:t>getApplicationContext</a:t>
-            </a:r>
-            <a:r>
-              <a:rPr lang="en-US" altLang="zh-CN" sz="1200" i="1" kern="1200" dirty="0" smtClean="0">
-                <a:solidFill>
-                  <a:schemeClr val="tx1"/>
-                </a:solidFill>
-                <a:latin typeface="+mn-lt"/>
-                <a:ea typeface="+mn-ea"/>
-                <a:cs typeface="+mn-cs"/>
-              </a:rPr>
-              <a:t>(), "</a:t>
-            </a:r>
-            <a:r>
-              <a:rPr lang="zh-CN" altLang="en-US" sz="1200" i="1" kern="1200" dirty="0" smtClean="0">
-                <a:solidFill>
-                  <a:schemeClr val="tx1"/>
-                </a:solidFill>
-                <a:latin typeface="+mn-lt"/>
-                <a:ea typeface="+mn-ea"/>
-                <a:cs typeface="+mn-cs"/>
-              </a:rPr>
-              <a:t>写入完成</a:t>
-            </a:r>
-            <a:r>
-              <a:rPr lang="en-US" altLang="zh-CN" sz="1200" i="1" kern="1200" dirty="0" smtClean="0">
-                <a:solidFill>
-                  <a:schemeClr val="tx1"/>
-                </a:solidFill>
-                <a:latin typeface="+mn-lt"/>
-                <a:ea typeface="+mn-ea"/>
-                <a:cs typeface="+mn-cs"/>
-              </a:rPr>
-              <a:t>", </a:t>
-            </a:r>
-            <a:r>
-              <a:rPr lang="en-US" altLang="zh-CN" sz="1200" i="1" u="sng" kern="1200" dirty="0" smtClean="0">
-                <a:solidFill>
-                  <a:schemeClr val="tx1"/>
-                </a:solidFill>
-                <a:latin typeface="+mn-lt"/>
-                <a:ea typeface="+mn-ea"/>
-                <a:cs typeface="+mn-cs"/>
-              </a:rPr>
-              <a:t>0).show();</a:t>
-            </a:r>
-          </a:p>
-          <a:p>
-            <a:r>
-              <a:rPr lang="en-US" altLang="zh-CN" sz="1200" kern="1200" dirty="0" smtClean="0">
-                <a:solidFill>
-                  <a:schemeClr val="tx1"/>
-                </a:solidFill>
-                <a:latin typeface="+mn-lt"/>
-                <a:ea typeface="+mn-ea"/>
-                <a:cs typeface="+mn-cs"/>
-              </a:rPr>
-              <a:t>				} </a:t>
-            </a:r>
-            <a:r>
-              <a:rPr lang="en-US" altLang="zh-CN" sz="1200" b="1" kern="1200" dirty="0" smtClean="0">
-                <a:solidFill>
-                  <a:schemeClr val="tx1"/>
-                </a:solidFill>
-                <a:latin typeface="+mn-lt"/>
-                <a:ea typeface="+mn-ea"/>
-                <a:cs typeface="+mn-cs"/>
-              </a:rPr>
-              <a:t>catch (</a:t>
-            </a:r>
-            <a:r>
-              <a:rPr lang="en-US" altLang="zh-CN" sz="1200" b="1" kern="1200" dirty="0" err="1" smtClean="0">
-                <a:solidFill>
-                  <a:schemeClr val="tx1"/>
-                </a:solidFill>
-                <a:latin typeface="+mn-lt"/>
-                <a:ea typeface="+mn-ea"/>
-                <a:cs typeface="+mn-cs"/>
-              </a:rPr>
-              <a:t>IOException</a:t>
-            </a:r>
-            <a:r>
-              <a:rPr lang="en-US" altLang="zh-CN" sz="1200" b="1" kern="1200" dirty="0" smtClean="0">
-                <a:solidFill>
-                  <a:schemeClr val="tx1"/>
-                </a:solidFill>
-                <a:latin typeface="+mn-lt"/>
-                <a:ea typeface="+mn-ea"/>
-                <a:cs typeface="+mn-cs"/>
-              </a:rPr>
-              <a:t> e) {</a:t>
-            </a:r>
-          </a:p>
-          <a:p>
-            <a:r>
-              <a:rPr lang="en-US" altLang="zh-CN" sz="1200" kern="1200" dirty="0" smtClean="0">
-                <a:solidFill>
-                  <a:schemeClr val="tx1"/>
-                </a:solidFill>
-                <a:latin typeface="+mn-lt"/>
-                <a:ea typeface="+mn-ea"/>
-                <a:cs typeface="+mn-cs"/>
-              </a:rPr>
-              <a:t>					</a:t>
-            </a:r>
-            <a:r>
-              <a:rPr lang="en-US" altLang="zh-CN" sz="1200" kern="1200" dirty="0" err="1" smtClean="0">
-                <a:solidFill>
-                  <a:schemeClr val="tx1"/>
-                </a:solidFill>
-                <a:latin typeface="+mn-lt"/>
-                <a:ea typeface="+mn-ea"/>
-                <a:cs typeface="+mn-cs"/>
-              </a:rPr>
-              <a:t>e.printStackTrace</a:t>
-            </a:r>
-            <a:r>
-              <a:rPr lang="en-US" altLang="zh-CN" sz="1200" kern="1200" dirty="0" smtClean="0">
-                <a:solidFill>
-                  <a:schemeClr val="tx1"/>
-                </a:solidFill>
-                <a:latin typeface="+mn-lt"/>
-                <a:ea typeface="+mn-ea"/>
-                <a:cs typeface="+mn-cs"/>
-              </a:rPr>
-              <a:t>();</a:t>
-            </a:r>
-          </a:p>
-          <a:p>
-            <a:r>
-              <a:rPr lang="en-US" altLang="zh-CN" sz="1200" kern="1200" dirty="0" smtClean="0">
-                <a:solidFill>
-                  <a:schemeClr val="tx1"/>
-                </a:solidFill>
-                <a:latin typeface="+mn-lt"/>
-                <a:ea typeface="+mn-ea"/>
-                <a:cs typeface="+mn-cs"/>
-              </a:rPr>
-              <a:t>				}				</a:t>
-            </a:r>
-          </a:p>
-          <a:p>
-            <a:endParaRPr kumimoji="1" lang="en-US" altLang="zh-CN" sz="1200" kern="1200" dirty="0" smtClean="0">
-              <a:solidFill>
-                <a:schemeClr val="tx1"/>
-              </a:solidFill>
-              <a:latin typeface="+mn-lt"/>
-              <a:ea typeface="+mn-ea"/>
-              <a:cs typeface="+mn-cs"/>
-            </a:endParaRPr>
-          </a:p>
-          <a:p>
-            <a:endParaRPr kumimoji="1" lang="en-US" altLang="zh-CN" sz="1200" kern="1200" dirty="0" smtClean="0">
-              <a:solidFill>
-                <a:schemeClr val="tx1"/>
-              </a:solidFill>
-              <a:latin typeface="+mn-lt"/>
-              <a:ea typeface="+mn-ea"/>
-              <a:cs typeface="+mn-cs"/>
-            </a:endParaRPr>
-          </a:p>
-          <a:p>
-            <a:r>
-              <a:rPr kumimoji="1" lang="zh-CN" altLang="en-US" dirty="0" smtClean="0"/>
-              <a:t>读取数据：</a:t>
-            </a:r>
-            <a:endParaRPr kumimoji="1" lang="en-US" altLang="zh-CN" dirty="0" smtClean="0"/>
-          </a:p>
-          <a:p>
-            <a:r>
-              <a:rPr lang="en-US" altLang="zh-CN" sz="1200" kern="1200" dirty="0" smtClean="0">
-                <a:solidFill>
-                  <a:schemeClr val="tx1"/>
-                </a:solidFill>
-                <a:latin typeface="+mn-lt"/>
-                <a:ea typeface="+mn-ea"/>
-                <a:cs typeface="+mn-cs"/>
-              </a:rPr>
-              <a:t>File </a:t>
-            </a:r>
-            <a:r>
-              <a:rPr lang="en-US" altLang="zh-CN" sz="1200" kern="1200" dirty="0" err="1" smtClean="0">
-                <a:solidFill>
-                  <a:schemeClr val="tx1"/>
-                </a:solidFill>
-                <a:latin typeface="+mn-lt"/>
-                <a:ea typeface="+mn-ea"/>
-                <a:cs typeface="+mn-cs"/>
-              </a:rPr>
-              <a:t>sdCard</a:t>
-            </a:r>
-            <a:r>
-              <a:rPr lang="en-US" altLang="zh-CN" sz="1200" kern="1200" dirty="0" smtClean="0">
-                <a:solidFill>
-                  <a:schemeClr val="tx1"/>
-                </a:solidFill>
-                <a:latin typeface="+mn-lt"/>
-                <a:ea typeface="+mn-ea"/>
-                <a:cs typeface="+mn-cs"/>
-              </a:rPr>
-              <a:t> = </a:t>
-            </a:r>
-            <a:r>
-              <a:rPr lang="en-US" altLang="zh-CN" sz="1200" kern="1200" dirty="0" err="1" smtClean="0">
-                <a:solidFill>
-                  <a:schemeClr val="tx1"/>
-                </a:solidFill>
-                <a:latin typeface="+mn-lt"/>
-                <a:ea typeface="+mn-ea"/>
-                <a:cs typeface="+mn-cs"/>
-              </a:rPr>
-              <a:t>Environment.</a:t>
-            </a:r>
-            <a:r>
-              <a:rPr lang="en-US" altLang="zh-CN" sz="1200" i="1" kern="1200" dirty="0" err="1" smtClean="0">
-                <a:solidFill>
-                  <a:schemeClr val="tx1"/>
-                </a:solidFill>
-                <a:latin typeface="+mn-lt"/>
-                <a:ea typeface="+mn-ea"/>
-                <a:cs typeface="+mn-cs"/>
-              </a:rPr>
-              <a:t>getExternalStorageDirectory</a:t>
-            </a:r>
-            <a:r>
-              <a:rPr lang="en-US" altLang="zh-CN" sz="1200" i="1" kern="1200" dirty="0" smtClean="0">
-                <a:solidFill>
-                  <a:schemeClr val="tx1"/>
-                </a:solidFill>
-                <a:latin typeface="+mn-lt"/>
-                <a:ea typeface="+mn-ea"/>
-                <a:cs typeface="+mn-cs"/>
-              </a:rPr>
-              <a:t>();</a:t>
-            </a:r>
-          </a:p>
-          <a:p>
-            <a:r>
-              <a:rPr lang="en-US" altLang="zh-CN" sz="1200" kern="1200" dirty="0" smtClean="0">
-                <a:solidFill>
-                  <a:schemeClr val="tx1"/>
-                </a:solidFill>
-                <a:latin typeface="+mn-lt"/>
-                <a:ea typeface="+mn-ea"/>
-                <a:cs typeface="+mn-cs"/>
-              </a:rPr>
-              <a:t>					File </a:t>
-            </a:r>
-            <a:r>
-              <a:rPr lang="en-US" altLang="zh-CN" sz="1200" kern="1200" dirty="0" err="1" smtClean="0">
-                <a:solidFill>
-                  <a:schemeClr val="tx1"/>
-                </a:solidFill>
-                <a:latin typeface="+mn-lt"/>
-                <a:ea typeface="+mn-ea"/>
-                <a:cs typeface="+mn-cs"/>
-              </a:rPr>
-              <a:t>myFile</a:t>
-            </a:r>
-            <a:r>
-              <a:rPr lang="en-US" altLang="zh-CN" sz="1200" kern="1200" dirty="0" smtClean="0">
-                <a:solidFill>
-                  <a:schemeClr val="tx1"/>
-                </a:solidFill>
-                <a:latin typeface="+mn-lt"/>
-                <a:ea typeface="+mn-ea"/>
-                <a:cs typeface="+mn-cs"/>
-              </a:rPr>
-              <a:t> = </a:t>
-            </a:r>
-            <a:r>
-              <a:rPr lang="en-US" altLang="zh-CN" sz="1200" b="1" kern="1200" dirty="0" smtClean="0">
-                <a:solidFill>
-                  <a:schemeClr val="tx1"/>
-                </a:solidFill>
-                <a:latin typeface="+mn-lt"/>
-                <a:ea typeface="+mn-ea"/>
-                <a:cs typeface="+mn-cs"/>
-              </a:rPr>
-              <a:t>new File(</a:t>
-            </a:r>
-            <a:r>
-              <a:rPr lang="en-US" altLang="zh-CN" sz="1200" b="1" kern="1200" dirty="0" err="1" smtClean="0">
-                <a:solidFill>
-                  <a:schemeClr val="tx1"/>
-                </a:solidFill>
-                <a:latin typeface="+mn-lt"/>
-                <a:ea typeface="+mn-ea"/>
-                <a:cs typeface="+mn-cs"/>
-              </a:rPr>
-              <a:t>sdCard,</a:t>
-            </a:r>
-            <a:r>
-              <a:rPr lang="en-US" altLang="zh-CN" sz="1200" b="1" i="1" kern="1200" dirty="0" err="1" smtClean="0">
-                <a:solidFill>
-                  <a:schemeClr val="tx1"/>
-                </a:solidFill>
-                <a:latin typeface="+mn-lt"/>
-                <a:ea typeface="+mn-ea"/>
-                <a:cs typeface="+mn-cs"/>
-              </a:rPr>
-              <a:t>fileName</a:t>
-            </a:r>
-            <a:r>
-              <a:rPr lang="en-US" altLang="zh-CN" sz="1200" b="1" i="1" kern="1200" dirty="0" smtClean="0">
-                <a:solidFill>
-                  <a:schemeClr val="tx1"/>
-                </a:solidFill>
-                <a:latin typeface="+mn-lt"/>
-                <a:ea typeface="+mn-ea"/>
-                <a:cs typeface="+mn-cs"/>
-              </a:rPr>
-              <a:t>);</a:t>
-            </a:r>
-          </a:p>
-          <a:p>
-            <a:r>
-              <a:rPr lang="en-US" altLang="zh-CN" sz="1200" kern="1200" dirty="0" smtClean="0">
-                <a:solidFill>
-                  <a:schemeClr val="tx1"/>
-                </a:solidFill>
-                <a:latin typeface="+mn-lt"/>
-                <a:ea typeface="+mn-ea"/>
-                <a:cs typeface="+mn-cs"/>
-              </a:rPr>
-              <a:t>					</a:t>
-            </a:r>
-            <a:r>
-              <a:rPr lang="en-US" altLang="zh-CN" sz="1200" kern="1200" dirty="0" err="1" smtClean="0">
-                <a:solidFill>
-                  <a:schemeClr val="tx1"/>
-                </a:solidFill>
-                <a:latin typeface="+mn-lt"/>
-                <a:ea typeface="+mn-ea"/>
-                <a:cs typeface="+mn-cs"/>
-              </a:rPr>
-              <a:t>FileInputStream</a:t>
-            </a:r>
-            <a:r>
-              <a:rPr lang="en-US" altLang="zh-CN" sz="1200" kern="1200" dirty="0" smtClean="0">
-                <a:solidFill>
-                  <a:schemeClr val="tx1"/>
-                </a:solidFill>
-                <a:latin typeface="+mn-lt"/>
-                <a:ea typeface="+mn-ea"/>
-                <a:cs typeface="+mn-cs"/>
-              </a:rPr>
-              <a:t> </a:t>
-            </a:r>
-            <a:r>
-              <a:rPr lang="en-US" altLang="zh-CN" sz="1200" kern="1200" dirty="0" err="1" smtClean="0">
-                <a:solidFill>
-                  <a:schemeClr val="tx1"/>
-                </a:solidFill>
-                <a:latin typeface="+mn-lt"/>
-                <a:ea typeface="+mn-ea"/>
-                <a:cs typeface="+mn-cs"/>
-              </a:rPr>
-              <a:t>fis</a:t>
-            </a:r>
-            <a:r>
-              <a:rPr lang="en-US" altLang="zh-CN" sz="1200" kern="1200" dirty="0" smtClean="0">
-                <a:solidFill>
-                  <a:schemeClr val="tx1"/>
-                </a:solidFill>
-                <a:latin typeface="+mn-lt"/>
-                <a:ea typeface="+mn-ea"/>
-                <a:cs typeface="+mn-cs"/>
-              </a:rPr>
-              <a:t> = </a:t>
-            </a:r>
-            <a:r>
-              <a:rPr lang="en-US" altLang="zh-CN" sz="1200" b="1" kern="1200" dirty="0" smtClean="0">
-                <a:solidFill>
-                  <a:schemeClr val="tx1"/>
-                </a:solidFill>
-                <a:latin typeface="+mn-lt"/>
-                <a:ea typeface="+mn-ea"/>
-                <a:cs typeface="+mn-cs"/>
-              </a:rPr>
-              <a:t>new </a:t>
-            </a:r>
-            <a:r>
-              <a:rPr lang="en-US" altLang="zh-CN" sz="1200" b="1" kern="1200" dirty="0" err="1" smtClean="0">
-                <a:solidFill>
-                  <a:schemeClr val="tx1"/>
-                </a:solidFill>
-                <a:latin typeface="+mn-lt"/>
-                <a:ea typeface="+mn-ea"/>
-                <a:cs typeface="+mn-cs"/>
-              </a:rPr>
-              <a:t>FileInputStream</a:t>
-            </a:r>
-            <a:r>
-              <a:rPr lang="en-US" altLang="zh-CN" sz="1200" b="1" kern="1200" dirty="0" smtClean="0">
-                <a:solidFill>
-                  <a:schemeClr val="tx1"/>
-                </a:solidFill>
-                <a:latin typeface="+mn-lt"/>
-                <a:ea typeface="+mn-ea"/>
-                <a:cs typeface="+mn-cs"/>
-              </a:rPr>
-              <a:t>(</a:t>
-            </a:r>
-            <a:r>
-              <a:rPr lang="en-US" altLang="zh-CN" sz="1200" b="1" kern="1200" dirty="0" err="1" smtClean="0">
-                <a:solidFill>
-                  <a:schemeClr val="tx1"/>
-                </a:solidFill>
-                <a:latin typeface="+mn-lt"/>
-                <a:ea typeface="+mn-ea"/>
-                <a:cs typeface="+mn-cs"/>
-              </a:rPr>
-              <a:t>myFile</a:t>
-            </a:r>
-            <a:r>
-              <a:rPr lang="en-US" altLang="zh-CN" sz="1200" b="1" kern="1200" dirty="0" smtClean="0">
-                <a:solidFill>
-                  <a:schemeClr val="tx1"/>
-                </a:solidFill>
-                <a:latin typeface="+mn-lt"/>
-                <a:ea typeface="+mn-ea"/>
-                <a:cs typeface="+mn-cs"/>
-              </a:rPr>
-              <a:t>);</a:t>
-            </a:r>
-          </a:p>
-          <a:p>
-            <a:r>
-              <a:rPr lang="en-US" altLang="zh-CN" sz="1200" kern="1200" dirty="0" smtClean="0">
-                <a:solidFill>
-                  <a:schemeClr val="tx1"/>
-                </a:solidFill>
-                <a:latin typeface="+mn-lt"/>
-                <a:ea typeface="+mn-ea"/>
-                <a:cs typeface="+mn-cs"/>
-              </a:rPr>
-              <a:t>					</a:t>
-            </a:r>
-            <a:r>
-              <a:rPr lang="en-US" altLang="zh-CN" sz="1200" kern="1200" dirty="0" err="1" smtClean="0">
-                <a:solidFill>
-                  <a:schemeClr val="tx1"/>
-                </a:solidFill>
-                <a:latin typeface="+mn-lt"/>
-                <a:ea typeface="+mn-ea"/>
-                <a:cs typeface="+mn-cs"/>
-              </a:rPr>
-              <a:t>InputStreamReader</a:t>
-            </a:r>
-            <a:r>
-              <a:rPr lang="en-US" altLang="zh-CN" sz="1200" kern="1200" dirty="0" smtClean="0">
-                <a:solidFill>
-                  <a:schemeClr val="tx1"/>
-                </a:solidFill>
-                <a:latin typeface="+mn-lt"/>
-                <a:ea typeface="+mn-ea"/>
-                <a:cs typeface="+mn-cs"/>
-              </a:rPr>
-              <a:t> </a:t>
-            </a:r>
-            <a:r>
-              <a:rPr lang="en-US" altLang="zh-CN" sz="1200" kern="1200" dirty="0" err="1" smtClean="0">
-                <a:solidFill>
-                  <a:schemeClr val="tx1"/>
-                </a:solidFill>
-                <a:latin typeface="+mn-lt"/>
-                <a:ea typeface="+mn-ea"/>
-                <a:cs typeface="+mn-cs"/>
-              </a:rPr>
-              <a:t>isr</a:t>
-            </a:r>
-            <a:r>
-              <a:rPr lang="en-US" altLang="zh-CN" sz="1200" kern="1200" dirty="0" smtClean="0">
-                <a:solidFill>
-                  <a:schemeClr val="tx1"/>
-                </a:solidFill>
-                <a:latin typeface="+mn-lt"/>
-                <a:ea typeface="+mn-ea"/>
-                <a:cs typeface="+mn-cs"/>
-              </a:rPr>
-              <a:t> = </a:t>
-            </a:r>
-            <a:r>
-              <a:rPr lang="en-US" altLang="zh-CN" sz="1200" b="1" kern="1200" dirty="0" smtClean="0">
-                <a:solidFill>
-                  <a:schemeClr val="tx1"/>
-                </a:solidFill>
-                <a:latin typeface="+mn-lt"/>
-                <a:ea typeface="+mn-ea"/>
-                <a:cs typeface="+mn-cs"/>
-              </a:rPr>
-              <a:t>new </a:t>
-            </a:r>
-            <a:r>
-              <a:rPr lang="en-US" altLang="zh-CN" sz="1200" b="1" kern="1200" dirty="0" err="1" smtClean="0">
-                <a:solidFill>
-                  <a:schemeClr val="tx1"/>
-                </a:solidFill>
-                <a:latin typeface="+mn-lt"/>
-                <a:ea typeface="+mn-ea"/>
-                <a:cs typeface="+mn-cs"/>
-              </a:rPr>
-              <a:t>InputStreamReader</a:t>
-            </a:r>
-            <a:r>
-              <a:rPr lang="en-US" altLang="zh-CN" sz="1200" b="1" kern="1200" dirty="0" smtClean="0">
-                <a:solidFill>
-                  <a:schemeClr val="tx1"/>
-                </a:solidFill>
-                <a:latin typeface="+mn-lt"/>
-                <a:ea typeface="+mn-ea"/>
-                <a:cs typeface="+mn-cs"/>
-              </a:rPr>
-              <a:t>(</a:t>
-            </a:r>
-            <a:r>
-              <a:rPr lang="en-US" altLang="zh-CN" sz="1200" b="1" kern="1200" dirty="0" err="1" smtClean="0">
-                <a:solidFill>
-                  <a:schemeClr val="tx1"/>
-                </a:solidFill>
-                <a:latin typeface="+mn-lt"/>
-                <a:ea typeface="+mn-ea"/>
-                <a:cs typeface="+mn-cs"/>
-              </a:rPr>
-              <a:t>fis</a:t>
-            </a:r>
-            <a:r>
-              <a:rPr lang="en-US" altLang="zh-CN" sz="1200" b="1" kern="1200" dirty="0" smtClean="0">
-                <a:solidFill>
-                  <a:schemeClr val="tx1"/>
-                </a:solidFill>
-                <a:latin typeface="+mn-lt"/>
-                <a:ea typeface="+mn-ea"/>
-                <a:cs typeface="+mn-cs"/>
-              </a:rPr>
-              <a:t>);</a:t>
-            </a:r>
-          </a:p>
-          <a:p>
-            <a:r>
-              <a:rPr lang="en-US" altLang="zh-CN" sz="1200" kern="1200" dirty="0" smtClean="0">
-                <a:solidFill>
-                  <a:schemeClr val="tx1"/>
-                </a:solidFill>
-                <a:latin typeface="+mn-lt"/>
-                <a:ea typeface="+mn-ea"/>
-                <a:cs typeface="+mn-cs"/>
-              </a:rPr>
-              <a:t>					</a:t>
-            </a:r>
-          </a:p>
-          <a:p>
-            <a:r>
-              <a:rPr lang="en-US" altLang="zh-CN" sz="1200" kern="1200" dirty="0" smtClean="0">
-                <a:solidFill>
-                  <a:schemeClr val="tx1"/>
-                </a:solidFill>
-                <a:latin typeface="+mn-lt"/>
-                <a:ea typeface="+mn-ea"/>
-                <a:cs typeface="+mn-cs"/>
-              </a:rPr>
-              <a:t>					</a:t>
-            </a:r>
-            <a:r>
-              <a:rPr lang="en-US" altLang="zh-CN" sz="1200" b="1" kern="1200" dirty="0" smtClean="0">
-                <a:solidFill>
-                  <a:schemeClr val="tx1"/>
-                </a:solidFill>
-                <a:latin typeface="+mn-lt"/>
-                <a:ea typeface="+mn-ea"/>
-                <a:cs typeface="+mn-cs"/>
-              </a:rPr>
-              <a:t>char[] input = new char[</a:t>
-            </a:r>
-            <a:r>
-              <a:rPr lang="en-US" altLang="zh-CN" sz="1200" b="1" kern="1200" dirty="0" err="1" smtClean="0">
-                <a:solidFill>
-                  <a:schemeClr val="tx1"/>
-                </a:solidFill>
-                <a:latin typeface="+mn-lt"/>
-                <a:ea typeface="+mn-ea"/>
-                <a:cs typeface="+mn-cs"/>
-              </a:rPr>
-              <a:t>fis.available</a:t>
-            </a:r>
-            <a:r>
-              <a:rPr lang="en-US" altLang="zh-CN" sz="1200" b="1" kern="1200" dirty="0" smtClean="0">
-                <a:solidFill>
-                  <a:schemeClr val="tx1"/>
-                </a:solidFill>
-                <a:latin typeface="+mn-lt"/>
-                <a:ea typeface="+mn-ea"/>
-                <a:cs typeface="+mn-cs"/>
-              </a:rPr>
-              <a:t>()];</a:t>
-            </a:r>
-          </a:p>
-          <a:p>
-            <a:r>
-              <a:rPr lang="en-US" altLang="zh-CN" sz="1200" kern="1200" dirty="0" smtClean="0">
-                <a:solidFill>
-                  <a:schemeClr val="tx1"/>
-                </a:solidFill>
-                <a:latin typeface="+mn-lt"/>
-                <a:ea typeface="+mn-ea"/>
-                <a:cs typeface="+mn-cs"/>
-              </a:rPr>
-              <a:t>					</a:t>
-            </a:r>
-          </a:p>
-          <a:p>
-            <a:r>
-              <a:rPr lang="en-US" altLang="zh-CN" sz="1200" kern="1200" dirty="0" smtClean="0">
-                <a:solidFill>
-                  <a:schemeClr val="tx1"/>
-                </a:solidFill>
-                <a:latin typeface="+mn-lt"/>
-                <a:ea typeface="+mn-ea"/>
-                <a:cs typeface="+mn-cs"/>
-              </a:rPr>
-              <a:t>					</a:t>
-            </a:r>
-            <a:r>
-              <a:rPr lang="en-US" altLang="zh-CN" sz="1200" kern="1200" dirty="0" err="1" smtClean="0">
-                <a:solidFill>
-                  <a:schemeClr val="tx1"/>
-                </a:solidFill>
-                <a:latin typeface="+mn-lt"/>
-                <a:ea typeface="+mn-ea"/>
-                <a:cs typeface="+mn-cs"/>
-              </a:rPr>
-              <a:t>isr.read</a:t>
-            </a:r>
-            <a:r>
-              <a:rPr lang="en-US" altLang="zh-CN" sz="1200" kern="1200" dirty="0" smtClean="0">
-                <a:solidFill>
-                  <a:schemeClr val="tx1"/>
-                </a:solidFill>
-                <a:latin typeface="+mn-lt"/>
-                <a:ea typeface="+mn-ea"/>
-                <a:cs typeface="+mn-cs"/>
-              </a:rPr>
-              <a:t>(input);</a:t>
-            </a:r>
-          </a:p>
-          <a:p>
-            <a:r>
-              <a:rPr lang="en-US" altLang="zh-CN" sz="1200" kern="1200" dirty="0" smtClean="0">
-                <a:solidFill>
-                  <a:schemeClr val="tx1"/>
-                </a:solidFill>
-                <a:latin typeface="+mn-lt"/>
-                <a:ea typeface="+mn-ea"/>
-                <a:cs typeface="+mn-cs"/>
-              </a:rPr>
-              <a:t>					</a:t>
-            </a:r>
-            <a:r>
-              <a:rPr lang="en-US" altLang="zh-CN" sz="1200" kern="1200" dirty="0" err="1" smtClean="0">
-                <a:solidFill>
-                  <a:schemeClr val="tx1"/>
-                </a:solidFill>
-                <a:latin typeface="+mn-lt"/>
-                <a:ea typeface="+mn-ea"/>
-                <a:cs typeface="+mn-cs"/>
-              </a:rPr>
-              <a:t>isr.close</a:t>
-            </a:r>
-            <a:r>
-              <a:rPr lang="en-US" altLang="zh-CN" sz="1200" kern="1200" dirty="0" smtClean="0">
-                <a:solidFill>
-                  <a:schemeClr val="tx1"/>
-                </a:solidFill>
-                <a:latin typeface="+mn-lt"/>
-                <a:ea typeface="+mn-ea"/>
-                <a:cs typeface="+mn-cs"/>
-              </a:rPr>
-              <a:t>();</a:t>
-            </a:r>
-          </a:p>
-          <a:p>
-            <a:r>
-              <a:rPr lang="en-US" altLang="zh-CN" sz="1200" kern="1200" dirty="0" smtClean="0">
-                <a:solidFill>
-                  <a:schemeClr val="tx1"/>
-                </a:solidFill>
-                <a:latin typeface="+mn-lt"/>
-                <a:ea typeface="+mn-ea"/>
-                <a:cs typeface="+mn-cs"/>
-              </a:rPr>
-              <a:t>					</a:t>
-            </a:r>
-            <a:r>
-              <a:rPr lang="en-US" altLang="zh-CN" sz="1200" kern="1200" dirty="0" err="1" smtClean="0">
-                <a:solidFill>
-                  <a:schemeClr val="tx1"/>
-                </a:solidFill>
-                <a:latin typeface="+mn-lt"/>
-                <a:ea typeface="+mn-ea"/>
-                <a:cs typeface="+mn-cs"/>
-              </a:rPr>
-              <a:t>fis.close</a:t>
-            </a:r>
-            <a:r>
-              <a:rPr lang="en-US" altLang="zh-CN" sz="1200" kern="1200" dirty="0" smtClean="0">
-                <a:solidFill>
-                  <a:schemeClr val="tx1"/>
-                </a:solidFill>
-                <a:latin typeface="+mn-lt"/>
-                <a:ea typeface="+mn-ea"/>
-                <a:cs typeface="+mn-cs"/>
-              </a:rPr>
-              <a:t>();</a:t>
-            </a:r>
-          </a:p>
-          <a:p>
-            <a:r>
-              <a:rPr lang="en-US" altLang="zh-CN" sz="1200" kern="1200" dirty="0" smtClean="0">
-                <a:solidFill>
-                  <a:schemeClr val="tx1"/>
-                </a:solidFill>
-                <a:latin typeface="+mn-lt"/>
-                <a:ea typeface="+mn-ea"/>
-                <a:cs typeface="+mn-cs"/>
-              </a:rPr>
-              <a:t>					</a:t>
-            </a:r>
-          </a:p>
-          <a:p>
-            <a:r>
-              <a:rPr lang="en-US" altLang="zh-CN" sz="1200" kern="1200" dirty="0" smtClean="0">
-                <a:solidFill>
-                  <a:schemeClr val="tx1"/>
-                </a:solidFill>
-                <a:latin typeface="+mn-lt"/>
-                <a:ea typeface="+mn-ea"/>
-                <a:cs typeface="+mn-cs"/>
-              </a:rPr>
-              <a:t>					</a:t>
-            </a:r>
-            <a:r>
-              <a:rPr lang="en-US" altLang="zh-CN" sz="1200" kern="1200" dirty="0" err="1" smtClean="0">
-                <a:solidFill>
-                  <a:schemeClr val="tx1"/>
-                </a:solidFill>
-                <a:latin typeface="+mn-lt"/>
-                <a:ea typeface="+mn-ea"/>
-                <a:cs typeface="+mn-cs"/>
-              </a:rPr>
-              <a:t>Toast.</a:t>
-            </a:r>
-            <a:r>
-              <a:rPr lang="en-US" altLang="zh-CN" sz="1200" i="1" kern="1200" dirty="0" err="1" smtClean="0">
-                <a:solidFill>
-                  <a:schemeClr val="tx1"/>
-                </a:solidFill>
-                <a:latin typeface="+mn-lt"/>
-                <a:ea typeface="+mn-ea"/>
-                <a:cs typeface="+mn-cs"/>
-              </a:rPr>
-              <a:t>makeText</a:t>
-            </a:r>
-            <a:r>
-              <a:rPr lang="en-US" altLang="zh-CN" sz="1200" i="1" kern="1200" dirty="0" smtClean="0">
-                <a:solidFill>
-                  <a:schemeClr val="tx1"/>
-                </a:solidFill>
-                <a:latin typeface="+mn-lt"/>
-                <a:ea typeface="+mn-ea"/>
-                <a:cs typeface="+mn-cs"/>
-              </a:rPr>
-              <a:t>(</a:t>
-            </a:r>
-            <a:r>
-              <a:rPr lang="en-US" altLang="zh-CN" sz="1200" i="1" kern="1200" dirty="0" err="1" smtClean="0">
-                <a:solidFill>
-                  <a:schemeClr val="tx1"/>
-                </a:solidFill>
-                <a:latin typeface="+mn-lt"/>
-                <a:ea typeface="+mn-ea"/>
-                <a:cs typeface="+mn-cs"/>
-              </a:rPr>
-              <a:t>getApplicationContext</a:t>
-            </a:r>
-            <a:r>
-              <a:rPr lang="en-US" altLang="zh-CN" sz="1200" i="1" kern="1200" dirty="0" smtClean="0">
-                <a:solidFill>
-                  <a:schemeClr val="tx1"/>
-                </a:solidFill>
-                <a:latin typeface="+mn-lt"/>
-                <a:ea typeface="+mn-ea"/>
-                <a:cs typeface="+mn-cs"/>
-              </a:rPr>
-              <a:t>(), ""+</a:t>
-            </a:r>
-            <a:r>
-              <a:rPr lang="en-US" altLang="zh-CN" sz="1200" i="1" kern="1200" dirty="0" err="1" smtClean="0">
-                <a:solidFill>
-                  <a:schemeClr val="tx1"/>
-                </a:solidFill>
-                <a:latin typeface="+mn-lt"/>
-                <a:ea typeface="+mn-ea"/>
-                <a:cs typeface="+mn-cs"/>
-              </a:rPr>
-              <a:t>String.valueOf</a:t>
-            </a:r>
-            <a:r>
-              <a:rPr lang="en-US" altLang="zh-CN" sz="1200" i="1" kern="1200" dirty="0" smtClean="0">
-                <a:solidFill>
-                  <a:schemeClr val="tx1"/>
-                </a:solidFill>
-                <a:latin typeface="+mn-lt"/>
-                <a:ea typeface="+mn-ea"/>
-                <a:cs typeface="+mn-cs"/>
-              </a:rPr>
-              <a:t>(input), </a:t>
-            </a:r>
-            <a:r>
-              <a:rPr lang="en-US" altLang="zh-CN" sz="1200" i="1" u="sng" kern="1200" dirty="0" smtClean="0">
-                <a:solidFill>
-                  <a:schemeClr val="tx1"/>
-                </a:solidFill>
-                <a:latin typeface="+mn-lt"/>
-                <a:ea typeface="+mn-ea"/>
-                <a:cs typeface="+mn-cs"/>
-              </a:rPr>
-              <a:t>0).show();</a:t>
-            </a:r>
-          </a:p>
-          <a:p>
             <a:endParaRPr kumimoji="1" lang="zh-CN" altLang="en-US" dirty="0"/>
           </a:p>
         </p:txBody>
@@ -3151,7 +1542,7 @@
           <a:p>
             <a:fld id="{F0FB8CF0-B273-F446-8063-8470DCBC23B4}" type="slidenum">
               <a:rPr kumimoji="1" lang="zh-CN" altLang="en-US" smtClean="0"/>
-              <a:t>8</a:t>
+              <a:t>7</a:t>
             </a:fld>
             <a:endParaRPr kumimoji="1" lang="zh-CN" altLang="en-US"/>
           </a:p>
@@ -3160,7 +1551,7 @@
     </p:spTree>
     <p:extLst>
       <p:ext uri="{BB962C8B-B14F-4D97-AF65-F5344CB8AC3E}">
-        <p14:creationId xmlns:p14="http://schemas.microsoft.com/office/powerpoint/2010/main" val="956855607"/>
+        <p14:creationId xmlns:p14="http://schemas.microsoft.com/office/powerpoint/2010/main" val="4057115032"/>
       </p:ext>
     </p:extLst>
   </p:cSld>
@@ -3214,42 +1605,1605 @@
           <a:bodyPr/>
           <a:lstStyle/>
           <a:p>
-            <a:pPr lvl="0"/>
-            <a:r>
-              <a:rPr lang="en-US" altLang="zh-CN" sz="1200" dirty="0" smtClean="0"/>
-              <a:t>SELECT</a:t>
-            </a:r>
-            <a:r>
-              <a:rPr lang="zh-CN" altLang="en-US" sz="1200" dirty="0" smtClean="0"/>
-              <a:t> * </a:t>
-            </a:r>
-            <a:r>
-              <a:rPr lang="en-US" altLang="zh-CN" sz="1200" dirty="0" smtClean="0"/>
-              <a:t>FROM</a:t>
-            </a:r>
-            <a:r>
-              <a:rPr lang="zh-CN" altLang="en-US" sz="1200" dirty="0" smtClean="0"/>
+            <a:r>
+              <a:rPr kumimoji="1" lang="zh-CN" altLang="en-US" dirty="0" smtClean="0"/>
+              <a:t>写入数据：</a:t>
+            </a:r>
+            <a:endParaRPr kumimoji="1" lang="en-US" altLang="zh-CN" dirty="0" smtClean="0"/>
+          </a:p>
+          <a:p>
+            <a:r>
+              <a:rPr lang="en-US" altLang="zh-CN" sz="1200" b="1" kern="1200" dirty="0" smtClean="0">
+                <a:solidFill>
+                  <a:schemeClr val="tx1"/>
+                </a:solidFill>
+                <a:latin typeface="+mn-lt"/>
+                <a:ea typeface="+mn-ea"/>
+                <a:cs typeface="+mn-cs"/>
+              </a:rPr>
+              <a:t>if(!</a:t>
+            </a:r>
+            <a:r>
+              <a:rPr lang="en-US" altLang="zh-CN" sz="1200" b="1" kern="1200" dirty="0" err="1" smtClean="0">
+                <a:solidFill>
+                  <a:schemeClr val="tx1"/>
+                </a:solidFill>
+                <a:latin typeface="+mn-lt"/>
+                <a:ea typeface="+mn-ea"/>
+                <a:cs typeface="+mn-cs"/>
+              </a:rPr>
+              <a:t>Environment.</a:t>
+            </a:r>
+            <a:r>
+              <a:rPr lang="en-US" altLang="zh-CN" sz="1200" b="1" i="1" kern="1200" dirty="0" err="1" smtClean="0">
+                <a:solidFill>
+                  <a:schemeClr val="tx1"/>
+                </a:solidFill>
+                <a:latin typeface="+mn-lt"/>
+                <a:ea typeface="+mn-ea"/>
+                <a:cs typeface="+mn-cs"/>
+              </a:rPr>
+              <a:t>MEDIA_MOUNTED.equals</a:t>
+            </a:r>
+            <a:r>
+              <a:rPr lang="en-US" altLang="zh-CN" sz="1200" b="1" i="1" kern="1200" dirty="0" smtClean="0">
+                <a:solidFill>
+                  <a:schemeClr val="tx1"/>
+                </a:solidFill>
+                <a:latin typeface="+mn-lt"/>
+                <a:ea typeface="+mn-ea"/>
+                <a:cs typeface="+mn-cs"/>
+              </a:rPr>
+              <a:t>(</a:t>
+            </a:r>
+            <a:r>
+              <a:rPr lang="en-US" altLang="zh-CN" sz="1200" b="1" i="1" kern="1200" dirty="0" err="1" smtClean="0">
+                <a:solidFill>
+                  <a:schemeClr val="tx1"/>
+                </a:solidFill>
+                <a:latin typeface="+mn-lt"/>
+                <a:ea typeface="+mn-ea"/>
+                <a:cs typeface="+mn-cs"/>
+              </a:rPr>
+              <a:t>Environment.getExternalStorageState</a:t>
+            </a:r>
+            <a:r>
+              <a:rPr lang="en-US" altLang="zh-CN" sz="1200" b="1" i="1" kern="1200" dirty="0" smtClean="0">
+                <a:solidFill>
+                  <a:schemeClr val="tx1"/>
+                </a:solidFill>
+                <a:latin typeface="+mn-lt"/>
+                <a:ea typeface="+mn-ea"/>
+                <a:cs typeface="+mn-cs"/>
+              </a:rPr>
+              <a:t>())){</a:t>
+            </a:r>
+          </a:p>
+          <a:p>
+            <a:r>
+              <a:rPr lang="en-US" altLang="zh-CN" sz="1200" kern="1200" dirty="0" smtClean="0">
+                <a:solidFill>
+                  <a:schemeClr val="tx1"/>
+                </a:solidFill>
+                <a:latin typeface="+mn-lt"/>
+                <a:ea typeface="+mn-ea"/>
+                <a:cs typeface="+mn-cs"/>
+              </a:rPr>
+              <a:t>					</a:t>
+            </a:r>
+            <a:r>
+              <a:rPr lang="en-US" altLang="zh-CN" sz="1200" kern="1200" dirty="0" err="1" smtClean="0">
+                <a:solidFill>
+                  <a:schemeClr val="tx1"/>
+                </a:solidFill>
+                <a:latin typeface="+mn-lt"/>
+                <a:ea typeface="+mn-ea"/>
+                <a:cs typeface="+mn-cs"/>
+              </a:rPr>
+              <a:t>Toast.</a:t>
+            </a:r>
+            <a:r>
+              <a:rPr lang="en-US" altLang="zh-CN" sz="1200" i="1" kern="1200" dirty="0" err="1" smtClean="0">
+                <a:solidFill>
+                  <a:schemeClr val="tx1"/>
+                </a:solidFill>
+                <a:latin typeface="+mn-lt"/>
+                <a:ea typeface="+mn-ea"/>
+                <a:cs typeface="+mn-cs"/>
+              </a:rPr>
+              <a:t>makeText</a:t>
+            </a:r>
+            <a:r>
+              <a:rPr lang="en-US" altLang="zh-CN" sz="1200" i="1" kern="1200" dirty="0" smtClean="0">
+                <a:solidFill>
+                  <a:schemeClr val="tx1"/>
+                </a:solidFill>
+                <a:latin typeface="+mn-lt"/>
+                <a:ea typeface="+mn-ea"/>
+                <a:cs typeface="+mn-cs"/>
+              </a:rPr>
+              <a:t>(</a:t>
+            </a:r>
+            <a:r>
+              <a:rPr lang="en-US" altLang="zh-CN" sz="1200" i="1" kern="1200" dirty="0" err="1" smtClean="0">
+                <a:solidFill>
+                  <a:schemeClr val="tx1"/>
+                </a:solidFill>
+                <a:latin typeface="+mn-lt"/>
+                <a:ea typeface="+mn-ea"/>
+                <a:cs typeface="+mn-cs"/>
+              </a:rPr>
+              <a:t>getApplicationContext</a:t>
+            </a:r>
+            <a:r>
+              <a:rPr lang="en-US" altLang="zh-CN" sz="1200" i="1" kern="1200" dirty="0" smtClean="0">
+                <a:solidFill>
+                  <a:schemeClr val="tx1"/>
+                </a:solidFill>
+                <a:latin typeface="+mn-lt"/>
+                <a:ea typeface="+mn-ea"/>
+                <a:cs typeface="+mn-cs"/>
+              </a:rPr>
+              <a:t>(), "</a:t>
+            </a:r>
+            <a:r>
+              <a:rPr lang="zh-CN" altLang="en-US" sz="1200" i="1" kern="1200" dirty="0" smtClean="0">
+                <a:solidFill>
+                  <a:schemeClr val="tx1"/>
+                </a:solidFill>
+                <a:latin typeface="+mn-lt"/>
+                <a:ea typeface="+mn-ea"/>
+                <a:cs typeface="+mn-cs"/>
+              </a:rPr>
+              <a:t>当前系统不具备</a:t>
+            </a:r>
+            <a:r>
+              <a:rPr lang="en-US" altLang="zh-CN" sz="1200" i="1" kern="1200" dirty="0" err="1" smtClean="0">
+                <a:solidFill>
+                  <a:schemeClr val="tx1"/>
+                </a:solidFill>
+                <a:latin typeface="+mn-lt"/>
+                <a:ea typeface="+mn-ea"/>
+                <a:cs typeface="+mn-cs"/>
+              </a:rPr>
+              <a:t>sdcard</a:t>
+            </a:r>
+            <a:r>
+              <a:rPr lang="zh-CN" altLang="en-US" sz="1200" i="1" kern="1200" dirty="0" smtClean="0">
+                <a:solidFill>
+                  <a:schemeClr val="tx1"/>
+                </a:solidFill>
+                <a:latin typeface="+mn-lt"/>
+                <a:ea typeface="+mn-ea"/>
+                <a:cs typeface="+mn-cs"/>
+              </a:rPr>
+              <a:t>目录</a:t>
+            </a:r>
+            <a:r>
+              <a:rPr lang="en-US" altLang="zh-CN" sz="1200" i="1" kern="1200" dirty="0" smtClean="0">
+                <a:solidFill>
+                  <a:schemeClr val="tx1"/>
+                </a:solidFill>
+                <a:latin typeface="+mn-lt"/>
+                <a:ea typeface="+mn-ea"/>
+                <a:cs typeface="+mn-cs"/>
+              </a:rPr>
+              <a:t>", </a:t>
+            </a:r>
+            <a:r>
+              <a:rPr lang="en-US" altLang="zh-CN" sz="1200" i="1" u="sng" kern="1200" dirty="0" smtClean="0">
+                <a:solidFill>
+                  <a:schemeClr val="tx1"/>
+                </a:solidFill>
+                <a:latin typeface="+mn-lt"/>
+                <a:ea typeface="+mn-ea"/>
+                <a:cs typeface="+mn-cs"/>
+              </a:rPr>
+              <a:t>0).show();</a:t>
+            </a:r>
+          </a:p>
+          <a:p>
+            <a:r>
+              <a:rPr lang="is-IS" altLang="zh-CN" sz="1200" kern="1200" dirty="0" smtClean="0">
+                <a:solidFill>
+                  <a:schemeClr val="tx1"/>
+                </a:solidFill>
+                <a:latin typeface="+mn-lt"/>
+                <a:ea typeface="+mn-ea"/>
+                <a:cs typeface="+mn-cs"/>
+              </a:rPr>
+              <a:t>					</a:t>
+            </a:r>
+            <a:r>
+              <a:rPr lang="is-IS" altLang="zh-CN" sz="1200" b="1" kern="1200" dirty="0" smtClean="0">
+                <a:solidFill>
+                  <a:schemeClr val="tx1"/>
+                </a:solidFill>
+                <a:latin typeface="+mn-lt"/>
+                <a:ea typeface="+mn-ea"/>
+                <a:cs typeface="+mn-cs"/>
+              </a:rPr>
+              <a:t>return;</a:t>
+            </a:r>
+          </a:p>
+          <a:p>
+            <a:r>
+              <a:rPr lang="is-IS" altLang="zh-CN" sz="1200" kern="1200" dirty="0" smtClean="0">
+                <a:solidFill>
+                  <a:schemeClr val="tx1"/>
+                </a:solidFill>
+                <a:latin typeface="+mn-lt"/>
+                <a:ea typeface="+mn-ea"/>
+                <a:cs typeface="+mn-cs"/>
+              </a:rPr>
+              <a:t>				}</a:t>
+            </a:r>
+          </a:p>
+          <a:p>
+            <a:r>
+              <a:rPr lang="is-IS" altLang="zh-CN" sz="1200" kern="1200" dirty="0" smtClean="0">
+                <a:solidFill>
+                  <a:schemeClr val="tx1"/>
+                </a:solidFill>
+                <a:latin typeface="+mn-lt"/>
+                <a:ea typeface="+mn-ea"/>
+                <a:cs typeface="+mn-cs"/>
+              </a:rPr>
+              <a:t>				</a:t>
+            </a:r>
+          </a:p>
+          <a:p>
+            <a:r>
+              <a:rPr lang="en-US" altLang="zh-CN" sz="1200" kern="1200" dirty="0" smtClean="0">
+                <a:solidFill>
+                  <a:schemeClr val="tx1"/>
+                </a:solidFill>
+                <a:latin typeface="+mn-lt"/>
+                <a:ea typeface="+mn-ea"/>
+                <a:cs typeface="+mn-cs"/>
+              </a:rPr>
+              <a:t>				File </a:t>
+            </a:r>
+            <a:r>
+              <a:rPr lang="en-US" altLang="zh-CN" sz="1200" kern="1200" dirty="0" err="1" smtClean="0">
+                <a:solidFill>
+                  <a:schemeClr val="tx1"/>
+                </a:solidFill>
+                <a:latin typeface="+mn-lt"/>
+                <a:ea typeface="+mn-ea"/>
+                <a:cs typeface="+mn-cs"/>
+              </a:rPr>
+              <a:t>sdCard</a:t>
+            </a:r>
+            <a:r>
+              <a:rPr lang="en-US" altLang="zh-CN" sz="1200" kern="1200" dirty="0" smtClean="0">
+                <a:solidFill>
+                  <a:schemeClr val="tx1"/>
+                </a:solidFill>
+                <a:latin typeface="+mn-lt"/>
+                <a:ea typeface="+mn-ea"/>
+                <a:cs typeface="+mn-cs"/>
+              </a:rPr>
+              <a:t> = </a:t>
+            </a:r>
+            <a:r>
+              <a:rPr lang="en-US" altLang="zh-CN" sz="1200" kern="1200" dirty="0" err="1" smtClean="0">
+                <a:solidFill>
+                  <a:schemeClr val="tx1"/>
+                </a:solidFill>
+                <a:latin typeface="+mn-lt"/>
+                <a:ea typeface="+mn-ea"/>
+                <a:cs typeface="+mn-cs"/>
+              </a:rPr>
+              <a:t>Environment.</a:t>
+            </a:r>
+            <a:r>
+              <a:rPr lang="en-US" altLang="zh-CN" sz="1200" i="1" kern="1200" dirty="0" err="1" smtClean="0">
+                <a:solidFill>
+                  <a:schemeClr val="tx1"/>
+                </a:solidFill>
+                <a:latin typeface="+mn-lt"/>
+                <a:ea typeface="+mn-ea"/>
+                <a:cs typeface="+mn-cs"/>
+              </a:rPr>
+              <a:t>getExternalStorageDirectory</a:t>
+            </a:r>
+            <a:r>
+              <a:rPr lang="en-US" altLang="zh-CN" sz="1200" i="1" kern="1200" dirty="0" smtClean="0">
+                <a:solidFill>
+                  <a:schemeClr val="tx1"/>
+                </a:solidFill>
+                <a:latin typeface="+mn-lt"/>
+                <a:ea typeface="+mn-ea"/>
+                <a:cs typeface="+mn-cs"/>
+              </a:rPr>
+              <a:t>();</a:t>
+            </a:r>
+          </a:p>
+          <a:p>
+            <a:r>
+              <a:rPr lang="en-US" altLang="zh-CN" sz="1200" kern="1200" dirty="0" smtClean="0">
+                <a:solidFill>
+                  <a:schemeClr val="tx1"/>
+                </a:solidFill>
+                <a:latin typeface="+mn-lt"/>
+                <a:ea typeface="+mn-ea"/>
+                <a:cs typeface="+mn-cs"/>
+              </a:rPr>
+              <a:t>				</a:t>
+            </a:r>
+          </a:p>
+          <a:p>
+            <a:r>
+              <a:rPr lang="en-US" altLang="zh-CN" sz="1200" kern="1200" dirty="0" smtClean="0">
+                <a:solidFill>
+                  <a:schemeClr val="tx1"/>
+                </a:solidFill>
+                <a:latin typeface="+mn-lt"/>
+                <a:ea typeface="+mn-ea"/>
+                <a:cs typeface="+mn-cs"/>
+              </a:rPr>
+              <a:t>				File </a:t>
+            </a:r>
+            <a:r>
+              <a:rPr lang="en-US" altLang="zh-CN" sz="1200" kern="1200" dirty="0" err="1" smtClean="0">
+                <a:solidFill>
+                  <a:schemeClr val="tx1"/>
+                </a:solidFill>
+                <a:latin typeface="+mn-lt"/>
+                <a:ea typeface="+mn-ea"/>
+                <a:cs typeface="+mn-cs"/>
+              </a:rPr>
+              <a:t>myFile</a:t>
+            </a:r>
+            <a:r>
+              <a:rPr lang="en-US" altLang="zh-CN" sz="1200" kern="1200" dirty="0" smtClean="0">
+                <a:solidFill>
+                  <a:schemeClr val="tx1"/>
+                </a:solidFill>
+                <a:latin typeface="+mn-lt"/>
+                <a:ea typeface="+mn-ea"/>
+                <a:cs typeface="+mn-cs"/>
+              </a:rPr>
+              <a:t> = </a:t>
+            </a:r>
+            <a:r>
+              <a:rPr lang="en-US" altLang="zh-CN" sz="1200" b="1" kern="1200" dirty="0" smtClean="0">
+                <a:solidFill>
+                  <a:schemeClr val="tx1"/>
+                </a:solidFill>
+                <a:latin typeface="+mn-lt"/>
+                <a:ea typeface="+mn-ea"/>
+                <a:cs typeface="+mn-cs"/>
+              </a:rPr>
+              <a:t>new File(</a:t>
+            </a:r>
+            <a:r>
+              <a:rPr lang="en-US" altLang="zh-CN" sz="1200" b="1" kern="1200" dirty="0" err="1" smtClean="0">
+                <a:solidFill>
+                  <a:schemeClr val="tx1"/>
+                </a:solidFill>
+                <a:latin typeface="+mn-lt"/>
+                <a:ea typeface="+mn-ea"/>
+                <a:cs typeface="+mn-cs"/>
+              </a:rPr>
+              <a:t>sdCard</a:t>
+            </a:r>
+            <a:r>
+              <a:rPr lang="en-US" altLang="zh-CN" sz="1200" b="1" kern="1200" dirty="0" smtClean="0">
+                <a:solidFill>
+                  <a:schemeClr val="tx1"/>
+                </a:solidFill>
+                <a:latin typeface="+mn-lt"/>
+                <a:ea typeface="+mn-ea"/>
+                <a:cs typeface="+mn-cs"/>
+              </a:rPr>
+              <a:t>, </a:t>
+            </a:r>
+            <a:r>
+              <a:rPr lang="en-US" altLang="zh-CN" sz="1200" b="1" i="1" kern="1200" dirty="0" err="1" smtClean="0">
+                <a:solidFill>
+                  <a:schemeClr val="tx1"/>
+                </a:solidFill>
+                <a:latin typeface="+mn-lt"/>
+                <a:ea typeface="+mn-ea"/>
+                <a:cs typeface="+mn-cs"/>
+              </a:rPr>
+              <a:t>fileName</a:t>
+            </a:r>
+            <a:r>
+              <a:rPr lang="en-US" altLang="zh-CN" sz="1200" b="1" i="1" kern="1200" dirty="0" smtClean="0">
+                <a:solidFill>
+                  <a:schemeClr val="tx1"/>
+                </a:solidFill>
+                <a:latin typeface="+mn-lt"/>
+                <a:ea typeface="+mn-ea"/>
+                <a:cs typeface="+mn-cs"/>
+              </a:rPr>
+              <a:t>);</a:t>
+            </a:r>
+          </a:p>
+          <a:p>
+            <a:r>
+              <a:rPr lang="en-US" altLang="zh-CN" sz="1200" kern="1200" dirty="0" smtClean="0">
+                <a:solidFill>
+                  <a:schemeClr val="tx1"/>
+                </a:solidFill>
+                <a:latin typeface="+mn-lt"/>
+                <a:ea typeface="+mn-ea"/>
+                <a:cs typeface="+mn-cs"/>
+              </a:rPr>
+              <a:t>			</a:t>
+            </a:r>
+          </a:p>
+          <a:p>
+            <a:r>
+              <a:rPr lang="en-US" altLang="zh-CN" sz="1200" kern="1200" dirty="0" smtClean="0">
+                <a:solidFill>
+                  <a:schemeClr val="tx1"/>
+                </a:solidFill>
+                <a:latin typeface="+mn-lt"/>
+                <a:ea typeface="+mn-ea"/>
+                <a:cs typeface="+mn-cs"/>
+              </a:rPr>
+              <a:t>				</a:t>
+            </a:r>
+            <a:r>
+              <a:rPr lang="en-US" altLang="zh-CN" sz="1200" b="1" kern="1200" dirty="0" smtClean="0">
+                <a:solidFill>
+                  <a:schemeClr val="tx1"/>
+                </a:solidFill>
+                <a:latin typeface="+mn-lt"/>
+                <a:ea typeface="+mn-ea"/>
+                <a:cs typeface="+mn-cs"/>
+              </a:rPr>
+              <a:t>try {</a:t>
+            </a:r>
+          </a:p>
+          <a:p>
+            <a:r>
+              <a:rPr lang="en-US" altLang="zh-CN" sz="1200" kern="1200" dirty="0" smtClean="0">
+                <a:solidFill>
+                  <a:schemeClr val="tx1"/>
+                </a:solidFill>
+                <a:latin typeface="+mn-lt"/>
+                <a:ea typeface="+mn-ea"/>
+                <a:cs typeface="+mn-cs"/>
+              </a:rPr>
+              <a:t>					</a:t>
+            </a:r>
+            <a:r>
+              <a:rPr lang="en-US" altLang="zh-CN" sz="1200" kern="1200" dirty="0" err="1" smtClean="0">
+                <a:solidFill>
+                  <a:schemeClr val="tx1"/>
+                </a:solidFill>
+                <a:latin typeface="+mn-lt"/>
+                <a:ea typeface="+mn-ea"/>
+                <a:cs typeface="+mn-cs"/>
+              </a:rPr>
+              <a:t>FileOutputStream</a:t>
+            </a:r>
+            <a:r>
+              <a:rPr lang="en-US" altLang="zh-CN" sz="1200" kern="1200" dirty="0" smtClean="0">
+                <a:solidFill>
+                  <a:schemeClr val="tx1"/>
+                </a:solidFill>
+                <a:latin typeface="+mn-lt"/>
+                <a:ea typeface="+mn-ea"/>
+                <a:cs typeface="+mn-cs"/>
+              </a:rPr>
               <a:t> </a:t>
             </a:r>
             <a:r>
-              <a:rPr lang="en-US" altLang="zh-CN" sz="1200" dirty="0" smtClean="0"/>
-              <a:t>person</a:t>
-            </a:r>
-          </a:p>
-          <a:p>
-            <a:pPr lvl="0"/>
-            <a:r>
-              <a:rPr lang="en-US" altLang="zh-CN" sz="1200" dirty="0" smtClean="0"/>
-              <a:t>SELECT * FROM person LIMIT 20 OFFSET 10</a:t>
-            </a:r>
-            <a:endParaRPr lang="zh-CN" altLang="zh-CN" sz="1200" dirty="0" smtClean="0"/>
-          </a:p>
-          <a:p>
-            <a:r>
-              <a:rPr lang="en-US" altLang="zh-CN" sz="1200" dirty="0" smtClean="0"/>
-              <a:t>SELECT * FROM person LIMIT 10,20</a:t>
-            </a:r>
-            <a:endParaRPr lang="zh-CN" altLang="zh-CN" sz="1200" dirty="0" smtClean="0"/>
+              <a:rPr lang="en-US" altLang="zh-CN" sz="1200" kern="1200" dirty="0" err="1" smtClean="0">
+                <a:solidFill>
+                  <a:schemeClr val="tx1"/>
+                </a:solidFill>
+                <a:latin typeface="+mn-lt"/>
+                <a:ea typeface="+mn-ea"/>
+                <a:cs typeface="+mn-cs"/>
+              </a:rPr>
+              <a:t>fos</a:t>
+            </a:r>
+            <a:r>
+              <a:rPr lang="en-US" altLang="zh-CN" sz="1200" kern="1200" dirty="0" smtClean="0">
+                <a:solidFill>
+                  <a:schemeClr val="tx1"/>
+                </a:solidFill>
+                <a:latin typeface="+mn-lt"/>
+                <a:ea typeface="+mn-ea"/>
+                <a:cs typeface="+mn-cs"/>
+              </a:rPr>
+              <a:t> = </a:t>
+            </a:r>
+            <a:r>
+              <a:rPr lang="en-US" altLang="zh-CN" sz="1200" b="1" kern="1200" dirty="0" smtClean="0">
+                <a:solidFill>
+                  <a:schemeClr val="tx1"/>
+                </a:solidFill>
+                <a:latin typeface="+mn-lt"/>
+                <a:ea typeface="+mn-ea"/>
+                <a:cs typeface="+mn-cs"/>
+              </a:rPr>
+              <a:t>new </a:t>
+            </a:r>
+            <a:r>
+              <a:rPr lang="en-US" altLang="zh-CN" sz="1200" b="1" kern="1200" dirty="0" err="1" smtClean="0">
+                <a:solidFill>
+                  <a:schemeClr val="tx1"/>
+                </a:solidFill>
+                <a:latin typeface="+mn-lt"/>
+                <a:ea typeface="+mn-ea"/>
+                <a:cs typeface="+mn-cs"/>
+              </a:rPr>
+              <a:t>FileOutputStream</a:t>
+            </a:r>
+            <a:r>
+              <a:rPr lang="en-US" altLang="zh-CN" sz="1200" b="1" kern="1200" dirty="0" smtClean="0">
+                <a:solidFill>
+                  <a:schemeClr val="tx1"/>
+                </a:solidFill>
+                <a:latin typeface="+mn-lt"/>
+                <a:ea typeface="+mn-ea"/>
+                <a:cs typeface="+mn-cs"/>
+              </a:rPr>
+              <a:t>(</a:t>
+            </a:r>
+            <a:r>
+              <a:rPr lang="en-US" altLang="zh-CN" sz="1200" b="1" kern="1200" dirty="0" err="1" smtClean="0">
+                <a:solidFill>
+                  <a:schemeClr val="tx1"/>
+                </a:solidFill>
+                <a:latin typeface="+mn-lt"/>
+                <a:ea typeface="+mn-ea"/>
+                <a:cs typeface="+mn-cs"/>
+              </a:rPr>
+              <a:t>myFile</a:t>
+            </a:r>
+            <a:r>
+              <a:rPr lang="en-US" altLang="zh-CN" sz="1200" b="1" kern="1200" dirty="0" smtClean="0">
+                <a:solidFill>
+                  <a:schemeClr val="tx1"/>
+                </a:solidFill>
+                <a:latin typeface="+mn-lt"/>
+                <a:ea typeface="+mn-ea"/>
+                <a:cs typeface="+mn-cs"/>
+              </a:rPr>
+              <a:t>);</a:t>
+            </a:r>
+          </a:p>
+          <a:p>
+            <a:r>
+              <a:rPr lang="en-US" altLang="zh-CN" sz="1200" kern="1200" dirty="0" smtClean="0">
+                <a:solidFill>
+                  <a:schemeClr val="tx1"/>
+                </a:solidFill>
+                <a:latin typeface="+mn-lt"/>
+                <a:ea typeface="+mn-ea"/>
+                <a:cs typeface="+mn-cs"/>
+              </a:rPr>
+              <a:t>					</a:t>
+            </a:r>
+          </a:p>
+          <a:p>
+            <a:r>
+              <a:rPr lang="en-US" altLang="zh-CN" sz="1200" kern="1200" dirty="0" smtClean="0">
+                <a:solidFill>
+                  <a:schemeClr val="tx1"/>
+                </a:solidFill>
+                <a:latin typeface="+mn-lt"/>
+                <a:ea typeface="+mn-ea"/>
+                <a:cs typeface="+mn-cs"/>
+              </a:rPr>
+              <a:t>					</a:t>
+            </a:r>
+            <a:r>
+              <a:rPr lang="en-US" altLang="zh-CN" sz="1200" kern="1200" dirty="0" err="1" smtClean="0">
+                <a:solidFill>
+                  <a:schemeClr val="tx1"/>
+                </a:solidFill>
+                <a:latin typeface="+mn-lt"/>
+                <a:ea typeface="+mn-ea"/>
+                <a:cs typeface="+mn-cs"/>
+              </a:rPr>
+              <a:t>fos.write</a:t>
+            </a:r>
+            <a:r>
+              <a:rPr lang="en-US" altLang="zh-CN" sz="1200" kern="1200" dirty="0" smtClean="0">
+                <a:solidFill>
+                  <a:schemeClr val="tx1"/>
+                </a:solidFill>
+                <a:latin typeface="+mn-lt"/>
+                <a:ea typeface="+mn-ea"/>
+                <a:cs typeface="+mn-cs"/>
+              </a:rPr>
+              <a:t>(</a:t>
+            </a:r>
+            <a:r>
+              <a:rPr lang="en-US" altLang="zh-CN" sz="1200" kern="1200" dirty="0" err="1" smtClean="0">
+                <a:solidFill>
+                  <a:schemeClr val="tx1"/>
+                </a:solidFill>
+                <a:latin typeface="+mn-lt"/>
+                <a:ea typeface="+mn-ea"/>
+                <a:cs typeface="+mn-cs"/>
+              </a:rPr>
+              <a:t>editText.getText</a:t>
+            </a:r>
+            <a:r>
+              <a:rPr lang="en-US" altLang="zh-CN" sz="1200" kern="1200" dirty="0" smtClean="0">
+                <a:solidFill>
+                  <a:schemeClr val="tx1"/>
+                </a:solidFill>
+                <a:latin typeface="+mn-lt"/>
+                <a:ea typeface="+mn-ea"/>
+                <a:cs typeface="+mn-cs"/>
+              </a:rPr>
+              <a:t>().</a:t>
+            </a:r>
+            <a:r>
+              <a:rPr lang="en-US" altLang="zh-CN" sz="1200" kern="1200" dirty="0" err="1" smtClean="0">
+                <a:solidFill>
+                  <a:schemeClr val="tx1"/>
+                </a:solidFill>
+                <a:latin typeface="+mn-lt"/>
+                <a:ea typeface="+mn-ea"/>
+                <a:cs typeface="+mn-cs"/>
+              </a:rPr>
+              <a:t>toString</a:t>
+            </a:r>
+            <a:r>
+              <a:rPr lang="en-US" altLang="zh-CN" sz="1200" kern="1200" dirty="0" smtClean="0">
+                <a:solidFill>
+                  <a:schemeClr val="tx1"/>
+                </a:solidFill>
+                <a:latin typeface="+mn-lt"/>
+                <a:ea typeface="+mn-ea"/>
+                <a:cs typeface="+mn-cs"/>
+              </a:rPr>
+              <a:t>().</a:t>
+            </a:r>
+            <a:r>
+              <a:rPr lang="en-US" altLang="zh-CN" sz="1200" kern="1200" dirty="0" err="1" smtClean="0">
+                <a:solidFill>
+                  <a:schemeClr val="tx1"/>
+                </a:solidFill>
+                <a:latin typeface="+mn-lt"/>
+                <a:ea typeface="+mn-ea"/>
+                <a:cs typeface="+mn-cs"/>
+              </a:rPr>
+              <a:t>getBytes</a:t>
+            </a:r>
+            <a:r>
+              <a:rPr lang="en-US" altLang="zh-CN" sz="1200" kern="1200" dirty="0" smtClean="0">
+                <a:solidFill>
+                  <a:schemeClr val="tx1"/>
+                </a:solidFill>
+                <a:latin typeface="+mn-lt"/>
+                <a:ea typeface="+mn-ea"/>
+                <a:cs typeface="+mn-cs"/>
+              </a:rPr>
+              <a:t>());</a:t>
+            </a:r>
+          </a:p>
+          <a:p>
+            <a:r>
+              <a:rPr lang="en-US" altLang="zh-CN" sz="1200" kern="1200" dirty="0" smtClean="0">
+                <a:solidFill>
+                  <a:schemeClr val="tx1"/>
+                </a:solidFill>
+                <a:latin typeface="+mn-lt"/>
+                <a:ea typeface="+mn-ea"/>
+                <a:cs typeface="+mn-cs"/>
+              </a:rPr>
+              <a:t>					</a:t>
+            </a:r>
+            <a:r>
+              <a:rPr lang="en-US" altLang="zh-CN" sz="1200" kern="1200" dirty="0" err="1" smtClean="0">
+                <a:solidFill>
+                  <a:schemeClr val="tx1"/>
+                </a:solidFill>
+                <a:latin typeface="+mn-lt"/>
+                <a:ea typeface="+mn-ea"/>
+                <a:cs typeface="+mn-cs"/>
+              </a:rPr>
+              <a:t>fos.close</a:t>
+            </a:r>
+            <a:r>
+              <a:rPr lang="en-US" altLang="zh-CN" sz="1200" kern="1200" dirty="0" smtClean="0">
+                <a:solidFill>
+                  <a:schemeClr val="tx1"/>
+                </a:solidFill>
+                <a:latin typeface="+mn-lt"/>
+                <a:ea typeface="+mn-ea"/>
+                <a:cs typeface="+mn-cs"/>
+              </a:rPr>
+              <a:t>();</a:t>
+            </a:r>
+          </a:p>
+          <a:p>
+            <a:r>
+              <a:rPr lang="en-US" altLang="zh-CN" sz="1200" kern="1200" dirty="0" smtClean="0">
+                <a:solidFill>
+                  <a:schemeClr val="tx1"/>
+                </a:solidFill>
+                <a:latin typeface="+mn-lt"/>
+                <a:ea typeface="+mn-ea"/>
+                <a:cs typeface="+mn-cs"/>
+              </a:rPr>
+              <a:t>					</a:t>
+            </a:r>
+            <a:r>
+              <a:rPr lang="en-US" altLang="zh-CN" sz="1200" kern="1200" dirty="0" err="1" smtClean="0">
+                <a:solidFill>
+                  <a:schemeClr val="tx1"/>
+                </a:solidFill>
+                <a:latin typeface="+mn-lt"/>
+                <a:ea typeface="+mn-ea"/>
+                <a:cs typeface="+mn-cs"/>
+              </a:rPr>
+              <a:t>Toast.</a:t>
+            </a:r>
+            <a:r>
+              <a:rPr lang="en-US" altLang="zh-CN" sz="1200" i="1" kern="1200" dirty="0" err="1" smtClean="0">
+                <a:solidFill>
+                  <a:schemeClr val="tx1"/>
+                </a:solidFill>
+                <a:latin typeface="+mn-lt"/>
+                <a:ea typeface="+mn-ea"/>
+                <a:cs typeface="+mn-cs"/>
+              </a:rPr>
+              <a:t>makeText</a:t>
+            </a:r>
+            <a:r>
+              <a:rPr lang="en-US" altLang="zh-CN" sz="1200" i="1" kern="1200" dirty="0" smtClean="0">
+                <a:solidFill>
+                  <a:schemeClr val="tx1"/>
+                </a:solidFill>
+                <a:latin typeface="+mn-lt"/>
+                <a:ea typeface="+mn-ea"/>
+                <a:cs typeface="+mn-cs"/>
+              </a:rPr>
+              <a:t>(</a:t>
+            </a:r>
+            <a:r>
+              <a:rPr lang="en-US" altLang="zh-CN" sz="1200" i="1" kern="1200" dirty="0" err="1" smtClean="0">
+                <a:solidFill>
+                  <a:schemeClr val="tx1"/>
+                </a:solidFill>
+                <a:latin typeface="+mn-lt"/>
+                <a:ea typeface="+mn-ea"/>
+                <a:cs typeface="+mn-cs"/>
+              </a:rPr>
+              <a:t>getApplicationContext</a:t>
+            </a:r>
+            <a:r>
+              <a:rPr lang="en-US" altLang="zh-CN" sz="1200" i="1" kern="1200" dirty="0" smtClean="0">
+                <a:solidFill>
+                  <a:schemeClr val="tx1"/>
+                </a:solidFill>
+                <a:latin typeface="+mn-lt"/>
+                <a:ea typeface="+mn-ea"/>
+                <a:cs typeface="+mn-cs"/>
+              </a:rPr>
+              <a:t>(), "</a:t>
+            </a:r>
+            <a:r>
+              <a:rPr lang="zh-CN" altLang="en-US" sz="1200" i="1" kern="1200" dirty="0" smtClean="0">
+                <a:solidFill>
+                  <a:schemeClr val="tx1"/>
+                </a:solidFill>
+                <a:latin typeface="+mn-lt"/>
+                <a:ea typeface="+mn-ea"/>
+                <a:cs typeface="+mn-cs"/>
+              </a:rPr>
+              <a:t>写入完成</a:t>
+            </a:r>
+            <a:r>
+              <a:rPr lang="en-US" altLang="zh-CN" sz="1200" i="1" kern="1200" dirty="0" smtClean="0">
+                <a:solidFill>
+                  <a:schemeClr val="tx1"/>
+                </a:solidFill>
+                <a:latin typeface="+mn-lt"/>
+                <a:ea typeface="+mn-ea"/>
+                <a:cs typeface="+mn-cs"/>
+              </a:rPr>
+              <a:t>", </a:t>
+            </a:r>
+            <a:r>
+              <a:rPr lang="en-US" altLang="zh-CN" sz="1200" i="1" u="sng" kern="1200" dirty="0" smtClean="0">
+                <a:solidFill>
+                  <a:schemeClr val="tx1"/>
+                </a:solidFill>
+                <a:latin typeface="+mn-lt"/>
+                <a:ea typeface="+mn-ea"/>
+                <a:cs typeface="+mn-cs"/>
+              </a:rPr>
+              <a:t>0).show();</a:t>
+            </a:r>
+          </a:p>
+          <a:p>
+            <a:r>
+              <a:rPr lang="en-US" altLang="zh-CN" sz="1200" kern="1200" dirty="0" smtClean="0">
+                <a:solidFill>
+                  <a:schemeClr val="tx1"/>
+                </a:solidFill>
+                <a:latin typeface="+mn-lt"/>
+                <a:ea typeface="+mn-ea"/>
+                <a:cs typeface="+mn-cs"/>
+              </a:rPr>
+              <a:t>				} </a:t>
+            </a:r>
+            <a:r>
+              <a:rPr lang="en-US" altLang="zh-CN" sz="1200" b="1" kern="1200" dirty="0" smtClean="0">
+                <a:solidFill>
+                  <a:schemeClr val="tx1"/>
+                </a:solidFill>
+                <a:latin typeface="+mn-lt"/>
+                <a:ea typeface="+mn-ea"/>
+                <a:cs typeface="+mn-cs"/>
+              </a:rPr>
+              <a:t>catch (</a:t>
+            </a:r>
+            <a:r>
+              <a:rPr lang="en-US" altLang="zh-CN" sz="1200" b="1" kern="1200" dirty="0" err="1" smtClean="0">
+                <a:solidFill>
+                  <a:schemeClr val="tx1"/>
+                </a:solidFill>
+                <a:latin typeface="+mn-lt"/>
+                <a:ea typeface="+mn-ea"/>
+                <a:cs typeface="+mn-cs"/>
+              </a:rPr>
+              <a:t>IOException</a:t>
+            </a:r>
+            <a:r>
+              <a:rPr lang="en-US" altLang="zh-CN" sz="1200" b="1" kern="1200" dirty="0" smtClean="0">
+                <a:solidFill>
+                  <a:schemeClr val="tx1"/>
+                </a:solidFill>
+                <a:latin typeface="+mn-lt"/>
+                <a:ea typeface="+mn-ea"/>
+                <a:cs typeface="+mn-cs"/>
+              </a:rPr>
+              <a:t> e) {</a:t>
+            </a:r>
+          </a:p>
+          <a:p>
+            <a:r>
+              <a:rPr lang="en-US" altLang="zh-CN" sz="1200" kern="1200" dirty="0" smtClean="0">
+                <a:solidFill>
+                  <a:schemeClr val="tx1"/>
+                </a:solidFill>
+                <a:latin typeface="+mn-lt"/>
+                <a:ea typeface="+mn-ea"/>
+                <a:cs typeface="+mn-cs"/>
+              </a:rPr>
+              <a:t>					</a:t>
+            </a:r>
+            <a:r>
+              <a:rPr lang="en-US" altLang="zh-CN" sz="1200" kern="1200" dirty="0" err="1" smtClean="0">
+                <a:solidFill>
+                  <a:schemeClr val="tx1"/>
+                </a:solidFill>
+                <a:latin typeface="+mn-lt"/>
+                <a:ea typeface="+mn-ea"/>
+                <a:cs typeface="+mn-cs"/>
+              </a:rPr>
+              <a:t>e.printStackTrace</a:t>
+            </a:r>
+            <a:r>
+              <a:rPr lang="en-US" altLang="zh-CN" sz="1200" kern="1200" dirty="0" smtClean="0">
+                <a:solidFill>
+                  <a:schemeClr val="tx1"/>
+                </a:solidFill>
+                <a:latin typeface="+mn-lt"/>
+                <a:ea typeface="+mn-ea"/>
+                <a:cs typeface="+mn-cs"/>
+              </a:rPr>
+              <a:t>();</a:t>
+            </a:r>
+          </a:p>
+          <a:p>
+            <a:r>
+              <a:rPr lang="en-US" altLang="zh-CN" sz="1200" kern="1200" dirty="0" smtClean="0">
+                <a:solidFill>
+                  <a:schemeClr val="tx1"/>
+                </a:solidFill>
+                <a:latin typeface="+mn-lt"/>
+                <a:ea typeface="+mn-ea"/>
+                <a:cs typeface="+mn-cs"/>
+              </a:rPr>
+              <a:t>				}				</a:t>
+            </a:r>
+          </a:p>
+          <a:p>
+            <a:endParaRPr kumimoji="1" lang="en-US" altLang="zh-CN" sz="1200" kern="1200" dirty="0" smtClean="0">
+              <a:solidFill>
+                <a:schemeClr val="tx1"/>
+              </a:solidFill>
+              <a:latin typeface="+mn-lt"/>
+              <a:ea typeface="+mn-ea"/>
+              <a:cs typeface="+mn-cs"/>
+            </a:endParaRPr>
+          </a:p>
+          <a:p>
+            <a:endParaRPr kumimoji="1" lang="en-US" altLang="zh-CN" sz="1200" kern="1200" dirty="0" smtClean="0">
+              <a:solidFill>
+                <a:schemeClr val="tx1"/>
+              </a:solidFill>
+              <a:latin typeface="+mn-lt"/>
+              <a:ea typeface="+mn-ea"/>
+              <a:cs typeface="+mn-cs"/>
+            </a:endParaRPr>
+          </a:p>
+          <a:p>
+            <a:r>
+              <a:rPr kumimoji="1" lang="zh-CN" altLang="en-US" dirty="0" smtClean="0"/>
+              <a:t>读取数据：</a:t>
+            </a:r>
+            <a:endParaRPr kumimoji="1" lang="en-US" altLang="zh-CN" dirty="0" smtClean="0"/>
+          </a:p>
+          <a:p>
+            <a:r>
+              <a:rPr lang="en-US" altLang="zh-CN" sz="1200" kern="1200" dirty="0" smtClean="0">
+                <a:solidFill>
+                  <a:schemeClr val="tx1"/>
+                </a:solidFill>
+                <a:latin typeface="+mn-lt"/>
+                <a:ea typeface="+mn-ea"/>
+                <a:cs typeface="+mn-cs"/>
+              </a:rPr>
+              <a:t>File </a:t>
+            </a:r>
+            <a:r>
+              <a:rPr lang="en-US" altLang="zh-CN" sz="1200" kern="1200" dirty="0" err="1" smtClean="0">
+                <a:solidFill>
+                  <a:schemeClr val="tx1"/>
+                </a:solidFill>
+                <a:latin typeface="+mn-lt"/>
+                <a:ea typeface="+mn-ea"/>
+                <a:cs typeface="+mn-cs"/>
+              </a:rPr>
+              <a:t>sdCard</a:t>
+            </a:r>
+            <a:r>
+              <a:rPr lang="en-US" altLang="zh-CN" sz="1200" kern="1200" dirty="0" smtClean="0">
+                <a:solidFill>
+                  <a:schemeClr val="tx1"/>
+                </a:solidFill>
+                <a:latin typeface="+mn-lt"/>
+                <a:ea typeface="+mn-ea"/>
+                <a:cs typeface="+mn-cs"/>
+              </a:rPr>
+              <a:t> = </a:t>
+            </a:r>
+            <a:r>
+              <a:rPr lang="en-US" altLang="zh-CN" sz="1200" kern="1200" dirty="0" err="1" smtClean="0">
+                <a:solidFill>
+                  <a:schemeClr val="tx1"/>
+                </a:solidFill>
+                <a:latin typeface="+mn-lt"/>
+                <a:ea typeface="+mn-ea"/>
+                <a:cs typeface="+mn-cs"/>
+              </a:rPr>
+              <a:t>Environment.</a:t>
+            </a:r>
+            <a:r>
+              <a:rPr lang="en-US" altLang="zh-CN" sz="1200" i="1" kern="1200" dirty="0" err="1" smtClean="0">
+                <a:solidFill>
+                  <a:schemeClr val="tx1"/>
+                </a:solidFill>
+                <a:latin typeface="+mn-lt"/>
+                <a:ea typeface="+mn-ea"/>
+                <a:cs typeface="+mn-cs"/>
+              </a:rPr>
+              <a:t>getExternalStorageDirectory</a:t>
+            </a:r>
+            <a:r>
+              <a:rPr lang="en-US" altLang="zh-CN" sz="1200" i="1" kern="1200" dirty="0" smtClean="0">
+                <a:solidFill>
+                  <a:schemeClr val="tx1"/>
+                </a:solidFill>
+                <a:latin typeface="+mn-lt"/>
+                <a:ea typeface="+mn-ea"/>
+                <a:cs typeface="+mn-cs"/>
+              </a:rPr>
+              <a:t>();</a:t>
+            </a:r>
+          </a:p>
+          <a:p>
+            <a:r>
+              <a:rPr lang="en-US" altLang="zh-CN" sz="1200" kern="1200" dirty="0" smtClean="0">
+                <a:solidFill>
+                  <a:schemeClr val="tx1"/>
+                </a:solidFill>
+                <a:latin typeface="+mn-lt"/>
+                <a:ea typeface="+mn-ea"/>
+                <a:cs typeface="+mn-cs"/>
+              </a:rPr>
+              <a:t>					File </a:t>
+            </a:r>
+            <a:r>
+              <a:rPr lang="en-US" altLang="zh-CN" sz="1200" kern="1200" dirty="0" err="1" smtClean="0">
+                <a:solidFill>
+                  <a:schemeClr val="tx1"/>
+                </a:solidFill>
+                <a:latin typeface="+mn-lt"/>
+                <a:ea typeface="+mn-ea"/>
+                <a:cs typeface="+mn-cs"/>
+              </a:rPr>
+              <a:t>myFile</a:t>
+            </a:r>
+            <a:r>
+              <a:rPr lang="en-US" altLang="zh-CN" sz="1200" kern="1200" dirty="0" smtClean="0">
+                <a:solidFill>
+                  <a:schemeClr val="tx1"/>
+                </a:solidFill>
+                <a:latin typeface="+mn-lt"/>
+                <a:ea typeface="+mn-ea"/>
+                <a:cs typeface="+mn-cs"/>
+              </a:rPr>
+              <a:t> = </a:t>
+            </a:r>
+            <a:r>
+              <a:rPr lang="en-US" altLang="zh-CN" sz="1200" b="1" kern="1200" dirty="0" smtClean="0">
+                <a:solidFill>
+                  <a:schemeClr val="tx1"/>
+                </a:solidFill>
+                <a:latin typeface="+mn-lt"/>
+                <a:ea typeface="+mn-ea"/>
+                <a:cs typeface="+mn-cs"/>
+              </a:rPr>
+              <a:t>new File(</a:t>
+            </a:r>
+            <a:r>
+              <a:rPr lang="en-US" altLang="zh-CN" sz="1200" b="1" kern="1200" dirty="0" err="1" smtClean="0">
+                <a:solidFill>
+                  <a:schemeClr val="tx1"/>
+                </a:solidFill>
+                <a:latin typeface="+mn-lt"/>
+                <a:ea typeface="+mn-ea"/>
+                <a:cs typeface="+mn-cs"/>
+              </a:rPr>
+              <a:t>sdCard,</a:t>
+            </a:r>
+            <a:r>
+              <a:rPr lang="en-US" altLang="zh-CN" sz="1200" b="1" i="1" kern="1200" dirty="0" err="1" smtClean="0">
+                <a:solidFill>
+                  <a:schemeClr val="tx1"/>
+                </a:solidFill>
+                <a:latin typeface="+mn-lt"/>
+                <a:ea typeface="+mn-ea"/>
+                <a:cs typeface="+mn-cs"/>
+              </a:rPr>
+              <a:t>fileName</a:t>
+            </a:r>
+            <a:r>
+              <a:rPr lang="en-US" altLang="zh-CN" sz="1200" b="1" i="1" kern="1200" dirty="0" smtClean="0">
+                <a:solidFill>
+                  <a:schemeClr val="tx1"/>
+                </a:solidFill>
+                <a:latin typeface="+mn-lt"/>
+                <a:ea typeface="+mn-ea"/>
+                <a:cs typeface="+mn-cs"/>
+              </a:rPr>
+              <a:t>);</a:t>
+            </a:r>
+          </a:p>
+          <a:p>
+            <a:r>
+              <a:rPr lang="en-US" altLang="zh-CN" sz="1200" kern="1200" dirty="0" smtClean="0">
+                <a:solidFill>
+                  <a:schemeClr val="tx1"/>
+                </a:solidFill>
+                <a:latin typeface="+mn-lt"/>
+                <a:ea typeface="+mn-ea"/>
+                <a:cs typeface="+mn-cs"/>
+              </a:rPr>
+              <a:t>					</a:t>
+            </a:r>
+            <a:r>
+              <a:rPr lang="en-US" altLang="zh-CN" sz="1200" kern="1200" dirty="0" err="1" smtClean="0">
+                <a:solidFill>
+                  <a:schemeClr val="tx1"/>
+                </a:solidFill>
+                <a:latin typeface="+mn-lt"/>
+                <a:ea typeface="+mn-ea"/>
+                <a:cs typeface="+mn-cs"/>
+              </a:rPr>
+              <a:t>FileInputStream</a:t>
+            </a:r>
+            <a:r>
+              <a:rPr lang="en-US" altLang="zh-CN" sz="1200" kern="1200" dirty="0" smtClean="0">
+                <a:solidFill>
+                  <a:schemeClr val="tx1"/>
+                </a:solidFill>
+                <a:latin typeface="+mn-lt"/>
+                <a:ea typeface="+mn-ea"/>
+                <a:cs typeface="+mn-cs"/>
+              </a:rPr>
+              <a:t> </a:t>
+            </a:r>
+            <a:r>
+              <a:rPr lang="en-US" altLang="zh-CN" sz="1200" kern="1200" dirty="0" err="1" smtClean="0">
+                <a:solidFill>
+                  <a:schemeClr val="tx1"/>
+                </a:solidFill>
+                <a:latin typeface="+mn-lt"/>
+                <a:ea typeface="+mn-ea"/>
+                <a:cs typeface="+mn-cs"/>
+              </a:rPr>
+              <a:t>fis</a:t>
+            </a:r>
+            <a:r>
+              <a:rPr lang="en-US" altLang="zh-CN" sz="1200" kern="1200" dirty="0" smtClean="0">
+                <a:solidFill>
+                  <a:schemeClr val="tx1"/>
+                </a:solidFill>
+                <a:latin typeface="+mn-lt"/>
+                <a:ea typeface="+mn-ea"/>
+                <a:cs typeface="+mn-cs"/>
+              </a:rPr>
+              <a:t> = </a:t>
+            </a:r>
+            <a:r>
+              <a:rPr lang="en-US" altLang="zh-CN" sz="1200" b="1" kern="1200" dirty="0" smtClean="0">
+                <a:solidFill>
+                  <a:schemeClr val="tx1"/>
+                </a:solidFill>
+                <a:latin typeface="+mn-lt"/>
+                <a:ea typeface="+mn-ea"/>
+                <a:cs typeface="+mn-cs"/>
+              </a:rPr>
+              <a:t>new </a:t>
+            </a:r>
+            <a:r>
+              <a:rPr lang="en-US" altLang="zh-CN" sz="1200" b="1" kern="1200" dirty="0" err="1" smtClean="0">
+                <a:solidFill>
+                  <a:schemeClr val="tx1"/>
+                </a:solidFill>
+                <a:latin typeface="+mn-lt"/>
+                <a:ea typeface="+mn-ea"/>
+                <a:cs typeface="+mn-cs"/>
+              </a:rPr>
+              <a:t>FileInputStream</a:t>
+            </a:r>
+            <a:r>
+              <a:rPr lang="en-US" altLang="zh-CN" sz="1200" b="1" kern="1200" dirty="0" smtClean="0">
+                <a:solidFill>
+                  <a:schemeClr val="tx1"/>
+                </a:solidFill>
+                <a:latin typeface="+mn-lt"/>
+                <a:ea typeface="+mn-ea"/>
+                <a:cs typeface="+mn-cs"/>
+              </a:rPr>
+              <a:t>(</a:t>
+            </a:r>
+            <a:r>
+              <a:rPr lang="en-US" altLang="zh-CN" sz="1200" b="1" kern="1200" dirty="0" err="1" smtClean="0">
+                <a:solidFill>
+                  <a:schemeClr val="tx1"/>
+                </a:solidFill>
+                <a:latin typeface="+mn-lt"/>
+                <a:ea typeface="+mn-ea"/>
+                <a:cs typeface="+mn-cs"/>
+              </a:rPr>
+              <a:t>myFile</a:t>
+            </a:r>
+            <a:r>
+              <a:rPr lang="en-US" altLang="zh-CN" sz="1200" b="1" kern="1200" dirty="0" smtClean="0">
+                <a:solidFill>
+                  <a:schemeClr val="tx1"/>
+                </a:solidFill>
+                <a:latin typeface="+mn-lt"/>
+                <a:ea typeface="+mn-ea"/>
+                <a:cs typeface="+mn-cs"/>
+              </a:rPr>
+              <a:t>);</a:t>
+            </a:r>
+          </a:p>
+          <a:p>
+            <a:r>
+              <a:rPr lang="en-US" altLang="zh-CN" sz="1200" kern="1200" dirty="0" smtClean="0">
+                <a:solidFill>
+                  <a:schemeClr val="tx1"/>
+                </a:solidFill>
+                <a:latin typeface="+mn-lt"/>
+                <a:ea typeface="+mn-ea"/>
+                <a:cs typeface="+mn-cs"/>
+              </a:rPr>
+              <a:t>					</a:t>
+            </a:r>
+            <a:r>
+              <a:rPr lang="en-US" altLang="zh-CN" sz="1200" kern="1200" dirty="0" err="1" smtClean="0">
+                <a:solidFill>
+                  <a:schemeClr val="tx1"/>
+                </a:solidFill>
+                <a:latin typeface="+mn-lt"/>
+                <a:ea typeface="+mn-ea"/>
+                <a:cs typeface="+mn-cs"/>
+              </a:rPr>
+              <a:t>InputStreamReader</a:t>
+            </a:r>
+            <a:r>
+              <a:rPr lang="en-US" altLang="zh-CN" sz="1200" kern="1200" dirty="0" smtClean="0">
+                <a:solidFill>
+                  <a:schemeClr val="tx1"/>
+                </a:solidFill>
+                <a:latin typeface="+mn-lt"/>
+                <a:ea typeface="+mn-ea"/>
+                <a:cs typeface="+mn-cs"/>
+              </a:rPr>
+              <a:t> </a:t>
+            </a:r>
+            <a:r>
+              <a:rPr lang="en-US" altLang="zh-CN" sz="1200" kern="1200" dirty="0" err="1" smtClean="0">
+                <a:solidFill>
+                  <a:schemeClr val="tx1"/>
+                </a:solidFill>
+                <a:latin typeface="+mn-lt"/>
+                <a:ea typeface="+mn-ea"/>
+                <a:cs typeface="+mn-cs"/>
+              </a:rPr>
+              <a:t>isr</a:t>
+            </a:r>
+            <a:r>
+              <a:rPr lang="en-US" altLang="zh-CN" sz="1200" kern="1200" dirty="0" smtClean="0">
+                <a:solidFill>
+                  <a:schemeClr val="tx1"/>
+                </a:solidFill>
+                <a:latin typeface="+mn-lt"/>
+                <a:ea typeface="+mn-ea"/>
+                <a:cs typeface="+mn-cs"/>
+              </a:rPr>
+              <a:t> = </a:t>
+            </a:r>
+            <a:r>
+              <a:rPr lang="en-US" altLang="zh-CN" sz="1200" b="1" kern="1200" dirty="0" smtClean="0">
+                <a:solidFill>
+                  <a:schemeClr val="tx1"/>
+                </a:solidFill>
+                <a:latin typeface="+mn-lt"/>
+                <a:ea typeface="+mn-ea"/>
+                <a:cs typeface="+mn-cs"/>
+              </a:rPr>
+              <a:t>new </a:t>
+            </a:r>
+            <a:r>
+              <a:rPr lang="en-US" altLang="zh-CN" sz="1200" b="1" kern="1200" dirty="0" err="1" smtClean="0">
+                <a:solidFill>
+                  <a:schemeClr val="tx1"/>
+                </a:solidFill>
+                <a:latin typeface="+mn-lt"/>
+                <a:ea typeface="+mn-ea"/>
+                <a:cs typeface="+mn-cs"/>
+              </a:rPr>
+              <a:t>InputStreamReader</a:t>
+            </a:r>
+            <a:r>
+              <a:rPr lang="en-US" altLang="zh-CN" sz="1200" b="1" kern="1200" dirty="0" smtClean="0">
+                <a:solidFill>
+                  <a:schemeClr val="tx1"/>
+                </a:solidFill>
+                <a:latin typeface="+mn-lt"/>
+                <a:ea typeface="+mn-ea"/>
+                <a:cs typeface="+mn-cs"/>
+              </a:rPr>
+              <a:t>(</a:t>
+            </a:r>
+            <a:r>
+              <a:rPr lang="en-US" altLang="zh-CN" sz="1200" b="1" kern="1200" dirty="0" err="1" smtClean="0">
+                <a:solidFill>
+                  <a:schemeClr val="tx1"/>
+                </a:solidFill>
+                <a:latin typeface="+mn-lt"/>
+                <a:ea typeface="+mn-ea"/>
+                <a:cs typeface="+mn-cs"/>
+              </a:rPr>
+              <a:t>fis</a:t>
+            </a:r>
+            <a:r>
+              <a:rPr lang="en-US" altLang="zh-CN" sz="1200" b="1" kern="1200" dirty="0" smtClean="0">
+                <a:solidFill>
+                  <a:schemeClr val="tx1"/>
+                </a:solidFill>
+                <a:latin typeface="+mn-lt"/>
+                <a:ea typeface="+mn-ea"/>
+                <a:cs typeface="+mn-cs"/>
+              </a:rPr>
+              <a:t>);</a:t>
+            </a:r>
+          </a:p>
+          <a:p>
+            <a:r>
+              <a:rPr lang="en-US" altLang="zh-CN" sz="1200" kern="1200" dirty="0" smtClean="0">
+                <a:solidFill>
+                  <a:schemeClr val="tx1"/>
+                </a:solidFill>
+                <a:latin typeface="+mn-lt"/>
+                <a:ea typeface="+mn-ea"/>
+                <a:cs typeface="+mn-cs"/>
+              </a:rPr>
+              <a:t>					</a:t>
+            </a:r>
+          </a:p>
+          <a:p>
+            <a:r>
+              <a:rPr lang="en-US" altLang="zh-CN" sz="1200" kern="1200" dirty="0" smtClean="0">
+                <a:solidFill>
+                  <a:schemeClr val="tx1"/>
+                </a:solidFill>
+                <a:latin typeface="+mn-lt"/>
+                <a:ea typeface="+mn-ea"/>
+                <a:cs typeface="+mn-cs"/>
+              </a:rPr>
+              <a:t>					</a:t>
+            </a:r>
+            <a:r>
+              <a:rPr lang="en-US" altLang="zh-CN" sz="1200" b="1" kern="1200" dirty="0" smtClean="0">
+                <a:solidFill>
+                  <a:schemeClr val="tx1"/>
+                </a:solidFill>
+                <a:latin typeface="+mn-lt"/>
+                <a:ea typeface="+mn-ea"/>
+                <a:cs typeface="+mn-cs"/>
+              </a:rPr>
+              <a:t>char[] input = new char[</a:t>
+            </a:r>
+            <a:r>
+              <a:rPr lang="en-US" altLang="zh-CN" sz="1200" b="1" kern="1200" dirty="0" err="1" smtClean="0">
+                <a:solidFill>
+                  <a:schemeClr val="tx1"/>
+                </a:solidFill>
+                <a:latin typeface="+mn-lt"/>
+                <a:ea typeface="+mn-ea"/>
+                <a:cs typeface="+mn-cs"/>
+              </a:rPr>
+              <a:t>fis.available</a:t>
+            </a:r>
+            <a:r>
+              <a:rPr lang="en-US" altLang="zh-CN" sz="1200" b="1" kern="1200" dirty="0" smtClean="0">
+                <a:solidFill>
+                  <a:schemeClr val="tx1"/>
+                </a:solidFill>
+                <a:latin typeface="+mn-lt"/>
+                <a:ea typeface="+mn-ea"/>
+                <a:cs typeface="+mn-cs"/>
+              </a:rPr>
+              <a:t>()];</a:t>
+            </a:r>
+          </a:p>
+          <a:p>
+            <a:r>
+              <a:rPr lang="en-US" altLang="zh-CN" sz="1200" kern="1200" dirty="0" smtClean="0">
+                <a:solidFill>
+                  <a:schemeClr val="tx1"/>
+                </a:solidFill>
+                <a:latin typeface="+mn-lt"/>
+                <a:ea typeface="+mn-ea"/>
+                <a:cs typeface="+mn-cs"/>
+              </a:rPr>
+              <a:t>					</a:t>
+            </a:r>
+          </a:p>
+          <a:p>
+            <a:r>
+              <a:rPr lang="en-US" altLang="zh-CN" sz="1200" kern="1200" dirty="0" smtClean="0">
+                <a:solidFill>
+                  <a:schemeClr val="tx1"/>
+                </a:solidFill>
+                <a:latin typeface="+mn-lt"/>
+                <a:ea typeface="+mn-ea"/>
+                <a:cs typeface="+mn-cs"/>
+              </a:rPr>
+              <a:t>					</a:t>
+            </a:r>
+            <a:r>
+              <a:rPr lang="en-US" altLang="zh-CN" sz="1200" kern="1200" dirty="0" err="1" smtClean="0">
+                <a:solidFill>
+                  <a:schemeClr val="tx1"/>
+                </a:solidFill>
+                <a:latin typeface="+mn-lt"/>
+                <a:ea typeface="+mn-ea"/>
+                <a:cs typeface="+mn-cs"/>
+              </a:rPr>
+              <a:t>isr.read</a:t>
+            </a:r>
+            <a:r>
+              <a:rPr lang="en-US" altLang="zh-CN" sz="1200" kern="1200" dirty="0" smtClean="0">
+                <a:solidFill>
+                  <a:schemeClr val="tx1"/>
+                </a:solidFill>
+                <a:latin typeface="+mn-lt"/>
+                <a:ea typeface="+mn-ea"/>
+                <a:cs typeface="+mn-cs"/>
+              </a:rPr>
+              <a:t>(input);</a:t>
+            </a:r>
+          </a:p>
+          <a:p>
+            <a:r>
+              <a:rPr lang="en-US" altLang="zh-CN" sz="1200" kern="1200" dirty="0" smtClean="0">
+                <a:solidFill>
+                  <a:schemeClr val="tx1"/>
+                </a:solidFill>
+                <a:latin typeface="+mn-lt"/>
+                <a:ea typeface="+mn-ea"/>
+                <a:cs typeface="+mn-cs"/>
+              </a:rPr>
+              <a:t>					</a:t>
+            </a:r>
+            <a:r>
+              <a:rPr lang="en-US" altLang="zh-CN" sz="1200" kern="1200" dirty="0" err="1" smtClean="0">
+                <a:solidFill>
+                  <a:schemeClr val="tx1"/>
+                </a:solidFill>
+                <a:latin typeface="+mn-lt"/>
+                <a:ea typeface="+mn-ea"/>
+                <a:cs typeface="+mn-cs"/>
+              </a:rPr>
+              <a:t>isr.close</a:t>
+            </a:r>
+            <a:r>
+              <a:rPr lang="en-US" altLang="zh-CN" sz="1200" kern="1200" dirty="0" smtClean="0">
+                <a:solidFill>
+                  <a:schemeClr val="tx1"/>
+                </a:solidFill>
+                <a:latin typeface="+mn-lt"/>
+                <a:ea typeface="+mn-ea"/>
+                <a:cs typeface="+mn-cs"/>
+              </a:rPr>
+              <a:t>();</a:t>
+            </a:r>
+          </a:p>
+          <a:p>
+            <a:r>
+              <a:rPr lang="en-US" altLang="zh-CN" sz="1200" kern="1200" dirty="0" smtClean="0">
+                <a:solidFill>
+                  <a:schemeClr val="tx1"/>
+                </a:solidFill>
+                <a:latin typeface="+mn-lt"/>
+                <a:ea typeface="+mn-ea"/>
+                <a:cs typeface="+mn-cs"/>
+              </a:rPr>
+              <a:t>					</a:t>
+            </a:r>
+            <a:r>
+              <a:rPr lang="en-US" altLang="zh-CN" sz="1200" kern="1200" dirty="0" err="1" smtClean="0">
+                <a:solidFill>
+                  <a:schemeClr val="tx1"/>
+                </a:solidFill>
+                <a:latin typeface="+mn-lt"/>
+                <a:ea typeface="+mn-ea"/>
+                <a:cs typeface="+mn-cs"/>
+              </a:rPr>
+              <a:t>fis.close</a:t>
+            </a:r>
+            <a:r>
+              <a:rPr lang="en-US" altLang="zh-CN" sz="1200" kern="1200" dirty="0" smtClean="0">
+                <a:solidFill>
+                  <a:schemeClr val="tx1"/>
+                </a:solidFill>
+                <a:latin typeface="+mn-lt"/>
+                <a:ea typeface="+mn-ea"/>
+                <a:cs typeface="+mn-cs"/>
+              </a:rPr>
+              <a:t>();</a:t>
+            </a:r>
+          </a:p>
+          <a:p>
+            <a:r>
+              <a:rPr lang="en-US" altLang="zh-CN" sz="1200" kern="1200" dirty="0" smtClean="0">
+                <a:solidFill>
+                  <a:schemeClr val="tx1"/>
+                </a:solidFill>
+                <a:latin typeface="+mn-lt"/>
+                <a:ea typeface="+mn-ea"/>
+                <a:cs typeface="+mn-cs"/>
+              </a:rPr>
+              <a:t>					</a:t>
+            </a:r>
+          </a:p>
+          <a:p>
+            <a:r>
+              <a:rPr lang="en-US" altLang="zh-CN" sz="1200" kern="1200" dirty="0" smtClean="0">
+                <a:solidFill>
+                  <a:schemeClr val="tx1"/>
+                </a:solidFill>
+                <a:latin typeface="+mn-lt"/>
+                <a:ea typeface="+mn-ea"/>
+                <a:cs typeface="+mn-cs"/>
+              </a:rPr>
+              <a:t>					</a:t>
+            </a:r>
+            <a:r>
+              <a:rPr lang="en-US" altLang="zh-CN" sz="1200" kern="1200" dirty="0" err="1" smtClean="0">
+                <a:solidFill>
+                  <a:schemeClr val="tx1"/>
+                </a:solidFill>
+                <a:latin typeface="+mn-lt"/>
+                <a:ea typeface="+mn-ea"/>
+                <a:cs typeface="+mn-cs"/>
+              </a:rPr>
+              <a:t>Toast.</a:t>
+            </a:r>
+            <a:r>
+              <a:rPr lang="en-US" altLang="zh-CN" sz="1200" i="1" kern="1200" dirty="0" err="1" smtClean="0">
+                <a:solidFill>
+                  <a:schemeClr val="tx1"/>
+                </a:solidFill>
+                <a:latin typeface="+mn-lt"/>
+                <a:ea typeface="+mn-ea"/>
+                <a:cs typeface="+mn-cs"/>
+              </a:rPr>
+              <a:t>makeText</a:t>
+            </a:r>
+            <a:r>
+              <a:rPr lang="en-US" altLang="zh-CN" sz="1200" i="1" kern="1200" dirty="0" smtClean="0">
+                <a:solidFill>
+                  <a:schemeClr val="tx1"/>
+                </a:solidFill>
+                <a:latin typeface="+mn-lt"/>
+                <a:ea typeface="+mn-ea"/>
+                <a:cs typeface="+mn-cs"/>
+              </a:rPr>
+              <a:t>(</a:t>
+            </a:r>
+            <a:r>
+              <a:rPr lang="en-US" altLang="zh-CN" sz="1200" i="1" kern="1200" dirty="0" err="1" smtClean="0">
+                <a:solidFill>
+                  <a:schemeClr val="tx1"/>
+                </a:solidFill>
+                <a:latin typeface="+mn-lt"/>
+                <a:ea typeface="+mn-ea"/>
+                <a:cs typeface="+mn-cs"/>
+              </a:rPr>
+              <a:t>getApplicationContext</a:t>
+            </a:r>
+            <a:r>
+              <a:rPr lang="en-US" altLang="zh-CN" sz="1200" i="1" kern="1200" dirty="0" smtClean="0">
+                <a:solidFill>
+                  <a:schemeClr val="tx1"/>
+                </a:solidFill>
+                <a:latin typeface="+mn-lt"/>
+                <a:ea typeface="+mn-ea"/>
+                <a:cs typeface="+mn-cs"/>
+              </a:rPr>
+              <a:t>(), ""+</a:t>
+            </a:r>
+            <a:r>
+              <a:rPr lang="en-US" altLang="zh-CN" sz="1200" i="1" kern="1200" dirty="0" err="1" smtClean="0">
+                <a:solidFill>
+                  <a:schemeClr val="tx1"/>
+                </a:solidFill>
+                <a:latin typeface="+mn-lt"/>
+                <a:ea typeface="+mn-ea"/>
+                <a:cs typeface="+mn-cs"/>
+              </a:rPr>
+              <a:t>String.valueOf</a:t>
+            </a:r>
+            <a:r>
+              <a:rPr lang="en-US" altLang="zh-CN" sz="1200" i="1" kern="1200" dirty="0" smtClean="0">
+                <a:solidFill>
+                  <a:schemeClr val="tx1"/>
+                </a:solidFill>
+                <a:latin typeface="+mn-lt"/>
+                <a:ea typeface="+mn-ea"/>
+                <a:cs typeface="+mn-cs"/>
+              </a:rPr>
+              <a:t>(input), </a:t>
+            </a:r>
+            <a:r>
+              <a:rPr lang="en-US" altLang="zh-CN" sz="1200" i="1" u="sng" kern="1200" dirty="0" smtClean="0">
+                <a:solidFill>
+                  <a:schemeClr val="tx1"/>
+                </a:solidFill>
+                <a:latin typeface="+mn-lt"/>
+                <a:ea typeface="+mn-ea"/>
+                <a:cs typeface="+mn-cs"/>
+              </a:rPr>
+              <a:t>0).show();</a:t>
+            </a:r>
           </a:p>
           <a:p>
             <a:endParaRPr kumimoji="1" lang="zh-CN" altLang="en-US" dirty="0"/>
@@ -3273,7 +3227,7 @@
           <a:p>
             <a:fld id="{F0FB8CF0-B273-F446-8063-8470DCBC23B4}" type="slidenum">
               <a:rPr kumimoji="1" lang="zh-CN" altLang="en-US" smtClean="0"/>
-              <a:t>10</a:t>
+              <a:t>8</a:t>
             </a:fld>
             <a:endParaRPr kumimoji="1" lang="zh-CN" altLang="en-US"/>
           </a:p>
@@ -3282,7 +3236,7 @@
     </p:spTree>
     <p:extLst>
       <p:ext uri="{BB962C8B-B14F-4D97-AF65-F5344CB8AC3E}">
-        <p14:creationId xmlns:p14="http://schemas.microsoft.com/office/powerpoint/2010/main" val="3810616215"/>
+        <p14:creationId xmlns:p14="http://schemas.microsoft.com/office/powerpoint/2010/main" val="956855607"/>
       </p:ext>
     </p:extLst>
   </p:cSld>
@@ -3336,1055 +3290,42 @@
           <a:bodyPr/>
           <a:lstStyle/>
           <a:p>
-            <a:r>
-              <a:rPr kumimoji="1" lang="zh-CN" altLang="en-US" dirty="0" smtClean="0"/>
-              <a:t>定义类继承</a:t>
-            </a:r>
-            <a:r>
-              <a:rPr kumimoji="1" lang="en-US" altLang="zh-CN" dirty="0" err="1" smtClean="0"/>
-              <a:t>SQLiteOpenHelper</a:t>
-            </a:r>
-            <a:r>
-              <a:rPr kumimoji="1" lang="en-US" altLang="zh-CN" dirty="0" smtClean="0"/>
-              <a:t>, </a:t>
-            </a:r>
-            <a:r>
-              <a:rPr kumimoji="1" lang="zh-CN" altLang="en-US" dirty="0" smtClean="0"/>
-              <a:t>该类没有无参构造函数</a:t>
-            </a:r>
-            <a:r>
-              <a:rPr kumimoji="1" lang="en-US" altLang="zh-CN" dirty="0" smtClean="0"/>
-              <a:t>, </a:t>
-            </a:r>
-            <a:r>
-              <a:rPr kumimoji="1" lang="zh-CN" altLang="en-US" dirty="0" smtClean="0"/>
-              <a:t>必须调用有参的构造函数</a:t>
-            </a:r>
-            <a:r>
-              <a:rPr kumimoji="1" lang="en-US" altLang="zh-CN" dirty="0" smtClean="0"/>
-              <a:t>, </a:t>
-            </a:r>
-            <a:r>
-              <a:rPr kumimoji="1" lang="zh-CN" altLang="en-US" dirty="0" smtClean="0"/>
-              <a:t>传入</a:t>
-            </a:r>
-            <a:r>
-              <a:rPr kumimoji="1" lang="en-US" altLang="zh-CN" dirty="0" smtClean="0"/>
-              <a:t>: </a:t>
-            </a:r>
-            <a:r>
-              <a:rPr kumimoji="1" lang="zh-CN" altLang="en-US" dirty="0" smtClean="0"/>
-              <a:t>环境对象</a:t>
-            </a:r>
-            <a:r>
-              <a:rPr kumimoji="1" lang="en-US" altLang="zh-CN" dirty="0" smtClean="0"/>
-              <a:t>, </a:t>
-            </a:r>
-            <a:r>
-              <a:rPr kumimoji="1" lang="zh-CN" altLang="en-US" dirty="0" smtClean="0"/>
-              <a:t>数据库名</a:t>
-            </a:r>
-            <a:r>
-              <a:rPr kumimoji="1" lang="en-US" altLang="zh-CN" dirty="0" smtClean="0"/>
-              <a:t>, </a:t>
-            </a:r>
-            <a:r>
-              <a:rPr kumimoji="1" lang="zh-CN" altLang="en-US" dirty="0" smtClean="0"/>
-              <a:t>游标工厂</a:t>
-            </a:r>
-            <a:r>
-              <a:rPr kumimoji="1" lang="en-US" altLang="zh-CN" dirty="0" smtClean="0"/>
-              <a:t>, </a:t>
-            </a:r>
-            <a:r>
-              <a:rPr kumimoji="1" lang="zh-CN" altLang="en-US" dirty="0" smtClean="0"/>
-              <a:t>数据库版本</a:t>
-            </a:r>
-          </a:p>
-          <a:p>
-            <a:endParaRPr kumimoji="1" lang="zh-CN" altLang="en-US" dirty="0" smtClean="0"/>
-          </a:p>
-          <a:p>
-            <a:r>
-              <a:rPr kumimoji="1" lang="zh-CN" altLang="en-US" dirty="0" smtClean="0"/>
-              <a:t>		</a:t>
-            </a:r>
-            <a:r>
-              <a:rPr kumimoji="1" lang="en-US" altLang="zh-CN" dirty="0" smtClean="0"/>
-              <a:t>/*</a:t>
-            </a:r>
-          </a:p>
-          <a:p>
-            <a:endParaRPr kumimoji="1" lang="en-US" altLang="zh-CN" dirty="0" smtClean="0"/>
-          </a:p>
-          <a:p>
-            <a:r>
-              <a:rPr kumimoji="1" lang="en-US" altLang="zh-CN" dirty="0" smtClean="0"/>
-              <a:t>		 * </a:t>
-            </a:r>
-            <a:r>
-              <a:rPr kumimoji="1" lang="zh-CN" altLang="en-US" dirty="0" smtClean="0"/>
-              <a:t>参数</a:t>
-            </a:r>
-            <a:r>
-              <a:rPr kumimoji="1" lang="en-US" altLang="zh-CN" dirty="0" smtClean="0"/>
-              <a:t>1: Context, </a:t>
-            </a:r>
-            <a:r>
-              <a:rPr kumimoji="1" lang="zh-CN" altLang="en-US" dirty="0" smtClean="0"/>
-              <a:t>用来确定数据库文件的位置</a:t>
-            </a:r>
-          </a:p>
-          <a:p>
-            <a:endParaRPr kumimoji="1" lang="zh-CN" altLang="en-US" dirty="0" smtClean="0"/>
-          </a:p>
-          <a:p>
-            <a:r>
-              <a:rPr kumimoji="1" lang="zh-CN" altLang="en-US" dirty="0" smtClean="0"/>
-              <a:t>		 * 参数</a:t>
-            </a:r>
-            <a:r>
-              <a:rPr kumimoji="1" lang="en-US" altLang="zh-CN" dirty="0" smtClean="0"/>
-              <a:t>2: </a:t>
-            </a:r>
-            <a:r>
-              <a:rPr kumimoji="1" lang="zh-CN" altLang="en-US" dirty="0" smtClean="0"/>
-              <a:t>数据库文件的名字</a:t>
-            </a:r>
-          </a:p>
-          <a:p>
-            <a:endParaRPr kumimoji="1" lang="zh-CN" altLang="en-US" dirty="0" smtClean="0"/>
-          </a:p>
-          <a:p>
-            <a:r>
-              <a:rPr kumimoji="1" lang="zh-CN" altLang="en-US" dirty="0" smtClean="0"/>
-              <a:t>		 * 参数</a:t>
-            </a:r>
-            <a:r>
-              <a:rPr kumimoji="1" lang="en-US" altLang="zh-CN" dirty="0" smtClean="0"/>
-              <a:t>3: </a:t>
-            </a:r>
-            <a:r>
-              <a:rPr kumimoji="1" lang="zh-CN" altLang="en-US" dirty="0" smtClean="0"/>
-              <a:t>用来创建游标对象的工厂</a:t>
-            </a:r>
-            <a:r>
-              <a:rPr kumimoji="1" lang="en-US" altLang="zh-CN" dirty="0" smtClean="0"/>
-              <a:t>, null</a:t>
-            </a:r>
-            <a:r>
-              <a:rPr kumimoji="1" lang="zh-CN" altLang="en-US" dirty="0" smtClean="0"/>
-              <a:t>代表使用默认工厂，游标其实就是结果集</a:t>
-            </a:r>
-          </a:p>
-          <a:p>
-            <a:endParaRPr kumimoji="1" lang="zh-CN" altLang="en-US" dirty="0" smtClean="0"/>
-          </a:p>
-          <a:p>
-            <a:r>
-              <a:rPr kumimoji="1" lang="zh-CN" altLang="en-US" dirty="0" smtClean="0"/>
-              <a:t>		 * 参数</a:t>
-            </a:r>
-            <a:r>
-              <a:rPr kumimoji="1" lang="en-US" altLang="zh-CN" dirty="0" smtClean="0"/>
-              <a:t>4: </a:t>
-            </a:r>
-            <a:r>
-              <a:rPr kumimoji="1" lang="zh-CN" altLang="en-US" dirty="0" smtClean="0"/>
-              <a:t>数据库版本</a:t>
-            </a:r>
-            <a:r>
-              <a:rPr kumimoji="1" lang="en-US" altLang="zh-CN" dirty="0" smtClean="0"/>
-              <a:t>, </a:t>
-            </a:r>
-            <a:r>
-              <a:rPr kumimoji="1" lang="zh-CN" altLang="en-US" dirty="0" smtClean="0"/>
-              <a:t>从</a:t>
-            </a:r>
-            <a:r>
-              <a:rPr kumimoji="1" lang="en-US" altLang="zh-CN" dirty="0" smtClean="0"/>
-              <a:t>1</a:t>
-            </a:r>
-            <a:r>
-              <a:rPr kumimoji="1" lang="zh-CN" altLang="en-US" dirty="0" smtClean="0"/>
-              <a:t>开始，只能升级，不能降级</a:t>
-            </a:r>
-          </a:p>
-          <a:p>
-            <a:endParaRPr kumimoji="1" lang="zh-CN" altLang="en-US" dirty="0" smtClean="0"/>
-          </a:p>
-          <a:p>
-            <a:r>
-              <a:rPr kumimoji="1" lang="zh-CN" altLang="en-US" dirty="0" smtClean="0"/>
-              <a:t>		 *</a:t>
-            </a:r>
-            <a:r>
-              <a:rPr kumimoji="1" lang="en-US" altLang="zh-CN" dirty="0" smtClean="0"/>
-              <a:t>/</a:t>
-            </a:r>
-          </a:p>
-          <a:p>
-            <a:endParaRPr kumimoji="1" lang="en-US" altLang="zh-CN" dirty="0" smtClean="0"/>
-          </a:p>
-          <a:p>
-            <a:r>
-              <a:rPr kumimoji="1" lang="en-US" altLang="zh-CN" dirty="0" smtClean="0"/>
-              <a:t>		</a:t>
-            </a:r>
-            <a:r>
-              <a:rPr kumimoji="1" lang="zh-CN" altLang="en-US" dirty="0" smtClean="0"/>
-              <a:t>重写</a:t>
-            </a:r>
-            <a:r>
-              <a:rPr kumimoji="1" lang="en-US" altLang="zh-CN" dirty="0" smtClean="0"/>
-              <a:t>2</a:t>
-            </a:r>
-            <a:r>
-              <a:rPr kumimoji="1" lang="zh-CN" altLang="en-US" dirty="0" smtClean="0"/>
-              <a:t>个抽象方法</a:t>
-            </a:r>
-          </a:p>
-          <a:p>
-            <a:endParaRPr kumimoji="1" lang="en-US" altLang="zh-CN" dirty="0" smtClean="0"/>
-          </a:p>
-          <a:p>
-            <a:r>
-              <a:rPr kumimoji="1" lang="en-US" altLang="zh-CN" dirty="0" smtClean="0"/>
-              <a:t>		</a:t>
-            </a:r>
-            <a:r>
-              <a:rPr kumimoji="1" lang="zh-CN" altLang="en-US" dirty="0" smtClean="0"/>
-              <a:t>创建该类对象</a:t>
-            </a:r>
-            <a:r>
-              <a:rPr kumimoji="1" lang="en-US" altLang="zh-CN" dirty="0" smtClean="0"/>
-              <a:t>, </a:t>
-            </a:r>
-            <a:r>
-              <a:rPr kumimoji="1" lang="zh-CN" altLang="en-US" dirty="0" smtClean="0"/>
-              <a:t>调用</a:t>
-            </a:r>
-            <a:r>
-              <a:rPr kumimoji="1" lang="en-US" altLang="zh-CN" dirty="0" err="1" smtClean="0"/>
-              <a:t>getWriteableDatbase</a:t>
-            </a:r>
-            <a:r>
-              <a:rPr kumimoji="1" lang="en-US" altLang="zh-CN" dirty="0" smtClean="0"/>
-              <a:t>()</a:t>
-            </a:r>
-            <a:r>
-              <a:rPr kumimoji="1" lang="zh-CN" altLang="en-US" dirty="0" smtClean="0"/>
-              <a:t>或者</a:t>
-            </a:r>
-            <a:r>
-              <a:rPr kumimoji="1" lang="en-US" altLang="zh-CN" dirty="0" err="1" smtClean="0"/>
-              <a:t>getReadableDatabase</a:t>
-            </a:r>
-            <a:r>
-              <a:rPr kumimoji="1" lang="en-US" altLang="zh-CN" dirty="0" smtClean="0"/>
-              <a:t>()</a:t>
-            </a:r>
-            <a:r>
-              <a:rPr kumimoji="1" lang="zh-CN" altLang="en-US" dirty="0" smtClean="0"/>
-              <a:t>方法即可获取到</a:t>
-            </a:r>
-            <a:r>
-              <a:rPr kumimoji="1" lang="en-US" altLang="zh-CN" dirty="0" err="1" smtClean="0"/>
-              <a:t>SQLiteDatabase</a:t>
-            </a:r>
-            <a:r>
-              <a:rPr kumimoji="1" lang="zh-CN" altLang="en-US" dirty="0" smtClean="0"/>
-              <a:t>对象</a:t>
-            </a:r>
-            <a:r>
-              <a:rPr kumimoji="1" lang="en-US" altLang="zh-CN" dirty="0" smtClean="0"/>
-              <a:t>, </a:t>
-            </a:r>
-            <a:r>
-              <a:rPr kumimoji="1" lang="zh-CN" altLang="en-US" dirty="0" smtClean="0"/>
-              <a:t>该对象就可以执行</a:t>
-            </a:r>
-            <a:r>
-              <a:rPr kumimoji="1" lang="en-US" altLang="zh-CN" dirty="0" smtClean="0"/>
-              <a:t>SQL</a:t>
-            </a:r>
-            <a:r>
-              <a:rPr kumimoji="1" lang="zh-CN" altLang="en-US" dirty="0" smtClean="0"/>
-              <a:t>语句了</a:t>
-            </a:r>
-          </a:p>
-          <a:p>
-            <a:endParaRPr kumimoji="1" lang="zh-CN" altLang="en-US" dirty="0" smtClean="0"/>
-          </a:p>
-          <a:p>
-            <a:r>
-              <a:rPr kumimoji="1" lang="zh-CN" altLang="en-US" dirty="0" smtClean="0"/>
-              <a:t>		调用以上两个方法时</a:t>
-            </a:r>
-            <a:r>
-              <a:rPr kumimoji="1" lang="en-US" altLang="zh-CN" dirty="0" smtClean="0"/>
-              <a:t>, </a:t>
-            </a:r>
-            <a:r>
-              <a:rPr kumimoji="1" lang="zh-CN" altLang="en-US" dirty="0" smtClean="0"/>
-              <a:t>会执行</a:t>
-            </a:r>
-            <a:r>
-              <a:rPr kumimoji="1" lang="en-US" altLang="zh-CN" dirty="0" err="1" smtClean="0"/>
-              <a:t>onCreate</a:t>
-            </a:r>
-            <a:r>
-              <a:rPr kumimoji="1" lang="en-US" altLang="zh-CN" dirty="0" smtClean="0"/>
-              <a:t>()</a:t>
-            </a:r>
-            <a:r>
-              <a:rPr kumimoji="1" lang="zh-CN" altLang="en-US" dirty="0" smtClean="0"/>
-              <a:t>或者</a:t>
-            </a:r>
-            <a:r>
-              <a:rPr kumimoji="1" lang="en-US" altLang="zh-CN" dirty="0" err="1" smtClean="0"/>
-              <a:t>onUpgrade</a:t>
-            </a:r>
-            <a:r>
-              <a:rPr kumimoji="1" lang="en-US" altLang="zh-CN" dirty="0" smtClean="0"/>
-              <a:t>()</a:t>
-            </a:r>
-          </a:p>
-          <a:p>
-            <a:endParaRPr kumimoji="1" lang="en-US" altLang="zh-CN" dirty="0" smtClean="0"/>
-          </a:p>
-          <a:p>
-            <a:r>
-              <a:rPr kumimoji="1" lang="en-US" altLang="zh-CN" dirty="0" smtClean="0"/>
-              <a:t>			</a:t>
-            </a:r>
-            <a:r>
-              <a:rPr kumimoji="1" lang="zh-CN" altLang="en-US" dirty="0" smtClean="0"/>
-              <a:t>情况</a:t>
-            </a:r>
-            <a:r>
-              <a:rPr kumimoji="1" lang="en-US" altLang="zh-CN" dirty="0" smtClean="0"/>
-              <a:t>1: </a:t>
-            </a:r>
-            <a:r>
-              <a:rPr kumimoji="1" lang="zh-CN" altLang="en-US" dirty="0" smtClean="0"/>
-              <a:t>数据库不存在</a:t>
-            </a:r>
-            <a:r>
-              <a:rPr kumimoji="1" lang="en-US" altLang="zh-CN" dirty="0" smtClean="0"/>
-              <a:t>, </a:t>
-            </a:r>
-            <a:r>
-              <a:rPr kumimoji="1" lang="zh-CN" altLang="en-US" dirty="0" smtClean="0"/>
-              <a:t>创建数据库</a:t>
-            </a:r>
-            <a:r>
-              <a:rPr kumimoji="1" lang="en-US" altLang="zh-CN" dirty="0" smtClean="0"/>
-              <a:t>, </a:t>
-            </a:r>
-            <a:r>
-              <a:rPr kumimoji="1" lang="zh-CN" altLang="en-US" dirty="0" smtClean="0"/>
-              <a:t>执行</a:t>
-            </a:r>
-            <a:r>
-              <a:rPr kumimoji="1" lang="en-US" altLang="zh-CN" dirty="0" err="1" smtClean="0"/>
-              <a:t>onCreate</a:t>
-            </a:r>
-            <a:r>
-              <a:rPr kumimoji="1" lang="en-US" altLang="zh-CN" dirty="0" smtClean="0"/>
-              <a:t>()</a:t>
-            </a:r>
-            <a:r>
-              <a:rPr kumimoji="1" lang="zh-CN" altLang="en-US" dirty="0" smtClean="0"/>
-              <a:t>方法</a:t>
-            </a:r>
-          </a:p>
-          <a:p>
-            <a:endParaRPr kumimoji="1" lang="zh-CN" altLang="en-US" dirty="0" smtClean="0"/>
-          </a:p>
-          <a:p>
-            <a:r>
-              <a:rPr kumimoji="1" lang="zh-CN" altLang="en-US" dirty="0" smtClean="0"/>
-              <a:t>			情况</a:t>
-            </a:r>
-            <a:r>
-              <a:rPr kumimoji="1" lang="en-US" altLang="zh-CN" dirty="0" smtClean="0"/>
-              <a:t>2: </a:t>
-            </a:r>
-            <a:r>
-              <a:rPr kumimoji="1" lang="zh-CN" altLang="en-US" dirty="0" smtClean="0"/>
-              <a:t>数据库存在</a:t>
-            </a:r>
-            <a:r>
-              <a:rPr kumimoji="1" lang="en-US" altLang="zh-CN" dirty="0" smtClean="0"/>
-              <a:t>, </a:t>
-            </a:r>
-            <a:r>
-              <a:rPr kumimoji="1" lang="zh-CN" altLang="en-US" dirty="0" smtClean="0"/>
-              <a:t>版本没变</a:t>
-            </a:r>
-            <a:r>
-              <a:rPr kumimoji="1" lang="en-US" altLang="zh-CN" dirty="0" smtClean="0"/>
-              <a:t>, </a:t>
-            </a:r>
-            <a:r>
-              <a:rPr kumimoji="1" lang="zh-CN" altLang="en-US" dirty="0" smtClean="0"/>
-              <a:t>直接打开数据库</a:t>
-            </a:r>
-            <a:r>
-              <a:rPr kumimoji="1" lang="en-US" altLang="zh-CN" dirty="0" smtClean="0"/>
-              <a:t>, </a:t>
-            </a:r>
-            <a:r>
-              <a:rPr kumimoji="1" lang="zh-CN" altLang="en-US" dirty="0" smtClean="0"/>
-              <a:t>不执行任何方法 </a:t>
-            </a:r>
-          </a:p>
-          <a:p>
-            <a:endParaRPr kumimoji="1" lang="zh-CN" altLang="en-US" dirty="0" smtClean="0"/>
-          </a:p>
-          <a:p>
-            <a:r>
-              <a:rPr kumimoji="1" lang="zh-CN" altLang="en-US" dirty="0" smtClean="0"/>
-              <a:t>			情况</a:t>
-            </a:r>
-            <a:r>
-              <a:rPr kumimoji="1" lang="en-US" altLang="zh-CN" dirty="0" smtClean="0"/>
-              <a:t>3: </a:t>
-            </a:r>
-            <a:r>
-              <a:rPr kumimoji="1" lang="zh-CN" altLang="en-US" dirty="0" smtClean="0"/>
-              <a:t>数据库存在</a:t>
-            </a:r>
-            <a:r>
-              <a:rPr kumimoji="1" lang="en-US" altLang="zh-CN" dirty="0" smtClean="0"/>
-              <a:t>, </a:t>
-            </a:r>
-            <a:r>
-              <a:rPr kumimoji="1" lang="zh-CN" altLang="en-US" dirty="0" smtClean="0"/>
-              <a:t>版本改变</a:t>
-            </a:r>
-            <a:r>
-              <a:rPr kumimoji="1" lang="en-US" altLang="zh-CN" dirty="0" smtClean="0"/>
-              <a:t>, </a:t>
-            </a:r>
-            <a:r>
-              <a:rPr kumimoji="1" lang="zh-CN" altLang="en-US" dirty="0" smtClean="0"/>
-              <a:t>打开数据库</a:t>
-            </a:r>
-            <a:r>
-              <a:rPr kumimoji="1" lang="en-US" altLang="zh-CN" dirty="0" smtClean="0"/>
-              <a:t>, </a:t>
-            </a:r>
-            <a:r>
-              <a:rPr kumimoji="1" lang="zh-CN" altLang="en-US" dirty="0" smtClean="0"/>
-              <a:t>执行</a:t>
-            </a:r>
-            <a:r>
-              <a:rPr kumimoji="1" lang="en-US" altLang="zh-CN" dirty="0" err="1" smtClean="0"/>
-              <a:t>onUpgrade</a:t>
-            </a:r>
-            <a:r>
-              <a:rPr kumimoji="1" lang="en-US" altLang="zh-CN" dirty="0" smtClean="0"/>
-              <a:t>()</a:t>
-            </a:r>
-            <a:r>
-              <a:rPr kumimoji="1" lang="zh-CN" altLang="en-US" dirty="0" smtClean="0"/>
-              <a:t>方法</a:t>
-            </a:r>
-          </a:p>
-          <a:p>
-            <a:endParaRPr kumimoji="1" lang="zh-CN" altLang="en-US" dirty="0" smtClean="0"/>
-          </a:p>
-          <a:p>
-            <a:r>
-              <a:rPr kumimoji="1" lang="zh-CN" altLang="en-US" dirty="0" smtClean="0"/>
-              <a:t>		通常我们把创建表的代码放在</a:t>
-            </a:r>
-            <a:r>
-              <a:rPr kumimoji="1" lang="en-US" altLang="zh-CN" dirty="0" err="1" smtClean="0"/>
-              <a:t>onCreate</a:t>
-            </a:r>
-            <a:r>
-              <a:rPr kumimoji="1" lang="en-US" altLang="zh-CN" dirty="0" smtClean="0"/>
-              <a:t>()</a:t>
-            </a:r>
-            <a:r>
-              <a:rPr kumimoji="1" lang="zh-CN" altLang="en-US" dirty="0" smtClean="0"/>
-              <a:t>中</a:t>
-            </a:r>
-            <a:r>
-              <a:rPr kumimoji="1" lang="en-US" altLang="zh-CN" dirty="0" smtClean="0"/>
-              <a:t>, </a:t>
-            </a:r>
-            <a:r>
-              <a:rPr kumimoji="1" lang="zh-CN" altLang="en-US" dirty="0" smtClean="0"/>
-              <a:t>这样在数据创建时就会创建表</a:t>
-            </a:r>
-          </a:p>
-          <a:p>
-            <a:endParaRPr kumimoji="1" lang="zh-CN" altLang="en-US" dirty="0" smtClean="0"/>
-          </a:p>
-          <a:p>
-            <a:r>
-              <a:rPr kumimoji="1" lang="zh-CN" altLang="en-US" dirty="0" smtClean="0"/>
-              <a:t>		把更新表的代码放在</a:t>
-            </a:r>
-            <a:r>
-              <a:rPr kumimoji="1" lang="en-US" altLang="zh-CN" dirty="0" err="1" smtClean="0"/>
-              <a:t>onUpgrade</a:t>
-            </a:r>
-            <a:r>
-              <a:rPr kumimoji="1" lang="en-US" altLang="zh-CN" dirty="0" smtClean="0"/>
-              <a:t>()</a:t>
-            </a:r>
-            <a:r>
-              <a:rPr kumimoji="1" lang="zh-CN" altLang="en-US" dirty="0" smtClean="0"/>
-              <a:t>中</a:t>
-            </a:r>
-            <a:r>
-              <a:rPr kumimoji="1" lang="en-US" altLang="zh-CN" dirty="0" smtClean="0"/>
-              <a:t>, </a:t>
-            </a:r>
-            <a:r>
-              <a:rPr kumimoji="1" lang="zh-CN" altLang="en-US" dirty="0" smtClean="0"/>
-              <a:t>如果希望更新</a:t>
-            </a:r>
-            <a:r>
-              <a:rPr kumimoji="1" lang="en-US" altLang="zh-CN" dirty="0" smtClean="0"/>
-              <a:t>, </a:t>
-            </a:r>
-            <a:r>
-              <a:rPr kumimoji="1" lang="zh-CN" altLang="en-US" dirty="0" smtClean="0"/>
-              <a:t>修改版本号</a:t>
-            </a:r>
-            <a:r>
-              <a:rPr kumimoji="1" lang="en-US" altLang="zh-CN" dirty="0" smtClean="0"/>
-              <a:t>, </a:t>
-            </a:r>
-            <a:r>
-              <a:rPr kumimoji="1" lang="zh-CN" altLang="en-US" dirty="0" smtClean="0"/>
-              <a:t>再次执行</a:t>
-            </a:r>
-            <a:r>
-              <a:rPr kumimoji="1" lang="en-US" altLang="zh-CN" dirty="0" err="1" smtClean="0"/>
-              <a:t>getWriteableDatbase</a:t>
-            </a:r>
-            <a:r>
-              <a:rPr kumimoji="1" lang="en-US" altLang="zh-CN" dirty="0" smtClean="0"/>
-              <a:t>()</a:t>
-            </a:r>
-            <a:r>
-              <a:rPr kumimoji="1" lang="zh-CN" altLang="en-US" dirty="0" smtClean="0"/>
-              <a:t>或者</a:t>
-            </a:r>
-            <a:r>
-              <a:rPr kumimoji="1" lang="en-US" altLang="zh-CN" dirty="0" err="1" smtClean="0"/>
-              <a:t>getReadableDatabase</a:t>
-            </a:r>
-            <a:r>
-              <a:rPr kumimoji="1" lang="en-US" altLang="zh-CN" dirty="0" smtClean="0"/>
-              <a:t>()</a:t>
-            </a:r>
-            <a:r>
-              <a:rPr kumimoji="1" lang="zh-CN" altLang="en-US" dirty="0" smtClean="0"/>
-              <a:t>方法时就会更新表</a:t>
-            </a:r>
-            <a:endParaRPr kumimoji="1" lang="en-US" altLang="zh-CN" dirty="0" smtClean="0"/>
-          </a:p>
-          <a:p>
-            <a:endParaRPr kumimoji="1" lang="en-US" altLang="zh-CN" dirty="0" smtClean="0"/>
-          </a:p>
-          <a:p>
-            <a:endParaRPr kumimoji="1" lang="en-US" altLang="zh-CN" dirty="0" smtClean="0"/>
-          </a:p>
-          <a:p>
-            <a:endParaRPr kumimoji="1" lang="en-US" altLang="zh-CN" dirty="0" smtClean="0"/>
-          </a:p>
-          <a:p>
-            <a:r>
-              <a:rPr lang="en-US" altLang="zh-CN" sz="1200" kern="1200" dirty="0" smtClean="0">
-                <a:solidFill>
-                  <a:schemeClr val="tx1"/>
-                </a:solidFill>
-                <a:latin typeface="+mn-lt"/>
-                <a:ea typeface="+mn-ea"/>
-                <a:cs typeface="+mn-cs"/>
-              </a:rPr>
-              <a:t>//</a:t>
-            </a:r>
-            <a:r>
-              <a:rPr lang="zh-CN" altLang="en-US" sz="1200" kern="1200" dirty="0" smtClean="0">
-                <a:solidFill>
-                  <a:schemeClr val="tx1"/>
-                </a:solidFill>
-                <a:latin typeface="+mn-lt"/>
-                <a:ea typeface="+mn-ea"/>
-                <a:cs typeface="+mn-cs"/>
-              </a:rPr>
-              <a:t>表名，列名（任意一列的列名，为了对应</a:t>
-            </a:r>
-            <a:r>
-              <a:rPr lang="en-US" altLang="zh-CN" sz="1200" kern="1200" dirty="0" err="1" smtClean="0">
-                <a:solidFill>
-                  <a:schemeClr val="tx1"/>
-                </a:solidFill>
-                <a:latin typeface="+mn-lt"/>
-                <a:ea typeface="+mn-ea"/>
-                <a:cs typeface="+mn-cs"/>
-              </a:rPr>
-              <a:t>ContentValues</a:t>
-            </a:r>
-            <a:r>
-              <a:rPr lang="zh-CN" altLang="en-US" sz="1200" kern="1200" dirty="0" smtClean="0">
-                <a:solidFill>
-                  <a:schemeClr val="tx1"/>
-                </a:solidFill>
-                <a:latin typeface="+mn-lt"/>
-                <a:ea typeface="+mn-ea"/>
-                <a:cs typeface="+mn-cs"/>
-              </a:rPr>
-              <a:t>没有值的情况），插入的数据</a:t>
-            </a:r>
-          </a:p>
-          <a:p>
-            <a:r>
-              <a:rPr lang="en-US" altLang="zh-CN" sz="1200" kern="1200" dirty="0" err="1" smtClean="0">
-                <a:solidFill>
-                  <a:schemeClr val="tx1"/>
-                </a:solidFill>
-                <a:latin typeface="+mn-lt"/>
-                <a:ea typeface="+mn-ea"/>
-                <a:cs typeface="+mn-cs"/>
-              </a:rPr>
-              <a:t>db.insert</a:t>
-            </a:r>
-            <a:r>
-              <a:rPr lang="en-US" altLang="zh-CN" sz="1200" kern="1200" dirty="0" smtClean="0">
-                <a:solidFill>
-                  <a:schemeClr val="tx1"/>
-                </a:solidFill>
-                <a:latin typeface="+mn-lt"/>
-                <a:ea typeface="+mn-ea"/>
-                <a:cs typeface="+mn-cs"/>
-              </a:rPr>
-              <a:t>(</a:t>
-            </a:r>
-            <a:r>
-              <a:rPr lang="en-US" altLang="zh-CN" sz="1200" u="sng" kern="1200" dirty="0" smtClean="0">
-                <a:solidFill>
-                  <a:schemeClr val="tx1"/>
-                </a:solidFill>
-                <a:latin typeface="+mn-lt"/>
-                <a:ea typeface="+mn-ea"/>
-                <a:cs typeface="+mn-cs"/>
-              </a:rPr>
-              <a:t>table, </a:t>
-            </a:r>
-            <a:r>
-              <a:rPr lang="en-US" altLang="zh-CN" sz="1200" u="sng" kern="1200" dirty="0" err="1" smtClean="0">
-                <a:solidFill>
-                  <a:schemeClr val="tx1"/>
-                </a:solidFill>
-                <a:latin typeface="+mn-lt"/>
-                <a:ea typeface="+mn-ea"/>
-                <a:cs typeface="+mn-cs"/>
-              </a:rPr>
-              <a:t>nullColumnHack</a:t>
-            </a:r>
-            <a:r>
-              <a:rPr lang="en-US" altLang="zh-CN" sz="1200" u="sng" kern="1200" dirty="0" smtClean="0">
-                <a:solidFill>
-                  <a:schemeClr val="tx1"/>
-                </a:solidFill>
-                <a:latin typeface="+mn-lt"/>
-                <a:ea typeface="+mn-ea"/>
-                <a:cs typeface="+mn-cs"/>
-              </a:rPr>
-              <a:t>, values)</a:t>
-            </a:r>
-          </a:p>
-          <a:p>
-            <a:endParaRPr lang="en-US" altLang="zh-CN" sz="1200" u="sng" kern="1200" dirty="0" smtClean="0">
-              <a:solidFill>
-                <a:schemeClr val="tx1"/>
-              </a:solidFill>
-              <a:latin typeface="+mn-lt"/>
-              <a:ea typeface="+mn-ea"/>
-              <a:cs typeface="+mn-cs"/>
-            </a:endParaRPr>
-          </a:p>
-          <a:p>
-            <a:r>
-              <a:rPr lang="en-US" altLang="zh-CN" sz="1200" kern="1200" dirty="0" smtClean="0">
-                <a:solidFill>
-                  <a:schemeClr val="tx1"/>
-                </a:solidFill>
-                <a:latin typeface="+mn-lt"/>
-                <a:ea typeface="+mn-ea"/>
-                <a:cs typeface="+mn-cs"/>
-              </a:rPr>
-              <a:t>//</a:t>
-            </a:r>
-            <a:r>
-              <a:rPr lang="zh-CN" altLang="en-US" sz="1200" kern="1200" dirty="0" smtClean="0">
-                <a:solidFill>
-                  <a:schemeClr val="tx1"/>
-                </a:solidFill>
-                <a:latin typeface="+mn-lt"/>
-                <a:ea typeface="+mn-ea"/>
-                <a:cs typeface="+mn-cs"/>
-              </a:rPr>
-              <a:t>表名，删除条件，条件对应的值</a:t>
-            </a:r>
-          </a:p>
-          <a:p>
-            <a:r>
-              <a:rPr lang="en-US" altLang="zh-CN" sz="1200" kern="1200" dirty="0" err="1" smtClean="0">
-                <a:solidFill>
-                  <a:schemeClr val="tx1"/>
-                </a:solidFill>
-                <a:latin typeface="+mn-lt"/>
-                <a:ea typeface="+mn-ea"/>
-                <a:cs typeface="+mn-cs"/>
-              </a:rPr>
-              <a:t>db.delete</a:t>
-            </a:r>
-            <a:r>
-              <a:rPr lang="en-US" altLang="zh-CN" sz="1200" kern="1200" dirty="0" smtClean="0">
-                <a:solidFill>
-                  <a:schemeClr val="tx1"/>
-                </a:solidFill>
-                <a:latin typeface="+mn-lt"/>
-                <a:ea typeface="+mn-ea"/>
-                <a:cs typeface="+mn-cs"/>
-              </a:rPr>
-              <a:t>(</a:t>
-            </a:r>
-            <a:r>
-              <a:rPr lang="en-US" altLang="zh-CN" sz="1200" u="sng" kern="1200" dirty="0" smtClean="0">
-                <a:solidFill>
-                  <a:schemeClr val="tx1"/>
-                </a:solidFill>
-                <a:latin typeface="+mn-lt"/>
-                <a:ea typeface="+mn-ea"/>
-                <a:cs typeface="+mn-cs"/>
-              </a:rPr>
-              <a:t>table, </a:t>
-            </a:r>
-            <a:r>
-              <a:rPr lang="en-US" altLang="zh-CN" sz="1200" u="sng" kern="1200" dirty="0" err="1" smtClean="0">
-                <a:solidFill>
-                  <a:schemeClr val="tx1"/>
-                </a:solidFill>
-                <a:latin typeface="+mn-lt"/>
-                <a:ea typeface="+mn-ea"/>
-                <a:cs typeface="+mn-cs"/>
-              </a:rPr>
-              <a:t>whereClause</a:t>
-            </a:r>
-            <a:r>
-              <a:rPr lang="en-US" altLang="zh-CN" sz="1200" u="sng" kern="1200" dirty="0" smtClean="0">
-                <a:solidFill>
-                  <a:schemeClr val="tx1"/>
-                </a:solidFill>
-                <a:latin typeface="+mn-lt"/>
-                <a:ea typeface="+mn-ea"/>
-                <a:cs typeface="+mn-cs"/>
-              </a:rPr>
-              <a:t>, </a:t>
-            </a:r>
-            <a:r>
-              <a:rPr lang="en-US" altLang="zh-CN" sz="1200" u="sng" kern="1200" dirty="0" err="1" smtClean="0">
-                <a:solidFill>
-                  <a:schemeClr val="tx1"/>
-                </a:solidFill>
-                <a:latin typeface="+mn-lt"/>
-                <a:ea typeface="+mn-ea"/>
-                <a:cs typeface="+mn-cs"/>
-              </a:rPr>
-              <a:t>whereArgs</a:t>
-            </a:r>
-            <a:endParaRPr lang="en-US" altLang="zh-CN" sz="1200" u="sng" kern="1200" dirty="0" smtClean="0">
-              <a:solidFill>
-                <a:schemeClr val="tx1"/>
-              </a:solidFill>
-              <a:latin typeface="+mn-lt"/>
-              <a:ea typeface="+mn-ea"/>
-              <a:cs typeface="+mn-cs"/>
-            </a:endParaRPr>
-          </a:p>
-          <a:p>
-            <a:endParaRPr lang="en-US" altLang="zh-CN" sz="1200" u="sng" kern="1200" dirty="0" smtClean="0">
-              <a:solidFill>
-                <a:schemeClr val="tx1"/>
-              </a:solidFill>
-              <a:latin typeface="+mn-lt"/>
-              <a:ea typeface="+mn-ea"/>
-              <a:cs typeface="+mn-cs"/>
-            </a:endParaRPr>
-          </a:p>
-          <a:p>
-            <a:r>
-              <a:rPr lang="en-US" altLang="zh-CN" sz="1200" kern="1200" dirty="0" smtClean="0">
-                <a:solidFill>
-                  <a:schemeClr val="tx1"/>
-                </a:solidFill>
-                <a:latin typeface="+mn-lt"/>
-                <a:ea typeface="+mn-ea"/>
-                <a:cs typeface="+mn-cs"/>
-              </a:rPr>
-              <a:t>//</a:t>
-            </a:r>
-            <a:r>
-              <a:rPr lang="zh-CN" altLang="en-US" sz="1200" kern="1200" dirty="0" smtClean="0">
-                <a:solidFill>
-                  <a:schemeClr val="tx1"/>
-                </a:solidFill>
-                <a:latin typeface="+mn-lt"/>
-                <a:ea typeface="+mn-ea"/>
-                <a:cs typeface="+mn-cs"/>
-              </a:rPr>
-              <a:t>表名，列名</a:t>
-            </a:r>
-            <a:r>
-              <a:rPr lang="en-US" altLang="zh-CN" sz="1200" kern="1200" dirty="0" smtClean="0">
-                <a:solidFill>
-                  <a:schemeClr val="tx1"/>
-                </a:solidFill>
-                <a:latin typeface="+mn-lt"/>
-                <a:ea typeface="+mn-ea"/>
-                <a:cs typeface="+mn-cs"/>
-              </a:rPr>
-              <a:t>(</a:t>
-            </a:r>
-            <a:r>
-              <a:rPr lang="zh-CN" altLang="en-US" sz="1200" kern="1200" dirty="0" smtClean="0">
-                <a:solidFill>
-                  <a:schemeClr val="tx1"/>
-                </a:solidFill>
-                <a:latin typeface="+mn-lt"/>
-                <a:ea typeface="+mn-ea"/>
-                <a:cs typeface="+mn-cs"/>
-              </a:rPr>
-              <a:t>需要查询的列</a:t>
-            </a:r>
-            <a:r>
-              <a:rPr lang="en-US" altLang="zh-CN" sz="1200" kern="1200" dirty="0" smtClean="0">
-                <a:solidFill>
-                  <a:schemeClr val="tx1"/>
-                </a:solidFill>
-                <a:latin typeface="+mn-lt"/>
-                <a:ea typeface="+mn-ea"/>
-                <a:cs typeface="+mn-cs"/>
-              </a:rPr>
-              <a:t>)</a:t>
-            </a:r>
-            <a:r>
-              <a:rPr lang="zh-CN" altLang="en-US" sz="1200" kern="1200" dirty="0" smtClean="0">
-                <a:solidFill>
-                  <a:schemeClr val="tx1"/>
-                </a:solidFill>
-                <a:latin typeface="+mn-lt"/>
-                <a:ea typeface="+mn-ea"/>
-                <a:cs typeface="+mn-cs"/>
-              </a:rPr>
-              <a:t>，查询条件，条件对应的值，分组条件，分组条件对应的值，排序</a:t>
-            </a:r>
-          </a:p>
-          <a:p>
-            <a:r>
-              <a:rPr lang="en-US" altLang="zh-CN" sz="1200" kern="1200" dirty="0" err="1" smtClean="0">
-                <a:solidFill>
-                  <a:schemeClr val="tx1"/>
-                </a:solidFill>
-                <a:latin typeface="+mn-lt"/>
-                <a:ea typeface="+mn-ea"/>
-                <a:cs typeface="+mn-cs"/>
-              </a:rPr>
-              <a:t>db.query</a:t>
-            </a:r>
-            <a:r>
-              <a:rPr lang="en-US" altLang="zh-CN" sz="1200" kern="1200" dirty="0" smtClean="0">
-                <a:solidFill>
-                  <a:schemeClr val="tx1"/>
-                </a:solidFill>
-                <a:latin typeface="+mn-lt"/>
-                <a:ea typeface="+mn-ea"/>
-                <a:cs typeface="+mn-cs"/>
-              </a:rPr>
-              <a:t>(</a:t>
-            </a:r>
-            <a:r>
-              <a:rPr lang="en-US" altLang="zh-CN" sz="1200" u="sng" kern="1200" dirty="0" smtClean="0">
-                <a:solidFill>
-                  <a:schemeClr val="tx1"/>
-                </a:solidFill>
-                <a:latin typeface="+mn-lt"/>
-                <a:ea typeface="+mn-ea"/>
-                <a:cs typeface="+mn-cs"/>
-              </a:rPr>
-              <a:t>table, columns, selection, </a:t>
-            </a:r>
-            <a:r>
-              <a:rPr lang="en-US" altLang="zh-CN" sz="1200" u="sng" kern="1200" dirty="0" err="1" smtClean="0">
-                <a:solidFill>
-                  <a:schemeClr val="tx1"/>
-                </a:solidFill>
-                <a:latin typeface="+mn-lt"/>
-                <a:ea typeface="+mn-ea"/>
-                <a:cs typeface="+mn-cs"/>
-              </a:rPr>
-              <a:t>selectionArgs</a:t>
-            </a:r>
-            <a:r>
-              <a:rPr lang="en-US" altLang="zh-CN" sz="1200" u="sng" kern="1200" dirty="0" smtClean="0">
-                <a:solidFill>
-                  <a:schemeClr val="tx1"/>
-                </a:solidFill>
-                <a:latin typeface="+mn-lt"/>
-                <a:ea typeface="+mn-ea"/>
-                <a:cs typeface="+mn-cs"/>
-              </a:rPr>
-              <a:t>, </a:t>
-            </a:r>
-            <a:r>
-              <a:rPr lang="en-US" altLang="zh-CN" sz="1200" u="sng" kern="1200" dirty="0" err="1" smtClean="0">
-                <a:solidFill>
-                  <a:schemeClr val="tx1"/>
-                </a:solidFill>
-                <a:latin typeface="+mn-lt"/>
-                <a:ea typeface="+mn-ea"/>
-                <a:cs typeface="+mn-cs"/>
-              </a:rPr>
-              <a:t>groupBy</a:t>
-            </a:r>
-            <a:r>
-              <a:rPr lang="en-US" altLang="zh-CN" sz="1200" u="sng" kern="1200" dirty="0" smtClean="0">
-                <a:solidFill>
-                  <a:schemeClr val="tx1"/>
-                </a:solidFill>
-                <a:latin typeface="+mn-lt"/>
-                <a:ea typeface="+mn-ea"/>
-                <a:cs typeface="+mn-cs"/>
-              </a:rPr>
-              <a:t>, having, </a:t>
-            </a:r>
-            <a:r>
-              <a:rPr lang="en-US" altLang="zh-CN" sz="1200" u="sng" kern="1200" dirty="0" err="1" smtClean="0">
-                <a:solidFill>
-                  <a:schemeClr val="tx1"/>
-                </a:solidFill>
-                <a:latin typeface="+mn-lt"/>
-                <a:ea typeface="+mn-ea"/>
-                <a:cs typeface="+mn-cs"/>
-              </a:rPr>
-              <a:t>orderBy</a:t>
-            </a:r>
-            <a:endParaRPr lang="en-US" altLang="zh-CN" sz="1200" u="sng" kern="1200" dirty="0" smtClean="0">
-              <a:solidFill>
-                <a:schemeClr val="tx1"/>
-              </a:solidFill>
-              <a:latin typeface="+mn-lt"/>
-              <a:ea typeface="+mn-ea"/>
-              <a:cs typeface="+mn-cs"/>
-            </a:endParaRPr>
-          </a:p>
-          <a:p>
-            <a:endParaRPr kumimoji="1" lang="en-US" altLang="zh-CN" dirty="0" smtClean="0"/>
-          </a:p>
-          <a:p>
-            <a:r>
-              <a:rPr lang="en-US" altLang="zh-CN" sz="1200" kern="1200" dirty="0" smtClean="0">
-                <a:solidFill>
-                  <a:schemeClr val="tx1"/>
-                </a:solidFill>
-                <a:latin typeface="+mn-lt"/>
-                <a:ea typeface="+mn-ea"/>
-                <a:cs typeface="+mn-cs"/>
-              </a:rPr>
-              <a:t>//</a:t>
-            </a:r>
-            <a:r>
-              <a:rPr lang="zh-CN" altLang="en-US" sz="1200" kern="1200" dirty="0" smtClean="0">
-                <a:solidFill>
-                  <a:schemeClr val="tx1"/>
-                </a:solidFill>
-                <a:latin typeface="+mn-lt"/>
-                <a:ea typeface="+mn-ea"/>
-                <a:cs typeface="+mn-cs"/>
-              </a:rPr>
-              <a:t>表名，更新的数据，更新条件，条件所对应的值</a:t>
-            </a:r>
-          </a:p>
-          <a:p>
-            <a:r>
-              <a:rPr lang="en-US" altLang="zh-CN" sz="1200" kern="1200" dirty="0" err="1" smtClean="0">
-                <a:solidFill>
-                  <a:schemeClr val="tx1"/>
-                </a:solidFill>
-                <a:latin typeface="+mn-lt"/>
-                <a:ea typeface="+mn-ea"/>
-                <a:cs typeface="+mn-cs"/>
-              </a:rPr>
-              <a:t>db.update</a:t>
-            </a:r>
-            <a:r>
-              <a:rPr lang="en-US" altLang="zh-CN" sz="1200" kern="1200" dirty="0" smtClean="0">
-                <a:solidFill>
-                  <a:schemeClr val="tx1"/>
-                </a:solidFill>
-                <a:latin typeface="+mn-lt"/>
-                <a:ea typeface="+mn-ea"/>
-                <a:cs typeface="+mn-cs"/>
-              </a:rPr>
-              <a:t>(</a:t>
-            </a:r>
-            <a:r>
-              <a:rPr lang="en-US" altLang="zh-CN" sz="1200" u="sng" kern="1200" dirty="0" smtClean="0">
-                <a:solidFill>
-                  <a:schemeClr val="tx1"/>
-                </a:solidFill>
-                <a:latin typeface="+mn-lt"/>
-                <a:ea typeface="+mn-ea"/>
-                <a:cs typeface="+mn-cs"/>
-              </a:rPr>
-              <a:t>table, values, </a:t>
-            </a:r>
-            <a:r>
-              <a:rPr lang="en-US" altLang="zh-CN" sz="1200" u="sng" kern="1200" dirty="0" err="1" smtClean="0">
-                <a:solidFill>
-                  <a:schemeClr val="tx1"/>
-                </a:solidFill>
-                <a:latin typeface="+mn-lt"/>
-                <a:ea typeface="+mn-ea"/>
-                <a:cs typeface="+mn-cs"/>
-              </a:rPr>
-              <a:t>whereClause</a:t>
-            </a:r>
-            <a:r>
-              <a:rPr lang="en-US" altLang="zh-CN" sz="1200" u="sng" kern="1200" dirty="0" smtClean="0">
-                <a:solidFill>
-                  <a:schemeClr val="tx1"/>
-                </a:solidFill>
-                <a:latin typeface="+mn-lt"/>
-                <a:ea typeface="+mn-ea"/>
-                <a:cs typeface="+mn-cs"/>
-              </a:rPr>
-              <a:t>, </a:t>
-            </a:r>
-            <a:r>
-              <a:rPr lang="en-US" altLang="zh-CN" sz="1200" u="sng" kern="1200" dirty="0" err="1" smtClean="0">
-                <a:solidFill>
-                  <a:schemeClr val="tx1"/>
-                </a:solidFill>
-                <a:latin typeface="+mn-lt"/>
-                <a:ea typeface="+mn-ea"/>
-                <a:cs typeface="+mn-cs"/>
-              </a:rPr>
-              <a:t>whereArgs</a:t>
-            </a:r>
-            <a:endParaRPr kumimoji="1" lang="en-US" altLang="zh-CN" dirty="0" smtClean="0"/>
+            <a:pPr lvl="0"/>
+            <a:r>
+              <a:rPr lang="en-US" altLang="zh-CN" sz="1200" dirty="0" smtClean="0"/>
+              <a:t>SELECT</a:t>
+            </a:r>
+            <a:r>
+              <a:rPr lang="zh-CN" altLang="en-US" sz="1200" dirty="0" smtClean="0"/>
+              <a:t> * </a:t>
+            </a:r>
+            <a:r>
+              <a:rPr lang="en-US" altLang="zh-CN" sz="1200" dirty="0" smtClean="0"/>
+              <a:t>FROM</a:t>
+            </a:r>
+            <a:r>
+              <a:rPr lang="zh-CN" altLang="en-US" sz="1200" dirty="0" smtClean="0"/>
+              <a:t> </a:t>
+            </a:r>
+            <a:r>
+              <a:rPr lang="en-US" altLang="zh-CN" sz="1200" dirty="0" smtClean="0"/>
+              <a:t>person</a:t>
+            </a:r>
+          </a:p>
+          <a:p>
+            <a:pPr lvl="0"/>
+            <a:r>
+              <a:rPr lang="en-US" altLang="zh-CN" sz="1200" dirty="0" smtClean="0"/>
+              <a:t>SELECT * FROM person LIMIT 20 OFFSET 10</a:t>
+            </a:r>
+            <a:endParaRPr lang="zh-CN" altLang="zh-CN" sz="1200" dirty="0" smtClean="0"/>
+          </a:p>
+          <a:p>
+            <a:r>
+              <a:rPr lang="en-US" altLang="zh-CN" sz="1200" dirty="0" smtClean="0"/>
+              <a:t>SELECT * FROM person LIMIT 10,20</a:t>
+            </a:r>
+            <a:endParaRPr lang="zh-CN" altLang="zh-CN" sz="1200" dirty="0" smtClean="0"/>
           </a:p>
           <a:p>
             <a:endParaRPr kumimoji="1" lang="zh-CN" altLang="en-US" dirty="0"/>
@@ -4408,7 +3349,7 @@
           <a:p>
             <a:fld id="{F0FB8CF0-B273-F446-8063-8470DCBC23B4}" type="slidenum">
               <a:rPr kumimoji="1" lang="zh-CN" altLang="en-US" smtClean="0"/>
-              <a:t>11</a:t>
+              <a:t>10</a:t>
             </a:fld>
             <a:endParaRPr kumimoji="1" lang="zh-CN" altLang="en-US"/>
           </a:p>
@@ -4417,7 +3358,7 @@
     </p:spTree>
     <p:extLst>
       <p:ext uri="{BB962C8B-B14F-4D97-AF65-F5344CB8AC3E}">
-        <p14:creationId xmlns:p14="http://schemas.microsoft.com/office/powerpoint/2010/main" val="3623335799"/>
+        <p14:creationId xmlns:p14="http://schemas.microsoft.com/office/powerpoint/2010/main" val="3810616215"/>
       </p:ext>
     </p:extLst>
   </p:cSld>
@@ -4472,548 +3413,788 @@
           <a:lstStyle/>
           <a:p>
             <a:r>
-              <a:rPr kumimoji="1" lang="zh-CN" altLang="en-US" sz="1600" b="1" dirty="0" smtClean="0"/>
-              <a:t>什么是内容提供者：</a:t>
-            </a:r>
-            <a:endParaRPr kumimoji="1" lang="en-US" altLang="zh-CN" sz="1600" b="1" dirty="0" smtClean="0"/>
-          </a:p>
-          <a:p>
-            <a:pPr lvl="0"/>
-            <a:r>
-              <a:rPr lang="en-US" altLang="zh-CN" dirty="0" smtClean="0"/>
-              <a:t>1.</a:t>
-            </a:r>
-            <a:r>
-              <a:rPr lang="zh-CN" altLang="zh-CN" dirty="0" smtClean="0"/>
-              <a:t>内容提供者是</a:t>
-            </a:r>
-            <a:r>
-              <a:rPr lang="en-US" altLang="zh-CN" dirty="0" smtClean="0"/>
-              <a:t>Android</a:t>
-            </a:r>
-            <a:r>
-              <a:rPr lang="zh-CN" altLang="zh-CN" dirty="0" smtClean="0"/>
-              <a:t>中的四大组件之一，可以将应用中的数据对外进行共享</a:t>
-            </a:r>
-          </a:p>
-          <a:p>
-            <a:pPr lvl="0"/>
-            <a:r>
-              <a:rPr lang="en-US" altLang="zh-CN" dirty="0" smtClean="0"/>
-              <a:t>2.</a:t>
-            </a:r>
-            <a:r>
-              <a:rPr lang="zh-CN" altLang="zh-CN" dirty="0" smtClean="0"/>
-              <a:t>内容提供者将数据的访问方式统一，不必针对不同数据类型采取不同的访问策略</a:t>
-            </a:r>
-          </a:p>
-          <a:p>
-            <a:pPr lvl="0"/>
-            <a:r>
-              <a:rPr lang="en-US" altLang="zh-CN" dirty="0" smtClean="0"/>
-              <a:t>3.</a:t>
-            </a:r>
-            <a:r>
-              <a:rPr lang="zh-CN" altLang="zh-CN" dirty="0" smtClean="0"/>
-              <a:t>内容提供者将数据封装，只暴露出我们希望提供给其他程序的数据</a:t>
-            </a:r>
-            <a:endParaRPr lang="en-US" altLang="zh-CN" dirty="0" smtClean="0"/>
-          </a:p>
-          <a:p>
-            <a:pPr lvl="0"/>
-            <a:endParaRPr lang="en-US" altLang="zh-CN" dirty="0" smtClean="0"/>
-          </a:p>
-          <a:p>
-            <a:pPr lvl="0"/>
-            <a:r>
-              <a:rPr lang="zh-CN" altLang="en-US" sz="1600" b="1" dirty="0" smtClean="0"/>
-              <a:t>创建内容提供者</a:t>
-            </a:r>
-            <a:endParaRPr lang="en-US" altLang="zh-CN" sz="1600" b="1" dirty="0" smtClean="0"/>
-          </a:p>
-          <a:p>
-            <a:pPr lvl="0"/>
-            <a:r>
-              <a:rPr lang="en-US" altLang="zh-CN" sz="1600" b="0" dirty="0" smtClean="0"/>
-              <a:t>1.</a:t>
-            </a:r>
-            <a:r>
-              <a:rPr lang="zh-CN" altLang="en-US" sz="1600" b="0" dirty="0" smtClean="0"/>
+              <a:rPr kumimoji="1" lang="zh-CN" altLang="en-US" dirty="0" smtClean="0"/>
               <a:t>定义类继承</a:t>
             </a:r>
             <a:r>
-              <a:rPr lang="en-US" altLang="zh-CN" sz="1600" b="0" dirty="0" err="1" smtClean="0"/>
-              <a:t>ContentProvider</a:t>
-            </a:r>
-            <a:r>
-              <a:rPr lang="zh-CN" altLang="en-US" sz="1600" b="0" dirty="0" smtClean="0"/>
-              <a:t>，根据需要重写内部方法。</a:t>
-            </a:r>
-            <a:endParaRPr lang="en-US" altLang="zh-CN" sz="1600" b="0" dirty="0" smtClean="0"/>
-          </a:p>
-          <a:p>
-            <a:pPr lvl="0"/>
-            <a:r>
-              <a:rPr lang="zh-CN" altLang="zh-CN" sz="1600" b="0" dirty="0" smtClean="0"/>
+              <a:rPr kumimoji="1" lang="en-US" altLang="zh-CN" dirty="0" err="1" smtClean="0"/>
+              <a:t>SQLiteOpenHelper</a:t>
+            </a:r>
+            <a:r>
+              <a:rPr kumimoji="1" lang="en-US" altLang="zh-CN" dirty="0" smtClean="0"/>
+              <a:t>, </a:t>
+            </a:r>
+            <a:r>
+              <a:rPr kumimoji="1" lang="zh-CN" altLang="en-US" dirty="0" smtClean="0"/>
+              <a:t>该类没有无参构造函数</a:t>
+            </a:r>
+            <a:r>
+              <a:rPr kumimoji="1" lang="en-US" altLang="zh-CN" dirty="0" smtClean="0"/>
+              <a:t>, </a:t>
+            </a:r>
+            <a:r>
+              <a:rPr kumimoji="1" lang="zh-CN" altLang="en-US" dirty="0" smtClean="0"/>
+              <a:t>必须调用有参的构造函数</a:t>
+            </a:r>
+            <a:r>
+              <a:rPr kumimoji="1" lang="en-US" altLang="zh-CN" dirty="0" smtClean="0"/>
+              <a:t>, </a:t>
+            </a:r>
+            <a:r>
+              <a:rPr kumimoji="1" lang="zh-CN" altLang="en-US" dirty="0" smtClean="0"/>
+              <a:t>传入</a:t>
+            </a:r>
+            <a:r>
+              <a:rPr kumimoji="1" lang="en-US" altLang="zh-CN" dirty="0" smtClean="0"/>
+              <a:t>: </a:t>
+            </a:r>
+            <a:r>
+              <a:rPr kumimoji="1" lang="zh-CN" altLang="en-US" dirty="0" smtClean="0"/>
+              <a:t>环境对象</a:t>
+            </a:r>
+            <a:r>
+              <a:rPr kumimoji="1" lang="en-US" altLang="zh-CN" dirty="0" smtClean="0"/>
+              <a:t>, </a:t>
+            </a:r>
+            <a:r>
+              <a:rPr kumimoji="1" lang="zh-CN" altLang="en-US" dirty="0" smtClean="0"/>
+              <a:t>数据库名</a:t>
+            </a:r>
+            <a:r>
+              <a:rPr kumimoji="1" lang="en-US" altLang="zh-CN" dirty="0" smtClean="0"/>
+              <a:t>, </a:t>
+            </a:r>
+            <a:r>
+              <a:rPr kumimoji="1" lang="zh-CN" altLang="en-US" dirty="0" smtClean="0"/>
+              <a:t>游标工厂</a:t>
+            </a:r>
+            <a:r>
+              <a:rPr kumimoji="1" lang="en-US" altLang="zh-CN" dirty="0" smtClean="0"/>
+              <a:t>, </a:t>
+            </a:r>
+            <a:r>
+              <a:rPr kumimoji="1" lang="zh-CN" altLang="en-US" dirty="0" smtClean="0"/>
+              <a:t>数据库版本</a:t>
+            </a:r>
+          </a:p>
+          <a:p>
+            <a:endParaRPr kumimoji="1" lang="zh-CN" altLang="en-US" dirty="0" smtClean="0"/>
+          </a:p>
+          <a:p>
+            <a:r>
+              <a:rPr kumimoji="1" lang="zh-CN" altLang="en-US" dirty="0" smtClean="0"/>
+              <a:t>		</a:t>
+            </a:r>
+            <a:r>
+              <a:rPr kumimoji="1" lang="en-US" altLang="zh-CN" dirty="0" smtClean="0"/>
+              <a:t>/*</a:t>
+            </a:r>
+          </a:p>
+          <a:p>
+            <a:endParaRPr kumimoji="1" lang="en-US" altLang="zh-CN" dirty="0" smtClean="0"/>
+          </a:p>
+          <a:p>
+            <a:r>
+              <a:rPr kumimoji="1" lang="en-US" altLang="zh-CN" dirty="0" smtClean="0"/>
+              <a:t>		 * </a:t>
+            </a:r>
+            <a:r>
+              <a:rPr kumimoji="1" lang="zh-CN" altLang="en-US" dirty="0" smtClean="0"/>
+              <a:t>参数</a:t>
+            </a:r>
+            <a:r>
+              <a:rPr kumimoji="1" lang="en-US" altLang="zh-CN" dirty="0" smtClean="0"/>
+              <a:t>1: Context, </a:t>
+            </a:r>
+            <a:r>
+              <a:rPr kumimoji="1" lang="zh-CN" altLang="en-US" dirty="0" smtClean="0"/>
+              <a:t>用来确定数据库文件的位置</a:t>
+            </a:r>
+          </a:p>
+          <a:p>
+            <a:endParaRPr kumimoji="1" lang="zh-CN" altLang="en-US" dirty="0" smtClean="0"/>
+          </a:p>
+          <a:p>
+            <a:r>
+              <a:rPr kumimoji="1" lang="zh-CN" altLang="en-US" dirty="0" smtClean="0"/>
+              <a:t>		 * 参数</a:t>
+            </a:r>
+            <a:r>
+              <a:rPr kumimoji="1" lang="en-US" altLang="zh-CN" dirty="0" smtClean="0"/>
+              <a:t>2: </a:t>
+            </a:r>
+            <a:r>
+              <a:rPr kumimoji="1" lang="zh-CN" altLang="en-US" dirty="0" smtClean="0"/>
+              <a:t>数据库文件的名字</a:t>
+            </a:r>
+          </a:p>
+          <a:p>
+            <a:endParaRPr kumimoji="1" lang="zh-CN" altLang="en-US" dirty="0" smtClean="0"/>
+          </a:p>
+          <a:p>
+            <a:r>
+              <a:rPr kumimoji="1" lang="zh-CN" altLang="en-US" dirty="0" smtClean="0"/>
+              <a:t>		 * 参数</a:t>
+            </a:r>
+            <a:r>
+              <a:rPr kumimoji="1" lang="en-US" altLang="zh-CN" dirty="0" smtClean="0"/>
+              <a:t>3: </a:t>
+            </a:r>
+            <a:r>
+              <a:rPr kumimoji="1" lang="zh-CN" altLang="en-US" dirty="0" smtClean="0"/>
+              <a:t>用来创建游标对象的工厂</a:t>
+            </a:r>
+            <a:r>
+              <a:rPr kumimoji="1" lang="en-US" altLang="zh-CN" dirty="0" smtClean="0"/>
+              <a:t>, null</a:t>
+            </a:r>
+            <a:r>
+              <a:rPr kumimoji="1" lang="zh-CN" altLang="en-US" dirty="0" smtClean="0"/>
+              <a:t>代表使用默认工厂，游标其实就是结果集</a:t>
+            </a:r>
+          </a:p>
+          <a:p>
+            <a:endParaRPr kumimoji="1" lang="zh-CN" altLang="en-US" dirty="0" smtClean="0"/>
+          </a:p>
+          <a:p>
+            <a:r>
+              <a:rPr kumimoji="1" lang="zh-CN" altLang="en-US" dirty="0" smtClean="0"/>
+              <a:t>		 * 参数</a:t>
+            </a:r>
+            <a:r>
+              <a:rPr kumimoji="1" lang="en-US" altLang="zh-CN" dirty="0" smtClean="0"/>
+              <a:t>4: </a:t>
+            </a:r>
+            <a:r>
+              <a:rPr kumimoji="1" lang="zh-CN" altLang="en-US" dirty="0" smtClean="0"/>
+              <a:t>数据库版本</a:t>
+            </a:r>
+            <a:r>
+              <a:rPr kumimoji="1" lang="en-US" altLang="zh-CN" dirty="0" smtClean="0"/>
+              <a:t>, </a:t>
+            </a:r>
+            <a:r>
+              <a:rPr kumimoji="1" lang="zh-CN" altLang="en-US" dirty="0" smtClean="0"/>
+              <a:t>从</a:t>
+            </a:r>
+            <a:r>
+              <a:rPr kumimoji="1" lang="en-US" altLang="zh-CN" dirty="0" smtClean="0"/>
+              <a:t>1</a:t>
+            </a:r>
+            <a:r>
+              <a:rPr kumimoji="1" lang="zh-CN" altLang="en-US" dirty="0" smtClean="0"/>
+              <a:t>开始，只能升级，不能降级</a:t>
+            </a:r>
+          </a:p>
+          <a:p>
+            <a:endParaRPr kumimoji="1" lang="zh-CN" altLang="en-US" dirty="0" smtClean="0"/>
+          </a:p>
+          <a:p>
+            <a:r>
+              <a:rPr kumimoji="1" lang="zh-CN" altLang="en-US" dirty="0" smtClean="0"/>
+              <a:t>		 *</a:t>
+            </a:r>
+            <a:r>
+              <a:rPr kumimoji="1" lang="en-US" altLang="zh-CN" dirty="0" smtClean="0"/>
+              <a:t>/</a:t>
+            </a:r>
+          </a:p>
+          <a:p>
+            <a:endParaRPr kumimoji="1" lang="en-US" altLang="zh-CN" dirty="0" smtClean="0"/>
+          </a:p>
+          <a:p>
+            <a:r>
+              <a:rPr kumimoji="1" lang="en-US" altLang="zh-CN" dirty="0" smtClean="0"/>
+              <a:t>		</a:t>
+            </a:r>
+            <a:r>
+              <a:rPr kumimoji="1" lang="zh-CN" altLang="en-US" dirty="0" smtClean="0"/>
+              <a:t>重写</a:t>
+            </a:r>
+            <a:r>
+              <a:rPr kumimoji="1" lang="en-US" altLang="zh-CN" dirty="0" smtClean="0"/>
               <a:t>2</a:t>
             </a:r>
             <a:r>
-              <a:rPr lang="en-US" altLang="zh-CN" sz="1600" b="0" dirty="0" smtClean="0"/>
-              <a:t>.</a:t>
-            </a:r>
-            <a:r>
-              <a:rPr lang="zh-CN" altLang="en-US" sz="1600" b="0" dirty="0" smtClean="0"/>
-              <a:t>在清单文件中使用</a:t>
-            </a:r>
-            <a:r>
-              <a:rPr lang="en-US" altLang="zh-CN" sz="1600" b="0" dirty="0" smtClean="0"/>
-              <a:t>&lt;provider&gt;</a:t>
-            </a:r>
-            <a:r>
-              <a:rPr lang="zh-CN" altLang="en-US" sz="1600" b="0" dirty="0" smtClean="0"/>
-              <a:t>进行配置，需要指定</a:t>
-            </a:r>
-            <a:r>
-              <a:rPr lang="en-US" altLang="zh-CN" sz="1600" b="0" dirty="0" smtClean="0"/>
-              <a:t>name</a:t>
-            </a:r>
-            <a:r>
-              <a:rPr lang="zh-CN" altLang="en-US" sz="1600" b="0" dirty="0" smtClean="0"/>
-              <a:t>和</a:t>
-            </a:r>
-            <a:r>
-              <a:rPr lang="en-US" altLang="zh-CN" sz="1600" b="0" dirty="0" smtClean="0"/>
-              <a:t>authorities</a:t>
-            </a:r>
-            <a:r>
-              <a:rPr lang="zh-CN" altLang="en-US" sz="1600" b="0" dirty="0" smtClean="0"/>
-              <a:t>属性。</a:t>
-            </a:r>
-            <a:endParaRPr lang="en-US" altLang="zh-CN" sz="1600" b="0" dirty="0" smtClean="0"/>
-          </a:p>
-          <a:p>
-            <a:pPr lvl="0"/>
-            <a:r>
-              <a:rPr lang="en-US" altLang="zh-CN" sz="1600" b="0" dirty="0" smtClean="0"/>
-              <a:t>	name</a:t>
-            </a:r>
-            <a:r>
-              <a:rPr lang="zh-CN" altLang="en-US" sz="1600" b="0" dirty="0" smtClean="0"/>
-              <a:t> ：</a:t>
-            </a:r>
-            <a:r>
-              <a:rPr lang="en-US" altLang="zh-CN" sz="1600" b="0" dirty="0" err="1" smtClean="0"/>
-              <a:t>ContentProvider</a:t>
-            </a:r>
-            <a:r>
-              <a:rPr lang="zh-CN" altLang="en-US" sz="1600" b="0" dirty="0" smtClean="0"/>
-              <a:t>的名称 </a:t>
-            </a:r>
-            <a:endParaRPr lang="en-US" altLang="zh-CN" sz="1600" b="0" dirty="0" smtClean="0"/>
-          </a:p>
-          <a:p>
-            <a:pPr lvl="0"/>
-            <a:r>
-              <a:rPr lang="en-US" altLang="zh-CN" sz="1600" b="0" dirty="0" smtClean="0"/>
-              <a:t>	authorities</a:t>
-            </a:r>
-            <a:r>
-              <a:rPr lang="zh-CN" altLang="en-US" sz="1600" b="0" dirty="0" smtClean="0"/>
-              <a:t> </a:t>
-            </a:r>
-            <a:r>
-              <a:rPr lang="en-US" altLang="zh-CN" sz="1600" b="0" dirty="0" smtClean="0"/>
-              <a:t>:</a:t>
-            </a:r>
-            <a:r>
-              <a:rPr lang="zh-CN" altLang="en-US" sz="1600" b="0" dirty="0" smtClean="0"/>
-              <a:t> 是访问</a:t>
-            </a:r>
-            <a:r>
-              <a:rPr lang="en-US" altLang="zh-CN" sz="1600" b="0" dirty="0" smtClean="0"/>
-              <a:t>Provider</a:t>
-            </a:r>
-            <a:r>
-              <a:rPr lang="zh-CN" altLang="en-US" sz="1600" b="0" dirty="0" smtClean="0"/>
-              <a:t>时的路径，要唯一。</a:t>
-            </a:r>
-            <a:endParaRPr lang="en-US" altLang="zh-CN" sz="1600" b="0" dirty="0" smtClean="0"/>
-          </a:p>
-          <a:p>
-            <a:pPr lvl="0"/>
-            <a:r>
-              <a:rPr lang="zh-CN" altLang="zh-CN" sz="1600" b="0" dirty="0" smtClean="0"/>
-              <a:t>3</a:t>
-            </a:r>
-            <a:r>
-              <a:rPr lang="en-US" altLang="zh-CN" sz="1600" b="0" dirty="0" smtClean="0"/>
-              <a:t>.URI</a:t>
-            </a:r>
-            <a:r>
-              <a:rPr lang="zh-CN" altLang="en-US" sz="1600" b="0" dirty="0" smtClean="0"/>
-              <a:t> 代表要操作数据的路径，由</a:t>
-            </a:r>
-            <a:r>
-              <a:rPr lang="en-US" altLang="zh-CN" sz="1600" b="0" dirty="0" smtClean="0"/>
-              <a:t>scheme</a:t>
-            </a:r>
-            <a:r>
-              <a:rPr lang="zh-CN" altLang="en-US" sz="1600" b="0" dirty="0" smtClean="0"/>
-              <a:t>、</a:t>
-            </a:r>
-            <a:r>
-              <a:rPr lang="en-US" altLang="zh-CN" sz="1600" b="0" dirty="0" smtClean="0"/>
-              <a:t>authorities</a:t>
-            </a:r>
-            <a:r>
-              <a:rPr lang="zh-CN" altLang="en-US" sz="1600" b="0" dirty="0" smtClean="0"/>
-              <a:t>、</a:t>
-            </a:r>
-            <a:r>
-              <a:rPr lang="en-US" altLang="zh-CN" sz="1600" b="0" dirty="0" smtClean="0"/>
-              <a:t>path</a:t>
-            </a:r>
-            <a:r>
-              <a:rPr lang="zh-CN" altLang="en-US" sz="1600" b="0" dirty="0" smtClean="0"/>
-              <a:t>三部分组成。</a:t>
-            </a:r>
-            <a:endParaRPr lang="en-US" altLang="zh-CN" sz="1600" b="0" dirty="0" smtClean="0"/>
-          </a:p>
-          <a:p>
-            <a:pPr lvl="0"/>
-            <a:endParaRPr lang="en-US" altLang="zh-CN" sz="1600" b="0" dirty="0" smtClean="0"/>
-          </a:p>
-          <a:p>
-            <a:pPr lvl="0"/>
-            <a:r>
-              <a:rPr lang="zh-CN" altLang="en-US" sz="1600" b="1" dirty="0" smtClean="0"/>
-              <a:t>访问内容提供者：</a:t>
-            </a:r>
-            <a:endParaRPr lang="en-US" altLang="zh-CN" sz="1600" b="1" dirty="0" smtClean="0"/>
-          </a:p>
-          <a:p>
-            <a:pPr lvl="0"/>
-            <a:r>
-              <a:rPr lang="zh-CN" altLang="zh-CN" sz="1600" b="0" dirty="0" smtClean="0"/>
-              <a:t>1</a:t>
-            </a:r>
-            <a:r>
-              <a:rPr lang="en-US" altLang="zh-CN" sz="1600" b="0" dirty="0" smtClean="0"/>
-              <a:t>.</a:t>
-            </a:r>
-            <a:r>
-              <a:rPr lang="zh-CN" altLang="en-US" sz="1600" b="0" dirty="0" smtClean="0"/>
-              <a:t>通过</a:t>
-            </a:r>
-            <a:r>
-              <a:rPr lang="en-US" altLang="zh-CN" sz="1600" b="0" dirty="0" smtClean="0"/>
-              <a:t>Context</a:t>
-            </a:r>
-            <a:r>
-              <a:rPr lang="zh-CN" altLang="en-US" sz="1600" b="0" dirty="0" smtClean="0"/>
-              <a:t>获得</a:t>
-            </a:r>
-            <a:r>
-              <a:rPr lang="en-US" altLang="zh-CN" sz="1600" b="0" dirty="0" err="1" smtClean="0"/>
-              <a:t>ContentResolver</a:t>
-            </a:r>
-            <a:r>
-              <a:rPr lang="zh-CN" altLang="en-US" sz="1600" b="0" dirty="0" smtClean="0"/>
-              <a:t>对象。</a:t>
-            </a:r>
-            <a:endParaRPr lang="en-US" altLang="zh-CN" sz="1600" b="0" dirty="0" smtClean="0"/>
-          </a:p>
-          <a:p>
-            <a:pPr lvl="0"/>
-            <a:r>
-              <a:rPr lang="zh-CN" altLang="zh-CN" sz="1600" b="0" dirty="0" smtClean="0"/>
-              <a:t>2</a:t>
-            </a:r>
-            <a:r>
-              <a:rPr lang="en-US" altLang="zh-CN" sz="1600" b="0" dirty="0" smtClean="0"/>
-              <a:t>. </a:t>
-            </a:r>
-            <a:r>
-              <a:rPr lang="zh-CN" altLang="en-US" sz="1600" b="0" dirty="0" smtClean="0"/>
+              <a:rPr kumimoji="1" lang="zh-CN" altLang="en-US" dirty="0" smtClean="0"/>
+              <a:t>个抽象方法</a:t>
+            </a:r>
+          </a:p>
+          <a:p>
+            <a:endParaRPr kumimoji="1" lang="en-US" altLang="zh-CN" dirty="0" smtClean="0"/>
+          </a:p>
+          <a:p>
+            <a:r>
+              <a:rPr kumimoji="1" lang="en-US" altLang="zh-CN" dirty="0" smtClean="0"/>
+              <a:t>		</a:t>
+            </a:r>
+            <a:r>
+              <a:rPr kumimoji="1" lang="zh-CN" altLang="en-US" dirty="0" smtClean="0"/>
+              <a:t>创建该类对象</a:t>
+            </a:r>
+            <a:r>
+              <a:rPr kumimoji="1" lang="en-US" altLang="zh-CN" dirty="0" smtClean="0"/>
+              <a:t>, </a:t>
+            </a:r>
+            <a:r>
+              <a:rPr kumimoji="1" lang="zh-CN" altLang="en-US" dirty="0" smtClean="0"/>
               <a:t>调用</a:t>
             </a:r>
             <a:r>
-              <a:rPr lang="en-US" altLang="zh-CN" sz="1600" b="0" dirty="0" err="1" smtClean="0"/>
-              <a:t>ContentResolver</a:t>
-            </a:r>
-            <a:r>
-              <a:rPr lang="zh-CN" altLang="en-US" sz="1600" b="0" dirty="0" smtClean="0"/>
-              <a:t>对象的方法获取内容提供者</a:t>
-            </a:r>
-            <a:endParaRPr lang="en-US" altLang="zh-CN" sz="1600" b="0" dirty="0" smtClean="0"/>
-          </a:p>
-          <a:p>
-            <a:pPr lvl="0"/>
-            <a:endParaRPr lang="en-US" altLang="zh-CN" sz="1600" b="1" dirty="0" smtClean="0"/>
-          </a:p>
-          <a:p>
-            <a:pPr lvl="0"/>
-            <a:r>
-              <a:rPr lang="zh-CN" altLang="en-US" sz="1600" b="1" dirty="0" smtClean="0"/>
-              <a:t>完成</a:t>
-            </a:r>
-            <a:r>
-              <a:rPr lang="en-US" altLang="zh-CN" sz="1600" b="1" dirty="0" err="1" smtClean="0"/>
-              <a:t>getType</a:t>
-            </a:r>
-            <a:r>
-              <a:rPr lang="zh-CN" altLang="en-US" sz="1600" b="1" dirty="0" smtClean="0"/>
-              <a:t>方法：</a:t>
-            </a:r>
-            <a:endParaRPr lang="en-US" altLang="zh-CN" sz="1600" b="1" dirty="0" smtClean="0"/>
-          </a:p>
-          <a:p>
-            <a:pPr lvl="0"/>
-            <a:r>
-              <a:rPr lang="zh-CN" altLang="en-US" sz="1600" b="0" dirty="0" smtClean="0"/>
-              <a:t>如果返回数据是单条：</a:t>
+              <a:rPr kumimoji="1" lang="en-US" altLang="zh-CN" dirty="0" err="1" smtClean="0"/>
+              <a:t>getWriteableDatbase</a:t>
+            </a:r>
+            <a:r>
+              <a:rPr kumimoji="1" lang="en-US" altLang="zh-CN" dirty="0" smtClean="0"/>
+              <a:t>()</a:t>
+            </a:r>
+            <a:r>
+              <a:rPr kumimoji="1" lang="zh-CN" altLang="en-US" dirty="0" smtClean="0"/>
+              <a:t>或者</a:t>
+            </a:r>
+            <a:r>
+              <a:rPr kumimoji="1" lang="en-US" altLang="zh-CN" dirty="0" err="1" smtClean="0"/>
+              <a:t>getReadableDatabase</a:t>
+            </a:r>
+            <a:r>
+              <a:rPr kumimoji="1" lang="en-US" altLang="zh-CN" dirty="0" smtClean="0"/>
+              <a:t>()</a:t>
+            </a:r>
+            <a:r>
+              <a:rPr kumimoji="1" lang="zh-CN" altLang="en-US" dirty="0" smtClean="0"/>
+              <a:t>方法即可获取到</a:t>
+            </a:r>
+            <a:r>
+              <a:rPr kumimoji="1" lang="en-US" altLang="zh-CN" dirty="0" err="1" smtClean="0"/>
+              <a:t>SQLiteDatabase</a:t>
+            </a:r>
+            <a:r>
+              <a:rPr kumimoji="1" lang="zh-CN" altLang="en-US" dirty="0" smtClean="0"/>
+              <a:t>对象</a:t>
+            </a:r>
+            <a:r>
+              <a:rPr kumimoji="1" lang="en-US" altLang="zh-CN" dirty="0" smtClean="0"/>
+              <a:t>, </a:t>
+            </a:r>
+            <a:r>
+              <a:rPr kumimoji="1" lang="zh-CN" altLang="en-US" dirty="0" smtClean="0"/>
+              <a:t>该对象就可以执行</a:t>
+            </a:r>
+            <a:r>
+              <a:rPr kumimoji="1" lang="en-US" altLang="zh-CN" dirty="0" smtClean="0"/>
+              <a:t>SQL</a:t>
+            </a:r>
+            <a:r>
+              <a:rPr kumimoji="1" lang="zh-CN" altLang="en-US" dirty="0" smtClean="0"/>
+              <a:t>语句了</a:t>
+            </a:r>
+          </a:p>
+          <a:p>
+            <a:endParaRPr kumimoji="1" lang="zh-CN" altLang="en-US" dirty="0" smtClean="0"/>
+          </a:p>
+          <a:p>
+            <a:r>
+              <a:rPr kumimoji="1" lang="zh-CN" altLang="en-US" dirty="0" smtClean="0"/>
+              <a:t>		调用以上两个方法时</a:t>
+            </a:r>
+            <a:r>
+              <a:rPr kumimoji="1" lang="en-US" altLang="zh-CN" dirty="0" smtClean="0"/>
+              <a:t>, </a:t>
+            </a:r>
+            <a:r>
+              <a:rPr kumimoji="1" lang="zh-CN" altLang="en-US" dirty="0" smtClean="0"/>
+              <a:t>会执行</a:t>
+            </a:r>
+            <a:r>
+              <a:rPr kumimoji="1" lang="en-US" altLang="zh-CN" dirty="0" err="1" smtClean="0"/>
+              <a:t>onCreate</a:t>
+            </a:r>
+            <a:r>
+              <a:rPr kumimoji="1" lang="en-US" altLang="zh-CN" dirty="0" smtClean="0"/>
+              <a:t>()</a:t>
+            </a:r>
+            <a:r>
+              <a:rPr kumimoji="1" lang="zh-CN" altLang="en-US" dirty="0" smtClean="0"/>
+              <a:t>或者</a:t>
+            </a:r>
+            <a:r>
+              <a:rPr kumimoji="1" lang="en-US" altLang="zh-CN" dirty="0" err="1" smtClean="0"/>
+              <a:t>onUpgrade</a:t>
+            </a:r>
+            <a:r>
+              <a:rPr kumimoji="1" lang="en-US" altLang="zh-CN" dirty="0" smtClean="0"/>
+              <a:t>()</a:t>
+            </a:r>
+          </a:p>
+          <a:p>
+            <a:endParaRPr kumimoji="1" lang="en-US" altLang="zh-CN" dirty="0" smtClean="0"/>
+          </a:p>
+          <a:p>
+            <a:r>
+              <a:rPr kumimoji="1" lang="en-US" altLang="zh-CN" dirty="0" smtClean="0"/>
+              <a:t>			</a:t>
+            </a:r>
+            <a:r>
+              <a:rPr kumimoji="1" lang="zh-CN" altLang="en-US" dirty="0" smtClean="0"/>
+              <a:t>情况</a:t>
+            </a:r>
+            <a:r>
+              <a:rPr kumimoji="1" lang="en-US" altLang="zh-CN" dirty="0" smtClean="0"/>
+              <a:t>1: </a:t>
+            </a:r>
+            <a:r>
+              <a:rPr kumimoji="1" lang="zh-CN" altLang="en-US" dirty="0" smtClean="0"/>
+              <a:t>数据库不存在</a:t>
+            </a:r>
+            <a:r>
+              <a:rPr kumimoji="1" lang="en-US" altLang="zh-CN" dirty="0" smtClean="0"/>
+              <a:t>, </a:t>
+            </a:r>
+            <a:r>
+              <a:rPr kumimoji="1" lang="zh-CN" altLang="en-US" dirty="0" smtClean="0"/>
+              <a:t>创建数据库</a:t>
+            </a:r>
+            <a:r>
+              <a:rPr kumimoji="1" lang="en-US" altLang="zh-CN" dirty="0" smtClean="0"/>
+              <a:t>, </a:t>
+            </a:r>
+            <a:r>
+              <a:rPr kumimoji="1" lang="zh-CN" altLang="en-US" dirty="0" smtClean="0"/>
+              <a:t>执行</a:t>
+            </a:r>
+            <a:r>
+              <a:rPr kumimoji="1" lang="en-US" altLang="zh-CN" dirty="0" err="1" smtClean="0"/>
+              <a:t>onCreate</a:t>
+            </a:r>
+            <a:r>
+              <a:rPr kumimoji="1" lang="en-US" altLang="zh-CN" dirty="0" smtClean="0"/>
+              <a:t>()</a:t>
+            </a:r>
+            <a:r>
+              <a:rPr kumimoji="1" lang="zh-CN" altLang="en-US" dirty="0" smtClean="0"/>
+              <a:t>方法</a:t>
+            </a:r>
+          </a:p>
+          <a:p>
+            <a:endParaRPr kumimoji="1" lang="zh-CN" altLang="en-US" dirty="0" smtClean="0"/>
+          </a:p>
+          <a:p>
+            <a:r>
+              <a:rPr kumimoji="1" lang="zh-CN" altLang="en-US" dirty="0" smtClean="0"/>
+              <a:t>			情况</a:t>
+            </a:r>
+            <a:r>
+              <a:rPr kumimoji="1" lang="en-US" altLang="zh-CN" dirty="0" smtClean="0"/>
+              <a:t>2: </a:t>
+            </a:r>
+            <a:r>
+              <a:rPr kumimoji="1" lang="zh-CN" altLang="en-US" dirty="0" smtClean="0"/>
+              <a:t>数据库存在</a:t>
+            </a:r>
+            <a:r>
+              <a:rPr kumimoji="1" lang="en-US" altLang="zh-CN" dirty="0" smtClean="0"/>
+              <a:t>, </a:t>
+            </a:r>
+            <a:r>
+              <a:rPr kumimoji="1" lang="zh-CN" altLang="en-US" dirty="0" smtClean="0"/>
+              <a:t>版本没变</a:t>
+            </a:r>
+            <a:r>
+              <a:rPr kumimoji="1" lang="en-US" altLang="zh-CN" dirty="0" smtClean="0"/>
+              <a:t>, </a:t>
+            </a:r>
+            <a:r>
+              <a:rPr kumimoji="1" lang="zh-CN" altLang="en-US" dirty="0" smtClean="0"/>
+              <a:t>直接打开数据库</a:t>
+            </a:r>
+            <a:r>
+              <a:rPr kumimoji="1" lang="en-US" altLang="zh-CN" dirty="0" smtClean="0"/>
+              <a:t>, </a:t>
+            </a:r>
+            <a:r>
+              <a:rPr kumimoji="1" lang="zh-CN" altLang="en-US" dirty="0" smtClean="0"/>
+              <a:t>不执行任何方法 </a:t>
+            </a:r>
+          </a:p>
+          <a:p>
+            <a:endParaRPr kumimoji="1" lang="zh-CN" altLang="en-US" dirty="0" smtClean="0"/>
+          </a:p>
+          <a:p>
+            <a:r>
+              <a:rPr kumimoji="1" lang="zh-CN" altLang="en-US" dirty="0" smtClean="0"/>
+              <a:t>			情况</a:t>
+            </a:r>
+            <a:r>
+              <a:rPr kumimoji="1" lang="en-US" altLang="zh-CN" dirty="0" smtClean="0"/>
+              <a:t>3: </a:t>
+            </a:r>
+            <a:r>
+              <a:rPr kumimoji="1" lang="zh-CN" altLang="en-US" dirty="0" smtClean="0"/>
+              <a:t>数据库存在</a:t>
+            </a:r>
+            <a:r>
+              <a:rPr kumimoji="1" lang="en-US" altLang="zh-CN" dirty="0" smtClean="0"/>
+              <a:t>, </a:t>
+            </a:r>
+            <a:r>
+              <a:rPr kumimoji="1" lang="zh-CN" altLang="en-US" dirty="0" smtClean="0"/>
+              <a:t>版本改变</a:t>
+            </a:r>
+            <a:r>
+              <a:rPr kumimoji="1" lang="en-US" altLang="zh-CN" dirty="0" smtClean="0"/>
+              <a:t>, </a:t>
+            </a:r>
+            <a:r>
+              <a:rPr kumimoji="1" lang="zh-CN" altLang="en-US" dirty="0" smtClean="0"/>
+              <a:t>打开数据库</a:t>
+            </a:r>
+            <a:r>
+              <a:rPr kumimoji="1" lang="en-US" altLang="zh-CN" dirty="0" smtClean="0"/>
+              <a:t>, </a:t>
+            </a:r>
+            <a:r>
+              <a:rPr kumimoji="1" lang="zh-CN" altLang="en-US" dirty="0" smtClean="0"/>
+              <a:t>执行</a:t>
+            </a:r>
+            <a:r>
+              <a:rPr kumimoji="1" lang="en-US" altLang="zh-CN" dirty="0" err="1" smtClean="0"/>
+              <a:t>onUpgrade</a:t>
+            </a:r>
+            <a:r>
+              <a:rPr kumimoji="1" lang="en-US" altLang="zh-CN" dirty="0" smtClean="0"/>
+              <a:t>()</a:t>
+            </a:r>
+            <a:r>
+              <a:rPr kumimoji="1" lang="zh-CN" altLang="en-US" dirty="0" smtClean="0"/>
+              <a:t>方法</a:t>
+            </a:r>
+          </a:p>
+          <a:p>
+            <a:endParaRPr kumimoji="1" lang="zh-CN" altLang="en-US" dirty="0" smtClean="0"/>
+          </a:p>
+          <a:p>
+            <a:r>
+              <a:rPr kumimoji="1" lang="zh-CN" altLang="en-US" dirty="0" smtClean="0"/>
+              <a:t>		通常我们把创建表的代码放在</a:t>
+            </a:r>
+            <a:r>
+              <a:rPr kumimoji="1" lang="en-US" altLang="zh-CN" dirty="0" err="1" smtClean="0"/>
+              <a:t>onCreate</a:t>
+            </a:r>
+            <a:r>
+              <a:rPr kumimoji="1" lang="en-US" altLang="zh-CN" dirty="0" smtClean="0"/>
+              <a:t>()</a:t>
+            </a:r>
+            <a:r>
+              <a:rPr kumimoji="1" lang="zh-CN" altLang="en-US" dirty="0" smtClean="0"/>
+              <a:t>中</a:t>
+            </a:r>
+            <a:r>
+              <a:rPr kumimoji="1" lang="en-US" altLang="zh-CN" dirty="0" smtClean="0"/>
+              <a:t>, </a:t>
+            </a:r>
+            <a:r>
+              <a:rPr kumimoji="1" lang="zh-CN" altLang="en-US" dirty="0" smtClean="0"/>
+              <a:t>这样在数据创建时就会创建表</a:t>
+            </a:r>
+          </a:p>
+          <a:p>
+            <a:endParaRPr kumimoji="1" lang="zh-CN" altLang="en-US" dirty="0" smtClean="0"/>
+          </a:p>
+          <a:p>
+            <a:r>
+              <a:rPr kumimoji="1" lang="zh-CN" altLang="en-US" dirty="0" smtClean="0"/>
+              <a:t>		把更新表的代码放在</a:t>
+            </a:r>
+            <a:r>
+              <a:rPr kumimoji="1" lang="en-US" altLang="zh-CN" dirty="0" err="1" smtClean="0"/>
+              <a:t>onUpgrade</a:t>
+            </a:r>
+            <a:r>
+              <a:rPr kumimoji="1" lang="en-US" altLang="zh-CN" dirty="0" smtClean="0"/>
+              <a:t>()</a:t>
+            </a:r>
+            <a:r>
+              <a:rPr kumimoji="1" lang="zh-CN" altLang="en-US" dirty="0" smtClean="0"/>
+              <a:t>中</a:t>
+            </a:r>
+            <a:r>
+              <a:rPr kumimoji="1" lang="en-US" altLang="zh-CN" dirty="0" smtClean="0"/>
+              <a:t>, </a:t>
+            </a:r>
+            <a:r>
+              <a:rPr kumimoji="1" lang="zh-CN" altLang="en-US" dirty="0" smtClean="0"/>
+              <a:t>如果希望更新</a:t>
+            </a:r>
+            <a:r>
+              <a:rPr kumimoji="1" lang="en-US" altLang="zh-CN" dirty="0" smtClean="0"/>
+              <a:t>, </a:t>
+            </a:r>
+            <a:r>
+              <a:rPr kumimoji="1" lang="zh-CN" altLang="en-US" dirty="0" smtClean="0"/>
+              <a:t>修改版本号</a:t>
+            </a:r>
+            <a:r>
+              <a:rPr kumimoji="1" lang="en-US" altLang="zh-CN" dirty="0" smtClean="0"/>
+              <a:t>, </a:t>
+            </a:r>
+            <a:r>
+              <a:rPr kumimoji="1" lang="zh-CN" altLang="en-US" dirty="0" smtClean="0"/>
+              <a:t>再次执行</a:t>
+            </a:r>
+            <a:r>
+              <a:rPr kumimoji="1" lang="en-US" altLang="zh-CN" dirty="0" err="1" smtClean="0"/>
+              <a:t>getWriteableDatbase</a:t>
+            </a:r>
+            <a:r>
+              <a:rPr kumimoji="1" lang="en-US" altLang="zh-CN" dirty="0" smtClean="0"/>
+              <a:t>()</a:t>
+            </a:r>
+            <a:r>
+              <a:rPr kumimoji="1" lang="zh-CN" altLang="en-US" dirty="0" smtClean="0"/>
+              <a:t>或者</a:t>
+            </a:r>
+            <a:r>
+              <a:rPr kumimoji="1" lang="en-US" altLang="zh-CN" dirty="0" err="1" smtClean="0"/>
+              <a:t>getReadableDatabase</a:t>
+            </a:r>
+            <a:r>
+              <a:rPr kumimoji="1" lang="en-US" altLang="zh-CN" dirty="0" smtClean="0"/>
+              <a:t>()</a:t>
+            </a:r>
+            <a:r>
+              <a:rPr kumimoji="1" lang="zh-CN" altLang="en-US" dirty="0" smtClean="0"/>
+              <a:t>方法时就会更新表</a:t>
+            </a:r>
+            <a:endParaRPr kumimoji="1" lang="en-US" altLang="zh-CN" dirty="0" smtClean="0"/>
+          </a:p>
+          <a:p>
+            <a:endParaRPr kumimoji="1" lang="en-US" altLang="zh-CN" dirty="0" smtClean="0"/>
+          </a:p>
+          <a:p>
+            <a:endParaRPr kumimoji="1" lang="en-US" altLang="zh-CN" dirty="0" smtClean="0"/>
+          </a:p>
+          <a:p>
+            <a:endParaRPr kumimoji="1" lang="en-US" altLang="zh-CN" dirty="0" smtClean="0"/>
+          </a:p>
+          <a:p>
+            <a:r>
+              <a:rPr lang="en-US" altLang="zh-CN" sz="1200" kern="1200" dirty="0" smtClean="0">
+                <a:solidFill>
+                  <a:schemeClr val="tx1"/>
+                </a:solidFill>
+                <a:latin typeface="+mn-lt"/>
+                <a:ea typeface="+mn-ea"/>
+                <a:cs typeface="+mn-cs"/>
+              </a:rPr>
+              <a:t>//</a:t>
+            </a:r>
+            <a:r>
+              <a:rPr lang="zh-CN" altLang="en-US" sz="1200" kern="1200" dirty="0" smtClean="0">
+                <a:solidFill>
+                  <a:schemeClr val="tx1"/>
+                </a:solidFill>
+                <a:latin typeface="+mn-lt"/>
+                <a:ea typeface="+mn-ea"/>
+                <a:cs typeface="+mn-cs"/>
+              </a:rPr>
+              <a:t>表名，列名（任意一列的列名，为了对应</a:t>
             </a:r>
             <a:r>
               <a:rPr lang="en-US" altLang="zh-CN" sz="1200" kern="1200" dirty="0" err="1" smtClean="0">
                 <a:solidFill>
                   <a:schemeClr val="tx1"/>
                 </a:solidFill>
-                <a:effectLst/>
-                <a:latin typeface="+mn-lt"/>
-                <a:ea typeface="+mn-ea"/>
-                <a:cs typeface="+mn-cs"/>
-              </a:rPr>
-              <a:t>vnd.android.cursor.item</a:t>
+                <a:latin typeface="+mn-lt"/>
+                <a:ea typeface="+mn-ea"/>
+                <a:cs typeface="+mn-cs"/>
+              </a:rPr>
+              <a:t>ContentValues</a:t>
+            </a:r>
+            <a:r>
+              <a:rPr lang="zh-CN" altLang="en-US" sz="1200" kern="1200" dirty="0" smtClean="0">
+                <a:solidFill>
+                  <a:schemeClr val="tx1"/>
+                </a:solidFill>
+                <a:latin typeface="+mn-lt"/>
+                <a:ea typeface="+mn-ea"/>
+                <a:cs typeface="+mn-cs"/>
+              </a:rPr>
+              <a:t>没有值的情况），插入的数据</a:t>
+            </a:r>
+          </a:p>
+          <a:p>
+            <a:r>
+              <a:rPr lang="en-US" altLang="zh-CN" sz="1200" kern="1200" dirty="0" err="1" smtClean="0">
+                <a:solidFill>
+                  <a:schemeClr val="tx1"/>
+                </a:solidFill>
+                <a:latin typeface="+mn-lt"/>
+                <a:ea typeface="+mn-ea"/>
+                <a:cs typeface="+mn-cs"/>
+              </a:rPr>
+              <a:t>db.insert</a:t>
             </a:r>
             <a:r>
               <a:rPr lang="en-US" altLang="zh-CN" sz="1200" kern="1200" dirty="0" smtClean="0">
                 <a:solidFill>
                   <a:schemeClr val="tx1"/>
                 </a:solidFill>
-                <a:effectLst/>
-                <a:latin typeface="+mn-lt"/>
-                <a:ea typeface="+mn-ea"/>
-                <a:cs typeface="+mn-cs"/>
-              </a:rPr>
-              <a:t> </a:t>
-            </a:r>
-          </a:p>
-          <a:p>
-            <a:pPr marL="0" marR="0" lvl="0" indent="0" algn="l" defTabSz="457200" rtl="0" eaLnBrk="1" fontAlgn="auto" latinLnBrk="0" hangingPunct="1">
-              <a:lnSpc>
-                <a:spcPct val="100000"/>
-              </a:lnSpc>
-              <a:spcBef>
-                <a:spcPts val="0"/>
-              </a:spcBef>
-              <a:spcAft>
-                <a:spcPts val="0"/>
-              </a:spcAft>
-              <a:buClrTx/>
-              <a:buSzTx/>
-              <a:buFontTx/>
-              <a:buNone/>
-              <a:tabLst/>
-              <a:defRPr/>
-            </a:pPr>
-            <a:r>
-              <a:rPr lang="zh-CN" altLang="en-US" sz="1200" b="0" kern="1200" dirty="0" smtClean="0">
-                <a:solidFill>
-                  <a:schemeClr val="tx1"/>
-                </a:solidFill>
-                <a:effectLst/>
-                <a:latin typeface="+mn-lt"/>
-                <a:ea typeface="+mn-ea"/>
-                <a:cs typeface="+mn-cs"/>
-              </a:rPr>
-              <a:t>如果返回数据是多条：</a:t>
-            </a:r>
-            <a:r>
-              <a:rPr lang="en-US" altLang="zh-CN" sz="1200" kern="1200" dirty="0" err="1" smtClean="0">
-                <a:solidFill>
-                  <a:schemeClr val="tx1"/>
-                </a:solidFill>
-                <a:effectLst/>
-                <a:latin typeface="+mn-lt"/>
-                <a:ea typeface="+mn-ea"/>
-                <a:cs typeface="+mn-cs"/>
-              </a:rPr>
-              <a:t>vnd.android.cursor.dir</a:t>
-            </a:r>
-            <a:endParaRPr lang="en-US" altLang="zh-CN" sz="1200" kern="1200" dirty="0" smtClean="0">
+                <a:latin typeface="+mn-lt"/>
+                <a:ea typeface="+mn-ea"/>
+                <a:cs typeface="+mn-cs"/>
+              </a:rPr>
+              <a:t>(</a:t>
+            </a:r>
+            <a:r>
+              <a:rPr lang="en-US" altLang="zh-CN" sz="1200" u="sng" kern="1200" dirty="0" smtClean="0">
+                <a:solidFill>
+                  <a:schemeClr val="tx1"/>
+                </a:solidFill>
+                <a:latin typeface="+mn-lt"/>
+                <a:ea typeface="+mn-ea"/>
+                <a:cs typeface="+mn-cs"/>
+              </a:rPr>
+              <a:t>table, </a:t>
+            </a:r>
+            <a:r>
+              <a:rPr lang="en-US" altLang="zh-CN" sz="1200" u="sng" kern="1200" dirty="0" err="1" smtClean="0">
+                <a:solidFill>
+                  <a:schemeClr val="tx1"/>
+                </a:solidFill>
+                <a:latin typeface="+mn-lt"/>
+                <a:ea typeface="+mn-ea"/>
+                <a:cs typeface="+mn-cs"/>
+              </a:rPr>
+              <a:t>nullColumnHack</a:t>
+            </a:r>
+            <a:r>
+              <a:rPr lang="en-US" altLang="zh-CN" sz="1200" u="sng" kern="1200" dirty="0" smtClean="0">
+                <a:solidFill>
+                  <a:schemeClr val="tx1"/>
+                </a:solidFill>
+                <a:latin typeface="+mn-lt"/>
+                <a:ea typeface="+mn-ea"/>
+                <a:cs typeface="+mn-cs"/>
+              </a:rPr>
+              <a:t>, values)</a:t>
+            </a:r>
+          </a:p>
+          <a:p>
+            <a:endParaRPr lang="en-US" altLang="zh-CN" sz="1200" u="sng" kern="1200" dirty="0" smtClean="0">
               <a:solidFill>
                 <a:schemeClr val="tx1"/>
               </a:solidFill>
-              <a:effectLst/>
               <a:latin typeface="+mn-lt"/>
               <a:ea typeface="+mn-ea"/>
               <a:cs typeface="+mn-cs"/>
             </a:endParaRPr>
           </a:p>
           <a:p>
-            <a:pPr marL="0" marR="0" lvl="0" indent="0" algn="l" defTabSz="457200" rtl="0" eaLnBrk="1" fontAlgn="auto" latinLnBrk="0" hangingPunct="1">
-              <a:lnSpc>
-                <a:spcPct val="100000"/>
-              </a:lnSpc>
-              <a:spcBef>
-                <a:spcPts val="0"/>
-              </a:spcBef>
-              <a:spcAft>
-                <a:spcPts val="0"/>
-              </a:spcAft>
-              <a:buClrTx/>
-              <a:buSzTx/>
-              <a:buFontTx/>
-              <a:buNone/>
-              <a:tabLst/>
-              <a:defRPr/>
-            </a:pPr>
-            <a:endParaRPr lang="en-US" altLang="zh-CN" sz="1200" b="1" kern="1200" dirty="0" smtClean="0">
+            <a:r>
+              <a:rPr lang="en-US" altLang="zh-CN" sz="1200" kern="1200" dirty="0" smtClean="0">
+                <a:solidFill>
+                  <a:schemeClr val="tx1"/>
+                </a:solidFill>
+                <a:latin typeface="+mn-lt"/>
+                <a:ea typeface="+mn-ea"/>
+                <a:cs typeface="+mn-cs"/>
+              </a:rPr>
+              <a:t>//</a:t>
+            </a:r>
+            <a:r>
+              <a:rPr lang="zh-CN" altLang="en-US" sz="1200" kern="1200" dirty="0" smtClean="0">
+                <a:solidFill>
+                  <a:schemeClr val="tx1"/>
+                </a:solidFill>
+                <a:latin typeface="+mn-lt"/>
+                <a:ea typeface="+mn-ea"/>
+                <a:cs typeface="+mn-cs"/>
+              </a:rPr>
+              <a:t>表名，删除条件，条件对应的值</a:t>
+            </a:r>
+          </a:p>
+          <a:p>
+            <a:r>
+              <a:rPr lang="en-US" altLang="zh-CN" sz="1200" kern="1200" dirty="0" err="1" smtClean="0">
+                <a:solidFill>
+                  <a:schemeClr val="tx1"/>
+                </a:solidFill>
+                <a:latin typeface="+mn-lt"/>
+                <a:ea typeface="+mn-ea"/>
+                <a:cs typeface="+mn-cs"/>
+              </a:rPr>
+              <a:t>db.delete</a:t>
+            </a:r>
+            <a:r>
+              <a:rPr lang="en-US" altLang="zh-CN" sz="1200" kern="1200" dirty="0" smtClean="0">
+                <a:solidFill>
+                  <a:schemeClr val="tx1"/>
+                </a:solidFill>
+                <a:latin typeface="+mn-lt"/>
+                <a:ea typeface="+mn-ea"/>
+                <a:cs typeface="+mn-cs"/>
+              </a:rPr>
+              <a:t>(</a:t>
+            </a:r>
+            <a:r>
+              <a:rPr lang="en-US" altLang="zh-CN" sz="1200" u="sng" kern="1200" dirty="0" smtClean="0">
+                <a:solidFill>
+                  <a:schemeClr val="tx1"/>
+                </a:solidFill>
+                <a:latin typeface="+mn-lt"/>
+                <a:ea typeface="+mn-ea"/>
+                <a:cs typeface="+mn-cs"/>
+              </a:rPr>
+              <a:t>table, </a:t>
+            </a:r>
+            <a:r>
+              <a:rPr lang="en-US" altLang="zh-CN" sz="1200" u="sng" kern="1200" dirty="0" err="1" smtClean="0">
+                <a:solidFill>
+                  <a:schemeClr val="tx1"/>
+                </a:solidFill>
+                <a:latin typeface="+mn-lt"/>
+                <a:ea typeface="+mn-ea"/>
+                <a:cs typeface="+mn-cs"/>
+              </a:rPr>
+              <a:t>whereClause</a:t>
+            </a:r>
+            <a:r>
+              <a:rPr lang="en-US" altLang="zh-CN" sz="1200" u="sng" kern="1200" dirty="0" smtClean="0">
+                <a:solidFill>
+                  <a:schemeClr val="tx1"/>
+                </a:solidFill>
+                <a:latin typeface="+mn-lt"/>
+                <a:ea typeface="+mn-ea"/>
+                <a:cs typeface="+mn-cs"/>
+              </a:rPr>
+              <a:t>, </a:t>
+            </a:r>
+            <a:r>
+              <a:rPr lang="en-US" altLang="zh-CN" sz="1200" u="sng" kern="1200" dirty="0" err="1" smtClean="0">
+                <a:solidFill>
+                  <a:schemeClr val="tx1"/>
+                </a:solidFill>
+                <a:latin typeface="+mn-lt"/>
+                <a:ea typeface="+mn-ea"/>
+                <a:cs typeface="+mn-cs"/>
+              </a:rPr>
+              <a:t>whereArgs</a:t>
+            </a:r>
+            <a:endParaRPr lang="en-US" altLang="zh-CN" sz="1200" u="sng" kern="1200" dirty="0" smtClean="0">
               <a:solidFill>
                 <a:schemeClr val="tx1"/>
               </a:solidFill>
-              <a:effectLst/>
               <a:latin typeface="+mn-lt"/>
               <a:ea typeface="+mn-ea"/>
               <a:cs typeface="+mn-cs"/>
             </a:endParaRPr>
           </a:p>
           <a:p>
-            <a:pPr marL="0" marR="0" lvl="0" indent="0" algn="l" defTabSz="457200" rtl="0" eaLnBrk="1" fontAlgn="auto" latinLnBrk="0" hangingPunct="1">
-              <a:lnSpc>
-                <a:spcPct val="100000"/>
-              </a:lnSpc>
-              <a:spcBef>
-                <a:spcPts val="0"/>
-              </a:spcBef>
-              <a:spcAft>
-                <a:spcPts val="0"/>
-              </a:spcAft>
-              <a:buClrTx/>
-              <a:buSzTx/>
-              <a:buFontTx/>
-              <a:buNone/>
-              <a:tabLst/>
-              <a:defRPr/>
-            </a:pPr>
-            <a:r>
-              <a:rPr lang="zh-CN" altLang="zh-CN" sz="1200" b="1" kern="1200" dirty="0" smtClean="0">
-                <a:solidFill>
-                  <a:schemeClr val="tx1"/>
-                </a:solidFill>
-                <a:effectLst/>
-                <a:latin typeface="+mn-lt"/>
-                <a:ea typeface="+mn-ea"/>
-                <a:cs typeface="+mn-cs"/>
-              </a:rPr>
-              <a:t>监听内容提供者数据变化</a:t>
-            </a:r>
-          </a:p>
-          <a:p>
-            <a:pPr lvl="0"/>
-            <a:r>
-              <a:rPr lang="zh-CN" altLang="zh-CN" sz="1200" kern="1200" dirty="0" smtClean="0">
-                <a:solidFill>
-                  <a:schemeClr val="tx1"/>
-                </a:solidFill>
-                <a:effectLst/>
-                <a:latin typeface="+mn-lt"/>
-                <a:ea typeface="+mn-ea"/>
-                <a:cs typeface="+mn-cs"/>
-              </a:rPr>
-              <a:t>在内容提供者中可以通知其他程序数据发生变化</a:t>
-            </a:r>
-          </a:p>
-          <a:p>
-            <a:r>
-              <a:rPr lang="zh-CN" altLang="zh-CN" sz="1400" kern="1200" dirty="0" smtClean="0">
-                <a:solidFill>
-                  <a:schemeClr val="tx1"/>
-                </a:solidFill>
-                <a:effectLst/>
-                <a:latin typeface="+mn-lt"/>
-                <a:ea typeface="+mn-ea"/>
-                <a:cs typeface="+mn-cs"/>
-              </a:rPr>
-              <a:t>通过</a:t>
-            </a:r>
-            <a:r>
-              <a:rPr lang="en-US" altLang="zh-CN" sz="1400" kern="1200" dirty="0" smtClean="0">
-                <a:solidFill>
-                  <a:schemeClr val="tx1"/>
-                </a:solidFill>
-                <a:effectLst/>
-                <a:latin typeface="+mn-lt"/>
-                <a:ea typeface="+mn-ea"/>
-                <a:cs typeface="+mn-cs"/>
-              </a:rPr>
-              <a:t>Context</a:t>
-            </a:r>
-            <a:r>
-              <a:rPr lang="zh-CN" altLang="zh-CN" sz="1400" kern="1200" dirty="0" smtClean="0">
-                <a:solidFill>
-                  <a:schemeClr val="tx1"/>
-                </a:solidFill>
-                <a:effectLst/>
-                <a:latin typeface="+mn-lt"/>
-                <a:ea typeface="+mn-ea"/>
-                <a:cs typeface="+mn-cs"/>
-              </a:rPr>
-              <a:t>的</a:t>
-            </a:r>
-            <a:r>
-              <a:rPr lang="en-US" altLang="zh-CN" sz="1200" kern="1200" dirty="0" err="1" smtClean="0">
-                <a:solidFill>
-                  <a:schemeClr val="tx1"/>
-                </a:solidFill>
-                <a:effectLst/>
-                <a:latin typeface="+mn-lt"/>
-                <a:ea typeface="+mn-ea"/>
-                <a:cs typeface="+mn-cs"/>
-              </a:rPr>
-              <a:t>getContentResolver</a:t>
-            </a:r>
-            <a:r>
-              <a:rPr lang="en-US" altLang="zh-CN" sz="1200" kern="1200" dirty="0" smtClean="0">
-                <a:solidFill>
-                  <a:schemeClr val="tx1"/>
-                </a:solidFill>
-                <a:effectLst/>
-                <a:latin typeface="+mn-lt"/>
-                <a:ea typeface="+mn-ea"/>
-                <a:cs typeface="+mn-cs"/>
-              </a:rPr>
-              <a:t>()</a:t>
-            </a:r>
-            <a:r>
-              <a:rPr lang="zh-CN" altLang="zh-CN" sz="1200" kern="1200" dirty="0" smtClean="0">
-                <a:solidFill>
-                  <a:schemeClr val="tx1"/>
-                </a:solidFill>
-                <a:effectLst/>
-                <a:latin typeface="+mn-lt"/>
-                <a:ea typeface="+mn-ea"/>
-                <a:cs typeface="+mn-cs"/>
-              </a:rPr>
-              <a:t>方法获取</a:t>
-            </a:r>
-            <a:r>
-              <a:rPr lang="en-US" altLang="zh-CN" sz="1200" kern="1200" dirty="0" err="1" smtClean="0">
-                <a:solidFill>
-                  <a:schemeClr val="tx1"/>
-                </a:solidFill>
-                <a:effectLst/>
-                <a:latin typeface="+mn-lt"/>
-                <a:ea typeface="+mn-ea"/>
-                <a:cs typeface="+mn-cs"/>
-              </a:rPr>
-              <a:t>ContentResolver</a:t>
-            </a:r>
-            <a:endParaRPr lang="zh-CN" altLang="zh-CN" sz="1400" kern="1200" dirty="0" smtClean="0">
+            <a:endParaRPr lang="en-US" altLang="zh-CN" sz="1200" u="sng" kern="1200" dirty="0" smtClean="0">
               <a:solidFill>
                 <a:schemeClr val="tx1"/>
               </a:solidFill>
-              <a:effectLst/>
               <a:latin typeface="+mn-lt"/>
               <a:ea typeface="+mn-ea"/>
               <a:cs typeface="+mn-cs"/>
@@ -5021,505 +4202,268 @@
           </a:p>
           <a:p>
             <a:r>
-              <a:rPr lang="zh-CN" altLang="zh-CN" sz="1200" kern="1200" dirty="0" smtClean="0">
-                <a:solidFill>
-                  <a:schemeClr val="tx1"/>
-                </a:solidFill>
-                <a:effectLst/>
-                <a:latin typeface="+mn-lt"/>
-                <a:ea typeface="+mn-ea"/>
-                <a:cs typeface="+mn-cs"/>
-              </a:rPr>
-              <a:t>调用其</a:t>
-            </a:r>
+              <a:rPr lang="en-US" altLang="zh-CN" sz="1200" kern="1200" dirty="0" smtClean="0">
+                <a:solidFill>
+                  <a:schemeClr val="tx1"/>
+                </a:solidFill>
+                <a:latin typeface="+mn-lt"/>
+                <a:ea typeface="+mn-ea"/>
+                <a:cs typeface="+mn-cs"/>
+              </a:rPr>
+              <a:t>//</a:t>
+            </a:r>
+            <a:r>
+              <a:rPr lang="zh-CN" altLang="en-US" sz="1200" kern="1200" dirty="0" smtClean="0">
+                <a:solidFill>
+                  <a:schemeClr val="tx1"/>
+                </a:solidFill>
+                <a:latin typeface="+mn-lt"/>
+                <a:ea typeface="+mn-ea"/>
+                <a:cs typeface="+mn-cs"/>
+              </a:rPr>
+              <a:t>表名，列名</a:t>
+            </a:r>
+            <a:r>
+              <a:rPr lang="en-US" altLang="zh-CN" sz="1200" kern="1200" dirty="0" smtClean="0">
+                <a:solidFill>
+                  <a:schemeClr val="tx1"/>
+                </a:solidFill>
+                <a:latin typeface="+mn-lt"/>
+                <a:ea typeface="+mn-ea"/>
+                <a:cs typeface="+mn-cs"/>
+              </a:rPr>
+              <a:t>(</a:t>
+            </a:r>
+            <a:r>
+              <a:rPr lang="zh-CN" altLang="en-US" sz="1200" kern="1200" dirty="0" smtClean="0">
+                <a:solidFill>
+                  <a:schemeClr val="tx1"/>
+                </a:solidFill>
+                <a:latin typeface="+mn-lt"/>
+                <a:ea typeface="+mn-ea"/>
+                <a:cs typeface="+mn-cs"/>
+              </a:rPr>
+              <a:t>需要查询的列</a:t>
+            </a:r>
+            <a:r>
+              <a:rPr lang="en-US" altLang="zh-CN" sz="1200" kern="1200" dirty="0" smtClean="0">
+                <a:solidFill>
+                  <a:schemeClr val="tx1"/>
+                </a:solidFill>
+                <a:latin typeface="+mn-lt"/>
+                <a:ea typeface="+mn-ea"/>
+                <a:cs typeface="+mn-cs"/>
+              </a:rPr>
+              <a:t>)</a:t>
+            </a:r>
+            <a:r>
+              <a:rPr lang="zh-CN" altLang="en-US" sz="1200" kern="1200" dirty="0" smtClean="0">
+                <a:solidFill>
+                  <a:schemeClr val="tx1"/>
+                </a:solidFill>
+                <a:latin typeface="+mn-lt"/>
+                <a:ea typeface="+mn-ea"/>
+                <a:cs typeface="+mn-cs"/>
+              </a:rPr>
+              <a:t>，查询条件，条件对应的值，分组条件，分组条件对应的值，排序</a:t>
+            </a:r>
+          </a:p>
+          <a:p>
             <a:r>
               <a:rPr lang="en-US" altLang="zh-CN" sz="1200" kern="1200" dirty="0" err="1" smtClean="0">
                 <a:solidFill>
                   <a:schemeClr val="tx1"/>
                 </a:solidFill>
-                <a:effectLst/>
-                <a:latin typeface="+mn-lt"/>
-                <a:ea typeface="+mn-ea"/>
-                <a:cs typeface="+mn-cs"/>
-              </a:rPr>
-              <a:t>notifyChange</a:t>
+                <a:latin typeface="+mn-lt"/>
+                <a:ea typeface="+mn-ea"/>
+                <a:cs typeface="+mn-cs"/>
+              </a:rPr>
+              <a:t>db.query</a:t>
             </a:r>
             <a:r>
               <a:rPr lang="en-US" altLang="zh-CN" sz="1200" kern="1200" dirty="0" smtClean="0">
                 <a:solidFill>
                   <a:schemeClr val="tx1"/>
                 </a:solidFill>
-                <a:effectLst/>
-                <a:latin typeface="+mn-lt"/>
-                <a:ea typeface="+mn-ea"/>
-                <a:cs typeface="+mn-cs"/>
-              </a:rPr>
-              <a:t>()</a:t>
-            </a:r>
-            <a:r>
-              <a:rPr lang="zh-CN" altLang="zh-CN" sz="1200" kern="1200" dirty="0" smtClean="0">
-                <a:solidFill>
-                  <a:schemeClr val="tx1"/>
-                </a:solidFill>
-                <a:effectLst/>
-                <a:latin typeface="+mn-lt"/>
-                <a:ea typeface="+mn-ea"/>
-                <a:cs typeface="+mn-cs"/>
-              </a:rPr>
-              <a:t>方法发送数据修改通知</a:t>
-            </a:r>
-            <a:endParaRPr lang="zh-CN" altLang="zh-CN" sz="1400" kern="1200" dirty="0" smtClean="0">
+                <a:latin typeface="+mn-lt"/>
+                <a:ea typeface="+mn-ea"/>
+                <a:cs typeface="+mn-cs"/>
+              </a:rPr>
+              <a:t>(</a:t>
+            </a:r>
+            <a:r>
+              <a:rPr lang="en-US" altLang="zh-CN" sz="1200" u="sng" kern="1200" dirty="0" smtClean="0">
+                <a:solidFill>
+                  <a:schemeClr val="tx1"/>
+                </a:solidFill>
+                <a:latin typeface="+mn-lt"/>
+                <a:ea typeface="+mn-ea"/>
+                <a:cs typeface="+mn-cs"/>
+              </a:rPr>
+              <a:t>table, columns, selection, </a:t>
+            </a:r>
+            <a:r>
+              <a:rPr lang="en-US" altLang="zh-CN" sz="1200" u="sng" kern="1200" dirty="0" err="1" smtClean="0">
+                <a:solidFill>
+                  <a:schemeClr val="tx1"/>
+                </a:solidFill>
+                <a:latin typeface="+mn-lt"/>
+                <a:ea typeface="+mn-ea"/>
+                <a:cs typeface="+mn-cs"/>
+              </a:rPr>
+              <a:t>selectionArgs</a:t>
+            </a:r>
+            <a:r>
+              <a:rPr lang="en-US" altLang="zh-CN" sz="1200" u="sng" kern="1200" dirty="0" smtClean="0">
+                <a:solidFill>
+                  <a:schemeClr val="tx1"/>
+                </a:solidFill>
+                <a:latin typeface="+mn-lt"/>
+                <a:ea typeface="+mn-ea"/>
+                <a:cs typeface="+mn-cs"/>
+              </a:rPr>
+              <a:t>, </a:t>
+            </a:r>
+            <a:r>
+              <a:rPr lang="en-US" altLang="zh-CN" sz="1200" u="sng" kern="1200" dirty="0" err="1" smtClean="0">
+                <a:solidFill>
+                  <a:schemeClr val="tx1"/>
+                </a:solidFill>
+                <a:latin typeface="+mn-lt"/>
+                <a:ea typeface="+mn-ea"/>
+                <a:cs typeface="+mn-cs"/>
+              </a:rPr>
+              <a:t>groupBy</a:t>
+            </a:r>
+            <a:r>
+              <a:rPr lang="en-US" altLang="zh-CN" sz="1200" u="sng" kern="1200" dirty="0" smtClean="0">
+                <a:solidFill>
+                  <a:schemeClr val="tx1"/>
+                </a:solidFill>
+                <a:latin typeface="+mn-lt"/>
+                <a:ea typeface="+mn-ea"/>
+                <a:cs typeface="+mn-cs"/>
+              </a:rPr>
+              <a:t>, having, </a:t>
+            </a:r>
+            <a:r>
+              <a:rPr lang="en-US" altLang="zh-CN" sz="1200" u="sng" kern="1200" dirty="0" err="1" smtClean="0">
+                <a:solidFill>
+                  <a:schemeClr val="tx1"/>
+                </a:solidFill>
+                <a:latin typeface="+mn-lt"/>
+                <a:ea typeface="+mn-ea"/>
+                <a:cs typeface="+mn-cs"/>
+              </a:rPr>
+              <a:t>orderBy</a:t>
+            </a:r>
+            <a:endParaRPr lang="en-US" altLang="zh-CN" sz="1200" u="sng" kern="1200" dirty="0" smtClean="0">
               <a:solidFill>
                 <a:schemeClr val="tx1"/>
               </a:solidFill>
-              <a:effectLst/>
               <a:latin typeface="+mn-lt"/>
               <a:ea typeface="+mn-ea"/>
               <a:cs typeface="+mn-cs"/>
             </a:endParaRPr>
           </a:p>
           <a:p>
-            <a:pPr lvl="0"/>
-            <a:r>
-              <a:rPr lang="zh-CN" altLang="zh-CN" sz="1200" kern="1200" dirty="0" smtClean="0">
-                <a:solidFill>
-                  <a:schemeClr val="tx1"/>
-                </a:solidFill>
-                <a:effectLst/>
-                <a:latin typeface="+mn-lt"/>
-                <a:ea typeface="+mn-ea"/>
-                <a:cs typeface="+mn-cs"/>
-              </a:rPr>
-              <a:t>在其他程序中可以通过</a:t>
-            </a:r>
+            <a:endParaRPr kumimoji="1" lang="en-US" altLang="zh-CN" dirty="0" smtClean="0"/>
+          </a:p>
+          <a:p>
+            <a:r>
+              <a:rPr lang="en-US" altLang="zh-CN" sz="1200" kern="1200" dirty="0" smtClean="0">
+                <a:solidFill>
+                  <a:schemeClr val="tx1"/>
+                </a:solidFill>
+                <a:latin typeface="+mn-lt"/>
+                <a:ea typeface="+mn-ea"/>
+                <a:cs typeface="+mn-cs"/>
+              </a:rPr>
+              <a:t>//</a:t>
+            </a:r>
+            <a:r>
+              <a:rPr lang="zh-CN" altLang="en-US" sz="1200" kern="1200" dirty="0" smtClean="0">
+                <a:solidFill>
+                  <a:schemeClr val="tx1"/>
+                </a:solidFill>
+                <a:latin typeface="+mn-lt"/>
+                <a:ea typeface="+mn-ea"/>
+                <a:cs typeface="+mn-cs"/>
+              </a:rPr>
+              <a:t>表名，更新的数据，更新条件，条件所对应的值</a:t>
+            </a:r>
+          </a:p>
+          <a:p>
             <a:r>
               <a:rPr lang="en-US" altLang="zh-CN" sz="1200" kern="1200" dirty="0" err="1" smtClean="0">
                 <a:solidFill>
                   <a:schemeClr val="tx1"/>
                 </a:solidFill>
-                <a:effectLst/>
-                <a:latin typeface="+mn-lt"/>
-                <a:ea typeface="+mn-ea"/>
-                <a:cs typeface="+mn-cs"/>
-              </a:rPr>
-              <a:t>ContentObserver</a:t>
-            </a:r>
-            <a:r>
-              <a:rPr lang="zh-CN" altLang="zh-CN" sz="1200" kern="1200" dirty="0" smtClean="0">
-                <a:solidFill>
-                  <a:schemeClr val="tx1"/>
-                </a:solidFill>
-                <a:effectLst/>
-                <a:latin typeface="+mn-lt"/>
-                <a:ea typeface="+mn-ea"/>
-                <a:cs typeface="+mn-cs"/>
-              </a:rPr>
-              <a:t>监听数据变化</a:t>
-            </a:r>
-          </a:p>
-          <a:p>
-            <a:r>
-              <a:rPr lang="zh-CN" altLang="zh-CN" sz="1400" kern="1200" dirty="0" smtClean="0">
-                <a:solidFill>
-                  <a:schemeClr val="tx1"/>
-                </a:solidFill>
-                <a:effectLst/>
-                <a:latin typeface="+mn-lt"/>
-                <a:ea typeface="+mn-ea"/>
-                <a:cs typeface="+mn-cs"/>
-              </a:rPr>
-              <a:t>通过</a:t>
-            </a:r>
-            <a:r>
-              <a:rPr lang="en-US" altLang="zh-CN" sz="1400" kern="1200" dirty="0" smtClean="0">
-                <a:solidFill>
-                  <a:schemeClr val="tx1"/>
-                </a:solidFill>
-                <a:effectLst/>
-                <a:latin typeface="+mn-lt"/>
-                <a:ea typeface="+mn-ea"/>
-                <a:cs typeface="+mn-cs"/>
-              </a:rPr>
-              <a:t>Context</a:t>
-            </a:r>
-            <a:r>
-              <a:rPr lang="zh-CN" altLang="zh-CN" sz="1400" kern="1200" dirty="0" smtClean="0">
-                <a:solidFill>
-                  <a:schemeClr val="tx1"/>
-                </a:solidFill>
-                <a:effectLst/>
-                <a:latin typeface="+mn-lt"/>
-                <a:ea typeface="+mn-ea"/>
-                <a:cs typeface="+mn-cs"/>
-              </a:rPr>
-              <a:t>的</a:t>
-            </a:r>
-            <a:r>
-              <a:rPr lang="en-US" altLang="zh-CN" sz="1200" kern="1200" dirty="0" err="1" smtClean="0">
-                <a:solidFill>
-                  <a:schemeClr val="tx1"/>
-                </a:solidFill>
-                <a:effectLst/>
-                <a:latin typeface="+mn-lt"/>
-                <a:ea typeface="+mn-ea"/>
-                <a:cs typeface="+mn-cs"/>
-              </a:rPr>
-              <a:t>getContentResolver</a:t>
+                <a:latin typeface="+mn-lt"/>
+                <a:ea typeface="+mn-ea"/>
+                <a:cs typeface="+mn-cs"/>
+              </a:rPr>
+              <a:t>db.update</a:t>
             </a:r>
             <a:r>
               <a:rPr lang="en-US" altLang="zh-CN" sz="1200" kern="1200" dirty="0" smtClean="0">
                 <a:solidFill>
                   <a:schemeClr val="tx1"/>
                 </a:solidFill>
-                <a:effectLst/>
-                <a:latin typeface="+mn-lt"/>
-                <a:ea typeface="+mn-ea"/>
-                <a:cs typeface="+mn-cs"/>
-              </a:rPr>
-              <a:t>()</a:t>
-            </a:r>
-            <a:r>
-              <a:rPr lang="zh-CN" altLang="zh-CN" sz="1200" kern="1200" dirty="0" smtClean="0">
-                <a:solidFill>
-                  <a:schemeClr val="tx1"/>
-                </a:solidFill>
-                <a:effectLst/>
-                <a:latin typeface="+mn-lt"/>
-                <a:ea typeface="+mn-ea"/>
-                <a:cs typeface="+mn-cs"/>
-              </a:rPr>
-              <a:t>方法获取</a:t>
-            </a:r>
-            <a:r>
-              <a:rPr lang="en-US" altLang="zh-CN" sz="1200" kern="1200" dirty="0" err="1" smtClean="0">
-                <a:solidFill>
-                  <a:schemeClr val="tx1"/>
-                </a:solidFill>
-                <a:effectLst/>
-                <a:latin typeface="+mn-lt"/>
-                <a:ea typeface="+mn-ea"/>
-                <a:cs typeface="+mn-cs"/>
-              </a:rPr>
-              <a:t>ContentResolver</a:t>
-            </a:r>
-            <a:endParaRPr lang="zh-CN" altLang="zh-CN" sz="1400" kern="1200" dirty="0" smtClean="0">
-              <a:solidFill>
-                <a:schemeClr val="tx1"/>
-              </a:solidFill>
-              <a:effectLst/>
-              <a:latin typeface="+mn-lt"/>
-              <a:ea typeface="+mn-ea"/>
-              <a:cs typeface="+mn-cs"/>
-            </a:endParaRPr>
-          </a:p>
-          <a:p>
-            <a:r>
-              <a:rPr lang="zh-CN" altLang="zh-CN" sz="1200" kern="1200" dirty="0" smtClean="0">
-                <a:solidFill>
-                  <a:schemeClr val="tx1"/>
-                </a:solidFill>
-                <a:effectLst/>
-                <a:latin typeface="+mn-lt"/>
-                <a:ea typeface="+mn-ea"/>
-                <a:cs typeface="+mn-cs"/>
-              </a:rPr>
-              <a:t>调用其</a:t>
-            </a:r>
-            <a:r>
-              <a:rPr lang="en-US" altLang="zh-CN" sz="1200" kern="1200" dirty="0" err="1" smtClean="0">
-                <a:solidFill>
-                  <a:schemeClr val="tx1"/>
-                </a:solidFill>
-                <a:effectLst/>
-                <a:latin typeface="+mn-lt"/>
-                <a:ea typeface="+mn-ea"/>
-                <a:cs typeface="+mn-cs"/>
-              </a:rPr>
-              <a:t>registerContentObserver</a:t>
-            </a:r>
-            <a:r>
-              <a:rPr lang="en-US" altLang="zh-CN" sz="1200" kern="1200" dirty="0" smtClean="0">
-                <a:solidFill>
-                  <a:schemeClr val="tx1"/>
-                </a:solidFill>
-                <a:effectLst/>
-                <a:latin typeface="+mn-lt"/>
-                <a:ea typeface="+mn-ea"/>
-                <a:cs typeface="+mn-cs"/>
-              </a:rPr>
-              <a:t>()</a:t>
-            </a:r>
-            <a:r>
-              <a:rPr lang="zh-CN" altLang="zh-CN" sz="1200" kern="1200" dirty="0" smtClean="0">
-                <a:solidFill>
-                  <a:schemeClr val="tx1"/>
-                </a:solidFill>
-                <a:effectLst/>
-                <a:latin typeface="+mn-lt"/>
-                <a:ea typeface="+mn-ea"/>
-                <a:cs typeface="+mn-cs"/>
-              </a:rPr>
-              <a:t>方法指定对某个</a:t>
-            </a:r>
-            <a:r>
-              <a:rPr lang="en-US" altLang="zh-CN" sz="1200" kern="1200" dirty="0" smtClean="0">
-                <a:solidFill>
-                  <a:schemeClr val="tx1"/>
-                </a:solidFill>
-                <a:effectLst/>
-                <a:latin typeface="+mn-lt"/>
-                <a:ea typeface="+mn-ea"/>
-                <a:cs typeface="+mn-cs"/>
-              </a:rPr>
-              <a:t>Uri</a:t>
-            </a:r>
-            <a:r>
-              <a:rPr lang="zh-CN" altLang="zh-CN" sz="1200" kern="1200" dirty="0" smtClean="0">
-                <a:solidFill>
-                  <a:schemeClr val="tx1"/>
-                </a:solidFill>
-                <a:effectLst/>
-                <a:latin typeface="+mn-lt"/>
-                <a:ea typeface="+mn-ea"/>
-                <a:cs typeface="+mn-cs"/>
-              </a:rPr>
-              <a:t>注册</a:t>
-            </a:r>
-            <a:r>
-              <a:rPr lang="en-US" altLang="zh-CN" sz="1200" kern="1200" dirty="0" err="1" smtClean="0">
-                <a:solidFill>
-                  <a:schemeClr val="tx1"/>
-                </a:solidFill>
-                <a:effectLst/>
-                <a:latin typeface="+mn-lt"/>
-                <a:ea typeface="+mn-ea"/>
-                <a:cs typeface="+mn-cs"/>
-              </a:rPr>
-              <a:t>ContentObserver</a:t>
-            </a:r>
-            <a:endParaRPr lang="zh-CN" altLang="zh-CN" sz="1200" kern="1200" dirty="0" smtClean="0">
-              <a:solidFill>
-                <a:schemeClr val="tx1"/>
-              </a:solidFill>
-              <a:effectLst/>
-              <a:latin typeface="+mn-lt"/>
-              <a:ea typeface="+mn-ea"/>
-              <a:cs typeface="+mn-cs"/>
-            </a:endParaRPr>
-          </a:p>
-          <a:p>
-            <a:r>
-              <a:rPr lang="zh-CN" altLang="zh-CN" sz="1200" kern="1200" dirty="0" smtClean="0">
-                <a:solidFill>
-                  <a:schemeClr val="tx1"/>
-                </a:solidFill>
-                <a:effectLst/>
-                <a:latin typeface="+mn-lt"/>
-                <a:ea typeface="+mn-ea"/>
-                <a:cs typeface="+mn-cs"/>
-              </a:rPr>
-              <a:t>自定义</a:t>
-            </a:r>
-            <a:r>
-              <a:rPr lang="en-US" altLang="zh-CN" sz="1200" kern="1200" dirty="0" err="1" smtClean="0">
-                <a:solidFill>
-                  <a:schemeClr val="tx1"/>
-                </a:solidFill>
-                <a:effectLst/>
-                <a:latin typeface="+mn-lt"/>
-                <a:ea typeface="+mn-ea"/>
-                <a:cs typeface="+mn-cs"/>
-              </a:rPr>
-              <a:t>ContentObserver</a:t>
-            </a:r>
-            <a:r>
-              <a:rPr lang="zh-CN" altLang="zh-CN" sz="1200" kern="1200" dirty="0" smtClean="0">
-                <a:solidFill>
-                  <a:schemeClr val="tx1"/>
-                </a:solidFill>
-                <a:effectLst/>
-                <a:latin typeface="+mn-lt"/>
-                <a:ea typeface="+mn-ea"/>
-                <a:cs typeface="+mn-cs"/>
-              </a:rPr>
-              <a:t>，重写</a:t>
-            </a:r>
-            <a:r>
-              <a:rPr lang="en-US" altLang="zh-CN" sz="1200" kern="1200" dirty="0" err="1" smtClean="0">
-                <a:solidFill>
-                  <a:schemeClr val="tx1"/>
-                </a:solidFill>
-                <a:effectLst/>
-                <a:latin typeface="+mn-lt"/>
-                <a:ea typeface="+mn-ea"/>
-                <a:cs typeface="+mn-cs"/>
-              </a:rPr>
-              <a:t>onChange</a:t>
-            </a:r>
-            <a:r>
-              <a:rPr lang="en-US" altLang="zh-CN" sz="1200" kern="1200" dirty="0" smtClean="0">
-                <a:solidFill>
-                  <a:schemeClr val="tx1"/>
-                </a:solidFill>
-                <a:effectLst/>
-                <a:latin typeface="+mn-lt"/>
-                <a:ea typeface="+mn-ea"/>
-                <a:cs typeface="+mn-cs"/>
-              </a:rPr>
-              <a:t>()</a:t>
-            </a:r>
-            <a:r>
-              <a:rPr lang="zh-CN" altLang="zh-CN" sz="1200" kern="1200" dirty="0" smtClean="0">
-                <a:solidFill>
-                  <a:schemeClr val="tx1"/>
-                </a:solidFill>
-                <a:effectLst/>
-                <a:latin typeface="+mn-lt"/>
-                <a:ea typeface="+mn-ea"/>
-                <a:cs typeface="+mn-cs"/>
-              </a:rPr>
-              <a:t>方法获取数据</a:t>
-            </a:r>
-          </a:p>
-          <a:p>
-            <a:pPr marL="0" marR="0" lvl="0" indent="0" algn="l" defTabSz="457200" rtl="0" eaLnBrk="1" fontAlgn="auto" latinLnBrk="0" hangingPunct="1">
-              <a:lnSpc>
-                <a:spcPct val="100000"/>
-              </a:lnSpc>
-              <a:spcBef>
-                <a:spcPts val="0"/>
-              </a:spcBef>
-              <a:spcAft>
-                <a:spcPts val="0"/>
-              </a:spcAft>
-              <a:buClrTx/>
-              <a:buSzTx/>
-              <a:buFontTx/>
-              <a:buNone/>
-              <a:tabLst/>
-              <a:defRPr/>
-            </a:pPr>
-            <a:endParaRPr lang="en-US" altLang="zh-CN" sz="1200" kern="1200" dirty="0" smtClean="0">
-              <a:solidFill>
-                <a:schemeClr val="tx1"/>
-              </a:solidFill>
-              <a:effectLst/>
-              <a:latin typeface="+mn-lt"/>
-              <a:ea typeface="+mn-ea"/>
-              <a:cs typeface="+mn-cs"/>
-            </a:endParaRPr>
-          </a:p>
-          <a:p>
-            <a:pPr marL="0" marR="0" lvl="0" indent="0" algn="l" defTabSz="457200" rtl="0" eaLnBrk="1" fontAlgn="auto" latinLnBrk="0" hangingPunct="1">
-              <a:lnSpc>
-                <a:spcPct val="100000"/>
-              </a:lnSpc>
-              <a:spcBef>
-                <a:spcPts val="0"/>
-              </a:spcBef>
-              <a:spcAft>
-                <a:spcPts val="0"/>
-              </a:spcAft>
-              <a:buClrTx/>
-              <a:buSzTx/>
-              <a:buFontTx/>
-              <a:buNone/>
-              <a:tabLst/>
-              <a:defRPr/>
-            </a:pPr>
-            <a:r>
-              <a:rPr lang="zh-CN" altLang="en-US" sz="1200" kern="1200" dirty="0" smtClean="0">
-                <a:solidFill>
-                  <a:schemeClr val="tx1"/>
-                </a:solidFill>
-                <a:effectLst/>
-                <a:latin typeface="+mn-lt"/>
-                <a:ea typeface="+mn-ea"/>
-                <a:cs typeface="+mn-cs"/>
-              </a:rPr>
-              <a:t>多个应用之间的数据共享：</a:t>
-            </a:r>
-            <a:endParaRPr lang="en-US" altLang="zh-CN" sz="1200" kern="1200" dirty="0" smtClean="0">
-              <a:solidFill>
-                <a:schemeClr val="tx1"/>
-              </a:solidFill>
-              <a:effectLst/>
-              <a:latin typeface="+mn-lt"/>
-              <a:ea typeface="+mn-ea"/>
-              <a:cs typeface="+mn-cs"/>
-            </a:endParaRPr>
-          </a:p>
-          <a:p>
-            <a:pPr marL="0" marR="0" lvl="0" indent="0" algn="l" defTabSz="457200" rtl="0" eaLnBrk="1" fontAlgn="auto" latinLnBrk="0" hangingPunct="1">
-              <a:lnSpc>
-                <a:spcPct val="100000"/>
-              </a:lnSpc>
-              <a:spcBef>
-                <a:spcPts val="0"/>
-              </a:spcBef>
-              <a:spcAft>
-                <a:spcPts val="0"/>
-              </a:spcAft>
-              <a:buClrTx/>
-              <a:buSzTx/>
-              <a:buFontTx/>
-              <a:buNone/>
-              <a:tabLst/>
-              <a:defRPr/>
-            </a:pPr>
-            <a:r>
-              <a:rPr lang="en-US" altLang="zh-CN" sz="1200" kern="1200" dirty="0" smtClean="0">
-                <a:solidFill>
-                  <a:schemeClr val="tx1"/>
-                </a:solidFill>
-                <a:latin typeface="+mn-lt"/>
-                <a:ea typeface="+mn-ea"/>
-                <a:cs typeface="+mn-cs"/>
-              </a:rPr>
-              <a:t>exported</a:t>
-            </a:r>
-            <a:r>
-              <a:rPr lang="zh-CN" altLang="en-US" sz="1200" kern="1200" dirty="0" smtClean="0">
-                <a:solidFill>
-                  <a:schemeClr val="tx1"/>
-                </a:solidFill>
-                <a:latin typeface="+mn-lt"/>
-                <a:ea typeface="+mn-ea"/>
-                <a:cs typeface="+mn-cs"/>
-              </a:rPr>
-              <a:t> 在清单文件中添加此属性为</a:t>
-            </a:r>
-            <a:r>
-              <a:rPr lang="en-US" altLang="zh-CN" sz="1200" kern="1200" dirty="0" smtClean="0">
-                <a:solidFill>
-                  <a:schemeClr val="tx1"/>
-                </a:solidFill>
-                <a:latin typeface="+mn-lt"/>
-                <a:ea typeface="+mn-ea"/>
-                <a:cs typeface="+mn-cs"/>
-              </a:rPr>
-              <a:t>true</a:t>
-            </a:r>
-            <a:r>
-              <a:rPr lang="zh-CN" altLang="en-US" sz="1200" kern="1200" dirty="0" smtClean="0">
-                <a:solidFill>
-                  <a:schemeClr val="tx1"/>
-                </a:solidFill>
-                <a:latin typeface="+mn-lt"/>
-                <a:ea typeface="+mn-ea"/>
-                <a:cs typeface="+mn-cs"/>
-              </a:rPr>
-              <a:t>时才能供其他应用来访问。 </a:t>
-            </a:r>
-            <a:endParaRPr lang="en-US" altLang="zh-CN" sz="1200" kern="1200" dirty="0" smtClean="0">
-              <a:solidFill>
-                <a:schemeClr val="tx1"/>
-              </a:solidFill>
-              <a:effectLst/>
-              <a:latin typeface="+mn-lt"/>
-              <a:ea typeface="+mn-ea"/>
-              <a:cs typeface="+mn-cs"/>
-            </a:endParaRPr>
+                <a:latin typeface="+mn-lt"/>
+                <a:ea typeface="+mn-ea"/>
+                <a:cs typeface="+mn-cs"/>
+              </a:rPr>
+              <a:t>(</a:t>
+            </a:r>
+            <a:r>
+              <a:rPr lang="en-US" altLang="zh-CN" sz="1200" u="sng" kern="1200" dirty="0" smtClean="0">
+                <a:solidFill>
+                  <a:schemeClr val="tx1"/>
+                </a:solidFill>
+                <a:latin typeface="+mn-lt"/>
+                <a:ea typeface="+mn-ea"/>
+                <a:cs typeface="+mn-cs"/>
+              </a:rPr>
+              <a:t>table, values, </a:t>
+            </a:r>
+            <a:r>
+              <a:rPr lang="en-US" altLang="zh-CN" sz="1200" u="sng" kern="1200" dirty="0" err="1" smtClean="0">
+                <a:solidFill>
+                  <a:schemeClr val="tx1"/>
+                </a:solidFill>
+                <a:latin typeface="+mn-lt"/>
+                <a:ea typeface="+mn-ea"/>
+                <a:cs typeface="+mn-cs"/>
+              </a:rPr>
+              <a:t>whereClause</a:t>
+            </a:r>
+            <a:r>
+              <a:rPr lang="en-US" altLang="zh-CN" sz="1200" u="sng" kern="1200" dirty="0" smtClean="0">
+                <a:solidFill>
+                  <a:schemeClr val="tx1"/>
+                </a:solidFill>
+                <a:latin typeface="+mn-lt"/>
+                <a:ea typeface="+mn-ea"/>
+                <a:cs typeface="+mn-cs"/>
+              </a:rPr>
+              <a:t>, </a:t>
+            </a:r>
+            <a:r>
+              <a:rPr lang="en-US" altLang="zh-CN" sz="1200" u="sng" kern="1200" dirty="0" err="1" smtClean="0">
+                <a:solidFill>
+                  <a:schemeClr val="tx1"/>
+                </a:solidFill>
+                <a:latin typeface="+mn-lt"/>
+                <a:ea typeface="+mn-ea"/>
+                <a:cs typeface="+mn-cs"/>
+              </a:rPr>
+              <a:t>whereArgs</a:t>
+            </a:r>
+            <a:endParaRPr kumimoji="1" lang="en-US" altLang="zh-CN" dirty="0" smtClean="0"/>
+          </a:p>
+          <a:p>
+            <a:endParaRPr kumimoji="1" lang="zh-CN" altLang="en-US" dirty="0"/>
           </a:p>
         </p:txBody>
       </p:sp>
@@ -5540,7 +4484,7 @@
           <a:p>
             <a:fld id="{F0FB8CF0-B273-F446-8063-8470DCBC23B4}" type="slidenum">
               <a:rPr kumimoji="1" lang="zh-CN" altLang="en-US" smtClean="0"/>
-              <a:t>12</a:t>
+              <a:t>11</a:t>
             </a:fld>
             <a:endParaRPr kumimoji="1" lang="zh-CN" altLang="en-US"/>
           </a:p>
@@ -5549,7 +4493,7 @@
     </p:spTree>
     <p:extLst>
       <p:ext uri="{BB962C8B-B14F-4D97-AF65-F5344CB8AC3E}">
-        <p14:creationId xmlns:p14="http://schemas.microsoft.com/office/powerpoint/2010/main" val="3731333931"/>
+        <p14:creationId xmlns:p14="http://schemas.microsoft.com/office/powerpoint/2010/main" val="3623335799"/>
       </p:ext>
     </p:extLst>
   </p:cSld>
@@ -5604,6 +4548,1138 @@
           <a:lstStyle/>
           <a:p>
             <a:r>
+              <a:rPr kumimoji="1" lang="zh-CN" altLang="en-US" sz="1600" b="1" dirty="0" smtClean="0"/>
+              <a:t>什么是内容提供者：</a:t>
+            </a:r>
+            <a:endParaRPr kumimoji="1" lang="en-US" altLang="zh-CN" sz="1600" b="1" dirty="0" smtClean="0"/>
+          </a:p>
+          <a:p>
+            <a:pPr lvl="0"/>
+            <a:r>
+              <a:rPr lang="en-US" altLang="zh-CN" dirty="0" smtClean="0"/>
+              <a:t>1.</a:t>
+            </a:r>
+            <a:r>
+              <a:rPr lang="zh-CN" altLang="zh-CN" dirty="0" smtClean="0"/>
+              <a:t>内容提供者是</a:t>
+            </a:r>
+            <a:r>
+              <a:rPr lang="en-US" altLang="zh-CN" dirty="0" smtClean="0"/>
+              <a:t>Android</a:t>
+            </a:r>
+            <a:r>
+              <a:rPr lang="zh-CN" altLang="zh-CN" dirty="0" smtClean="0"/>
+              <a:t>中的四大组件之一，可以将应用中的数据对外进行共享</a:t>
+            </a:r>
+          </a:p>
+          <a:p>
+            <a:pPr lvl="0"/>
+            <a:r>
+              <a:rPr lang="en-US" altLang="zh-CN" dirty="0" smtClean="0"/>
+              <a:t>2.</a:t>
+            </a:r>
+            <a:r>
+              <a:rPr lang="zh-CN" altLang="zh-CN" dirty="0" smtClean="0"/>
+              <a:t>内容提供者将数据的访问方式统一，不必针对不同数据类型采取不同的访问策略</a:t>
+            </a:r>
+          </a:p>
+          <a:p>
+            <a:pPr lvl="0"/>
+            <a:r>
+              <a:rPr lang="en-US" altLang="zh-CN" dirty="0" smtClean="0"/>
+              <a:t>3.</a:t>
+            </a:r>
+            <a:r>
+              <a:rPr lang="zh-CN" altLang="zh-CN" dirty="0" smtClean="0"/>
+              <a:t>内容提供者将数据封装，只暴露出我们希望提供给其他程序的数据</a:t>
+            </a:r>
+            <a:endParaRPr lang="en-US" altLang="zh-CN" dirty="0" smtClean="0"/>
+          </a:p>
+          <a:p>
+            <a:pPr lvl="0"/>
+            <a:endParaRPr lang="en-US" altLang="zh-CN" dirty="0" smtClean="0"/>
+          </a:p>
+          <a:p>
+            <a:pPr lvl="0"/>
+            <a:r>
+              <a:rPr lang="zh-CN" altLang="en-US" sz="1600" b="1" dirty="0" smtClean="0"/>
+              <a:t>创建内容提供者</a:t>
+            </a:r>
+            <a:endParaRPr lang="en-US" altLang="zh-CN" sz="1600" b="1" dirty="0" smtClean="0"/>
+          </a:p>
+          <a:p>
+            <a:pPr lvl="0"/>
+            <a:r>
+              <a:rPr lang="en-US" altLang="zh-CN" sz="1600" b="0" dirty="0" smtClean="0"/>
+              <a:t>1.</a:t>
+            </a:r>
+            <a:r>
+              <a:rPr lang="zh-CN" altLang="en-US" sz="1600" b="0" dirty="0" smtClean="0"/>
+              <a:t>定义类继承</a:t>
+            </a:r>
+            <a:r>
+              <a:rPr lang="en-US" altLang="zh-CN" sz="1600" b="0" dirty="0" err="1" smtClean="0"/>
+              <a:t>ContentProvider</a:t>
+            </a:r>
+            <a:r>
+              <a:rPr lang="zh-CN" altLang="en-US" sz="1600" b="0" dirty="0" smtClean="0"/>
+              <a:t>，根据需要重写内部方法。</a:t>
+            </a:r>
+            <a:endParaRPr lang="en-US" altLang="zh-CN" sz="1600" b="0" dirty="0" smtClean="0"/>
+          </a:p>
+          <a:p>
+            <a:pPr lvl="0"/>
+            <a:r>
+              <a:rPr lang="zh-CN" altLang="zh-CN" sz="1600" b="0" dirty="0" smtClean="0"/>
+              <a:t>2</a:t>
+            </a:r>
+            <a:r>
+              <a:rPr lang="en-US" altLang="zh-CN" sz="1600" b="0" dirty="0" smtClean="0"/>
+              <a:t>.</a:t>
+            </a:r>
+            <a:r>
+              <a:rPr lang="zh-CN" altLang="en-US" sz="1600" b="0" dirty="0" smtClean="0"/>
+              <a:t>在清单文件中使用</a:t>
+            </a:r>
+            <a:r>
+              <a:rPr lang="en-US" altLang="zh-CN" sz="1600" b="0" dirty="0" smtClean="0"/>
+              <a:t>&lt;provider&gt;</a:t>
+            </a:r>
+            <a:r>
+              <a:rPr lang="zh-CN" altLang="en-US" sz="1600" b="0" dirty="0" smtClean="0"/>
+              <a:t>进行配置，需要指定</a:t>
+            </a:r>
+            <a:r>
+              <a:rPr lang="en-US" altLang="zh-CN" sz="1600" b="0" dirty="0" smtClean="0"/>
+              <a:t>name</a:t>
+            </a:r>
+            <a:r>
+              <a:rPr lang="zh-CN" altLang="en-US" sz="1600" b="0" dirty="0" smtClean="0"/>
+              <a:t>和</a:t>
+            </a:r>
+            <a:r>
+              <a:rPr lang="en-US" altLang="zh-CN" sz="1600" b="0" dirty="0" smtClean="0"/>
+              <a:t>authorities</a:t>
+            </a:r>
+            <a:r>
+              <a:rPr lang="zh-CN" altLang="en-US" sz="1600" b="0" dirty="0" smtClean="0"/>
+              <a:t>属性。</a:t>
+            </a:r>
+            <a:endParaRPr lang="en-US" altLang="zh-CN" sz="1600" b="0" dirty="0" smtClean="0"/>
+          </a:p>
+          <a:p>
+            <a:pPr lvl="0"/>
+            <a:r>
+              <a:rPr lang="en-US" altLang="zh-CN" sz="1600" b="0" dirty="0" smtClean="0"/>
+              <a:t>	name</a:t>
+            </a:r>
+            <a:r>
+              <a:rPr lang="zh-CN" altLang="en-US" sz="1600" b="0" dirty="0" smtClean="0"/>
+              <a:t> ：</a:t>
+            </a:r>
+            <a:r>
+              <a:rPr lang="en-US" altLang="zh-CN" sz="1600" b="0" dirty="0" err="1" smtClean="0"/>
+              <a:t>ContentProvider</a:t>
+            </a:r>
+            <a:r>
+              <a:rPr lang="zh-CN" altLang="en-US" sz="1600" b="0" dirty="0" smtClean="0"/>
+              <a:t>的名称 </a:t>
+            </a:r>
+            <a:endParaRPr lang="en-US" altLang="zh-CN" sz="1600" b="0" dirty="0" smtClean="0"/>
+          </a:p>
+          <a:p>
+            <a:pPr lvl="0"/>
+            <a:r>
+              <a:rPr lang="en-US" altLang="zh-CN" sz="1600" b="0" dirty="0" smtClean="0"/>
+              <a:t>	authorities</a:t>
+            </a:r>
+            <a:r>
+              <a:rPr lang="zh-CN" altLang="en-US" sz="1600" b="0" dirty="0" smtClean="0"/>
+              <a:t> </a:t>
+            </a:r>
+            <a:r>
+              <a:rPr lang="en-US" altLang="zh-CN" sz="1600" b="0" dirty="0" smtClean="0"/>
+              <a:t>:</a:t>
+            </a:r>
+            <a:r>
+              <a:rPr lang="zh-CN" altLang="en-US" sz="1600" b="0" dirty="0" smtClean="0"/>
+              <a:t> 是访问</a:t>
+            </a:r>
+            <a:r>
+              <a:rPr lang="en-US" altLang="zh-CN" sz="1600" b="0" dirty="0" smtClean="0"/>
+              <a:t>Provider</a:t>
+            </a:r>
+            <a:r>
+              <a:rPr lang="zh-CN" altLang="en-US" sz="1600" b="0" dirty="0" smtClean="0"/>
+              <a:t>时的路径，要唯一。</a:t>
+            </a:r>
+            <a:endParaRPr lang="en-US" altLang="zh-CN" sz="1600" b="0" dirty="0" smtClean="0"/>
+          </a:p>
+          <a:p>
+            <a:pPr lvl="0"/>
+            <a:r>
+              <a:rPr lang="zh-CN" altLang="zh-CN" sz="1600" b="0" dirty="0" smtClean="0"/>
+              <a:t>3</a:t>
+            </a:r>
+            <a:r>
+              <a:rPr lang="en-US" altLang="zh-CN" sz="1600" b="0" dirty="0" smtClean="0"/>
+              <a:t>.URI</a:t>
+            </a:r>
+            <a:r>
+              <a:rPr lang="zh-CN" altLang="en-US" sz="1600" b="0" dirty="0" smtClean="0"/>
+              <a:t> 代表要操作数据的路径，由</a:t>
+            </a:r>
+            <a:r>
+              <a:rPr lang="en-US" altLang="zh-CN" sz="1600" b="0" dirty="0" smtClean="0"/>
+              <a:t>scheme</a:t>
+            </a:r>
+            <a:r>
+              <a:rPr lang="zh-CN" altLang="en-US" sz="1600" b="0" dirty="0" smtClean="0"/>
+              <a:t>、</a:t>
+            </a:r>
+            <a:r>
+              <a:rPr lang="en-US" altLang="zh-CN" sz="1600" b="0" dirty="0" smtClean="0"/>
+              <a:t>authorities</a:t>
+            </a:r>
+            <a:r>
+              <a:rPr lang="zh-CN" altLang="en-US" sz="1600" b="0" dirty="0" smtClean="0"/>
+              <a:t>、</a:t>
+            </a:r>
+            <a:r>
+              <a:rPr lang="en-US" altLang="zh-CN" sz="1600" b="0" dirty="0" smtClean="0"/>
+              <a:t>path</a:t>
+            </a:r>
+            <a:r>
+              <a:rPr lang="zh-CN" altLang="en-US" sz="1600" b="0" dirty="0" smtClean="0"/>
+              <a:t>三部分组成。</a:t>
+            </a:r>
+            <a:endParaRPr lang="en-US" altLang="zh-CN" sz="1600" b="0" dirty="0" smtClean="0"/>
+          </a:p>
+          <a:p>
+            <a:pPr lvl="0"/>
+            <a:endParaRPr lang="en-US" altLang="zh-CN" sz="1600" b="0" dirty="0" smtClean="0"/>
+          </a:p>
+          <a:p>
+            <a:pPr lvl="0"/>
+            <a:r>
+              <a:rPr lang="zh-CN" altLang="en-US" sz="1600" b="1" dirty="0" smtClean="0"/>
+              <a:t>访问内容提供者：</a:t>
+            </a:r>
+            <a:endParaRPr lang="en-US" altLang="zh-CN" sz="1600" b="1" dirty="0" smtClean="0"/>
+          </a:p>
+          <a:p>
+            <a:pPr lvl="0"/>
+            <a:r>
+              <a:rPr lang="zh-CN" altLang="zh-CN" sz="1600" b="0" dirty="0" smtClean="0"/>
+              <a:t>1</a:t>
+            </a:r>
+            <a:r>
+              <a:rPr lang="en-US" altLang="zh-CN" sz="1600" b="0" dirty="0" smtClean="0"/>
+              <a:t>.</a:t>
+            </a:r>
+            <a:r>
+              <a:rPr lang="zh-CN" altLang="en-US" sz="1600" b="0" dirty="0" smtClean="0"/>
+              <a:t>通过</a:t>
+            </a:r>
+            <a:r>
+              <a:rPr lang="en-US" altLang="zh-CN" sz="1600" b="0" dirty="0" smtClean="0"/>
+              <a:t>Context</a:t>
+            </a:r>
+            <a:r>
+              <a:rPr lang="zh-CN" altLang="en-US" sz="1600" b="0" dirty="0" smtClean="0"/>
+              <a:t>获得</a:t>
+            </a:r>
+            <a:r>
+              <a:rPr lang="en-US" altLang="zh-CN" sz="1600" b="0" dirty="0" err="1" smtClean="0"/>
+              <a:t>ContentResolver</a:t>
+            </a:r>
+            <a:r>
+              <a:rPr lang="zh-CN" altLang="en-US" sz="1600" b="0" dirty="0" smtClean="0"/>
+              <a:t>对象。</a:t>
+            </a:r>
+            <a:endParaRPr lang="en-US" altLang="zh-CN" sz="1600" b="0" dirty="0" smtClean="0"/>
+          </a:p>
+          <a:p>
+            <a:pPr lvl="0"/>
+            <a:r>
+              <a:rPr lang="zh-CN" altLang="zh-CN" sz="1600" b="0" dirty="0" smtClean="0"/>
+              <a:t>2</a:t>
+            </a:r>
+            <a:r>
+              <a:rPr lang="en-US" altLang="zh-CN" sz="1600" b="0" dirty="0" smtClean="0"/>
+              <a:t>. </a:t>
+            </a:r>
+            <a:r>
+              <a:rPr lang="zh-CN" altLang="en-US" sz="1600" b="0" dirty="0" smtClean="0"/>
+              <a:t>调用</a:t>
+            </a:r>
+            <a:r>
+              <a:rPr lang="en-US" altLang="zh-CN" sz="1600" b="0" dirty="0" err="1" smtClean="0"/>
+              <a:t>ContentResolver</a:t>
+            </a:r>
+            <a:r>
+              <a:rPr lang="zh-CN" altLang="en-US" sz="1600" b="0" dirty="0" smtClean="0"/>
+              <a:t>对象的方法获取内容提供者</a:t>
+            </a:r>
+            <a:endParaRPr lang="en-US" altLang="zh-CN" sz="1600" b="0" dirty="0" smtClean="0"/>
+          </a:p>
+          <a:p>
+            <a:pPr lvl="0"/>
+            <a:endParaRPr lang="en-US" altLang="zh-CN" sz="1600" b="1" dirty="0" smtClean="0"/>
+          </a:p>
+          <a:p>
+            <a:pPr lvl="0"/>
+            <a:r>
+              <a:rPr lang="zh-CN" altLang="en-US" sz="1600" b="1" dirty="0" smtClean="0"/>
+              <a:t>完成</a:t>
+            </a:r>
+            <a:r>
+              <a:rPr lang="en-US" altLang="zh-CN" sz="1600" b="1" dirty="0" err="1" smtClean="0"/>
+              <a:t>getType</a:t>
+            </a:r>
+            <a:r>
+              <a:rPr lang="zh-CN" altLang="en-US" sz="1600" b="1" dirty="0" smtClean="0"/>
+              <a:t>方法：</a:t>
+            </a:r>
+            <a:endParaRPr lang="en-US" altLang="zh-CN" sz="1600" b="1" dirty="0" smtClean="0"/>
+          </a:p>
+          <a:p>
+            <a:pPr lvl="0"/>
+            <a:r>
+              <a:rPr lang="zh-CN" altLang="en-US" sz="1600" b="0" dirty="0" smtClean="0"/>
+              <a:t>如果返回数据是单条：</a:t>
+            </a:r>
+            <a:r>
+              <a:rPr lang="en-US" altLang="zh-CN" sz="1200" kern="1200" dirty="0" err="1" smtClean="0">
+                <a:solidFill>
+                  <a:schemeClr val="tx1"/>
+                </a:solidFill>
+                <a:effectLst/>
+                <a:latin typeface="+mn-lt"/>
+                <a:ea typeface="+mn-ea"/>
+                <a:cs typeface="+mn-cs"/>
+              </a:rPr>
+              <a:t>vnd.android.cursor.item</a:t>
+            </a:r>
+            <a:r>
+              <a:rPr lang="en-US" altLang="zh-CN" sz="1200" kern="1200" dirty="0" smtClean="0">
+                <a:solidFill>
+                  <a:schemeClr val="tx1"/>
+                </a:solidFill>
+                <a:effectLst/>
+                <a:latin typeface="+mn-lt"/>
+                <a:ea typeface="+mn-ea"/>
+                <a:cs typeface="+mn-cs"/>
+              </a:rPr>
+              <a:t> </a:t>
+            </a:r>
+          </a:p>
+          <a:p>
+            <a:pPr marL="0" marR="0" lvl="0" indent="0" algn="l" defTabSz="457200" rtl="0" eaLnBrk="1" fontAlgn="auto" latinLnBrk="0" hangingPunct="1">
+              <a:lnSpc>
+                <a:spcPct val="100000"/>
+              </a:lnSpc>
+              <a:spcBef>
+                <a:spcPts val="0"/>
+              </a:spcBef>
+              <a:spcAft>
+                <a:spcPts val="0"/>
+              </a:spcAft>
+              <a:buClrTx/>
+              <a:buSzTx/>
+              <a:buFontTx/>
+              <a:buNone/>
+              <a:tabLst/>
+              <a:defRPr/>
+            </a:pPr>
+            <a:r>
+              <a:rPr lang="zh-CN" altLang="en-US" sz="1200" b="0" kern="1200" dirty="0" smtClean="0">
+                <a:solidFill>
+                  <a:schemeClr val="tx1"/>
+                </a:solidFill>
+                <a:effectLst/>
+                <a:latin typeface="+mn-lt"/>
+                <a:ea typeface="+mn-ea"/>
+                <a:cs typeface="+mn-cs"/>
+              </a:rPr>
+              <a:t>如果返回数据是多条：</a:t>
+            </a:r>
+            <a:r>
+              <a:rPr lang="en-US" altLang="zh-CN" sz="1200" kern="1200" dirty="0" err="1" smtClean="0">
+                <a:solidFill>
+                  <a:schemeClr val="tx1"/>
+                </a:solidFill>
+                <a:effectLst/>
+                <a:latin typeface="+mn-lt"/>
+                <a:ea typeface="+mn-ea"/>
+                <a:cs typeface="+mn-cs"/>
+              </a:rPr>
+              <a:t>vnd.android.cursor.dir</a:t>
+            </a:r>
+            <a:endParaRPr lang="en-US" altLang="zh-CN" sz="1200" kern="1200" dirty="0" smtClean="0">
+              <a:solidFill>
+                <a:schemeClr val="tx1"/>
+              </a:solidFill>
+              <a:effectLst/>
+              <a:latin typeface="+mn-lt"/>
+              <a:ea typeface="+mn-ea"/>
+              <a:cs typeface="+mn-cs"/>
+            </a:endParaRPr>
+          </a:p>
+          <a:p>
+            <a:pPr marL="0" marR="0" lvl="0" indent="0" algn="l" defTabSz="457200" rtl="0" eaLnBrk="1" fontAlgn="auto" latinLnBrk="0" hangingPunct="1">
+              <a:lnSpc>
+                <a:spcPct val="100000"/>
+              </a:lnSpc>
+              <a:spcBef>
+                <a:spcPts val="0"/>
+              </a:spcBef>
+              <a:spcAft>
+                <a:spcPts val="0"/>
+              </a:spcAft>
+              <a:buClrTx/>
+              <a:buSzTx/>
+              <a:buFontTx/>
+              <a:buNone/>
+              <a:tabLst/>
+              <a:defRPr/>
+            </a:pPr>
+            <a:endParaRPr lang="en-US" altLang="zh-CN" sz="1200" b="1" kern="1200" dirty="0" smtClean="0">
+              <a:solidFill>
+                <a:schemeClr val="tx1"/>
+              </a:solidFill>
+              <a:effectLst/>
+              <a:latin typeface="+mn-lt"/>
+              <a:ea typeface="+mn-ea"/>
+              <a:cs typeface="+mn-cs"/>
+            </a:endParaRPr>
+          </a:p>
+          <a:p>
+            <a:pPr marL="0" marR="0" lvl="0" indent="0" algn="l" defTabSz="457200" rtl="0" eaLnBrk="1" fontAlgn="auto" latinLnBrk="0" hangingPunct="1">
+              <a:lnSpc>
+                <a:spcPct val="100000"/>
+              </a:lnSpc>
+              <a:spcBef>
+                <a:spcPts val="0"/>
+              </a:spcBef>
+              <a:spcAft>
+                <a:spcPts val="0"/>
+              </a:spcAft>
+              <a:buClrTx/>
+              <a:buSzTx/>
+              <a:buFontTx/>
+              <a:buNone/>
+              <a:tabLst/>
+              <a:defRPr/>
+            </a:pPr>
+            <a:r>
+              <a:rPr lang="zh-CN" altLang="zh-CN" sz="1200" b="1" kern="1200" dirty="0" smtClean="0">
+                <a:solidFill>
+                  <a:schemeClr val="tx1"/>
+                </a:solidFill>
+                <a:effectLst/>
+                <a:latin typeface="+mn-lt"/>
+                <a:ea typeface="+mn-ea"/>
+                <a:cs typeface="+mn-cs"/>
+              </a:rPr>
+              <a:t>监听内容提供者数据变化</a:t>
+            </a:r>
+          </a:p>
+          <a:p>
+            <a:pPr lvl="0"/>
+            <a:r>
+              <a:rPr lang="zh-CN" altLang="zh-CN" sz="1200" kern="1200" dirty="0" smtClean="0">
+                <a:solidFill>
+                  <a:schemeClr val="tx1"/>
+                </a:solidFill>
+                <a:effectLst/>
+                <a:latin typeface="+mn-lt"/>
+                <a:ea typeface="+mn-ea"/>
+                <a:cs typeface="+mn-cs"/>
+              </a:rPr>
+              <a:t>在内容提供者中可以通知其他程序数据发生变化</a:t>
+            </a:r>
+          </a:p>
+          <a:p>
+            <a:r>
+              <a:rPr lang="zh-CN" altLang="zh-CN" sz="1400" kern="1200" dirty="0" smtClean="0">
+                <a:solidFill>
+                  <a:schemeClr val="tx1"/>
+                </a:solidFill>
+                <a:effectLst/>
+                <a:latin typeface="+mn-lt"/>
+                <a:ea typeface="+mn-ea"/>
+                <a:cs typeface="+mn-cs"/>
+              </a:rPr>
+              <a:t>通过</a:t>
+            </a:r>
+            <a:r>
+              <a:rPr lang="en-US" altLang="zh-CN" sz="1400" kern="1200" dirty="0" smtClean="0">
+                <a:solidFill>
+                  <a:schemeClr val="tx1"/>
+                </a:solidFill>
+                <a:effectLst/>
+                <a:latin typeface="+mn-lt"/>
+                <a:ea typeface="+mn-ea"/>
+                <a:cs typeface="+mn-cs"/>
+              </a:rPr>
+              <a:t>Context</a:t>
+            </a:r>
+            <a:r>
+              <a:rPr lang="zh-CN" altLang="zh-CN" sz="1400" kern="1200" dirty="0" smtClean="0">
+                <a:solidFill>
+                  <a:schemeClr val="tx1"/>
+                </a:solidFill>
+                <a:effectLst/>
+                <a:latin typeface="+mn-lt"/>
+                <a:ea typeface="+mn-ea"/>
+                <a:cs typeface="+mn-cs"/>
+              </a:rPr>
+              <a:t>的</a:t>
+            </a:r>
+            <a:r>
+              <a:rPr lang="en-US" altLang="zh-CN" sz="1200" kern="1200" dirty="0" err="1" smtClean="0">
+                <a:solidFill>
+                  <a:schemeClr val="tx1"/>
+                </a:solidFill>
+                <a:effectLst/>
+                <a:latin typeface="+mn-lt"/>
+                <a:ea typeface="+mn-ea"/>
+                <a:cs typeface="+mn-cs"/>
+              </a:rPr>
+              <a:t>getContentResolver</a:t>
+            </a:r>
+            <a:r>
+              <a:rPr lang="en-US" altLang="zh-CN" sz="1200" kern="1200" dirty="0" smtClean="0">
+                <a:solidFill>
+                  <a:schemeClr val="tx1"/>
+                </a:solidFill>
+                <a:effectLst/>
+                <a:latin typeface="+mn-lt"/>
+                <a:ea typeface="+mn-ea"/>
+                <a:cs typeface="+mn-cs"/>
+              </a:rPr>
+              <a:t>()</a:t>
+            </a:r>
+            <a:r>
+              <a:rPr lang="zh-CN" altLang="zh-CN" sz="1200" kern="1200" dirty="0" smtClean="0">
+                <a:solidFill>
+                  <a:schemeClr val="tx1"/>
+                </a:solidFill>
+                <a:effectLst/>
+                <a:latin typeface="+mn-lt"/>
+                <a:ea typeface="+mn-ea"/>
+                <a:cs typeface="+mn-cs"/>
+              </a:rPr>
+              <a:t>方法获取</a:t>
+            </a:r>
+            <a:r>
+              <a:rPr lang="en-US" altLang="zh-CN" sz="1200" kern="1200" dirty="0" err="1" smtClean="0">
+                <a:solidFill>
+                  <a:schemeClr val="tx1"/>
+                </a:solidFill>
+                <a:effectLst/>
+                <a:latin typeface="+mn-lt"/>
+                <a:ea typeface="+mn-ea"/>
+                <a:cs typeface="+mn-cs"/>
+              </a:rPr>
+              <a:t>ContentResolver</a:t>
+            </a:r>
+            <a:endParaRPr lang="zh-CN" altLang="zh-CN" sz="1400" kern="1200" dirty="0" smtClean="0">
+              <a:solidFill>
+                <a:schemeClr val="tx1"/>
+              </a:solidFill>
+              <a:effectLst/>
+              <a:latin typeface="+mn-lt"/>
+              <a:ea typeface="+mn-ea"/>
+              <a:cs typeface="+mn-cs"/>
+            </a:endParaRPr>
+          </a:p>
+          <a:p>
+            <a:r>
+              <a:rPr lang="zh-CN" altLang="zh-CN" sz="1200" kern="1200" dirty="0" smtClean="0">
+                <a:solidFill>
+                  <a:schemeClr val="tx1"/>
+                </a:solidFill>
+                <a:effectLst/>
+                <a:latin typeface="+mn-lt"/>
+                <a:ea typeface="+mn-ea"/>
+                <a:cs typeface="+mn-cs"/>
+              </a:rPr>
+              <a:t>调用其</a:t>
+            </a:r>
+            <a:r>
+              <a:rPr lang="en-US" altLang="zh-CN" sz="1200" kern="1200" dirty="0" err="1" smtClean="0">
+                <a:solidFill>
+                  <a:schemeClr val="tx1"/>
+                </a:solidFill>
+                <a:effectLst/>
+                <a:latin typeface="+mn-lt"/>
+                <a:ea typeface="+mn-ea"/>
+                <a:cs typeface="+mn-cs"/>
+              </a:rPr>
+              <a:t>notifyChange</a:t>
+            </a:r>
+            <a:r>
+              <a:rPr lang="en-US" altLang="zh-CN" sz="1200" kern="1200" dirty="0" smtClean="0">
+                <a:solidFill>
+                  <a:schemeClr val="tx1"/>
+                </a:solidFill>
+                <a:effectLst/>
+                <a:latin typeface="+mn-lt"/>
+                <a:ea typeface="+mn-ea"/>
+                <a:cs typeface="+mn-cs"/>
+              </a:rPr>
+              <a:t>()</a:t>
+            </a:r>
+            <a:r>
+              <a:rPr lang="zh-CN" altLang="zh-CN" sz="1200" kern="1200" dirty="0" smtClean="0">
+                <a:solidFill>
+                  <a:schemeClr val="tx1"/>
+                </a:solidFill>
+                <a:effectLst/>
+                <a:latin typeface="+mn-lt"/>
+                <a:ea typeface="+mn-ea"/>
+                <a:cs typeface="+mn-cs"/>
+              </a:rPr>
+              <a:t>方法发送数据修改通知</a:t>
+            </a:r>
+            <a:endParaRPr lang="zh-CN" altLang="zh-CN" sz="1400" kern="1200" dirty="0" smtClean="0">
+              <a:solidFill>
+                <a:schemeClr val="tx1"/>
+              </a:solidFill>
+              <a:effectLst/>
+              <a:latin typeface="+mn-lt"/>
+              <a:ea typeface="+mn-ea"/>
+              <a:cs typeface="+mn-cs"/>
+            </a:endParaRPr>
+          </a:p>
+          <a:p>
+            <a:pPr lvl="0"/>
+            <a:r>
+              <a:rPr lang="zh-CN" altLang="zh-CN" sz="1200" kern="1200" dirty="0" smtClean="0">
+                <a:solidFill>
+                  <a:schemeClr val="tx1"/>
+                </a:solidFill>
+                <a:effectLst/>
+                <a:latin typeface="+mn-lt"/>
+                <a:ea typeface="+mn-ea"/>
+                <a:cs typeface="+mn-cs"/>
+              </a:rPr>
+              <a:t>在其他程序中可以通过</a:t>
+            </a:r>
+            <a:r>
+              <a:rPr lang="en-US" altLang="zh-CN" sz="1200" kern="1200" dirty="0" err="1" smtClean="0">
+                <a:solidFill>
+                  <a:schemeClr val="tx1"/>
+                </a:solidFill>
+                <a:effectLst/>
+                <a:latin typeface="+mn-lt"/>
+                <a:ea typeface="+mn-ea"/>
+                <a:cs typeface="+mn-cs"/>
+              </a:rPr>
+              <a:t>ContentObserver</a:t>
+            </a:r>
+            <a:r>
+              <a:rPr lang="zh-CN" altLang="zh-CN" sz="1200" kern="1200" dirty="0" smtClean="0">
+                <a:solidFill>
+                  <a:schemeClr val="tx1"/>
+                </a:solidFill>
+                <a:effectLst/>
+                <a:latin typeface="+mn-lt"/>
+                <a:ea typeface="+mn-ea"/>
+                <a:cs typeface="+mn-cs"/>
+              </a:rPr>
+              <a:t>监听数据变化</a:t>
+            </a:r>
+          </a:p>
+          <a:p>
+            <a:r>
+              <a:rPr lang="zh-CN" altLang="zh-CN" sz="1400" kern="1200" dirty="0" smtClean="0">
+                <a:solidFill>
+                  <a:schemeClr val="tx1"/>
+                </a:solidFill>
+                <a:effectLst/>
+                <a:latin typeface="+mn-lt"/>
+                <a:ea typeface="+mn-ea"/>
+                <a:cs typeface="+mn-cs"/>
+              </a:rPr>
+              <a:t>通过</a:t>
+            </a:r>
+            <a:r>
+              <a:rPr lang="en-US" altLang="zh-CN" sz="1400" kern="1200" dirty="0" smtClean="0">
+                <a:solidFill>
+                  <a:schemeClr val="tx1"/>
+                </a:solidFill>
+                <a:effectLst/>
+                <a:latin typeface="+mn-lt"/>
+                <a:ea typeface="+mn-ea"/>
+                <a:cs typeface="+mn-cs"/>
+              </a:rPr>
+              <a:t>Context</a:t>
+            </a:r>
+            <a:r>
+              <a:rPr lang="zh-CN" altLang="zh-CN" sz="1400" kern="1200" dirty="0" smtClean="0">
+                <a:solidFill>
+                  <a:schemeClr val="tx1"/>
+                </a:solidFill>
+                <a:effectLst/>
+                <a:latin typeface="+mn-lt"/>
+                <a:ea typeface="+mn-ea"/>
+                <a:cs typeface="+mn-cs"/>
+              </a:rPr>
+              <a:t>的</a:t>
+            </a:r>
+            <a:r>
+              <a:rPr lang="en-US" altLang="zh-CN" sz="1200" kern="1200" dirty="0" err="1" smtClean="0">
+                <a:solidFill>
+                  <a:schemeClr val="tx1"/>
+                </a:solidFill>
+                <a:effectLst/>
+                <a:latin typeface="+mn-lt"/>
+                <a:ea typeface="+mn-ea"/>
+                <a:cs typeface="+mn-cs"/>
+              </a:rPr>
+              <a:t>getContentResolver</a:t>
+            </a:r>
+            <a:r>
+              <a:rPr lang="en-US" altLang="zh-CN" sz="1200" kern="1200" dirty="0" smtClean="0">
+                <a:solidFill>
+                  <a:schemeClr val="tx1"/>
+                </a:solidFill>
+                <a:effectLst/>
+                <a:latin typeface="+mn-lt"/>
+                <a:ea typeface="+mn-ea"/>
+                <a:cs typeface="+mn-cs"/>
+              </a:rPr>
+              <a:t>()</a:t>
+            </a:r>
+            <a:r>
+              <a:rPr lang="zh-CN" altLang="zh-CN" sz="1200" kern="1200" dirty="0" smtClean="0">
+                <a:solidFill>
+                  <a:schemeClr val="tx1"/>
+                </a:solidFill>
+                <a:effectLst/>
+                <a:latin typeface="+mn-lt"/>
+                <a:ea typeface="+mn-ea"/>
+                <a:cs typeface="+mn-cs"/>
+              </a:rPr>
+              <a:t>方法获取</a:t>
+            </a:r>
+            <a:r>
+              <a:rPr lang="en-US" altLang="zh-CN" sz="1200" kern="1200" dirty="0" err="1" smtClean="0">
+                <a:solidFill>
+                  <a:schemeClr val="tx1"/>
+                </a:solidFill>
+                <a:effectLst/>
+                <a:latin typeface="+mn-lt"/>
+                <a:ea typeface="+mn-ea"/>
+                <a:cs typeface="+mn-cs"/>
+              </a:rPr>
+              <a:t>ContentResolver</a:t>
+            </a:r>
+            <a:endParaRPr lang="zh-CN" altLang="zh-CN" sz="1400" kern="1200" dirty="0" smtClean="0">
+              <a:solidFill>
+                <a:schemeClr val="tx1"/>
+              </a:solidFill>
+              <a:effectLst/>
+              <a:latin typeface="+mn-lt"/>
+              <a:ea typeface="+mn-ea"/>
+              <a:cs typeface="+mn-cs"/>
+            </a:endParaRPr>
+          </a:p>
+          <a:p>
+            <a:r>
+              <a:rPr lang="zh-CN" altLang="zh-CN" sz="1200" kern="1200" dirty="0" smtClean="0">
+                <a:solidFill>
+                  <a:schemeClr val="tx1"/>
+                </a:solidFill>
+                <a:effectLst/>
+                <a:latin typeface="+mn-lt"/>
+                <a:ea typeface="+mn-ea"/>
+                <a:cs typeface="+mn-cs"/>
+              </a:rPr>
+              <a:t>调用其</a:t>
+            </a:r>
+            <a:r>
+              <a:rPr lang="en-US" altLang="zh-CN" sz="1200" kern="1200" dirty="0" err="1" smtClean="0">
+                <a:solidFill>
+                  <a:schemeClr val="tx1"/>
+                </a:solidFill>
+                <a:effectLst/>
+                <a:latin typeface="+mn-lt"/>
+                <a:ea typeface="+mn-ea"/>
+                <a:cs typeface="+mn-cs"/>
+              </a:rPr>
+              <a:t>registerContentObserver</a:t>
+            </a:r>
+            <a:r>
+              <a:rPr lang="en-US" altLang="zh-CN" sz="1200" kern="1200" dirty="0" smtClean="0">
+                <a:solidFill>
+                  <a:schemeClr val="tx1"/>
+                </a:solidFill>
+                <a:effectLst/>
+                <a:latin typeface="+mn-lt"/>
+                <a:ea typeface="+mn-ea"/>
+                <a:cs typeface="+mn-cs"/>
+              </a:rPr>
+              <a:t>()</a:t>
+            </a:r>
+            <a:r>
+              <a:rPr lang="zh-CN" altLang="zh-CN" sz="1200" kern="1200" dirty="0" smtClean="0">
+                <a:solidFill>
+                  <a:schemeClr val="tx1"/>
+                </a:solidFill>
+                <a:effectLst/>
+                <a:latin typeface="+mn-lt"/>
+                <a:ea typeface="+mn-ea"/>
+                <a:cs typeface="+mn-cs"/>
+              </a:rPr>
+              <a:t>方法指定对某个</a:t>
+            </a:r>
+            <a:r>
+              <a:rPr lang="en-US" altLang="zh-CN" sz="1200" kern="1200" dirty="0" smtClean="0">
+                <a:solidFill>
+                  <a:schemeClr val="tx1"/>
+                </a:solidFill>
+                <a:effectLst/>
+                <a:latin typeface="+mn-lt"/>
+                <a:ea typeface="+mn-ea"/>
+                <a:cs typeface="+mn-cs"/>
+              </a:rPr>
+              <a:t>Uri</a:t>
+            </a:r>
+            <a:r>
+              <a:rPr lang="zh-CN" altLang="zh-CN" sz="1200" kern="1200" dirty="0" smtClean="0">
+                <a:solidFill>
+                  <a:schemeClr val="tx1"/>
+                </a:solidFill>
+                <a:effectLst/>
+                <a:latin typeface="+mn-lt"/>
+                <a:ea typeface="+mn-ea"/>
+                <a:cs typeface="+mn-cs"/>
+              </a:rPr>
+              <a:t>注册</a:t>
+            </a:r>
+            <a:r>
+              <a:rPr lang="en-US" altLang="zh-CN" sz="1200" kern="1200" dirty="0" err="1" smtClean="0">
+                <a:solidFill>
+                  <a:schemeClr val="tx1"/>
+                </a:solidFill>
+                <a:effectLst/>
+                <a:latin typeface="+mn-lt"/>
+                <a:ea typeface="+mn-ea"/>
+                <a:cs typeface="+mn-cs"/>
+              </a:rPr>
+              <a:t>ContentObserver</a:t>
+            </a:r>
+            <a:endParaRPr lang="zh-CN" altLang="zh-CN" sz="1200" kern="1200" dirty="0" smtClean="0">
+              <a:solidFill>
+                <a:schemeClr val="tx1"/>
+              </a:solidFill>
+              <a:effectLst/>
+              <a:latin typeface="+mn-lt"/>
+              <a:ea typeface="+mn-ea"/>
+              <a:cs typeface="+mn-cs"/>
+            </a:endParaRPr>
+          </a:p>
+          <a:p>
+            <a:r>
+              <a:rPr lang="zh-CN" altLang="zh-CN" sz="1200" kern="1200" dirty="0" smtClean="0">
+                <a:solidFill>
+                  <a:schemeClr val="tx1"/>
+                </a:solidFill>
+                <a:effectLst/>
+                <a:latin typeface="+mn-lt"/>
+                <a:ea typeface="+mn-ea"/>
+                <a:cs typeface="+mn-cs"/>
+              </a:rPr>
+              <a:t>自定义</a:t>
+            </a:r>
+            <a:r>
+              <a:rPr lang="en-US" altLang="zh-CN" sz="1200" kern="1200" dirty="0" err="1" smtClean="0">
+                <a:solidFill>
+                  <a:schemeClr val="tx1"/>
+                </a:solidFill>
+                <a:effectLst/>
+                <a:latin typeface="+mn-lt"/>
+                <a:ea typeface="+mn-ea"/>
+                <a:cs typeface="+mn-cs"/>
+              </a:rPr>
+              <a:t>ContentObserver</a:t>
+            </a:r>
+            <a:r>
+              <a:rPr lang="zh-CN" altLang="zh-CN" sz="1200" kern="1200" dirty="0" smtClean="0">
+                <a:solidFill>
+                  <a:schemeClr val="tx1"/>
+                </a:solidFill>
+                <a:effectLst/>
+                <a:latin typeface="+mn-lt"/>
+                <a:ea typeface="+mn-ea"/>
+                <a:cs typeface="+mn-cs"/>
+              </a:rPr>
+              <a:t>，重写</a:t>
+            </a:r>
+            <a:r>
+              <a:rPr lang="en-US" altLang="zh-CN" sz="1200" kern="1200" dirty="0" err="1" smtClean="0">
+                <a:solidFill>
+                  <a:schemeClr val="tx1"/>
+                </a:solidFill>
+                <a:effectLst/>
+                <a:latin typeface="+mn-lt"/>
+                <a:ea typeface="+mn-ea"/>
+                <a:cs typeface="+mn-cs"/>
+              </a:rPr>
+              <a:t>onChange</a:t>
+            </a:r>
+            <a:r>
+              <a:rPr lang="en-US" altLang="zh-CN" sz="1200" kern="1200" dirty="0" smtClean="0">
+                <a:solidFill>
+                  <a:schemeClr val="tx1"/>
+                </a:solidFill>
+                <a:effectLst/>
+                <a:latin typeface="+mn-lt"/>
+                <a:ea typeface="+mn-ea"/>
+                <a:cs typeface="+mn-cs"/>
+              </a:rPr>
+              <a:t>()</a:t>
+            </a:r>
+            <a:r>
+              <a:rPr lang="zh-CN" altLang="zh-CN" sz="1200" kern="1200" dirty="0" smtClean="0">
+                <a:solidFill>
+                  <a:schemeClr val="tx1"/>
+                </a:solidFill>
+                <a:effectLst/>
+                <a:latin typeface="+mn-lt"/>
+                <a:ea typeface="+mn-ea"/>
+                <a:cs typeface="+mn-cs"/>
+              </a:rPr>
+              <a:t>方法获取数据</a:t>
+            </a:r>
+          </a:p>
+          <a:p>
+            <a:pPr marL="0" marR="0" lvl="0" indent="0" algn="l" defTabSz="457200" rtl="0" eaLnBrk="1" fontAlgn="auto" latinLnBrk="0" hangingPunct="1">
+              <a:lnSpc>
+                <a:spcPct val="100000"/>
+              </a:lnSpc>
+              <a:spcBef>
+                <a:spcPts val="0"/>
+              </a:spcBef>
+              <a:spcAft>
+                <a:spcPts val="0"/>
+              </a:spcAft>
+              <a:buClrTx/>
+              <a:buSzTx/>
+              <a:buFontTx/>
+              <a:buNone/>
+              <a:tabLst/>
+              <a:defRPr/>
+            </a:pPr>
+            <a:endParaRPr lang="en-US" altLang="zh-CN" sz="1200" kern="1200" dirty="0" smtClean="0">
+              <a:solidFill>
+                <a:schemeClr val="tx1"/>
+              </a:solidFill>
+              <a:effectLst/>
+              <a:latin typeface="+mn-lt"/>
+              <a:ea typeface="+mn-ea"/>
+              <a:cs typeface="+mn-cs"/>
+            </a:endParaRPr>
+          </a:p>
+          <a:p>
+            <a:pPr marL="0" marR="0" lvl="0" indent="0" algn="l" defTabSz="457200" rtl="0" eaLnBrk="1" fontAlgn="auto" latinLnBrk="0" hangingPunct="1">
+              <a:lnSpc>
+                <a:spcPct val="100000"/>
+              </a:lnSpc>
+              <a:spcBef>
+                <a:spcPts val="0"/>
+              </a:spcBef>
+              <a:spcAft>
+                <a:spcPts val="0"/>
+              </a:spcAft>
+              <a:buClrTx/>
+              <a:buSzTx/>
+              <a:buFontTx/>
+              <a:buNone/>
+              <a:tabLst/>
+              <a:defRPr/>
+            </a:pPr>
+            <a:r>
+              <a:rPr lang="zh-CN" altLang="en-US" sz="1200" kern="1200" dirty="0" smtClean="0">
+                <a:solidFill>
+                  <a:schemeClr val="tx1"/>
+                </a:solidFill>
+                <a:effectLst/>
+                <a:latin typeface="+mn-lt"/>
+                <a:ea typeface="+mn-ea"/>
+                <a:cs typeface="+mn-cs"/>
+              </a:rPr>
+              <a:t>多个应用之间的数据共享：</a:t>
+            </a:r>
+            <a:endParaRPr lang="en-US" altLang="zh-CN" sz="1200" kern="1200" dirty="0" smtClean="0">
+              <a:solidFill>
+                <a:schemeClr val="tx1"/>
+              </a:solidFill>
+              <a:effectLst/>
+              <a:latin typeface="+mn-lt"/>
+              <a:ea typeface="+mn-ea"/>
+              <a:cs typeface="+mn-cs"/>
+            </a:endParaRPr>
+          </a:p>
+          <a:p>
+            <a:pPr marL="0" marR="0" lvl="0" indent="0" algn="l" defTabSz="457200" rtl="0" eaLnBrk="1" fontAlgn="auto" latinLnBrk="0" hangingPunct="1">
+              <a:lnSpc>
+                <a:spcPct val="100000"/>
+              </a:lnSpc>
+              <a:spcBef>
+                <a:spcPts val="0"/>
+              </a:spcBef>
+              <a:spcAft>
+                <a:spcPts val="0"/>
+              </a:spcAft>
+              <a:buClrTx/>
+              <a:buSzTx/>
+              <a:buFontTx/>
+              <a:buNone/>
+              <a:tabLst/>
+              <a:defRPr/>
+            </a:pPr>
+            <a:r>
+              <a:rPr lang="en-US" altLang="zh-CN" sz="1200" kern="1200" dirty="0" smtClean="0">
+                <a:solidFill>
+                  <a:schemeClr val="tx1"/>
+                </a:solidFill>
+                <a:latin typeface="+mn-lt"/>
+                <a:ea typeface="+mn-ea"/>
+                <a:cs typeface="+mn-cs"/>
+              </a:rPr>
+              <a:t>exported</a:t>
+            </a:r>
+            <a:r>
+              <a:rPr lang="zh-CN" altLang="en-US" sz="1200" kern="1200" dirty="0" smtClean="0">
+                <a:solidFill>
+                  <a:schemeClr val="tx1"/>
+                </a:solidFill>
+                <a:latin typeface="+mn-lt"/>
+                <a:ea typeface="+mn-ea"/>
+                <a:cs typeface="+mn-cs"/>
+              </a:rPr>
+              <a:t> 在清单文件中添加此属性为</a:t>
+            </a:r>
+            <a:r>
+              <a:rPr lang="en-US" altLang="zh-CN" sz="1200" kern="1200" dirty="0" smtClean="0">
+                <a:solidFill>
+                  <a:schemeClr val="tx1"/>
+                </a:solidFill>
+                <a:latin typeface="+mn-lt"/>
+                <a:ea typeface="+mn-ea"/>
+                <a:cs typeface="+mn-cs"/>
+              </a:rPr>
+              <a:t>true</a:t>
+            </a:r>
+            <a:r>
+              <a:rPr lang="zh-CN" altLang="en-US" sz="1200" kern="1200" dirty="0" smtClean="0">
+                <a:solidFill>
+                  <a:schemeClr val="tx1"/>
+                </a:solidFill>
+                <a:latin typeface="+mn-lt"/>
+                <a:ea typeface="+mn-ea"/>
+                <a:cs typeface="+mn-cs"/>
+              </a:rPr>
+              <a:t>时才能供其他应用来访问。 </a:t>
+            </a:r>
+            <a:endParaRPr lang="en-US" altLang="zh-CN" sz="1200" kern="1200" dirty="0" smtClean="0">
+              <a:solidFill>
+                <a:schemeClr val="tx1"/>
+              </a:solidFill>
+              <a:effectLst/>
+              <a:latin typeface="+mn-lt"/>
+              <a:ea typeface="+mn-ea"/>
+              <a:cs typeface="+mn-cs"/>
+            </a:endParaRPr>
+          </a:p>
+        </p:txBody>
+      </p:sp>
+      <p:sp>
+        <p:nvSpPr>
+          <p:cNvPr id="4" name="幻灯片编号占位符 3"/>
+          <p:cNvSpPr>
+            <a:spLocks noGrp="1"/>
+          </p:cNvSpPr>
+          <p:nvPr>
+            <p:ph type="sldNum" sz="quarter" idx="10"/>
+          </p:nvPr>
+        </p:nvSpPr>
+        <p:spPr/>
+        <p:txBody>
+          <a:bodyPr/>
+          <a:lstStyle/>
+          <a:p>
+            <a:fld id="{F0FB8CF0-B273-F446-8063-8470DCBC23B4}" type="slidenum">
+              <a:rPr kumimoji="1" lang="zh-CN" altLang="en-US" smtClean="0"/>
+              <a:t>12</a:t>
+            </a:fld>
+            <a:endParaRPr kumimoji="1" lang="zh-CN" altLang="en-US"/>
+          </a:p>
+        </p:txBody>
+      </p:sp>
+    </p:spTree>
+    <p:extLst>
+      <p:ext uri="{BB962C8B-B14F-4D97-AF65-F5344CB8AC3E}">
+        <p14:creationId xmlns:p14="http://schemas.microsoft.com/office/powerpoint/2010/main" val="3731333931"/>
+      </p:ext>
+    </p:extLst>
+  </p:cSld>
+  <p:clrMapOvr>
+    <a:masterClrMapping/>
+  </p:clrMapOvr>
+</p:notes>
+</file>
+
+<file path=ppt/notesSlides/notesSlide8.xml><?xml version="1.0" encoding="utf-8"?>
+<p:notes xmlns:a="http://schemas.openxmlformats.org/drawingml/2006/main" xmlns:r="http://schemas.openxmlformats.org/officeDocument/2006/relationships" xmlns:p="http://schemas.openxmlformats.org/presentationml/2006/main">
+  <p:cSld>
+    <p:spTree>
+      <p:nvGrpSpPr>
+        <p:cNvPr id="1" name=""/>
+        <p:cNvGrpSpPr/>
+        <p:nvPr/>
+      </p:nvGrpSpPr>
+      <p:grpSpPr>
+        <a:xfrm>
+          <a:off x="0" y="0"/>
+          <a:ext cx="0" cy="0"/>
+          <a:chOff x="0" y="0"/>
+          <a:chExt cx="0" cy="0"/>
+        </a:xfrm>
+      </p:grpSpPr>
+      <p:sp>
+        <p:nvSpPr>
+          <p:cNvPr id="2" name="幻灯片图像占位符 1"/>
+          <p:cNvSpPr>
+            <a:spLocks noGrp="1" noRot="1" noChangeAspect="1"/>
+          </p:cNvSpPr>
+          <p:nvPr>
+            <p:ph type="sldImg"/>
+          </p:nvPr>
+        </p:nvSpPr>
+        <p:spPr/>
+      </p:sp>
+      <p:sp>
+        <p:nvSpPr>
+          <p:cNvPr id="3" name="备注占位符 2"/>
+          <p:cNvSpPr>
+            <a:spLocks noGrp="1"/>
+          </p:cNvSpPr>
+          <p:nvPr>
+            <p:ph type="body" idx="1"/>
+          </p:nvPr>
+        </p:nvSpPr>
+        <p:spPr/>
+        <p:txBody>
+          <a:bodyPr/>
+          <a:lstStyle/>
+          <a:p>
+            <a:r>
               <a:rPr lang="en-US" altLang="zh-CN" sz="3200" b="1" kern="1200" dirty="0" smtClean="0">
                 <a:solidFill>
                   <a:schemeClr val="tx1"/>
@@ -8826,7 +8902,7 @@
 </p:notes>
 </file>
 
-<file path=ppt/notesSlides/notesSlide8.xml><?xml version="1.0" encoding="utf-8"?>
+<file path=ppt/notesSlides/notesSlide9.xml><?xml version="1.0" encoding="utf-8"?>
 <p:notes xmlns:a="http://schemas.openxmlformats.org/drawingml/2006/main" xmlns:r="http://schemas.openxmlformats.org/officeDocument/2006/relationships" xmlns:p="http://schemas.openxmlformats.org/presentationml/2006/main">
   <p:cSld>
     <p:spTree>

--- a/文件资料/Android培训-2.pptx
+++ b/文件资料/Android培训-2.pptx
@@ -206,7 +206,7 @@
           <a:p>
             <a:fld id="{52026B6E-E729-B54B-921E-F5D1C56799BF}" type="datetimeFigureOut">
               <a:rPr kumimoji="1" lang="zh-CN" altLang="en-US" smtClean="0"/>
-              <a:t>15/3/16</a:t>
+              <a:t>15/3/17</a:t>
             </a:fld>
             <a:endParaRPr kumimoji="1" lang="zh-CN" altLang="en-US"/>
           </a:p>
@@ -9339,8 +9339,1447 @@
                 <a:ea typeface="+mn-ea"/>
                 <a:cs typeface="+mn-cs"/>
               </a:rPr>
-              <a:t>, 10000);</a:t>
-            </a:r>
+              <a:t>, 10000)</a:t>
+            </a:r>
+            <a:r>
+              <a:rPr lang="en-US" altLang="zh-CN" sz="1200" i="1" kern="1200" dirty="0" smtClean="0">
+                <a:solidFill>
+                  <a:schemeClr val="tx1"/>
+                </a:solidFill>
+                <a:latin typeface="+mn-lt"/>
+                <a:ea typeface="+mn-ea"/>
+                <a:cs typeface="+mn-cs"/>
+              </a:rPr>
+              <a:t>;</a:t>
+            </a:r>
+          </a:p>
+          <a:p>
+            <a:pPr marL="0" marR="0" indent="0" algn="l" defTabSz="457200" rtl="0" eaLnBrk="1" fontAlgn="auto" latinLnBrk="0" hangingPunct="1">
+              <a:lnSpc>
+                <a:spcPct val="100000"/>
+              </a:lnSpc>
+              <a:spcBef>
+                <a:spcPts val="0"/>
+              </a:spcBef>
+              <a:spcAft>
+                <a:spcPts val="0"/>
+              </a:spcAft>
+              <a:buClrTx/>
+              <a:buSzTx/>
+              <a:buFontTx/>
+              <a:buNone/>
+              <a:tabLst/>
+              <a:defRPr/>
+            </a:pPr>
+            <a:r>
+              <a:rPr lang="en-US" altLang="zh-CN" sz="1200" dirty="0" err="1" smtClean="0"/>
+              <a:t>HttpClient</a:t>
+            </a:r>
+            <a:r>
+              <a:rPr lang="zh-CN" altLang="en-US" sz="1200" dirty="0" smtClean="0"/>
+              <a:t> </a:t>
+            </a:r>
+            <a:r>
+              <a:rPr lang="en-US" altLang="zh-CN" sz="1200" dirty="0" err="1" smtClean="0"/>
+              <a:t>mHttpClient</a:t>
+            </a:r>
+            <a:r>
+              <a:rPr lang="en-US" altLang="zh-CN" sz="1200" dirty="0" smtClean="0"/>
+              <a:t> = </a:t>
+            </a:r>
+            <a:r>
+              <a:rPr lang="en-US" altLang="zh-CN" sz="1200" b="1" dirty="0" smtClean="0"/>
+              <a:t>new </a:t>
+            </a:r>
+            <a:r>
+              <a:rPr lang="en-US" altLang="zh-CN" sz="1200" b="1" dirty="0" err="1" smtClean="0"/>
+              <a:t>DefaultHttpClient</a:t>
+            </a:r>
+            <a:r>
+              <a:rPr lang="en-US" altLang="zh-CN" sz="1200" b="1" dirty="0" smtClean="0"/>
+              <a:t>(</a:t>
+            </a:r>
+            <a:r>
+              <a:rPr lang="en-US" altLang="zh-CN" sz="1200" kern="1200" smtClean="0">
+                <a:solidFill>
+                  <a:schemeClr val="tx1"/>
+                </a:solidFill>
+                <a:latin typeface="+mn-lt"/>
+                <a:ea typeface="+mn-ea"/>
+                <a:cs typeface="+mn-cs"/>
+              </a:rPr>
+              <a:t>params</a:t>
+            </a:r>
+            <a:r>
+              <a:rPr lang="en-US" altLang="zh-CN" sz="1200" b="1" smtClean="0"/>
+              <a:t>)</a:t>
+            </a:r>
+            <a:r>
+              <a:rPr lang="en-US" altLang="zh-CN" sz="1200" b="1" dirty="0" smtClean="0"/>
+              <a:t>;</a:t>
+            </a:r>
+          </a:p>
+          <a:p>
+            <a:endParaRPr lang="en-US" altLang="zh-CN" sz="1200" i="1" kern="1200" dirty="0" smtClean="0">
+              <a:solidFill>
+                <a:schemeClr val="tx1"/>
+              </a:solidFill>
+              <a:latin typeface="+mn-lt"/>
+              <a:ea typeface="+mn-ea"/>
+              <a:cs typeface="+mn-cs"/>
+            </a:endParaRPr>
+          </a:p>
+          <a:p>
+            <a:endParaRPr kumimoji="1" lang="en-US" altLang="zh-CN" sz="1200" i="1" kern="1200" dirty="0" smtClean="0">
+              <a:solidFill>
+                <a:schemeClr val="tx1"/>
+              </a:solidFill>
+              <a:latin typeface="+mn-lt"/>
+              <a:ea typeface="+mn-ea"/>
+              <a:cs typeface="+mn-cs"/>
+            </a:endParaRPr>
+          </a:p>
+          <a:p>
+            <a:endParaRPr kumimoji="1" lang="en-US" altLang="zh-CN" sz="1200" i="1" kern="1200" dirty="0" smtClean="0">
+              <a:solidFill>
+                <a:schemeClr val="tx1"/>
+              </a:solidFill>
+              <a:latin typeface="+mn-lt"/>
+              <a:ea typeface="+mn-ea"/>
+              <a:cs typeface="+mn-cs"/>
+            </a:endParaRPr>
+          </a:p>
+          <a:p>
+            <a:r>
+              <a:rPr lang="en-US" altLang="zh-CN" sz="1200" kern="1200" dirty="0" err="1" smtClean="0">
+                <a:solidFill>
+                  <a:schemeClr val="tx1"/>
+                </a:solidFill>
+                <a:latin typeface="+mn-lt"/>
+                <a:ea typeface="+mn-ea"/>
+                <a:cs typeface="+mn-cs"/>
+              </a:rPr>
+              <a:t>HttpPost</a:t>
+            </a:r>
+            <a:r>
+              <a:rPr lang="en-US" altLang="zh-CN" sz="1200" kern="1200" dirty="0" smtClean="0">
+                <a:solidFill>
+                  <a:schemeClr val="tx1"/>
+                </a:solidFill>
+                <a:latin typeface="+mn-lt"/>
+                <a:ea typeface="+mn-ea"/>
+                <a:cs typeface="+mn-cs"/>
+              </a:rPr>
+              <a:t> post = </a:t>
+            </a:r>
+            <a:r>
+              <a:rPr lang="en-US" altLang="zh-CN" sz="1200" b="1" kern="1200" dirty="0" smtClean="0">
+                <a:solidFill>
+                  <a:schemeClr val="tx1"/>
+                </a:solidFill>
+                <a:latin typeface="+mn-lt"/>
+                <a:ea typeface="+mn-ea"/>
+                <a:cs typeface="+mn-cs"/>
+              </a:rPr>
+              <a:t>new </a:t>
+            </a:r>
+            <a:r>
+              <a:rPr lang="en-US" altLang="zh-CN" sz="1200" b="1" kern="1200" dirty="0" err="1" smtClean="0">
+                <a:solidFill>
+                  <a:schemeClr val="tx1"/>
+                </a:solidFill>
+                <a:latin typeface="+mn-lt"/>
+                <a:ea typeface="+mn-ea"/>
+                <a:cs typeface="+mn-cs"/>
+              </a:rPr>
+              <a:t>HttpPost</a:t>
+            </a:r>
+            <a:r>
+              <a:rPr lang="en-US" altLang="zh-CN" sz="1200" b="1" kern="1200" dirty="0" smtClean="0">
+                <a:solidFill>
+                  <a:schemeClr val="tx1"/>
+                </a:solidFill>
+                <a:latin typeface="+mn-lt"/>
+                <a:ea typeface="+mn-ea"/>
+                <a:cs typeface="+mn-cs"/>
+              </a:rPr>
+              <a:t>(</a:t>
+            </a:r>
+            <a:r>
+              <a:rPr lang="en-US" altLang="zh-CN" sz="1200" b="1" kern="1200" dirty="0" err="1" smtClean="0">
+                <a:solidFill>
+                  <a:schemeClr val="tx1"/>
+                </a:solidFill>
+                <a:latin typeface="+mn-lt"/>
+                <a:ea typeface="+mn-ea"/>
+                <a:cs typeface="+mn-cs"/>
+              </a:rPr>
+              <a:t>uriPost</a:t>
+            </a:r>
+            <a:r>
+              <a:rPr lang="en-US" altLang="zh-CN" sz="1200" b="1" kern="1200" dirty="0" smtClean="0">
+                <a:solidFill>
+                  <a:schemeClr val="tx1"/>
+                </a:solidFill>
+                <a:latin typeface="+mn-lt"/>
+                <a:ea typeface="+mn-ea"/>
+                <a:cs typeface="+mn-cs"/>
+              </a:rPr>
+              <a:t>);</a:t>
+            </a:r>
+          </a:p>
+          <a:p>
+            <a:r>
+              <a:rPr lang="en-US" altLang="zh-CN" sz="1200" kern="1200" dirty="0" smtClean="0">
+                <a:solidFill>
+                  <a:schemeClr val="tx1"/>
+                </a:solidFill>
+                <a:latin typeface="+mn-lt"/>
+                <a:ea typeface="+mn-ea"/>
+                <a:cs typeface="+mn-cs"/>
+              </a:rPr>
+              <a:t>				</a:t>
+            </a:r>
+            <a:r>
+              <a:rPr lang="en-US" altLang="zh-CN" sz="1200" b="1" kern="1200" dirty="0" smtClean="0">
+                <a:solidFill>
+                  <a:schemeClr val="tx1"/>
+                </a:solidFill>
+                <a:latin typeface="+mn-lt"/>
+                <a:ea typeface="+mn-ea"/>
+                <a:cs typeface="+mn-cs"/>
+              </a:rPr>
+              <a:t>try {</a:t>
+            </a:r>
+          </a:p>
+          <a:p>
+            <a:r>
+              <a:rPr lang="en-US" altLang="zh-CN" sz="1200" kern="1200" dirty="0" smtClean="0">
+                <a:solidFill>
+                  <a:schemeClr val="tx1"/>
+                </a:solidFill>
+                <a:latin typeface="+mn-lt"/>
+                <a:ea typeface="+mn-ea"/>
+                <a:cs typeface="+mn-cs"/>
+              </a:rPr>
+              <a:t>					List&lt;</a:t>
+            </a:r>
+            <a:r>
+              <a:rPr lang="en-US" altLang="zh-CN" sz="1200" kern="1200" dirty="0" err="1" smtClean="0">
+                <a:solidFill>
+                  <a:schemeClr val="tx1"/>
+                </a:solidFill>
+                <a:latin typeface="+mn-lt"/>
+                <a:ea typeface="+mn-ea"/>
+                <a:cs typeface="+mn-cs"/>
+              </a:rPr>
+              <a:t>BasicNameValuePair</a:t>
+            </a:r>
+            <a:r>
+              <a:rPr lang="en-US" altLang="zh-CN" sz="1200" kern="1200" dirty="0" smtClean="0">
+                <a:solidFill>
+                  <a:schemeClr val="tx1"/>
+                </a:solidFill>
+                <a:latin typeface="+mn-lt"/>
+                <a:ea typeface="+mn-ea"/>
+                <a:cs typeface="+mn-cs"/>
+              </a:rPr>
+              <a:t>&gt; list = </a:t>
+            </a:r>
+            <a:r>
+              <a:rPr lang="en-US" altLang="zh-CN" sz="1200" b="1" kern="1200" dirty="0" smtClean="0">
+                <a:solidFill>
+                  <a:schemeClr val="tx1"/>
+                </a:solidFill>
+                <a:latin typeface="+mn-lt"/>
+                <a:ea typeface="+mn-ea"/>
+                <a:cs typeface="+mn-cs"/>
+              </a:rPr>
+              <a:t>new </a:t>
+            </a:r>
+            <a:r>
+              <a:rPr lang="en-US" altLang="zh-CN" sz="1200" b="1" kern="1200" dirty="0" err="1" smtClean="0">
+                <a:solidFill>
+                  <a:schemeClr val="tx1"/>
+                </a:solidFill>
+                <a:latin typeface="+mn-lt"/>
+                <a:ea typeface="+mn-ea"/>
+                <a:cs typeface="+mn-cs"/>
+              </a:rPr>
+              <a:t>ArrayList</a:t>
+            </a:r>
+            <a:r>
+              <a:rPr lang="en-US" altLang="zh-CN" sz="1200" b="1" kern="1200" dirty="0" smtClean="0">
+                <a:solidFill>
+                  <a:schemeClr val="tx1"/>
+                </a:solidFill>
+                <a:latin typeface="+mn-lt"/>
+                <a:ea typeface="+mn-ea"/>
+                <a:cs typeface="+mn-cs"/>
+              </a:rPr>
+              <a:t>&lt;</a:t>
+            </a:r>
+            <a:r>
+              <a:rPr lang="en-US" altLang="zh-CN" sz="1200" b="1" kern="1200" dirty="0" err="1" smtClean="0">
+                <a:solidFill>
+                  <a:schemeClr val="tx1"/>
+                </a:solidFill>
+                <a:latin typeface="+mn-lt"/>
+                <a:ea typeface="+mn-ea"/>
+                <a:cs typeface="+mn-cs"/>
+              </a:rPr>
+              <a:t>BasicNameValuePair</a:t>
+            </a:r>
+            <a:r>
+              <a:rPr lang="en-US" altLang="zh-CN" sz="1200" b="1" kern="1200" dirty="0" smtClean="0">
+                <a:solidFill>
+                  <a:schemeClr val="tx1"/>
+                </a:solidFill>
+                <a:latin typeface="+mn-lt"/>
+                <a:ea typeface="+mn-ea"/>
+                <a:cs typeface="+mn-cs"/>
+              </a:rPr>
+              <a:t>&gt;();</a:t>
+            </a:r>
+          </a:p>
+          <a:p>
+            <a:r>
+              <a:rPr lang="en-US" altLang="zh-CN" sz="1200" kern="1200" dirty="0" smtClean="0">
+                <a:solidFill>
+                  <a:schemeClr val="tx1"/>
+                </a:solidFill>
+                <a:latin typeface="+mn-lt"/>
+                <a:ea typeface="+mn-ea"/>
+                <a:cs typeface="+mn-cs"/>
+              </a:rPr>
+              <a:t>					</a:t>
+            </a:r>
+            <a:r>
+              <a:rPr lang="en-US" altLang="zh-CN" sz="1200" kern="1200" dirty="0" err="1" smtClean="0">
+                <a:solidFill>
+                  <a:schemeClr val="tx1"/>
+                </a:solidFill>
+                <a:latin typeface="+mn-lt"/>
+                <a:ea typeface="+mn-ea"/>
+                <a:cs typeface="+mn-cs"/>
+              </a:rPr>
+              <a:t>list.add</a:t>
+            </a:r>
+            <a:r>
+              <a:rPr lang="en-US" altLang="zh-CN" sz="1200" kern="1200" dirty="0" smtClean="0">
+                <a:solidFill>
+                  <a:schemeClr val="tx1"/>
+                </a:solidFill>
+                <a:latin typeface="+mn-lt"/>
+                <a:ea typeface="+mn-ea"/>
+                <a:cs typeface="+mn-cs"/>
+              </a:rPr>
+              <a:t>(</a:t>
+            </a:r>
+            <a:r>
+              <a:rPr lang="en-US" altLang="zh-CN" sz="1200" b="1" kern="1200" dirty="0" smtClean="0">
+                <a:solidFill>
+                  <a:schemeClr val="tx1"/>
+                </a:solidFill>
+                <a:latin typeface="+mn-lt"/>
+                <a:ea typeface="+mn-ea"/>
+                <a:cs typeface="+mn-cs"/>
+              </a:rPr>
+              <a:t>new </a:t>
+            </a:r>
+            <a:r>
+              <a:rPr lang="en-US" altLang="zh-CN" sz="1200" b="1" kern="1200" dirty="0" err="1" smtClean="0">
+                <a:solidFill>
+                  <a:schemeClr val="tx1"/>
+                </a:solidFill>
+                <a:latin typeface="+mn-lt"/>
+                <a:ea typeface="+mn-ea"/>
+                <a:cs typeface="+mn-cs"/>
+              </a:rPr>
+              <a:t>BasicNameValuePair</a:t>
+            </a:r>
+            <a:r>
+              <a:rPr lang="en-US" altLang="zh-CN" sz="1200" b="1" kern="1200" dirty="0" smtClean="0">
+                <a:solidFill>
+                  <a:schemeClr val="tx1"/>
+                </a:solidFill>
+                <a:latin typeface="+mn-lt"/>
+                <a:ea typeface="+mn-ea"/>
+                <a:cs typeface="+mn-cs"/>
+              </a:rPr>
+              <a:t>("</a:t>
+            </a:r>
+            <a:r>
+              <a:rPr lang="en-US" altLang="zh-CN" sz="1200" b="1" kern="1200" dirty="0" err="1" smtClean="0">
+                <a:solidFill>
+                  <a:schemeClr val="tx1"/>
+                </a:solidFill>
+                <a:latin typeface="+mn-lt"/>
+                <a:ea typeface="+mn-ea"/>
+                <a:cs typeface="+mn-cs"/>
+              </a:rPr>
+              <a:t>keyfrom</a:t>
+            </a:r>
+            <a:r>
+              <a:rPr lang="en-US" altLang="zh-CN" sz="1200" b="1" kern="1200" dirty="0" smtClean="0">
+                <a:solidFill>
+                  <a:schemeClr val="tx1"/>
+                </a:solidFill>
+                <a:latin typeface="+mn-lt"/>
+                <a:ea typeface="+mn-ea"/>
+                <a:cs typeface="+mn-cs"/>
+              </a:rPr>
+              <a:t>", "</a:t>
+            </a:r>
+            <a:r>
+              <a:rPr lang="en-US" altLang="zh-CN" sz="1200" b="1" kern="1200" dirty="0" err="1" smtClean="0">
+                <a:solidFill>
+                  <a:schemeClr val="tx1"/>
+                </a:solidFill>
+                <a:latin typeface="+mn-lt"/>
+                <a:ea typeface="+mn-ea"/>
+                <a:cs typeface="+mn-cs"/>
+              </a:rPr>
+              <a:t>testHttpGet</a:t>
+            </a:r>
+            <a:r>
+              <a:rPr lang="en-US" altLang="zh-CN" sz="1200" b="1" kern="1200" dirty="0" smtClean="0">
+                <a:solidFill>
+                  <a:schemeClr val="tx1"/>
+                </a:solidFill>
+                <a:latin typeface="+mn-lt"/>
+                <a:ea typeface="+mn-ea"/>
+                <a:cs typeface="+mn-cs"/>
+              </a:rPr>
+              <a:t>"));</a:t>
+            </a:r>
+          </a:p>
+          <a:p>
+            <a:r>
+              <a:rPr lang="en-US" altLang="zh-CN" sz="1200" kern="1200" dirty="0" smtClean="0">
+                <a:solidFill>
+                  <a:schemeClr val="tx1"/>
+                </a:solidFill>
+                <a:latin typeface="+mn-lt"/>
+                <a:ea typeface="+mn-ea"/>
+                <a:cs typeface="+mn-cs"/>
+              </a:rPr>
+              <a:t>					</a:t>
+            </a:r>
+            <a:r>
+              <a:rPr lang="en-US" altLang="zh-CN" sz="1200" kern="1200" dirty="0" err="1" smtClean="0">
+                <a:solidFill>
+                  <a:schemeClr val="tx1"/>
+                </a:solidFill>
+                <a:latin typeface="+mn-lt"/>
+                <a:ea typeface="+mn-ea"/>
+                <a:cs typeface="+mn-cs"/>
+              </a:rPr>
+              <a:t>list.add</a:t>
+            </a:r>
+            <a:r>
+              <a:rPr lang="en-US" altLang="zh-CN" sz="1200" kern="1200" dirty="0" smtClean="0">
+                <a:solidFill>
+                  <a:schemeClr val="tx1"/>
+                </a:solidFill>
+                <a:latin typeface="+mn-lt"/>
+                <a:ea typeface="+mn-ea"/>
+                <a:cs typeface="+mn-cs"/>
+              </a:rPr>
+              <a:t>(</a:t>
+            </a:r>
+            <a:r>
+              <a:rPr lang="en-US" altLang="zh-CN" sz="1200" b="1" kern="1200" dirty="0" smtClean="0">
+                <a:solidFill>
+                  <a:schemeClr val="tx1"/>
+                </a:solidFill>
+                <a:latin typeface="+mn-lt"/>
+                <a:ea typeface="+mn-ea"/>
+                <a:cs typeface="+mn-cs"/>
+              </a:rPr>
+              <a:t>new </a:t>
+            </a:r>
+            <a:r>
+              <a:rPr lang="en-US" altLang="zh-CN" sz="1200" b="1" kern="1200" dirty="0" err="1" smtClean="0">
+                <a:solidFill>
+                  <a:schemeClr val="tx1"/>
+                </a:solidFill>
+                <a:latin typeface="+mn-lt"/>
+                <a:ea typeface="+mn-ea"/>
+                <a:cs typeface="+mn-cs"/>
+              </a:rPr>
+              <a:t>BasicNameValuePair</a:t>
+            </a:r>
+            <a:r>
+              <a:rPr lang="en-US" altLang="zh-CN" sz="1200" b="1" kern="1200" dirty="0" smtClean="0">
+                <a:solidFill>
+                  <a:schemeClr val="tx1"/>
+                </a:solidFill>
+                <a:latin typeface="+mn-lt"/>
+                <a:ea typeface="+mn-ea"/>
+                <a:cs typeface="+mn-cs"/>
+              </a:rPr>
+              <a:t>("key", "850021564"));</a:t>
+            </a:r>
+          </a:p>
+          <a:p>
+            <a:r>
+              <a:rPr lang="en-US" altLang="zh-CN" sz="1200" kern="1200" dirty="0" smtClean="0">
+                <a:solidFill>
+                  <a:schemeClr val="tx1"/>
+                </a:solidFill>
+                <a:latin typeface="+mn-lt"/>
+                <a:ea typeface="+mn-ea"/>
+                <a:cs typeface="+mn-cs"/>
+              </a:rPr>
+              <a:t>					</a:t>
+            </a:r>
+            <a:r>
+              <a:rPr lang="en-US" altLang="zh-CN" sz="1200" kern="1200" dirty="0" err="1" smtClean="0">
+                <a:solidFill>
+                  <a:schemeClr val="tx1"/>
+                </a:solidFill>
+                <a:latin typeface="+mn-lt"/>
+                <a:ea typeface="+mn-ea"/>
+                <a:cs typeface="+mn-cs"/>
+              </a:rPr>
+              <a:t>list.add</a:t>
+            </a:r>
+            <a:r>
+              <a:rPr lang="en-US" altLang="zh-CN" sz="1200" kern="1200" dirty="0" smtClean="0">
+                <a:solidFill>
+                  <a:schemeClr val="tx1"/>
+                </a:solidFill>
+                <a:latin typeface="+mn-lt"/>
+                <a:ea typeface="+mn-ea"/>
+                <a:cs typeface="+mn-cs"/>
+              </a:rPr>
+              <a:t>(</a:t>
+            </a:r>
+            <a:r>
+              <a:rPr lang="en-US" altLang="zh-CN" sz="1200" b="1" kern="1200" dirty="0" smtClean="0">
+                <a:solidFill>
+                  <a:schemeClr val="tx1"/>
+                </a:solidFill>
+                <a:latin typeface="+mn-lt"/>
+                <a:ea typeface="+mn-ea"/>
+                <a:cs typeface="+mn-cs"/>
+              </a:rPr>
+              <a:t>new </a:t>
+            </a:r>
+            <a:r>
+              <a:rPr lang="en-US" altLang="zh-CN" sz="1200" b="1" kern="1200" dirty="0" err="1" smtClean="0">
+                <a:solidFill>
+                  <a:schemeClr val="tx1"/>
+                </a:solidFill>
+                <a:latin typeface="+mn-lt"/>
+                <a:ea typeface="+mn-ea"/>
+                <a:cs typeface="+mn-cs"/>
+              </a:rPr>
+              <a:t>BasicNameValuePair</a:t>
+            </a:r>
+            <a:r>
+              <a:rPr lang="en-US" altLang="zh-CN" sz="1200" b="1" kern="1200" dirty="0" smtClean="0">
+                <a:solidFill>
+                  <a:schemeClr val="tx1"/>
+                </a:solidFill>
+                <a:latin typeface="+mn-lt"/>
+                <a:ea typeface="+mn-ea"/>
+                <a:cs typeface="+mn-cs"/>
+              </a:rPr>
+              <a:t>("type", "data"));</a:t>
+            </a:r>
+          </a:p>
+          <a:p>
+            <a:r>
+              <a:rPr lang="en-US" altLang="zh-CN" sz="1200" kern="1200" dirty="0" smtClean="0">
+                <a:solidFill>
+                  <a:schemeClr val="tx1"/>
+                </a:solidFill>
+                <a:latin typeface="+mn-lt"/>
+                <a:ea typeface="+mn-ea"/>
+                <a:cs typeface="+mn-cs"/>
+              </a:rPr>
+              <a:t>					</a:t>
+            </a:r>
+            <a:r>
+              <a:rPr lang="en-US" altLang="zh-CN" sz="1200" kern="1200" dirty="0" err="1" smtClean="0">
+                <a:solidFill>
+                  <a:schemeClr val="tx1"/>
+                </a:solidFill>
+                <a:latin typeface="+mn-lt"/>
+                <a:ea typeface="+mn-ea"/>
+                <a:cs typeface="+mn-cs"/>
+              </a:rPr>
+              <a:t>list.add</a:t>
+            </a:r>
+            <a:r>
+              <a:rPr lang="en-US" altLang="zh-CN" sz="1200" kern="1200" dirty="0" smtClean="0">
+                <a:solidFill>
+                  <a:schemeClr val="tx1"/>
+                </a:solidFill>
+                <a:latin typeface="+mn-lt"/>
+                <a:ea typeface="+mn-ea"/>
+                <a:cs typeface="+mn-cs"/>
+              </a:rPr>
+              <a:t>(</a:t>
+            </a:r>
+            <a:r>
+              <a:rPr lang="en-US" altLang="zh-CN" sz="1200" b="1" kern="1200" dirty="0" smtClean="0">
+                <a:solidFill>
+                  <a:schemeClr val="tx1"/>
+                </a:solidFill>
+                <a:latin typeface="+mn-lt"/>
+                <a:ea typeface="+mn-ea"/>
+                <a:cs typeface="+mn-cs"/>
+              </a:rPr>
+              <a:t>new </a:t>
+            </a:r>
+            <a:r>
+              <a:rPr lang="en-US" altLang="zh-CN" sz="1200" b="1" kern="1200" dirty="0" err="1" smtClean="0">
+                <a:solidFill>
+                  <a:schemeClr val="tx1"/>
+                </a:solidFill>
+                <a:latin typeface="+mn-lt"/>
+                <a:ea typeface="+mn-ea"/>
+                <a:cs typeface="+mn-cs"/>
+              </a:rPr>
+              <a:t>BasicNameValuePair</a:t>
+            </a:r>
+            <a:r>
+              <a:rPr lang="en-US" altLang="zh-CN" sz="1200" b="1" kern="1200" dirty="0" smtClean="0">
+                <a:solidFill>
+                  <a:schemeClr val="tx1"/>
+                </a:solidFill>
+                <a:latin typeface="+mn-lt"/>
+                <a:ea typeface="+mn-ea"/>
+                <a:cs typeface="+mn-cs"/>
+              </a:rPr>
+              <a:t>("</a:t>
+            </a:r>
+            <a:r>
+              <a:rPr lang="en-US" altLang="zh-CN" sz="1200" b="1" kern="1200" dirty="0" err="1" smtClean="0">
+                <a:solidFill>
+                  <a:schemeClr val="tx1"/>
+                </a:solidFill>
+                <a:latin typeface="+mn-lt"/>
+                <a:ea typeface="+mn-ea"/>
+                <a:cs typeface="+mn-cs"/>
+              </a:rPr>
+              <a:t>doctype</a:t>
+            </a:r>
+            <a:r>
+              <a:rPr lang="en-US" altLang="zh-CN" sz="1200" b="1" kern="1200" dirty="0" smtClean="0">
+                <a:solidFill>
+                  <a:schemeClr val="tx1"/>
+                </a:solidFill>
+                <a:latin typeface="+mn-lt"/>
+                <a:ea typeface="+mn-ea"/>
+                <a:cs typeface="+mn-cs"/>
+              </a:rPr>
+              <a:t>", "</a:t>
+            </a:r>
+            <a:r>
+              <a:rPr lang="en-US" altLang="zh-CN" sz="1200" b="1" kern="1200" dirty="0" err="1" smtClean="0">
+                <a:solidFill>
+                  <a:schemeClr val="tx1"/>
+                </a:solidFill>
+                <a:latin typeface="+mn-lt"/>
+                <a:ea typeface="+mn-ea"/>
+                <a:cs typeface="+mn-cs"/>
+              </a:rPr>
+              <a:t>json</a:t>
+            </a:r>
+            <a:r>
+              <a:rPr lang="en-US" altLang="zh-CN" sz="1200" b="1" kern="1200" dirty="0" smtClean="0">
+                <a:solidFill>
+                  <a:schemeClr val="tx1"/>
+                </a:solidFill>
+                <a:latin typeface="+mn-lt"/>
+                <a:ea typeface="+mn-ea"/>
+                <a:cs typeface="+mn-cs"/>
+              </a:rPr>
+              <a:t>"));</a:t>
+            </a:r>
+          </a:p>
+          <a:p>
+            <a:r>
+              <a:rPr lang="en-US" altLang="zh-CN" sz="1200" kern="1200" dirty="0" smtClean="0">
+                <a:solidFill>
+                  <a:schemeClr val="tx1"/>
+                </a:solidFill>
+                <a:latin typeface="+mn-lt"/>
+                <a:ea typeface="+mn-ea"/>
+                <a:cs typeface="+mn-cs"/>
+              </a:rPr>
+              <a:t>					</a:t>
+            </a:r>
+            <a:r>
+              <a:rPr lang="en-US" altLang="zh-CN" sz="1200" kern="1200" dirty="0" err="1" smtClean="0">
+                <a:solidFill>
+                  <a:schemeClr val="tx1"/>
+                </a:solidFill>
+                <a:latin typeface="+mn-lt"/>
+                <a:ea typeface="+mn-ea"/>
+                <a:cs typeface="+mn-cs"/>
+              </a:rPr>
+              <a:t>list.add</a:t>
+            </a:r>
+            <a:r>
+              <a:rPr lang="en-US" altLang="zh-CN" sz="1200" kern="1200" dirty="0" smtClean="0">
+                <a:solidFill>
+                  <a:schemeClr val="tx1"/>
+                </a:solidFill>
+                <a:latin typeface="+mn-lt"/>
+                <a:ea typeface="+mn-ea"/>
+                <a:cs typeface="+mn-cs"/>
+              </a:rPr>
+              <a:t>(</a:t>
+            </a:r>
+            <a:r>
+              <a:rPr lang="en-US" altLang="zh-CN" sz="1200" b="1" kern="1200" dirty="0" smtClean="0">
+                <a:solidFill>
+                  <a:schemeClr val="tx1"/>
+                </a:solidFill>
+                <a:latin typeface="+mn-lt"/>
+                <a:ea typeface="+mn-ea"/>
+                <a:cs typeface="+mn-cs"/>
+              </a:rPr>
+              <a:t>new </a:t>
+            </a:r>
+            <a:r>
+              <a:rPr lang="en-US" altLang="zh-CN" sz="1200" b="1" kern="1200" dirty="0" err="1" smtClean="0">
+                <a:solidFill>
+                  <a:schemeClr val="tx1"/>
+                </a:solidFill>
+                <a:latin typeface="+mn-lt"/>
+                <a:ea typeface="+mn-ea"/>
+                <a:cs typeface="+mn-cs"/>
+              </a:rPr>
+              <a:t>BasicNameValuePair</a:t>
+            </a:r>
+            <a:r>
+              <a:rPr lang="en-US" altLang="zh-CN" sz="1200" b="1" kern="1200" dirty="0" smtClean="0">
+                <a:solidFill>
+                  <a:schemeClr val="tx1"/>
+                </a:solidFill>
+                <a:latin typeface="+mn-lt"/>
+                <a:ea typeface="+mn-ea"/>
+                <a:cs typeface="+mn-cs"/>
+              </a:rPr>
+              <a:t>("version", "1.1"));</a:t>
+            </a:r>
+          </a:p>
+          <a:p>
+            <a:r>
+              <a:rPr lang="en-US" altLang="zh-CN" sz="1200" kern="1200" dirty="0" smtClean="0">
+                <a:solidFill>
+                  <a:schemeClr val="tx1"/>
+                </a:solidFill>
+                <a:latin typeface="+mn-lt"/>
+                <a:ea typeface="+mn-ea"/>
+                <a:cs typeface="+mn-cs"/>
+              </a:rPr>
+              <a:t>					</a:t>
+            </a:r>
+            <a:r>
+              <a:rPr lang="en-US" altLang="zh-CN" sz="1200" kern="1200" dirty="0" err="1" smtClean="0">
+                <a:solidFill>
+                  <a:schemeClr val="tx1"/>
+                </a:solidFill>
+                <a:latin typeface="+mn-lt"/>
+                <a:ea typeface="+mn-ea"/>
+                <a:cs typeface="+mn-cs"/>
+              </a:rPr>
+              <a:t>list.add</a:t>
+            </a:r>
+            <a:r>
+              <a:rPr lang="en-US" altLang="zh-CN" sz="1200" kern="1200" dirty="0" smtClean="0">
+                <a:solidFill>
+                  <a:schemeClr val="tx1"/>
+                </a:solidFill>
+                <a:latin typeface="+mn-lt"/>
+                <a:ea typeface="+mn-ea"/>
+                <a:cs typeface="+mn-cs"/>
+              </a:rPr>
+              <a:t>(</a:t>
+            </a:r>
+            <a:r>
+              <a:rPr lang="en-US" altLang="zh-CN" sz="1200" b="1" kern="1200" dirty="0" smtClean="0">
+                <a:solidFill>
+                  <a:schemeClr val="tx1"/>
+                </a:solidFill>
+                <a:latin typeface="+mn-lt"/>
+                <a:ea typeface="+mn-ea"/>
+                <a:cs typeface="+mn-cs"/>
+              </a:rPr>
+              <a:t>new </a:t>
+            </a:r>
+            <a:r>
+              <a:rPr lang="en-US" altLang="zh-CN" sz="1200" b="1" kern="1200" dirty="0" err="1" smtClean="0">
+                <a:solidFill>
+                  <a:schemeClr val="tx1"/>
+                </a:solidFill>
+                <a:latin typeface="+mn-lt"/>
+                <a:ea typeface="+mn-ea"/>
+                <a:cs typeface="+mn-cs"/>
+              </a:rPr>
+              <a:t>BasicNameValuePair</a:t>
+            </a:r>
+            <a:r>
+              <a:rPr lang="en-US" altLang="zh-CN" sz="1200" b="1" kern="1200" dirty="0" smtClean="0">
+                <a:solidFill>
+                  <a:schemeClr val="tx1"/>
+                </a:solidFill>
+                <a:latin typeface="+mn-lt"/>
+                <a:ea typeface="+mn-ea"/>
+                <a:cs typeface="+mn-cs"/>
+              </a:rPr>
+              <a:t>("q", "bad"));</a:t>
+            </a:r>
+          </a:p>
+          <a:p>
+            <a:r>
+              <a:rPr lang="en-US" altLang="zh-CN" sz="1200" kern="1200" dirty="0" smtClean="0">
+                <a:solidFill>
+                  <a:schemeClr val="tx1"/>
+                </a:solidFill>
+                <a:latin typeface="+mn-lt"/>
+                <a:ea typeface="+mn-ea"/>
+                <a:cs typeface="+mn-cs"/>
+              </a:rPr>
+              <a:t>					</a:t>
+            </a:r>
+            <a:r>
+              <a:rPr lang="en-US" altLang="zh-CN" sz="1200" kern="1200" dirty="0" err="1" smtClean="0">
+                <a:solidFill>
+                  <a:schemeClr val="tx1"/>
+                </a:solidFill>
+                <a:latin typeface="+mn-lt"/>
+                <a:ea typeface="+mn-ea"/>
+                <a:cs typeface="+mn-cs"/>
+              </a:rPr>
+              <a:t>post.setEntity</a:t>
+            </a:r>
+            <a:r>
+              <a:rPr lang="en-US" altLang="zh-CN" sz="1200" kern="1200" dirty="0" smtClean="0">
+                <a:solidFill>
+                  <a:schemeClr val="tx1"/>
+                </a:solidFill>
+                <a:latin typeface="+mn-lt"/>
+                <a:ea typeface="+mn-ea"/>
+                <a:cs typeface="+mn-cs"/>
+              </a:rPr>
+              <a:t>(</a:t>
+            </a:r>
+            <a:r>
+              <a:rPr lang="en-US" altLang="zh-CN" sz="1200" b="1" kern="1200" dirty="0" smtClean="0">
+                <a:solidFill>
+                  <a:schemeClr val="tx1"/>
+                </a:solidFill>
+                <a:latin typeface="+mn-lt"/>
+                <a:ea typeface="+mn-ea"/>
+                <a:cs typeface="+mn-cs"/>
+              </a:rPr>
+              <a:t>new </a:t>
+            </a:r>
+            <a:r>
+              <a:rPr lang="en-US" altLang="zh-CN" sz="1200" b="1" kern="1200" dirty="0" err="1" smtClean="0">
+                <a:solidFill>
+                  <a:schemeClr val="tx1"/>
+                </a:solidFill>
+                <a:latin typeface="+mn-lt"/>
+                <a:ea typeface="+mn-ea"/>
+                <a:cs typeface="+mn-cs"/>
+              </a:rPr>
+              <a:t>UrlEncodedFormEntity</a:t>
+            </a:r>
+            <a:r>
+              <a:rPr lang="en-US" altLang="zh-CN" sz="1200" b="1" kern="1200" dirty="0" smtClean="0">
+                <a:solidFill>
+                  <a:schemeClr val="tx1"/>
+                </a:solidFill>
+                <a:latin typeface="+mn-lt"/>
+                <a:ea typeface="+mn-ea"/>
+                <a:cs typeface="+mn-cs"/>
+              </a:rPr>
+              <a:t>(list));</a:t>
+            </a:r>
+          </a:p>
+          <a:p>
+            <a:endParaRPr lang="en-US" altLang="zh-CN" sz="1200" kern="1200" dirty="0" smtClean="0">
+              <a:solidFill>
+                <a:schemeClr val="tx1"/>
+              </a:solidFill>
+              <a:latin typeface="+mn-lt"/>
+              <a:ea typeface="+mn-ea"/>
+              <a:cs typeface="+mn-cs"/>
+            </a:endParaRPr>
+          </a:p>
+          <a:p>
+            <a:r>
+              <a:rPr lang="en-US" altLang="zh-CN" sz="1200" kern="1200" dirty="0" smtClean="0">
+                <a:solidFill>
+                  <a:schemeClr val="tx1"/>
+                </a:solidFill>
+                <a:latin typeface="+mn-lt"/>
+                <a:ea typeface="+mn-ea"/>
+                <a:cs typeface="+mn-cs"/>
+              </a:rPr>
+              <a:t>					</a:t>
+            </a:r>
+            <a:r>
+              <a:rPr lang="en-US" altLang="zh-CN" sz="1200" kern="1200" dirty="0" err="1" smtClean="0">
+                <a:solidFill>
+                  <a:schemeClr val="tx1"/>
+                </a:solidFill>
+                <a:latin typeface="+mn-lt"/>
+                <a:ea typeface="+mn-ea"/>
+                <a:cs typeface="+mn-cs"/>
+              </a:rPr>
+              <a:t>HttpResponse</a:t>
+            </a:r>
+            <a:r>
+              <a:rPr lang="en-US" altLang="zh-CN" sz="1200" kern="1200" dirty="0" smtClean="0">
+                <a:solidFill>
+                  <a:schemeClr val="tx1"/>
+                </a:solidFill>
+                <a:latin typeface="+mn-lt"/>
+                <a:ea typeface="+mn-ea"/>
+                <a:cs typeface="+mn-cs"/>
+              </a:rPr>
+              <a:t> response = </a:t>
+            </a:r>
+            <a:r>
+              <a:rPr lang="en-US" altLang="zh-CN" sz="1200" kern="1200" dirty="0" err="1" smtClean="0">
+                <a:solidFill>
+                  <a:schemeClr val="tx1"/>
+                </a:solidFill>
+                <a:latin typeface="+mn-lt"/>
+                <a:ea typeface="+mn-ea"/>
+                <a:cs typeface="+mn-cs"/>
+              </a:rPr>
+              <a:t>mHttpClient.execute</a:t>
+            </a:r>
+            <a:r>
+              <a:rPr lang="en-US" altLang="zh-CN" sz="1200" kern="1200" dirty="0" smtClean="0">
+                <a:solidFill>
+                  <a:schemeClr val="tx1"/>
+                </a:solidFill>
+                <a:latin typeface="+mn-lt"/>
+                <a:ea typeface="+mn-ea"/>
+                <a:cs typeface="+mn-cs"/>
+              </a:rPr>
+              <a:t>(post);</a:t>
+            </a:r>
+          </a:p>
+          <a:p>
+            <a:r>
+              <a:rPr lang="en-US" altLang="zh-CN" sz="1200" kern="1200" dirty="0" smtClean="0">
+                <a:solidFill>
+                  <a:schemeClr val="tx1"/>
+                </a:solidFill>
+                <a:latin typeface="+mn-lt"/>
+                <a:ea typeface="+mn-ea"/>
+                <a:cs typeface="+mn-cs"/>
+              </a:rPr>
+              <a:t>					String value = </a:t>
+            </a:r>
+            <a:r>
+              <a:rPr lang="en-US" altLang="zh-CN" sz="1200" kern="1200" dirty="0" err="1" smtClean="0">
+                <a:solidFill>
+                  <a:schemeClr val="tx1"/>
+                </a:solidFill>
+                <a:latin typeface="+mn-lt"/>
+                <a:ea typeface="+mn-ea"/>
+                <a:cs typeface="+mn-cs"/>
+              </a:rPr>
+              <a:t>EntityUtils.</a:t>
+            </a:r>
+            <a:r>
+              <a:rPr lang="en-US" altLang="zh-CN" sz="1200" i="1" kern="1200" dirty="0" err="1" smtClean="0">
+                <a:solidFill>
+                  <a:schemeClr val="tx1"/>
+                </a:solidFill>
+                <a:latin typeface="+mn-lt"/>
+                <a:ea typeface="+mn-ea"/>
+                <a:cs typeface="+mn-cs"/>
+              </a:rPr>
+              <a:t>toString</a:t>
+            </a:r>
+            <a:r>
+              <a:rPr lang="en-US" altLang="zh-CN" sz="1200" i="1" kern="1200" dirty="0" smtClean="0">
+                <a:solidFill>
+                  <a:schemeClr val="tx1"/>
+                </a:solidFill>
+                <a:latin typeface="+mn-lt"/>
+                <a:ea typeface="+mn-ea"/>
+                <a:cs typeface="+mn-cs"/>
+              </a:rPr>
+              <a:t>(</a:t>
+            </a:r>
+            <a:r>
+              <a:rPr lang="en-US" altLang="zh-CN" sz="1200" i="1" kern="1200" dirty="0" err="1" smtClean="0">
+                <a:solidFill>
+                  <a:schemeClr val="tx1"/>
+                </a:solidFill>
+                <a:latin typeface="+mn-lt"/>
+                <a:ea typeface="+mn-ea"/>
+                <a:cs typeface="+mn-cs"/>
+              </a:rPr>
+              <a:t>response.getEntity</a:t>
+            </a:r>
+            <a:r>
+              <a:rPr lang="en-US" altLang="zh-CN" sz="1200" i="1" kern="1200" dirty="0" smtClean="0">
+                <a:solidFill>
+                  <a:schemeClr val="tx1"/>
+                </a:solidFill>
+                <a:latin typeface="+mn-lt"/>
+                <a:ea typeface="+mn-ea"/>
+                <a:cs typeface="+mn-cs"/>
+              </a:rPr>
+              <a:t>());</a:t>
+            </a:r>
+          </a:p>
+          <a:p>
+            <a:r>
+              <a:rPr lang="en-US" altLang="zh-CN" sz="1200" kern="1200" dirty="0" smtClean="0">
+                <a:solidFill>
+                  <a:schemeClr val="tx1"/>
+                </a:solidFill>
+                <a:latin typeface="+mn-lt"/>
+                <a:ea typeface="+mn-ea"/>
+                <a:cs typeface="+mn-cs"/>
+              </a:rPr>
+              <a:t>					</a:t>
+            </a:r>
+            <a:r>
+              <a:rPr lang="en-US" altLang="zh-CN" sz="1200" kern="1200" dirty="0" err="1" smtClean="0">
+                <a:solidFill>
+                  <a:schemeClr val="tx1"/>
+                </a:solidFill>
+                <a:latin typeface="+mn-lt"/>
+                <a:ea typeface="+mn-ea"/>
+                <a:cs typeface="+mn-cs"/>
+              </a:rPr>
+              <a:t>Log.</a:t>
+            </a:r>
+            <a:r>
+              <a:rPr lang="en-US" altLang="zh-CN" sz="1200" i="1" kern="1200" dirty="0" err="1" smtClean="0">
+                <a:solidFill>
+                  <a:schemeClr val="tx1"/>
+                </a:solidFill>
+                <a:latin typeface="+mn-lt"/>
+                <a:ea typeface="+mn-ea"/>
+                <a:cs typeface="+mn-cs"/>
+              </a:rPr>
+              <a:t>i</a:t>
+            </a:r>
+            <a:r>
+              <a:rPr lang="en-US" altLang="zh-CN" sz="1200" i="1" kern="1200" dirty="0" smtClean="0">
+                <a:solidFill>
+                  <a:schemeClr val="tx1"/>
+                </a:solidFill>
+                <a:latin typeface="+mn-lt"/>
+                <a:ea typeface="+mn-ea"/>
+                <a:cs typeface="+mn-cs"/>
+              </a:rPr>
+              <a:t>("android", "</a:t>
+            </a:r>
+            <a:r>
+              <a:rPr lang="en-US" altLang="zh-CN" sz="1200" i="1" kern="1200" dirty="0" err="1" smtClean="0">
+                <a:solidFill>
+                  <a:schemeClr val="tx1"/>
+                </a:solidFill>
+                <a:latin typeface="+mn-lt"/>
+                <a:ea typeface="+mn-ea"/>
+                <a:cs typeface="+mn-cs"/>
+              </a:rPr>
+              <a:t>httpClient</a:t>
+            </a:r>
+            <a:r>
+              <a:rPr lang="en-US" altLang="zh-CN" sz="1200" i="1" kern="1200" dirty="0" smtClean="0">
+                <a:solidFill>
+                  <a:schemeClr val="tx1"/>
+                </a:solidFill>
+                <a:latin typeface="+mn-lt"/>
+                <a:ea typeface="+mn-ea"/>
+                <a:cs typeface="+mn-cs"/>
+              </a:rPr>
+              <a:t> post</a:t>
+            </a:r>
+            <a:r>
+              <a:rPr lang="zh-CN" altLang="en-US" sz="1200" i="1" kern="1200" dirty="0" smtClean="0">
+                <a:solidFill>
+                  <a:schemeClr val="tx1"/>
+                </a:solidFill>
+                <a:latin typeface="+mn-lt"/>
+                <a:ea typeface="+mn-ea"/>
+                <a:cs typeface="+mn-cs"/>
+              </a:rPr>
+              <a:t>方式 </a:t>
+            </a:r>
+            <a:r>
+              <a:rPr lang="en-US" altLang="zh-CN" sz="1200" i="1" kern="1200" dirty="0" smtClean="0">
+                <a:solidFill>
+                  <a:schemeClr val="tx1"/>
+                </a:solidFill>
+                <a:latin typeface="+mn-lt"/>
+                <a:ea typeface="+mn-ea"/>
+                <a:cs typeface="+mn-cs"/>
+              </a:rPr>
+              <a:t>= " + value);</a:t>
+            </a:r>
+          </a:p>
+          <a:p>
+            <a:endParaRPr lang="en-US" altLang="zh-CN" sz="1200" kern="1200" dirty="0" smtClean="0">
+              <a:solidFill>
+                <a:schemeClr val="tx1"/>
+              </a:solidFill>
+              <a:latin typeface="+mn-lt"/>
+              <a:ea typeface="+mn-ea"/>
+              <a:cs typeface="+mn-cs"/>
+            </a:endParaRPr>
+          </a:p>
+          <a:p>
+            <a:r>
+              <a:rPr lang="en-US" altLang="zh-CN" sz="1200" kern="1200" dirty="0" smtClean="0">
+                <a:solidFill>
+                  <a:schemeClr val="tx1"/>
+                </a:solidFill>
+                <a:latin typeface="+mn-lt"/>
+                <a:ea typeface="+mn-ea"/>
+                <a:cs typeface="+mn-cs"/>
+              </a:rPr>
+              <a:t>				} </a:t>
+            </a:r>
+            <a:r>
+              <a:rPr lang="en-US" altLang="zh-CN" sz="1200" b="1" kern="1200" dirty="0" smtClean="0">
+                <a:solidFill>
+                  <a:schemeClr val="tx1"/>
+                </a:solidFill>
+                <a:latin typeface="+mn-lt"/>
+                <a:ea typeface="+mn-ea"/>
+                <a:cs typeface="+mn-cs"/>
+              </a:rPr>
+              <a:t>catch (</a:t>
+            </a:r>
+            <a:r>
+              <a:rPr lang="en-US" altLang="zh-CN" sz="1200" b="1" kern="1200" dirty="0" err="1" smtClean="0">
+                <a:solidFill>
+                  <a:schemeClr val="tx1"/>
+                </a:solidFill>
+                <a:latin typeface="+mn-lt"/>
+                <a:ea typeface="+mn-ea"/>
+                <a:cs typeface="+mn-cs"/>
+              </a:rPr>
+              <a:t>UnsupportedEncodingException</a:t>
+            </a:r>
+            <a:r>
+              <a:rPr lang="en-US" altLang="zh-CN" sz="1200" b="1" kern="1200" dirty="0" smtClean="0">
+                <a:solidFill>
+                  <a:schemeClr val="tx1"/>
+                </a:solidFill>
+                <a:latin typeface="+mn-lt"/>
+                <a:ea typeface="+mn-ea"/>
+                <a:cs typeface="+mn-cs"/>
+              </a:rPr>
+              <a:t> e) {</a:t>
+            </a:r>
+          </a:p>
+          <a:p>
+            <a:r>
+              <a:rPr lang="en-US" altLang="zh-CN" sz="1200" kern="1200" dirty="0" smtClean="0">
+                <a:solidFill>
+                  <a:schemeClr val="tx1"/>
+                </a:solidFill>
+                <a:latin typeface="+mn-lt"/>
+                <a:ea typeface="+mn-ea"/>
+                <a:cs typeface="+mn-cs"/>
+              </a:rPr>
+              <a:t>					// </a:t>
+            </a:r>
+            <a:r>
+              <a:rPr lang="en-US" altLang="zh-CN" sz="1200" b="1" kern="1200" dirty="0" smtClean="0">
+                <a:solidFill>
+                  <a:schemeClr val="tx1"/>
+                </a:solidFill>
+                <a:latin typeface="+mn-lt"/>
+                <a:ea typeface="+mn-ea"/>
+                <a:cs typeface="+mn-cs"/>
+              </a:rPr>
+              <a:t>TODO Auto-generated catch block</a:t>
+            </a:r>
+          </a:p>
+          <a:p>
+            <a:r>
+              <a:rPr lang="en-US" altLang="zh-CN" sz="1200" kern="1200" dirty="0" smtClean="0">
+                <a:solidFill>
+                  <a:schemeClr val="tx1"/>
+                </a:solidFill>
+                <a:latin typeface="+mn-lt"/>
+                <a:ea typeface="+mn-ea"/>
+                <a:cs typeface="+mn-cs"/>
+              </a:rPr>
+              <a:t>					</a:t>
+            </a:r>
+            <a:r>
+              <a:rPr lang="en-US" altLang="zh-CN" sz="1200" kern="1200" dirty="0" err="1" smtClean="0">
+                <a:solidFill>
+                  <a:schemeClr val="tx1"/>
+                </a:solidFill>
+                <a:latin typeface="+mn-lt"/>
+                <a:ea typeface="+mn-ea"/>
+                <a:cs typeface="+mn-cs"/>
+              </a:rPr>
+              <a:t>e.printStackTrace</a:t>
+            </a:r>
+            <a:r>
+              <a:rPr lang="en-US" altLang="zh-CN" sz="1200" kern="1200" dirty="0" smtClean="0">
+                <a:solidFill>
+                  <a:schemeClr val="tx1"/>
+                </a:solidFill>
+                <a:latin typeface="+mn-lt"/>
+                <a:ea typeface="+mn-ea"/>
+                <a:cs typeface="+mn-cs"/>
+              </a:rPr>
+              <a:t>();</a:t>
+            </a:r>
+          </a:p>
+          <a:p>
+            <a:r>
+              <a:rPr lang="en-US" altLang="zh-CN" sz="1200" kern="1200" dirty="0" smtClean="0">
+                <a:solidFill>
+                  <a:schemeClr val="tx1"/>
+                </a:solidFill>
+                <a:latin typeface="+mn-lt"/>
+                <a:ea typeface="+mn-ea"/>
+                <a:cs typeface="+mn-cs"/>
+              </a:rPr>
+              <a:t>				} </a:t>
+            </a:r>
+            <a:r>
+              <a:rPr lang="en-US" altLang="zh-CN" sz="1200" b="1" kern="1200" dirty="0" smtClean="0">
+                <a:solidFill>
+                  <a:schemeClr val="tx1"/>
+                </a:solidFill>
+                <a:latin typeface="+mn-lt"/>
+                <a:ea typeface="+mn-ea"/>
+                <a:cs typeface="+mn-cs"/>
+              </a:rPr>
+              <a:t>catch (</a:t>
+            </a:r>
+            <a:r>
+              <a:rPr lang="en-US" altLang="zh-CN" sz="1200" b="1" kern="1200" dirty="0" err="1" smtClean="0">
+                <a:solidFill>
+                  <a:schemeClr val="tx1"/>
+                </a:solidFill>
+                <a:latin typeface="+mn-lt"/>
+                <a:ea typeface="+mn-ea"/>
+                <a:cs typeface="+mn-cs"/>
+              </a:rPr>
+              <a:t>ClientProtocolException</a:t>
+            </a:r>
+            <a:r>
+              <a:rPr lang="en-US" altLang="zh-CN" sz="1200" b="1" kern="1200" dirty="0" smtClean="0">
+                <a:solidFill>
+                  <a:schemeClr val="tx1"/>
+                </a:solidFill>
+                <a:latin typeface="+mn-lt"/>
+                <a:ea typeface="+mn-ea"/>
+                <a:cs typeface="+mn-cs"/>
+              </a:rPr>
+              <a:t> e) {</a:t>
+            </a:r>
+          </a:p>
+          <a:p>
+            <a:r>
+              <a:rPr lang="en-US" altLang="zh-CN" sz="1200" kern="1200" dirty="0" smtClean="0">
+                <a:solidFill>
+                  <a:schemeClr val="tx1"/>
+                </a:solidFill>
+                <a:latin typeface="+mn-lt"/>
+                <a:ea typeface="+mn-ea"/>
+                <a:cs typeface="+mn-cs"/>
+              </a:rPr>
+              <a:t>					// </a:t>
+            </a:r>
+            <a:r>
+              <a:rPr lang="en-US" altLang="zh-CN" sz="1200" b="1" kern="1200" dirty="0" smtClean="0">
+                <a:solidFill>
+                  <a:schemeClr val="tx1"/>
+                </a:solidFill>
+                <a:latin typeface="+mn-lt"/>
+                <a:ea typeface="+mn-ea"/>
+                <a:cs typeface="+mn-cs"/>
+              </a:rPr>
+              <a:t>TODO Auto-generated catch block</a:t>
+            </a:r>
+          </a:p>
+          <a:p>
+            <a:r>
+              <a:rPr lang="en-US" altLang="zh-CN" sz="1200" kern="1200" dirty="0" smtClean="0">
+                <a:solidFill>
+                  <a:schemeClr val="tx1"/>
+                </a:solidFill>
+                <a:latin typeface="+mn-lt"/>
+                <a:ea typeface="+mn-ea"/>
+                <a:cs typeface="+mn-cs"/>
+              </a:rPr>
+              <a:t>					</a:t>
+            </a:r>
+            <a:r>
+              <a:rPr lang="en-US" altLang="zh-CN" sz="1200" kern="1200" dirty="0" err="1" smtClean="0">
+                <a:solidFill>
+                  <a:schemeClr val="tx1"/>
+                </a:solidFill>
+                <a:latin typeface="+mn-lt"/>
+                <a:ea typeface="+mn-ea"/>
+                <a:cs typeface="+mn-cs"/>
+              </a:rPr>
+              <a:t>e.printStackTrace</a:t>
+            </a:r>
+            <a:r>
+              <a:rPr lang="en-US" altLang="zh-CN" sz="1200" kern="1200" dirty="0" smtClean="0">
+                <a:solidFill>
+                  <a:schemeClr val="tx1"/>
+                </a:solidFill>
+                <a:latin typeface="+mn-lt"/>
+                <a:ea typeface="+mn-ea"/>
+                <a:cs typeface="+mn-cs"/>
+              </a:rPr>
+              <a:t>();</a:t>
+            </a:r>
+          </a:p>
+          <a:p>
+            <a:r>
+              <a:rPr lang="en-US" altLang="zh-CN" sz="1200" kern="1200" dirty="0" smtClean="0">
+                <a:solidFill>
+                  <a:schemeClr val="tx1"/>
+                </a:solidFill>
+                <a:latin typeface="+mn-lt"/>
+                <a:ea typeface="+mn-ea"/>
+                <a:cs typeface="+mn-cs"/>
+              </a:rPr>
+              <a:t>				} </a:t>
+            </a:r>
+            <a:r>
+              <a:rPr lang="en-US" altLang="zh-CN" sz="1200" b="1" kern="1200" dirty="0" smtClean="0">
+                <a:solidFill>
+                  <a:schemeClr val="tx1"/>
+                </a:solidFill>
+                <a:latin typeface="+mn-lt"/>
+                <a:ea typeface="+mn-ea"/>
+                <a:cs typeface="+mn-cs"/>
+              </a:rPr>
+              <a:t>catch (</a:t>
+            </a:r>
+            <a:r>
+              <a:rPr lang="en-US" altLang="zh-CN" sz="1200" b="1" kern="1200" dirty="0" err="1" smtClean="0">
+                <a:solidFill>
+                  <a:schemeClr val="tx1"/>
+                </a:solidFill>
+                <a:latin typeface="+mn-lt"/>
+                <a:ea typeface="+mn-ea"/>
+                <a:cs typeface="+mn-cs"/>
+              </a:rPr>
+              <a:t>IOException</a:t>
+            </a:r>
+            <a:r>
+              <a:rPr lang="en-US" altLang="zh-CN" sz="1200" b="1" kern="1200" dirty="0" smtClean="0">
+                <a:solidFill>
+                  <a:schemeClr val="tx1"/>
+                </a:solidFill>
+                <a:latin typeface="+mn-lt"/>
+                <a:ea typeface="+mn-ea"/>
+                <a:cs typeface="+mn-cs"/>
+              </a:rPr>
+              <a:t> e) {</a:t>
+            </a:r>
+          </a:p>
+          <a:p>
+            <a:r>
+              <a:rPr lang="en-US" altLang="zh-CN" sz="1200" kern="1200" dirty="0" smtClean="0">
+                <a:solidFill>
+                  <a:schemeClr val="tx1"/>
+                </a:solidFill>
+                <a:latin typeface="+mn-lt"/>
+                <a:ea typeface="+mn-ea"/>
+                <a:cs typeface="+mn-cs"/>
+              </a:rPr>
+              <a:t>					// </a:t>
+            </a:r>
+            <a:r>
+              <a:rPr lang="en-US" altLang="zh-CN" sz="1200" b="1" kern="1200" dirty="0" smtClean="0">
+                <a:solidFill>
+                  <a:schemeClr val="tx1"/>
+                </a:solidFill>
+                <a:latin typeface="+mn-lt"/>
+                <a:ea typeface="+mn-ea"/>
+                <a:cs typeface="+mn-cs"/>
+              </a:rPr>
+              <a:t>TODO Auto-generated catch block</a:t>
+            </a:r>
+          </a:p>
+          <a:p>
+            <a:r>
+              <a:rPr lang="en-US" altLang="zh-CN" sz="1200" kern="1200" dirty="0" smtClean="0">
+                <a:solidFill>
+                  <a:schemeClr val="tx1"/>
+                </a:solidFill>
+                <a:latin typeface="+mn-lt"/>
+                <a:ea typeface="+mn-ea"/>
+                <a:cs typeface="+mn-cs"/>
+              </a:rPr>
+              <a:t>					</a:t>
+            </a:r>
+            <a:r>
+              <a:rPr lang="en-US" altLang="zh-CN" sz="1200" kern="1200" dirty="0" err="1" smtClean="0">
+                <a:solidFill>
+                  <a:schemeClr val="tx1"/>
+                </a:solidFill>
+                <a:latin typeface="+mn-lt"/>
+                <a:ea typeface="+mn-ea"/>
+                <a:cs typeface="+mn-cs"/>
+              </a:rPr>
+              <a:t>e.printStackTrace</a:t>
+            </a:r>
+            <a:r>
+              <a:rPr lang="en-US" altLang="zh-CN" sz="1200" kern="1200" dirty="0" smtClean="0">
+                <a:solidFill>
+                  <a:schemeClr val="tx1"/>
+                </a:solidFill>
+                <a:latin typeface="+mn-lt"/>
+                <a:ea typeface="+mn-ea"/>
+                <a:cs typeface="+mn-cs"/>
+              </a:rPr>
+              <a:t>();</a:t>
+            </a:r>
+          </a:p>
+          <a:p>
+            <a:r>
+              <a:rPr lang="en-US" altLang="zh-CN" sz="1200" kern="1200" dirty="0" smtClean="0">
+                <a:solidFill>
+                  <a:schemeClr val="tx1"/>
+                </a:solidFill>
+                <a:latin typeface="+mn-lt"/>
+                <a:ea typeface="+mn-ea"/>
+                <a:cs typeface="+mn-cs"/>
+              </a:rPr>
+              <a:t>				}</a:t>
+            </a:r>
+          </a:p>
+          <a:p>
+            <a:endParaRPr kumimoji="1" lang="en-US" altLang="zh-CN" sz="1200" kern="1200" dirty="0" smtClean="0">
+              <a:solidFill>
+                <a:schemeClr val="tx1"/>
+              </a:solidFill>
+              <a:latin typeface="+mn-lt"/>
+              <a:ea typeface="+mn-ea"/>
+              <a:cs typeface="+mn-cs"/>
+            </a:endParaRPr>
+          </a:p>
+          <a:p>
             <a:endParaRPr kumimoji="1" lang="zh-CN" altLang="en-US" dirty="0"/>
           </a:p>
         </p:txBody>
@@ -9562,7 +11001,7 @@
           <a:p>
             <a:fld id="{78D5617F-8706-C243-AA34-EA73F1578B19}" type="datetimeFigureOut">
               <a:rPr kumimoji="1" lang="zh-CN" altLang="en-US" smtClean="0"/>
-              <a:t>15/3/16</a:t>
+              <a:t>15/3/17</a:t>
             </a:fld>
             <a:endParaRPr kumimoji="1" lang="zh-CN" altLang="en-US"/>
           </a:p>
@@ -9732,7 +11171,7 @@
           <a:p>
             <a:fld id="{78D5617F-8706-C243-AA34-EA73F1578B19}" type="datetimeFigureOut">
               <a:rPr kumimoji="1" lang="zh-CN" altLang="en-US" smtClean="0"/>
-              <a:t>15/3/16</a:t>
+              <a:t>15/3/17</a:t>
             </a:fld>
             <a:endParaRPr kumimoji="1" lang="zh-CN" altLang="en-US"/>
           </a:p>
@@ -9912,7 +11351,7 @@
           <a:p>
             <a:fld id="{78D5617F-8706-C243-AA34-EA73F1578B19}" type="datetimeFigureOut">
               <a:rPr kumimoji="1" lang="zh-CN" altLang="en-US" smtClean="0"/>
-              <a:t>15/3/16</a:t>
+              <a:t>15/3/17</a:t>
             </a:fld>
             <a:endParaRPr kumimoji="1" lang="zh-CN" altLang="en-US"/>
           </a:p>
@@ -10082,7 +11521,7 @@
           <a:p>
             <a:fld id="{78D5617F-8706-C243-AA34-EA73F1578B19}" type="datetimeFigureOut">
               <a:rPr kumimoji="1" lang="zh-CN" altLang="en-US" smtClean="0"/>
-              <a:t>15/3/16</a:t>
+              <a:t>15/3/17</a:t>
             </a:fld>
             <a:endParaRPr kumimoji="1" lang="zh-CN" altLang="en-US"/>
           </a:p>
@@ -10328,7 +11767,7 @@
           <a:p>
             <a:fld id="{78D5617F-8706-C243-AA34-EA73F1578B19}" type="datetimeFigureOut">
               <a:rPr kumimoji="1" lang="zh-CN" altLang="en-US" smtClean="0"/>
-              <a:t>15/3/16</a:t>
+              <a:t>15/3/17</a:t>
             </a:fld>
             <a:endParaRPr kumimoji="1" lang="zh-CN" altLang="en-US"/>
           </a:p>
@@ -10616,7 +12055,7 @@
           <a:p>
             <a:fld id="{78D5617F-8706-C243-AA34-EA73F1578B19}" type="datetimeFigureOut">
               <a:rPr kumimoji="1" lang="zh-CN" altLang="en-US" smtClean="0"/>
-              <a:t>15/3/16</a:t>
+              <a:t>15/3/17</a:t>
             </a:fld>
             <a:endParaRPr kumimoji="1" lang="zh-CN" altLang="en-US"/>
           </a:p>
@@ -11038,7 +12477,7 @@
           <a:p>
             <a:fld id="{78D5617F-8706-C243-AA34-EA73F1578B19}" type="datetimeFigureOut">
               <a:rPr kumimoji="1" lang="zh-CN" altLang="en-US" smtClean="0"/>
-              <a:t>15/3/16</a:t>
+              <a:t>15/3/17</a:t>
             </a:fld>
             <a:endParaRPr kumimoji="1" lang="zh-CN" altLang="en-US"/>
           </a:p>
@@ -11156,7 +12595,7 @@
           <a:p>
             <a:fld id="{78D5617F-8706-C243-AA34-EA73F1578B19}" type="datetimeFigureOut">
               <a:rPr kumimoji="1" lang="zh-CN" altLang="en-US" smtClean="0"/>
-              <a:t>15/3/16</a:t>
+              <a:t>15/3/17</a:t>
             </a:fld>
             <a:endParaRPr kumimoji="1" lang="zh-CN" altLang="en-US"/>
           </a:p>
@@ -11251,7 +12690,7 @@
           <a:p>
             <a:fld id="{78D5617F-8706-C243-AA34-EA73F1578B19}" type="datetimeFigureOut">
               <a:rPr kumimoji="1" lang="zh-CN" altLang="en-US" smtClean="0"/>
-              <a:t>15/3/16</a:t>
+              <a:t>15/3/17</a:t>
             </a:fld>
             <a:endParaRPr kumimoji="1" lang="zh-CN" altLang="en-US"/>
           </a:p>
@@ -11528,7 +12967,7 @@
           <a:p>
             <a:fld id="{78D5617F-8706-C243-AA34-EA73F1578B19}" type="datetimeFigureOut">
               <a:rPr kumimoji="1" lang="zh-CN" altLang="en-US" smtClean="0"/>
-              <a:t>15/3/16</a:t>
+              <a:t>15/3/17</a:t>
             </a:fld>
             <a:endParaRPr kumimoji="1" lang="zh-CN" altLang="en-US"/>
           </a:p>
@@ -11781,7 +13220,7 @@
           <a:p>
             <a:fld id="{78D5617F-8706-C243-AA34-EA73F1578B19}" type="datetimeFigureOut">
               <a:rPr kumimoji="1" lang="zh-CN" altLang="en-US" smtClean="0"/>
-              <a:t>15/3/16</a:t>
+              <a:t>15/3/17</a:t>
             </a:fld>
             <a:endParaRPr kumimoji="1" lang="zh-CN" altLang="en-US"/>
           </a:p>
@@ -11994,7 +13433,7 @@
           <a:p>
             <a:fld id="{78D5617F-8706-C243-AA34-EA73F1578B19}" type="datetimeFigureOut">
               <a:rPr kumimoji="1" lang="zh-CN" altLang="en-US" smtClean="0"/>
-              <a:t>15/3/16</a:t>
+              <a:t>15/3/17</a:t>
             </a:fld>
             <a:endParaRPr kumimoji="1" lang="zh-CN" altLang="en-US"/>
           </a:p>
@@ -13378,9 +14817,16 @@
             <p:ph idx="1"/>
           </p:nvPr>
         </p:nvSpPr>
-        <p:spPr/>
+        <p:spPr>
+          <a:xfrm>
+            <a:off x="457200" y="1600200"/>
+            <a:ext cx="8229600" cy="5257800"/>
+          </a:xfrm>
+        </p:spPr>
         <p:txBody>
-          <a:bodyPr/>
+          <a:bodyPr>
+            <a:normAutofit/>
+          </a:bodyPr>
           <a:lstStyle/>
           <a:p>
             <a:r>
@@ -13463,7 +14909,218 @@
             </a:r>
             <a:r>
               <a:rPr kumimoji="1" lang="zh-CN" altLang="en-US" sz="2000" dirty="0" smtClean="0"/>
-              <a:t>使我们网络更加的方便。</a:t>
+              <a:t>使我们网络更加的方便</a:t>
+            </a:r>
+            <a:r>
+              <a:rPr kumimoji="1" lang="zh-CN" altLang="en-US" sz="2000" dirty="0" smtClean="0"/>
+              <a:t>。</a:t>
+            </a:r>
+            <a:endParaRPr kumimoji="1" lang="en-US" altLang="zh-CN" sz="2000" dirty="0" smtClean="0"/>
+          </a:p>
+          <a:p>
+            <a:endParaRPr kumimoji="1" lang="en-US" altLang="zh-CN" sz="2000" dirty="0"/>
+          </a:p>
+          <a:p>
+            <a:r>
+              <a:rPr lang="en-US" altLang="zh-CN" sz="2000" dirty="0" err="1" smtClean="0"/>
+              <a:t>HttpClient</a:t>
+            </a:r>
+            <a:r>
+              <a:rPr lang="zh-CN" altLang="en-US" sz="2000" dirty="0" smtClean="0"/>
+              <a:t> </a:t>
+            </a:r>
+            <a:r>
+              <a:rPr lang="en-US" altLang="zh-CN" sz="2000" dirty="0" err="1" smtClean="0"/>
+              <a:t>mHttpClient</a:t>
+            </a:r>
+            <a:r>
+              <a:rPr lang="en-US" altLang="zh-CN" sz="2000" dirty="0" smtClean="0"/>
+              <a:t> </a:t>
+            </a:r>
+            <a:r>
+              <a:rPr lang="en-US" altLang="zh-CN" sz="2000" dirty="0"/>
+              <a:t>= </a:t>
+            </a:r>
+            <a:r>
+              <a:rPr lang="en-US" altLang="zh-CN" sz="2000" b="1" dirty="0"/>
+              <a:t>new </a:t>
+            </a:r>
+            <a:r>
+              <a:rPr lang="en-US" altLang="zh-CN" sz="2000" b="1" dirty="0" err="1"/>
+              <a:t>DefaultHttpClient</a:t>
+            </a:r>
+            <a:r>
+              <a:rPr lang="en-US" altLang="zh-CN" sz="2000" b="1" dirty="0"/>
+              <a:t>()</a:t>
+            </a:r>
+            <a:r>
+              <a:rPr lang="en-US" altLang="zh-CN" sz="2000" b="1" dirty="0" smtClean="0"/>
+              <a:t>;</a:t>
+            </a:r>
+          </a:p>
+          <a:p>
+            <a:r>
+              <a:rPr lang="en-US" altLang="zh-CN" sz="2000" dirty="0" err="1"/>
+              <a:t>HttpPost</a:t>
+            </a:r>
+            <a:r>
+              <a:rPr lang="en-US" altLang="zh-CN" sz="2000" dirty="0"/>
+              <a:t> post = </a:t>
+            </a:r>
+            <a:r>
+              <a:rPr lang="en-US" altLang="zh-CN" sz="2000" b="1" dirty="0"/>
+              <a:t>new </a:t>
+            </a:r>
+            <a:r>
+              <a:rPr lang="en-US" altLang="zh-CN" sz="2000" b="1" dirty="0" err="1"/>
+              <a:t>HttpPost</a:t>
+            </a:r>
+            <a:r>
+              <a:rPr lang="en-US" altLang="zh-CN" sz="2000" b="1" dirty="0"/>
+              <a:t>(</a:t>
+            </a:r>
+            <a:r>
+              <a:rPr lang="en-US" altLang="zh-CN" sz="2000" b="1" dirty="0" err="1"/>
+              <a:t>uriPost</a:t>
+            </a:r>
+            <a:r>
+              <a:rPr lang="en-US" altLang="zh-CN" sz="2000" b="1" dirty="0"/>
+              <a:t>)</a:t>
+            </a:r>
+            <a:r>
+              <a:rPr lang="en-US" altLang="zh-CN" sz="2000" b="1" dirty="0" smtClean="0"/>
+              <a:t>;</a:t>
+            </a:r>
+          </a:p>
+          <a:p>
+            <a:r>
+              <a:rPr lang="en-US" altLang="zh-CN" sz="2000" dirty="0" err="1"/>
+              <a:t>HttpResponse</a:t>
+            </a:r>
+            <a:r>
+              <a:rPr lang="en-US" altLang="zh-CN" sz="2000" dirty="0"/>
+              <a:t> response = </a:t>
+            </a:r>
+            <a:r>
+              <a:rPr lang="en-US" altLang="zh-CN" sz="2000" dirty="0" err="1"/>
+              <a:t>mHttpClient.execute</a:t>
+            </a:r>
+            <a:r>
+              <a:rPr lang="en-US" altLang="zh-CN" sz="2000" dirty="0"/>
+              <a:t>(post)</a:t>
+            </a:r>
+            <a:r>
+              <a:rPr lang="en-US" altLang="zh-CN" sz="2000" dirty="0" smtClean="0"/>
+              <a:t>;</a:t>
+            </a:r>
+          </a:p>
+          <a:p>
+            <a:r>
+              <a:rPr lang="en-US" altLang="zh-CN" sz="2000" dirty="0"/>
+              <a:t>String value = </a:t>
+            </a:r>
+            <a:r>
+              <a:rPr lang="en-US" altLang="zh-CN" sz="2000" dirty="0" err="1"/>
+              <a:t>EntityUtils.</a:t>
+            </a:r>
+            <a:r>
+              <a:rPr lang="en-US" altLang="zh-CN" sz="2000" i="1" dirty="0" err="1"/>
+              <a:t>toString</a:t>
+            </a:r>
+            <a:r>
+              <a:rPr lang="en-US" altLang="zh-CN" sz="2000" i="1" dirty="0"/>
+              <a:t>(</a:t>
+            </a:r>
+            <a:r>
+              <a:rPr lang="en-US" altLang="zh-CN" sz="2000" i="1" dirty="0" err="1"/>
+              <a:t>response.getEntity</a:t>
+            </a:r>
+            <a:r>
+              <a:rPr lang="en-US" altLang="zh-CN" sz="2000" i="1" dirty="0"/>
+              <a:t>());</a:t>
+            </a:r>
+            <a:endParaRPr lang="en-US" altLang="zh-CN" sz="2000" dirty="0" smtClean="0"/>
+          </a:p>
+          <a:p>
+            <a:endParaRPr kumimoji="1" lang="en-US" altLang="zh-CN" sz="2000" dirty="0"/>
+          </a:p>
+          <a:p>
+            <a:r>
+              <a:rPr lang="en-US" altLang="zh-CN" sz="2000" dirty="0" err="1"/>
+              <a:t>HttpGet</a:t>
+            </a:r>
+            <a:r>
+              <a:rPr lang="en-US" altLang="zh-CN" sz="2000" dirty="0"/>
+              <a:t> get = </a:t>
+            </a:r>
+            <a:r>
+              <a:rPr lang="en-US" altLang="zh-CN" sz="2000" b="1" dirty="0"/>
+              <a:t>new </a:t>
+            </a:r>
+            <a:r>
+              <a:rPr lang="en-US" altLang="zh-CN" sz="2000" b="1" dirty="0" err="1"/>
+              <a:t>HttpGet</a:t>
+            </a:r>
+            <a:r>
+              <a:rPr lang="en-US" altLang="zh-CN" sz="2000" b="1" dirty="0"/>
+              <a:t>(</a:t>
+            </a:r>
+            <a:r>
+              <a:rPr lang="en-US" altLang="zh-CN" sz="2000" b="1" dirty="0" err="1"/>
+              <a:t>uriGet</a:t>
+            </a:r>
+            <a:r>
+              <a:rPr lang="en-US" altLang="zh-CN" sz="2000" b="1" dirty="0"/>
+              <a:t>)</a:t>
+            </a:r>
+            <a:r>
+              <a:rPr lang="en-US" altLang="zh-CN" sz="2000" b="1" dirty="0" smtClean="0"/>
+              <a:t>;</a:t>
+            </a:r>
+          </a:p>
+          <a:p>
+            <a:r>
+              <a:rPr lang="en-US" altLang="zh-CN" sz="2000" dirty="0" err="1"/>
+              <a:t>HttpResponse</a:t>
+            </a:r>
+            <a:r>
+              <a:rPr lang="en-US" altLang="zh-CN" sz="2000" dirty="0"/>
+              <a:t> response = </a:t>
+            </a:r>
+            <a:r>
+              <a:rPr lang="en-US" altLang="zh-CN" sz="2000" dirty="0" err="1"/>
+              <a:t>mHttpClient.execute</a:t>
+            </a:r>
+            <a:r>
+              <a:rPr lang="en-US" altLang="zh-CN" sz="2000" dirty="0"/>
+              <a:t>(get);</a:t>
+            </a:r>
+            <a:endParaRPr lang="en-US" altLang="zh-CN" sz="2000" b="1" dirty="0" smtClean="0"/>
+          </a:p>
+          <a:p>
+            <a:r>
+              <a:rPr lang="en-US" altLang="zh-CN" sz="2000" dirty="0"/>
+              <a:t>String value = </a:t>
+            </a:r>
+            <a:r>
+              <a:rPr lang="en-US" altLang="zh-CN" sz="2000" dirty="0" err="1"/>
+              <a:t>EntityUtils.</a:t>
+            </a:r>
+            <a:r>
+              <a:rPr lang="en-US" altLang="zh-CN" sz="2000" i="1" dirty="0" err="1"/>
+              <a:t>toString</a:t>
+            </a:r>
+            <a:r>
+              <a:rPr lang="en-US" altLang="zh-CN" sz="2000" i="1" dirty="0"/>
+              <a:t>(</a:t>
+            </a:r>
+            <a:r>
+              <a:rPr lang="en-US" altLang="zh-CN" sz="2000" i="1" dirty="0" err="1"/>
+              <a:t>response.getEntity</a:t>
+            </a:r>
+            <a:r>
+              <a:rPr lang="en-US" altLang="zh-CN" sz="2000" i="1" dirty="0"/>
+              <a:t>());</a:t>
             </a:r>
             <a:endParaRPr kumimoji="1" lang="en-US" altLang="zh-CN" sz="2000" dirty="0" smtClean="0"/>
           </a:p>

--- a/文件资料/Android培训-2.pptx
+++ b/文件资料/Android培训-2.pptx
@@ -5,7 +5,7 @@
     <p:sldMasterId id="2147483648" r:id="rId1"/>
   </p:sldMasterIdLst>
   <p:notesMasterIdLst>
-    <p:notesMasterId r:id="rId17"/>
+    <p:notesMasterId r:id="rId18"/>
   </p:notesMasterIdLst>
   <p:sldIdLst>
     <p:sldId id="256" r:id="rId2"/>
@@ -23,6 +23,7 @@
     <p:sldId id="270" r:id="rId14"/>
     <p:sldId id="260" r:id="rId15"/>
     <p:sldId id="271" r:id="rId16"/>
+    <p:sldId id="272" r:id="rId17"/>
   </p:sldIdLst>
   <p:sldSz cx="9144000" cy="6858000" type="screen4x3"/>
   <p:notesSz cx="6858000" cy="9144000"/>
@@ -206,7 +207,7 @@
           <a:p>
             <a:fld id="{52026B6E-E729-B54B-921E-F5D1C56799BF}" type="datetimeFigureOut">
               <a:rPr kumimoji="1" lang="zh-CN" altLang="en-US" smtClean="0"/>
-              <a:t>15/3/17</a:t>
+              <a:t>15/3/19</a:t>
             </a:fld>
             <a:endParaRPr kumimoji="1" lang="zh-CN" altLang="en-US"/>
           </a:p>
@@ -9339,18 +9340,7 @@
                 <a:ea typeface="+mn-ea"/>
                 <a:cs typeface="+mn-cs"/>
               </a:rPr>
-              <a:t>, 10000)</a:t>
-            </a:r>
-            <a:r>
-              <a:rPr lang="en-US" altLang="zh-CN" sz="1200" i="1" kern="1200" dirty="0" smtClean="0">
-                <a:solidFill>
-                  <a:schemeClr val="tx1"/>
-                </a:solidFill>
-                <a:latin typeface="+mn-lt"/>
-                <a:ea typeface="+mn-ea"/>
-                <a:cs typeface="+mn-cs"/>
-              </a:rPr>
-              <a:t>;</a:t>
+              <a:t>, 10000);</a:t>
             </a:r>
           </a:p>
           <a:p>
@@ -11001,7 +10991,7 @@
           <a:p>
             <a:fld id="{78D5617F-8706-C243-AA34-EA73F1578B19}" type="datetimeFigureOut">
               <a:rPr kumimoji="1" lang="zh-CN" altLang="en-US" smtClean="0"/>
-              <a:t>15/3/17</a:t>
+              <a:t>15/3/19</a:t>
             </a:fld>
             <a:endParaRPr kumimoji="1" lang="zh-CN" altLang="en-US"/>
           </a:p>
@@ -11171,7 +11161,7 @@
           <a:p>
             <a:fld id="{78D5617F-8706-C243-AA34-EA73F1578B19}" type="datetimeFigureOut">
               <a:rPr kumimoji="1" lang="zh-CN" altLang="en-US" smtClean="0"/>
-              <a:t>15/3/17</a:t>
+              <a:t>15/3/19</a:t>
             </a:fld>
             <a:endParaRPr kumimoji="1" lang="zh-CN" altLang="en-US"/>
           </a:p>
@@ -11351,7 +11341,7 @@
           <a:p>
             <a:fld id="{78D5617F-8706-C243-AA34-EA73F1578B19}" type="datetimeFigureOut">
               <a:rPr kumimoji="1" lang="zh-CN" altLang="en-US" smtClean="0"/>
-              <a:t>15/3/17</a:t>
+              <a:t>15/3/19</a:t>
             </a:fld>
             <a:endParaRPr kumimoji="1" lang="zh-CN" altLang="en-US"/>
           </a:p>
@@ -11521,7 +11511,7 @@
           <a:p>
             <a:fld id="{78D5617F-8706-C243-AA34-EA73F1578B19}" type="datetimeFigureOut">
               <a:rPr kumimoji="1" lang="zh-CN" altLang="en-US" smtClean="0"/>
-              <a:t>15/3/17</a:t>
+              <a:t>15/3/19</a:t>
             </a:fld>
             <a:endParaRPr kumimoji="1" lang="zh-CN" altLang="en-US"/>
           </a:p>
@@ -11767,7 +11757,7 @@
           <a:p>
             <a:fld id="{78D5617F-8706-C243-AA34-EA73F1578B19}" type="datetimeFigureOut">
               <a:rPr kumimoji="1" lang="zh-CN" altLang="en-US" smtClean="0"/>
-              <a:t>15/3/17</a:t>
+              <a:t>15/3/19</a:t>
             </a:fld>
             <a:endParaRPr kumimoji="1" lang="zh-CN" altLang="en-US"/>
           </a:p>
@@ -12055,7 +12045,7 @@
           <a:p>
             <a:fld id="{78D5617F-8706-C243-AA34-EA73F1578B19}" type="datetimeFigureOut">
               <a:rPr kumimoji="1" lang="zh-CN" altLang="en-US" smtClean="0"/>
-              <a:t>15/3/17</a:t>
+              <a:t>15/3/19</a:t>
             </a:fld>
             <a:endParaRPr kumimoji="1" lang="zh-CN" altLang="en-US"/>
           </a:p>
@@ -12477,7 +12467,7 @@
           <a:p>
             <a:fld id="{78D5617F-8706-C243-AA34-EA73F1578B19}" type="datetimeFigureOut">
               <a:rPr kumimoji="1" lang="zh-CN" altLang="en-US" smtClean="0"/>
-              <a:t>15/3/17</a:t>
+              <a:t>15/3/19</a:t>
             </a:fld>
             <a:endParaRPr kumimoji="1" lang="zh-CN" altLang="en-US"/>
           </a:p>
@@ -12595,7 +12585,7 @@
           <a:p>
             <a:fld id="{78D5617F-8706-C243-AA34-EA73F1578B19}" type="datetimeFigureOut">
               <a:rPr kumimoji="1" lang="zh-CN" altLang="en-US" smtClean="0"/>
-              <a:t>15/3/17</a:t>
+              <a:t>15/3/19</a:t>
             </a:fld>
             <a:endParaRPr kumimoji="1" lang="zh-CN" altLang="en-US"/>
           </a:p>
@@ -12690,7 +12680,7 @@
           <a:p>
             <a:fld id="{78D5617F-8706-C243-AA34-EA73F1578B19}" type="datetimeFigureOut">
               <a:rPr kumimoji="1" lang="zh-CN" altLang="en-US" smtClean="0"/>
-              <a:t>15/3/17</a:t>
+              <a:t>15/3/19</a:t>
             </a:fld>
             <a:endParaRPr kumimoji="1" lang="zh-CN" altLang="en-US"/>
           </a:p>
@@ -12967,7 +12957,7 @@
           <a:p>
             <a:fld id="{78D5617F-8706-C243-AA34-EA73F1578B19}" type="datetimeFigureOut">
               <a:rPr kumimoji="1" lang="zh-CN" altLang="en-US" smtClean="0"/>
-              <a:t>15/3/17</a:t>
+              <a:t>15/3/19</a:t>
             </a:fld>
             <a:endParaRPr kumimoji="1" lang="zh-CN" altLang="en-US"/>
           </a:p>
@@ -13220,7 +13210,7 @@
           <a:p>
             <a:fld id="{78D5617F-8706-C243-AA34-EA73F1578B19}" type="datetimeFigureOut">
               <a:rPr kumimoji="1" lang="zh-CN" altLang="en-US" smtClean="0"/>
-              <a:t>15/3/17</a:t>
+              <a:t>15/3/19</a:t>
             </a:fld>
             <a:endParaRPr kumimoji="1" lang="zh-CN" altLang="en-US"/>
           </a:p>
@@ -13433,7 +13423,7 @@
           <a:p>
             <a:fld id="{78D5617F-8706-C243-AA34-EA73F1578B19}" type="datetimeFigureOut">
               <a:rPr kumimoji="1" lang="zh-CN" altLang="en-US" smtClean="0"/>
-              <a:t>15/3/17</a:t>
+              <a:t>15/3/19</a:t>
             </a:fld>
             <a:endParaRPr kumimoji="1" lang="zh-CN" altLang="en-US"/>
           </a:p>
@@ -14909,11 +14899,7 @@
             </a:r>
             <a:r>
               <a:rPr kumimoji="1" lang="zh-CN" altLang="en-US" sz="2000" dirty="0" smtClean="0"/>
-              <a:t>使我们网络更加的方便</a:t>
-            </a:r>
-            <a:r>
-              <a:rPr kumimoji="1" lang="zh-CN" altLang="en-US" sz="2000" dirty="0" smtClean="0"/>
-              <a:t>。</a:t>
+              <a:t>使我们网络更加的方便。</a:t>
             </a:r>
             <a:endParaRPr kumimoji="1" lang="en-US" altLang="zh-CN" sz="2000" dirty="0" smtClean="0"/>
           </a:p>
@@ -15130,6 +15116,106 @@
     <p:extLst>
       <p:ext uri="{BB962C8B-B14F-4D97-AF65-F5344CB8AC3E}">
         <p14:creationId xmlns:p14="http://schemas.microsoft.com/office/powerpoint/2010/main" val="964274611"/>
+      </p:ext>
+    </p:extLst>
+  </p:cSld>
+  <p:clrMapOvr>
+    <a:masterClrMapping/>
+  </p:clrMapOvr>
+</p:sld>
+</file>
+
+<file path=ppt/slides/slide16.xml><?xml version="1.0" encoding="utf-8"?>
+<p:sld xmlns:a="http://schemas.openxmlformats.org/drawingml/2006/main" xmlns:r="http://schemas.openxmlformats.org/officeDocument/2006/relationships" xmlns:p="http://schemas.openxmlformats.org/presentationml/2006/main">
+  <p:cSld>
+    <p:spTree>
+      <p:nvGrpSpPr>
+        <p:cNvPr id="1" name=""/>
+        <p:cNvGrpSpPr/>
+        <p:nvPr/>
+      </p:nvGrpSpPr>
+      <p:grpSpPr>
+        <a:xfrm>
+          <a:off x="0" y="0"/>
+          <a:ext cx="0" cy="0"/>
+          <a:chOff x="0" y="0"/>
+          <a:chExt cx="0" cy="0"/>
+        </a:xfrm>
+      </p:grpSpPr>
+      <p:sp>
+        <p:nvSpPr>
+          <p:cNvPr id="2" name="标题 1"/>
+          <p:cNvSpPr>
+            <a:spLocks noGrp="1"/>
+          </p:cNvSpPr>
+          <p:nvPr>
+            <p:ph type="title"/>
+          </p:nvPr>
+        </p:nvSpPr>
+        <p:spPr/>
+        <p:txBody>
+          <a:bodyPr/>
+          <a:lstStyle/>
+          <a:p>
+            <a:r>
+              <a:rPr kumimoji="1" lang="zh-CN" altLang="en-US" dirty="0" smtClean="0"/>
+              <a:t>知识汇总</a:t>
+            </a:r>
+            <a:endParaRPr kumimoji="1" lang="zh-CN" altLang="en-US" dirty="0"/>
+          </a:p>
+        </p:txBody>
+      </p:sp>
+      <p:sp>
+        <p:nvSpPr>
+          <p:cNvPr id="3" name="内容占位符 2"/>
+          <p:cNvSpPr>
+            <a:spLocks noGrp="1"/>
+          </p:cNvSpPr>
+          <p:nvPr>
+            <p:ph idx="1"/>
+          </p:nvPr>
+        </p:nvSpPr>
+        <p:spPr/>
+        <p:txBody>
+          <a:bodyPr/>
+          <a:lstStyle/>
+          <a:p>
+            <a:r>
+              <a:rPr kumimoji="1" lang="en-US" altLang="zh-CN" dirty="0"/>
+              <a:t>http://</a:t>
+            </a:r>
+            <a:r>
+              <a:rPr kumimoji="1" lang="en-US" altLang="zh-CN" dirty="0" err="1"/>
+              <a:t>www.eoeandroid.com</a:t>
+            </a:r>
+            <a:r>
+              <a:rPr kumimoji="1" lang="en-US" altLang="zh-CN" dirty="0"/>
+              <a:t>/</a:t>
+            </a:r>
+            <a:r>
+              <a:rPr kumimoji="1" lang="en-US" altLang="zh-CN" dirty="0" err="1"/>
+              <a:t>forum.php?mod</a:t>
+            </a:r>
+            <a:r>
+              <a:rPr kumimoji="1" lang="en-US" altLang="zh-CN" dirty="0"/>
+              <a:t>=</a:t>
+            </a:r>
+            <a:r>
+              <a:rPr kumimoji="1" lang="en-US" altLang="zh-CN" dirty="0" err="1"/>
+              <a:t>viewthread&amp;tid</a:t>
+            </a:r>
+            <a:r>
+              <a:rPr kumimoji="1" lang="en-US" altLang="zh-CN" dirty="0"/>
+              <a:t>=168008</a:t>
+            </a:r>
+            <a:endParaRPr kumimoji="1" lang="zh-CN" altLang="en-US" dirty="0"/>
+          </a:p>
+        </p:txBody>
+      </p:sp>
+    </p:spTree>
+    <p:extLst>
+      <p:ext uri="{BB962C8B-B14F-4D97-AF65-F5344CB8AC3E}">
+        <p14:creationId xmlns:p14="http://schemas.microsoft.com/office/powerpoint/2010/main" val="1148827120"/>
       </p:ext>
     </p:extLst>
   </p:cSld>
